--- a/documentos/Presentacion.pptx
+++ b/documentos/Presentacion.pptx
@@ -8,26 +8,30 @@
     <p:sldId id="272" r:id="rId2"/>
     <p:sldId id="260" r:id="rId3"/>
     <p:sldId id="273" r:id="rId4"/>
-    <p:sldId id="274" r:id="rId5"/>
-    <p:sldId id="275" r:id="rId6"/>
-    <p:sldId id="278" r:id="rId7"/>
-    <p:sldId id="292" r:id="rId8"/>
-    <p:sldId id="293" r:id="rId9"/>
-    <p:sldId id="291" r:id="rId10"/>
-    <p:sldId id="286" r:id="rId11"/>
-    <p:sldId id="276" r:id="rId12"/>
-    <p:sldId id="285" r:id="rId13"/>
-    <p:sldId id="288" r:id="rId14"/>
-    <p:sldId id="279" r:id="rId15"/>
-    <p:sldId id="280" r:id="rId16"/>
-    <p:sldId id="294" r:id="rId17"/>
-    <p:sldId id="295" r:id="rId18"/>
-    <p:sldId id="296" r:id="rId19"/>
-    <p:sldId id="297" r:id="rId20"/>
-    <p:sldId id="289" r:id="rId21"/>
-    <p:sldId id="281" r:id="rId22"/>
-    <p:sldId id="282" r:id="rId23"/>
-    <p:sldId id="271" r:id="rId24"/>
+    <p:sldId id="299" r:id="rId5"/>
+    <p:sldId id="274" r:id="rId6"/>
+    <p:sldId id="275" r:id="rId7"/>
+    <p:sldId id="300" r:id="rId8"/>
+    <p:sldId id="278" r:id="rId9"/>
+    <p:sldId id="292" r:id="rId10"/>
+    <p:sldId id="293" r:id="rId11"/>
+    <p:sldId id="291" r:id="rId12"/>
+    <p:sldId id="286" r:id="rId13"/>
+    <p:sldId id="276" r:id="rId14"/>
+    <p:sldId id="285" r:id="rId15"/>
+    <p:sldId id="288" r:id="rId16"/>
+    <p:sldId id="279" r:id="rId17"/>
+    <p:sldId id="301" r:id="rId18"/>
+    <p:sldId id="298" r:id="rId19"/>
+    <p:sldId id="280" r:id="rId20"/>
+    <p:sldId id="294" r:id="rId21"/>
+    <p:sldId id="295" r:id="rId22"/>
+    <p:sldId id="296" r:id="rId23"/>
+    <p:sldId id="297" r:id="rId24"/>
+    <p:sldId id="289" r:id="rId25"/>
+    <p:sldId id="281" r:id="rId26"/>
+    <p:sldId id="282" r:id="rId27"/>
+    <p:sldId id="271" r:id="rId28"/>
   </p:sldIdLst>
   <p:sldSz cx="9144000" cy="6858000" type="screen4x3"/>
   <p:notesSz cx="6858000" cy="9144000"/>
@@ -2549,7 +2553,7 @@
         </p:nvSpPr>
         <p:spPr>
           <a:xfrm>
-            <a:off x="339634" y="1219200"/>
+            <a:off x="301690" y="1209869"/>
             <a:ext cx="5715000" cy="677108"/>
           </a:xfrm>
           <a:prstGeom prst="rect">
@@ -2573,7 +2577,7 @@
                 <a:latin typeface="Arial"/>
                 <a:cs typeface="Arial"/>
               </a:rPr>
-              <a:t>Formato MIDI</a:t>
+              <a:t>Tonalidades musicales</a:t>
             </a:r>
           </a:p>
           <a:p>
@@ -2592,7 +2596,13 @@
       </p:sp>
       <p:pic>
         <p:nvPicPr>
-          <p:cNvPr id="3" name="Imagen 2"/>
+          <p:cNvPr id="3" name="Picture 2">
+            <a:extLst>
+              <a:ext uri="{FF2B5EF4-FFF2-40B4-BE49-F238E27FC236}">
+                <a16:creationId xmlns:a16="http://schemas.microsoft.com/office/drawing/2014/main" id="{10FBC7A3-C69A-4F97-9FF0-DBFC31A21EA8}"/>
+              </a:ext>
+            </a:extLst>
+          </p:cNvPr>
           <p:cNvPicPr>
             <a:picLocks noChangeAspect="1"/>
           </p:cNvPicPr>
@@ -2606,131 +2616,18 @@
         </p:blipFill>
         <p:spPr>
           <a:xfrm>
-            <a:off x="5235212" y="990600"/>
-            <a:ext cx="4016380" cy="4990632"/>
-          </a:xfrm>
-          <a:prstGeom prst="rect">
-            <a:avLst/>
-          </a:prstGeom>
-        </p:spPr>
-      </p:pic>
-      <p:pic>
-        <p:nvPicPr>
-          <p:cNvPr id="2050" name="Picture 2" descr="Resultado de imagen para formato midi"/>
-          <p:cNvPicPr>
-            <a:picLocks noChangeAspect="1" noChangeArrowheads="1"/>
-          </p:cNvPicPr>
-          <p:nvPr/>
-        </p:nvPicPr>
-        <p:blipFill>
-          <a:blip r:embed="rId3">
-            <a:extLst>
-              <a:ext uri="{28A0092B-C50C-407E-A947-70E740481C1C}">
-                <a14:useLocalDpi xmlns:a14="http://schemas.microsoft.com/office/drawing/2010/main" val="0"/>
-              </a:ext>
-            </a:extLst>
-          </a:blip>
-          <a:srcRect/>
-          <a:stretch>
-            <a:fillRect/>
-          </a:stretch>
-        </p:blipFill>
-        <p:spPr bwMode="auto">
-          <a:xfrm>
-            <a:off x="1600200" y="1688709"/>
-            <a:ext cx="1825625" cy="1799384"/>
-          </a:xfrm>
-          <a:prstGeom prst="rect">
-            <a:avLst/>
-          </a:prstGeom>
-          <a:noFill/>
-          <a:extLst>
-            <a:ext uri="{909E8E84-426E-40DD-AFC4-6F175D3DCCD1}">
-              <a14:hiddenFill xmlns:a14="http://schemas.microsoft.com/office/drawing/2010/main">
-                <a:solidFill>
-                  <a:srgbClr val="FFFFFF"/>
-                </a:solidFill>
-              </a14:hiddenFill>
-            </a:ext>
-          </a:extLst>
-        </p:spPr>
-      </p:pic>
-      <p:pic>
-        <p:nvPicPr>
-          <p:cNvPr id="2052" name="Picture 4" descr="Resultado de imagen para formato midi"/>
-          <p:cNvPicPr>
-            <a:picLocks noChangeAspect="1" noChangeArrowheads="1"/>
-          </p:cNvPicPr>
-          <p:nvPr/>
-        </p:nvPicPr>
-        <p:blipFill rotWithShape="1">
-          <a:blip r:embed="rId4">
-            <a:extLst>
-              <a:ext uri="{28A0092B-C50C-407E-A947-70E740481C1C}">
-                <a14:useLocalDpi xmlns:a14="http://schemas.microsoft.com/office/drawing/2010/main" val="0"/>
-              </a:ext>
-            </a:extLst>
-          </a:blip>
-          <a:srcRect t="20712" b="35275"/>
-          <a:stretch/>
-        </p:blipFill>
-        <p:spPr bwMode="auto">
-          <a:xfrm>
-            <a:off x="278674" y="3733800"/>
-            <a:ext cx="4943475" cy="1295399"/>
-          </a:xfrm>
-          <a:prstGeom prst="rect">
-            <a:avLst/>
-          </a:prstGeom>
-          <a:noFill/>
-          <a:extLst>
-            <a:ext uri="{909E8E84-426E-40DD-AFC4-6F175D3DCCD1}">
-              <a14:hiddenFill xmlns:a14="http://schemas.microsoft.com/office/drawing/2010/main">
-                <a:solidFill>
-                  <a:srgbClr val="FFFFFF"/>
-                </a:solidFill>
-              </a14:hiddenFill>
-            </a:ext>
-          </a:extLst>
-        </p:spPr>
-      </p:pic>
-      <p:pic>
-        <p:nvPicPr>
-          <p:cNvPr id="1026" name="Picture 2"/>
-          <p:cNvPicPr>
-            <a:picLocks noChangeAspect="1" noChangeArrowheads="1"/>
-          </p:cNvPicPr>
-          <p:nvPr/>
-        </p:nvPicPr>
-        <p:blipFill>
-          <a:blip r:embed="rId5"/>
-          <a:srcRect/>
-          <a:stretch>
-            <a:fillRect/>
-          </a:stretch>
-        </p:blipFill>
-        <p:spPr bwMode="auto">
-          <a:xfrm>
-            <a:off x="256086" y="5334000"/>
-            <a:ext cx="4966063" cy="291740"/>
-          </a:xfrm>
-          <a:prstGeom prst="rect">
-            <a:avLst/>
-          </a:prstGeom>
-          <a:noFill/>
-          <a:ln w="9525">
-            <a:noFill/>
-            <a:miter lim="800000"/>
-            <a:headEnd/>
-            <a:tailEnd/>
-          </a:ln>
-          <a:effectLst/>
+            <a:off x="1828800" y="1600200"/>
+            <a:ext cx="5132363" cy="4102418"/>
+          </a:xfrm>
+          <a:prstGeom prst="rect">
+            <a:avLst/>
+          </a:prstGeom>
         </p:spPr>
       </p:pic>
     </p:spTree>
     <p:extLst>
       <p:ext uri="{BB962C8B-B14F-4D97-AF65-F5344CB8AC3E}">
-        <p14:creationId xmlns:p14="http://schemas.microsoft.com/office/powerpoint/2010/main" val="3611779954"/>
+        <p14:creationId xmlns:p14="http://schemas.microsoft.com/office/powerpoint/2010/main" val="2201531895"/>
       </p:ext>
     </p:extLst>
   </p:cSld>
@@ -2789,17 +2686,131 @@
                 <a:latin typeface="Arial"/>
                 <a:cs typeface="Arial"/>
               </a:rPr>
-              <a:t>Descripción de la Propuesta</a:t>
+              <a:t>Marco Teórico</a:t>
+            </a:r>
+          </a:p>
+        </p:txBody>
+      </p:sp>
+      <p:sp>
+        <p:nvSpPr>
+          <p:cNvPr id="4" name="CuadroTexto 3"/>
+          <p:cNvSpPr txBox="1"/>
+          <p:nvPr/>
+        </p:nvSpPr>
+        <p:spPr>
+          <a:xfrm>
+            <a:off x="301690" y="1209869"/>
+            <a:ext cx="5715000" cy="677108"/>
+          </a:xfrm>
+          <a:prstGeom prst="rect">
+            <a:avLst/>
+          </a:prstGeom>
+          <a:noFill/>
+        </p:spPr>
+        <p:txBody>
+          <a:bodyPr wrap="square" rtlCol="0">
+            <a:spAutoFit/>
+          </a:bodyPr>
+          <a:lstStyle/>
+          <a:p>
+            <a:r>
+              <a:rPr lang="es-ES_tradnl" sz="2000" b="1" dirty="0">
+                <a:solidFill>
+                  <a:schemeClr val="accent2">
+                    <a:lumMod val="75000"/>
+                  </a:schemeClr>
+                </a:solidFill>
+                <a:latin typeface="Arial"/>
+                <a:cs typeface="Arial"/>
+              </a:rPr>
+              <a:t>Algoritmo de </a:t>
+            </a:r>
+            <a:r>
+              <a:rPr lang="es-ES_tradnl" sz="2000" b="1" dirty="0" err="1">
+                <a:solidFill>
+                  <a:schemeClr val="accent2">
+                    <a:lumMod val="75000"/>
+                  </a:schemeClr>
+                </a:solidFill>
+                <a:latin typeface="Arial"/>
+                <a:cs typeface="Arial"/>
+              </a:rPr>
+              <a:t>Krumhansl-Schmuckler</a:t>
+            </a:r>
+            <a:endParaRPr lang="es-ES_tradnl" sz="2000" b="1" dirty="0">
+              <a:solidFill>
+                <a:schemeClr val="accent2">
+                  <a:lumMod val="75000"/>
+                </a:schemeClr>
+              </a:solidFill>
+              <a:latin typeface="Arial"/>
+              <a:cs typeface="Arial"/>
+            </a:endParaRPr>
+          </a:p>
+          <a:p>
+            <a:endParaRPr lang="es-ES_tradnl" dirty="0">
+              <a:solidFill>
+                <a:schemeClr val="tx1">
+                  <a:lumMod val="65000"/>
+                  <a:lumOff val="35000"/>
+                </a:schemeClr>
+              </a:solidFill>
+              <a:latin typeface="Arial"/>
+              <a:cs typeface="Arial"/>
+            </a:endParaRPr>
+          </a:p>
+        </p:txBody>
+      </p:sp>
+      <p:sp>
+        <p:nvSpPr>
+          <p:cNvPr id="8" name="CuadroTexto 3">
+            <a:extLst>
+              <a:ext uri="{FF2B5EF4-FFF2-40B4-BE49-F238E27FC236}">
+                <a16:creationId xmlns:a16="http://schemas.microsoft.com/office/drawing/2014/main" id="{F857FDB5-5A18-45B5-A030-98C5919DD5B2}"/>
+              </a:ext>
+            </a:extLst>
+          </p:cNvPr>
+          <p:cNvSpPr txBox="1"/>
+          <p:nvPr/>
+        </p:nvSpPr>
+        <p:spPr>
+          <a:xfrm>
+            <a:off x="304800" y="1740934"/>
+            <a:ext cx="7772400" cy="646331"/>
+          </a:xfrm>
+          <a:prstGeom prst="rect">
+            <a:avLst/>
+          </a:prstGeom>
+          <a:noFill/>
+        </p:spPr>
+        <p:txBody>
+          <a:bodyPr wrap="square" rtlCol="0">
+            <a:spAutoFit/>
+          </a:bodyPr>
+          <a:lstStyle/>
+          <a:p>
+            <a:r>
+              <a:rPr lang="es-ES_tradnl" dirty="0">
+                <a:solidFill>
+                  <a:schemeClr val="tx1">
+                    <a:lumMod val="65000"/>
+                    <a:lumOff val="35000"/>
+                  </a:schemeClr>
+                </a:solidFill>
+                <a:latin typeface="Arial"/>
+                <a:cs typeface="Arial"/>
+              </a:rPr>
+              <a:t>Este algoritmo me permite encontrar la tonalidad de una canción usando un coeficiente de correlación</a:t>
             </a:r>
           </a:p>
         </p:txBody>
       </p:sp>
       <p:pic>
         <p:nvPicPr>
-          <p:cNvPr id="4" name="Picture 3">
+          <p:cNvPr id="2" name="Picture 1">
             <a:extLst>
               <a:ext uri="{FF2B5EF4-FFF2-40B4-BE49-F238E27FC236}">
-                <a16:creationId xmlns:a16="http://schemas.microsoft.com/office/drawing/2014/main" id="{FCD60EB5-2788-44A8-94DF-9DFB458FCB8B}"/>
+                <a16:creationId xmlns:a16="http://schemas.microsoft.com/office/drawing/2014/main" id="{A4441CAE-13F6-460E-B312-B58CB57C142C}"/>
               </a:ext>
             </a:extLst>
           </p:cNvPr>
@@ -2816,8 +2827,38 @@
         </p:blipFill>
         <p:spPr>
           <a:xfrm>
-            <a:off x="1371600" y="1267599"/>
-            <a:ext cx="5709016" cy="4322802"/>
+            <a:off x="466142" y="2743200"/>
+            <a:ext cx="3486150" cy="1581150"/>
+          </a:xfrm>
+          <a:prstGeom prst="rect">
+            <a:avLst/>
+          </a:prstGeom>
+        </p:spPr>
+      </p:pic>
+      <p:pic>
+        <p:nvPicPr>
+          <p:cNvPr id="5" name="Picture 4">
+            <a:extLst>
+              <a:ext uri="{FF2B5EF4-FFF2-40B4-BE49-F238E27FC236}">
+                <a16:creationId xmlns:a16="http://schemas.microsoft.com/office/drawing/2014/main" id="{B520915B-7CB4-4C2D-8298-8E000F11C4A9}"/>
+              </a:ext>
+            </a:extLst>
+          </p:cNvPr>
+          <p:cNvPicPr>
+            <a:picLocks noChangeAspect="1"/>
+          </p:cNvPicPr>
+          <p:nvPr/>
+        </p:nvPicPr>
+        <p:blipFill>
+          <a:blip r:embed="rId3"/>
+          <a:stretch>
+            <a:fillRect/>
+          </a:stretch>
+        </p:blipFill>
+        <p:spPr>
+          <a:xfrm>
+            <a:off x="4191000" y="3022957"/>
+            <a:ext cx="4114800" cy="797687"/>
           </a:xfrm>
           <a:prstGeom prst="rect">
             <a:avLst/>
@@ -2827,7 +2868,7 @@
     </p:spTree>
     <p:extLst>
       <p:ext uri="{BB962C8B-B14F-4D97-AF65-F5344CB8AC3E}">
-        <p14:creationId xmlns:p14="http://schemas.microsoft.com/office/powerpoint/2010/main" val="1508648440"/>
+        <p14:creationId xmlns:p14="http://schemas.microsoft.com/office/powerpoint/2010/main" val="1145554890"/>
       </p:ext>
     </p:extLst>
   </p:cSld>
@@ -2886,38 +2927,104 @@
                 <a:latin typeface="Arial"/>
                 <a:cs typeface="Arial"/>
               </a:rPr>
-              <a:t>Descripción de la Propuesta</a:t>
-            </a:r>
+              <a:t>Marco Teórico</a:t>
+            </a:r>
+          </a:p>
+        </p:txBody>
+      </p:sp>
+      <p:sp>
+        <p:nvSpPr>
+          <p:cNvPr id="4" name="CuadroTexto 3"/>
+          <p:cNvSpPr txBox="1"/>
+          <p:nvPr/>
+        </p:nvSpPr>
+        <p:spPr>
+          <a:xfrm>
+            <a:off x="339634" y="1219200"/>
+            <a:ext cx="5715000" cy="677108"/>
+          </a:xfrm>
+          <a:prstGeom prst="rect">
+            <a:avLst/>
+          </a:prstGeom>
+          <a:noFill/>
+        </p:spPr>
+        <p:txBody>
+          <a:bodyPr wrap="square" rtlCol="0">
+            <a:spAutoFit/>
+          </a:bodyPr>
+          <a:lstStyle/>
+          <a:p>
+            <a:r>
+              <a:rPr lang="es-ES_tradnl" sz="2000" b="1" dirty="0">
+                <a:solidFill>
+                  <a:schemeClr val="accent2">
+                    <a:lumMod val="75000"/>
+                  </a:schemeClr>
+                </a:solidFill>
+                <a:latin typeface="Arial"/>
+                <a:cs typeface="Arial"/>
+              </a:rPr>
+              <a:t>Formato MIDI</a:t>
+            </a:r>
+          </a:p>
+          <a:p>
+            <a:endParaRPr lang="es-ES_tradnl" dirty="0">
+              <a:solidFill>
+                <a:schemeClr val="tx1">
+                  <a:lumMod val="65000"/>
+                  <a:lumOff val="35000"/>
+                </a:schemeClr>
+              </a:solidFill>
+              <a:latin typeface="Arial"/>
+              <a:cs typeface="Arial"/>
+            </a:endParaRPr>
           </a:p>
         </p:txBody>
       </p:sp>
       <p:pic>
         <p:nvPicPr>
-          <p:cNvPr id="5" name="Imagen 4"/>
+          <p:cNvPr id="2050" name="Picture 2" descr="Resultado de imagen para formato midi"/>
           <p:cNvPicPr>
-            <a:picLocks noChangeAspect="1"/>
+            <a:picLocks noChangeAspect="1" noChangeArrowheads="1"/>
           </p:cNvPicPr>
           <p:nvPr/>
         </p:nvPicPr>
         <p:blipFill>
-          <a:blip r:embed="rId2"/>
+          <a:blip r:embed="rId2">
+            <a:extLst>
+              <a:ext uri="{28A0092B-C50C-407E-A947-70E740481C1C}">
+                <a14:useLocalDpi xmlns:a14="http://schemas.microsoft.com/office/drawing/2010/main" val="0"/>
+              </a:ext>
+            </a:extLst>
+          </a:blip>
+          <a:srcRect/>
           <a:stretch>
             <a:fillRect/>
           </a:stretch>
         </p:blipFill>
-        <p:spPr>
-          <a:xfrm>
-            <a:off x="5332085" y="2264737"/>
-            <a:ext cx="2899081" cy="1207125"/>
-          </a:xfrm>
-          <a:prstGeom prst="rect">
-            <a:avLst/>
-          </a:prstGeom>
+        <p:spPr bwMode="auto">
+          <a:xfrm>
+            <a:off x="339634" y="2286000"/>
+            <a:ext cx="1825625" cy="1799384"/>
+          </a:xfrm>
+          <a:prstGeom prst="rect">
+            <a:avLst/>
+          </a:prstGeom>
+          <a:noFill/>
+          <a:extLst>
+            <a:ext uri="{909E8E84-426E-40DD-AFC4-6F175D3DCCD1}">
+              <a14:hiddenFill xmlns:a14="http://schemas.microsoft.com/office/drawing/2010/main">
+                <a:solidFill>
+                  <a:srgbClr val="FFFFFF"/>
+                </a:solidFill>
+              </a14:hiddenFill>
+            </a:ext>
+          </a:extLst>
         </p:spPr>
       </p:pic>
       <p:pic>
         <p:nvPicPr>
-          <p:cNvPr id="8" name="Picture 2" descr="Resultado de imagen para keras and tensorflow"/>
+          <p:cNvPr id="1026" name="Picture 2"/>
           <p:cNvPicPr>
             <a:picLocks noChangeAspect="1" noChangeArrowheads="1"/>
           </p:cNvPicPr>
@@ -2932,47 +3039,28 @@
         </p:blipFill>
         <p:spPr bwMode="auto">
           <a:xfrm>
-            <a:off x="5638800" y="3776185"/>
-            <a:ext cx="1711647" cy="688082"/>
+            <a:off x="714102" y="5663797"/>
+            <a:ext cx="4966063" cy="291740"/>
           </a:xfrm>
           <a:prstGeom prst="rect">
             <a:avLst/>
           </a:prstGeom>
           <a:noFill/>
+          <a:ln w="9525">
+            <a:noFill/>
+            <a:miter lim="800000"/>
+            <a:headEnd/>
+            <a:tailEnd/>
+          </a:ln>
+          <a:effectLst/>
         </p:spPr>
       </p:pic>
       <p:pic>
         <p:nvPicPr>
-          <p:cNvPr id="9" name="Picture 4" descr="Resultado de imagen para python"/>
-          <p:cNvPicPr>
-            <a:picLocks noChangeAspect="1" noChangeArrowheads="1"/>
-          </p:cNvPicPr>
-          <p:nvPr/>
-        </p:nvPicPr>
-        <p:blipFill>
-          <a:blip r:embed="rId4"/>
-          <a:srcRect/>
-          <a:stretch>
-            <a:fillRect/>
-          </a:stretch>
-        </p:blipFill>
-        <p:spPr bwMode="auto">
-          <a:xfrm>
-            <a:off x="5465923" y="1417646"/>
-            <a:ext cx="2057400" cy="694929"/>
-          </a:xfrm>
-          <a:prstGeom prst="rect">
-            <a:avLst/>
-          </a:prstGeom>
-          <a:noFill/>
-        </p:spPr>
-      </p:pic>
-      <p:pic>
-        <p:nvPicPr>
-          <p:cNvPr id="2" name="Picture 1">
+          <p:cNvPr id="5" name="Picture 4">
             <a:extLst>
               <a:ext uri="{FF2B5EF4-FFF2-40B4-BE49-F238E27FC236}">
-                <a16:creationId xmlns:a16="http://schemas.microsoft.com/office/drawing/2014/main" id="{DABF73B6-9FF8-4D53-8329-7F014288FA41}"/>
+                <a16:creationId xmlns:a16="http://schemas.microsoft.com/office/drawing/2014/main" id="{EE11DA68-4536-4089-A68C-374F9520D9DF}"/>
               </a:ext>
             </a:extLst>
           </p:cNvPr>
@@ -2982,15 +3070,15 @@
           <p:nvPr/>
         </p:nvPicPr>
         <p:blipFill>
-          <a:blip r:embed="rId5"/>
+          <a:blip r:embed="rId4"/>
           <a:stretch>
             <a:fillRect/>
           </a:stretch>
         </p:blipFill>
         <p:spPr>
           <a:xfrm>
-            <a:off x="533400" y="1295400"/>
-            <a:ext cx="4752975" cy="4352925"/>
+            <a:off x="2590800" y="1473983"/>
+            <a:ext cx="5811706" cy="4028219"/>
           </a:xfrm>
           <a:prstGeom prst="rect">
             <a:avLst/>
@@ -3000,7 +3088,7 @@
     </p:spTree>
     <p:extLst>
       <p:ext uri="{BB962C8B-B14F-4D97-AF65-F5344CB8AC3E}">
-        <p14:creationId xmlns:p14="http://schemas.microsoft.com/office/powerpoint/2010/main" val="2363102580"/>
+        <p14:creationId xmlns:p14="http://schemas.microsoft.com/office/powerpoint/2010/main" val="3611779954"/>
       </p:ext>
     </p:extLst>
   </p:cSld>
@@ -3059,278 +3147,45 @@
                 <a:latin typeface="Arial"/>
                 <a:cs typeface="Arial"/>
               </a:rPr>
-              <a:t>Desarrollo</a:t>
-            </a:r>
-          </a:p>
-        </p:txBody>
-      </p:sp>
-      <p:sp>
-        <p:nvSpPr>
-          <p:cNvPr id="4" name="CuadroTexto 3"/>
-          <p:cNvSpPr txBox="1"/>
-          <p:nvPr/>
-        </p:nvSpPr>
-        <p:spPr>
-          <a:xfrm>
-            <a:off x="297024" y="1686827"/>
-            <a:ext cx="4808376" cy="2862322"/>
-          </a:xfrm>
-          <a:prstGeom prst="rect">
-            <a:avLst/>
-          </a:prstGeom>
-          <a:noFill/>
-        </p:spPr>
-        <p:txBody>
-          <a:bodyPr wrap="square" rtlCol="0">
-            <a:spAutoFit/>
-          </a:bodyPr>
-          <a:lstStyle/>
-          <a:p>
-            <a:r>
-              <a:rPr lang="es-ES_tradnl" dirty="0">
-                <a:solidFill>
-                  <a:schemeClr val="tx1">
-                    <a:lumMod val="65000"/>
-                    <a:lumOff val="35000"/>
-                  </a:schemeClr>
-                </a:solidFill>
-                <a:latin typeface="Arial"/>
-                <a:cs typeface="Arial"/>
-              </a:rPr>
-              <a:t>El </a:t>
-            </a:r>
-            <a:r>
-              <a:rPr lang="es-ES_tradnl" dirty="0" err="1">
-                <a:solidFill>
-                  <a:schemeClr val="tx1">
-                    <a:lumMod val="65000"/>
-                    <a:lumOff val="35000"/>
-                  </a:schemeClr>
-                </a:solidFill>
-                <a:latin typeface="Arial"/>
-                <a:cs typeface="Arial"/>
-              </a:rPr>
-              <a:t>dataset</a:t>
-            </a:r>
-            <a:r>
-              <a:rPr lang="es-ES_tradnl" dirty="0">
-                <a:solidFill>
-                  <a:schemeClr val="tx1">
-                    <a:lumMod val="65000"/>
-                    <a:lumOff val="35000"/>
-                  </a:schemeClr>
-                </a:solidFill>
-                <a:latin typeface="Arial"/>
-                <a:cs typeface="Arial"/>
-              </a:rPr>
-              <a:t> usado en este proyecto se llama:</a:t>
-            </a:r>
-          </a:p>
-          <a:p>
-            <a:endParaRPr lang="es-MX" dirty="0"/>
-          </a:p>
-          <a:p>
-            <a:r>
-              <a:rPr lang="es-MX" dirty="0"/>
-              <a:t>“</a:t>
-            </a:r>
-            <a:r>
-              <a:rPr lang="es-MX" dirty="0" err="1"/>
-              <a:t>Clean</a:t>
-            </a:r>
-            <a:r>
-              <a:rPr lang="es-MX" dirty="0"/>
-              <a:t> MIDI </a:t>
-            </a:r>
-            <a:r>
-              <a:rPr lang="es-MX" dirty="0" err="1"/>
-              <a:t>subset</a:t>
-            </a:r>
-            <a:r>
-              <a:rPr lang="es-MX" dirty="0"/>
-              <a:t>”</a:t>
-            </a:r>
-          </a:p>
-          <a:p>
-            <a:endParaRPr lang="es-MX" dirty="0"/>
-          </a:p>
-          <a:p>
-            <a:r>
-              <a:rPr lang="es-ES_tradnl" dirty="0">
-                <a:solidFill>
-                  <a:schemeClr val="tx1">
-                    <a:lumMod val="65000"/>
-                    <a:lumOff val="35000"/>
-                  </a:schemeClr>
-                </a:solidFill>
-                <a:latin typeface="Arial"/>
-                <a:cs typeface="Arial"/>
-              </a:rPr>
-              <a:t>Contiene mas de 17000 canciones MIDI de rock y pop.</a:t>
-            </a:r>
-          </a:p>
-          <a:p>
-            <a:r>
-              <a:rPr lang="es-ES_tradnl" dirty="0">
-                <a:solidFill>
-                  <a:schemeClr val="tx1">
-                    <a:lumMod val="65000"/>
-                    <a:lumOff val="35000"/>
-                  </a:schemeClr>
-                </a:solidFill>
-                <a:latin typeface="Arial"/>
-                <a:cs typeface="Arial"/>
-              </a:rPr>
-              <a:t>Y se genero en la tesis doctoral [10]</a:t>
-            </a:r>
-          </a:p>
-          <a:p>
-            <a:endParaRPr lang="es-ES_tradnl" dirty="0">
-              <a:solidFill>
-                <a:schemeClr val="tx1">
-                  <a:lumMod val="65000"/>
-                  <a:lumOff val="35000"/>
-                </a:schemeClr>
-              </a:solidFill>
-              <a:latin typeface="Arial"/>
-              <a:cs typeface="Arial"/>
-            </a:endParaRPr>
-          </a:p>
-          <a:p>
-            <a:endParaRPr lang="es-ES_tradnl" dirty="0">
-              <a:solidFill>
-                <a:schemeClr val="tx1">
-                  <a:lumMod val="65000"/>
-                  <a:lumOff val="35000"/>
-                </a:schemeClr>
-              </a:solidFill>
-              <a:latin typeface="Arial"/>
-              <a:cs typeface="Arial"/>
-            </a:endParaRPr>
-          </a:p>
-          <a:p>
-            <a:endParaRPr lang="es-ES_tradnl" dirty="0">
-              <a:solidFill>
-                <a:schemeClr val="tx1">
-                  <a:lumMod val="65000"/>
-                  <a:lumOff val="35000"/>
-                </a:schemeClr>
-              </a:solidFill>
-              <a:latin typeface="Arial"/>
-              <a:cs typeface="Arial"/>
-            </a:endParaRPr>
+              <a:t>Descripción de la Propuesta</a:t>
+            </a:r>
           </a:p>
         </p:txBody>
       </p:sp>
       <p:pic>
         <p:nvPicPr>
-          <p:cNvPr id="5122" name="Picture 2" descr="Resultado de imagen para rock"/>
+          <p:cNvPr id="3" name="Picture 2">
+            <a:extLst>
+              <a:ext uri="{FF2B5EF4-FFF2-40B4-BE49-F238E27FC236}">
+                <a16:creationId xmlns:a16="http://schemas.microsoft.com/office/drawing/2014/main" id="{82887434-D1AC-4D0D-B548-26F4BFAF9E8F}"/>
+              </a:ext>
+            </a:extLst>
+          </p:cNvPr>
           <p:cNvPicPr>
-            <a:picLocks noChangeAspect="1" noChangeArrowheads="1"/>
+            <a:picLocks noChangeAspect="1"/>
           </p:cNvPicPr>
           <p:nvPr/>
         </p:nvPicPr>
         <p:blipFill>
-          <a:blip r:embed="rId2">
-            <a:extLst>
-              <a:ext uri="{28A0092B-C50C-407E-A947-70E740481C1C}">
-                <a14:useLocalDpi xmlns:a14="http://schemas.microsoft.com/office/drawing/2010/main" val="0"/>
-              </a:ext>
-            </a:extLst>
-          </a:blip>
-          <a:srcRect/>
+          <a:blip r:embed="rId2"/>
           <a:stretch>
             <a:fillRect/>
           </a:stretch>
         </p:blipFill>
-        <p:spPr bwMode="auto">
-          <a:xfrm>
-            <a:off x="5453808" y="1599478"/>
-            <a:ext cx="3425825" cy="2488006"/>
-          </a:xfrm>
-          <a:prstGeom prst="rect">
-            <a:avLst/>
-          </a:prstGeom>
-          <a:noFill/>
-          <a:extLst>
-            <a:ext uri="{909E8E84-426E-40DD-AFC4-6F175D3DCCD1}">
-              <a14:hiddenFill xmlns:a14="http://schemas.microsoft.com/office/drawing/2010/main">
-                <a:solidFill>
-                  <a:srgbClr val="FFFFFF"/>
-                </a:solidFill>
-              </a14:hiddenFill>
-            </a:ext>
-          </a:extLst>
+        <p:spPr>
+          <a:xfrm>
+            <a:off x="1318705" y="1187021"/>
+            <a:ext cx="6225095" cy="4789162"/>
+          </a:xfrm>
+          <a:prstGeom prst="rect">
+            <a:avLst/>
+          </a:prstGeom>
         </p:spPr>
       </p:pic>
-      <p:sp>
-        <p:nvSpPr>
-          <p:cNvPr id="5" name="CuadroTexto 3">
-            <a:extLst>
-              <a:ext uri="{FF2B5EF4-FFF2-40B4-BE49-F238E27FC236}">
-                <a16:creationId xmlns:a16="http://schemas.microsoft.com/office/drawing/2014/main" id="{9EE19F5F-8855-4511-9860-BE0D2422F115}"/>
-              </a:ext>
-            </a:extLst>
-          </p:cNvPr>
-          <p:cNvSpPr txBox="1"/>
-          <p:nvPr/>
-        </p:nvSpPr>
-        <p:spPr>
-          <a:xfrm>
-            <a:off x="297024" y="1033046"/>
-            <a:ext cx="5715000" cy="677108"/>
-          </a:xfrm>
-          <a:prstGeom prst="rect">
-            <a:avLst/>
-          </a:prstGeom>
-          <a:noFill/>
-        </p:spPr>
-        <p:txBody>
-          <a:bodyPr wrap="square" rtlCol="0">
-            <a:spAutoFit/>
-          </a:bodyPr>
-          <a:lstStyle/>
-          <a:p>
-            <a:r>
-              <a:rPr lang="es-ES_tradnl" sz="2000" b="1" dirty="0" err="1">
-                <a:solidFill>
-                  <a:schemeClr val="accent2">
-                    <a:lumMod val="75000"/>
-                  </a:schemeClr>
-                </a:solidFill>
-                <a:latin typeface="Arial"/>
-                <a:cs typeface="Arial"/>
-              </a:rPr>
-              <a:t>Dataset</a:t>
-            </a:r>
-            <a:endParaRPr lang="es-ES_tradnl" sz="2000" b="1" dirty="0">
-              <a:solidFill>
-                <a:schemeClr val="accent2">
-                  <a:lumMod val="75000"/>
-                </a:schemeClr>
-              </a:solidFill>
-              <a:latin typeface="Arial"/>
-              <a:cs typeface="Arial"/>
-            </a:endParaRPr>
-          </a:p>
-          <a:p>
-            <a:endParaRPr lang="es-ES_tradnl" dirty="0">
-              <a:solidFill>
-                <a:schemeClr val="tx1">
-                  <a:lumMod val="65000"/>
-                  <a:lumOff val="35000"/>
-                </a:schemeClr>
-              </a:solidFill>
-              <a:latin typeface="Arial"/>
-              <a:cs typeface="Arial"/>
-            </a:endParaRPr>
-          </a:p>
-        </p:txBody>
-      </p:sp>
     </p:spTree>
     <p:extLst>
       <p:ext uri="{BB962C8B-B14F-4D97-AF65-F5344CB8AC3E}">
-        <p14:creationId xmlns:p14="http://schemas.microsoft.com/office/powerpoint/2010/main" val="961381293"/>
+        <p14:creationId xmlns:p14="http://schemas.microsoft.com/office/powerpoint/2010/main" val="1508648440"/>
       </p:ext>
     </p:extLst>
   </p:cSld>
@@ -3389,20 +3244,14 @@
                 <a:latin typeface="Arial"/>
                 <a:cs typeface="Arial"/>
               </a:rPr>
-              <a:t>Desarrollo</a:t>
+              <a:t>Descripción de la Propuesta</a:t>
             </a:r>
           </a:p>
         </p:txBody>
       </p:sp>
       <p:pic>
         <p:nvPicPr>
-          <p:cNvPr id="2" name="Picture 1">
-            <a:extLst>
-              <a:ext uri="{FF2B5EF4-FFF2-40B4-BE49-F238E27FC236}">
-                <a16:creationId xmlns:a16="http://schemas.microsoft.com/office/drawing/2014/main" id="{7F2A39D2-55C6-4546-925A-C78FD89E80B6}"/>
-              </a:ext>
-            </a:extLst>
-          </p:cNvPr>
+          <p:cNvPr id="5" name="Imagen 4"/>
           <p:cNvPicPr>
             <a:picLocks noChangeAspect="1"/>
           </p:cNvPicPr>
@@ -3416,8 +3265,8 @@
         </p:blipFill>
         <p:spPr>
           <a:xfrm>
-            <a:off x="113134" y="3714441"/>
-            <a:ext cx="8883520" cy="1928993"/>
+            <a:off x="5332085" y="2264737"/>
+            <a:ext cx="2899081" cy="1207125"/>
           </a:xfrm>
           <a:prstGeom prst="rect">
             <a:avLst/>
@@ -3426,10 +3275,36 @@
       </p:pic>
       <p:pic>
         <p:nvPicPr>
-          <p:cNvPr id="3" name="Picture 2">
+          <p:cNvPr id="9" name="Picture 4" descr="Resultado de imagen para python"/>
+          <p:cNvPicPr>
+            <a:picLocks noChangeAspect="1" noChangeArrowheads="1"/>
+          </p:cNvPicPr>
+          <p:nvPr/>
+        </p:nvPicPr>
+        <p:blipFill>
+          <a:blip r:embed="rId3"/>
+          <a:srcRect/>
+          <a:stretch>
+            <a:fillRect/>
+          </a:stretch>
+        </p:blipFill>
+        <p:spPr bwMode="auto">
+          <a:xfrm>
+            <a:off x="5465923" y="1417646"/>
+            <a:ext cx="2057400" cy="694929"/>
+          </a:xfrm>
+          <a:prstGeom prst="rect">
+            <a:avLst/>
+          </a:prstGeom>
+          <a:noFill/>
+        </p:spPr>
+      </p:pic>
+      <p:pic>
+        <p:nvPicPr>
+          <p:cNvPr id="4" name="Picture 3">
             <a:extLst>
               <a:ext uri="{FF2B5EF4-FFF2-40B4-BE49-F238E27FC236}">
-                <a16:creationId xmlns:a16="http://schemas.microsoft.com/office/drawing/2014/main" id="{F5AB56C1-915B-4E50-9258-F2E124001A1D}"/>
+                <a16:creationId xmlns:a16="http://schemas.microsoft.com/office/drawing/2014/main" id="{0824EAFE-448B-497F-B14E-735A05B5363C}"/>
               </a:ext>
             </a:extLst>
           </p:cNvPr>
@@ -3439,15 +3314,15 @@
           <p:nvPr/>
         </p:nvPicPr>
         <p:blipFill>
-          <a:blip r:embed="rId3"/>
+          <a:blip r:embed="rId4"/>
           <a:stretch>
             <a:fillRect/>
           </a:stretch>
         </p:blipFill>
         <p:spPr>
           <a:xfrm>
-            <a:off x="346593" y="1220786"/>
-            <a:ext cx="8401050" cy="2352675"/>
+            <a:off x="228600" y="1295400"/>
+            <a:ext cx="4876800" cy="4398922"/>
           </a:xfrm>
           <a:prstGeom prst="rect">
             <a:avLst/>
@@ -3457,7 +3332,7 @@
     </p:spTree>
     <p:extLst>
       <p:ext uri="{BB962C8B-B14F-4D97-AF65-F5344CB8AC3E}">
-        <p14:creationId xmlns:p14="http://schemas.microsoft.com/office/powerpoint/2010/main" val="964733070"/>
+        <p14:creationId xmlns:p14="http://schemas.microsoft.com/office/powerpoint/2010/main" val="2363102580"/>
       </p:ext>
     </p:extLst>
   </p:cSld>
@@ -3516,27 +3391,21 @@
                 <a:latin typeface="Arial"/>
                 <a:cs typeface="Arial"/>
               </a:rPr>
-              <a:t>Resultados</a:t>
+              <a:t>Desarrollo</a:t>
             </a:r>
           </a:p>
         </p:txBody>
       </p:sp>
       <p:sp>
         <p:nvSpPr>
-          <p:cNvPr id="4" name="CuadroTexto 3">
-            <a:extLst>
-              <a:ext uri="{FF2B5EF4-FFF2-40B4-BE49-F238E27FC236}">
-                <a16:creationId xmlns:a16="http://schemas.microsoft.com/office/drawing/2014/main" id="{5B9FAA7F-95C4-4820-8591-6D4817F3F094}"/>
-              </a:ext>
-            </a:extLst>
-          </p:cNvPr>
+          <p:cNvPr id="4" name="CuadroTexto 3"/>
           <p:cNvSpPr txBox="1"/>
           <p:nvPr/>
         </p:nvSpPr>
         <p:spPr>
           <a:xfrm>
-            <a:off x="297024" y="1033046"/>
-            <a:ext cx="5715000" cy="677108"/>
+            <a:off x="297024" y="1686827"/>
+            <a:ext cx="4808376" cy="3693319"/>
           </a:xfrm>
           <a:prstGeom prst="rect">
             <a:avLst/>
@@ -3550,28 +3419,82 @@
           <a:lstStyle/>
           <a:p>
             <a:r>
-              <a:rPr lang="es-ES_tradnl" sz="2000" b="1" dirty="0" err="1">
-                <a:solidFill>
-                  <a:schemeClr val="accent2">
-                    <a:lumMod val="75000"/>
-                  </a:schemeClr>
-                </a:solidFill>
-                <a:latin typeface="Arial"/>
-                <a:cs typeface="Arial"/>
-              </a:rPr>
-              <a:t>Accurancy</a:t>
-            </a:r>
-            <a:r>
-              <a:rPr lang="es-ES_tradnl" sz="2000" b="1" dirty="0">
-                <a:solidFill>
-                  <a:schemeClr val="accent2">
-                    <a:lumMod val="75000"/>
-                  </a:schemeClr>
-                </a:solidFill>
-                <a:latin typeface="Arial"/>
-                <a:cs typeface="Arial"/>
-              </a:rPr>
-              <a:t> Guitarra</a:t>
+              <a:rPr lang="es-ES_tradnl" dirty="0">
+                <a:latin typeface="Arial"/>
+                <a:cs typeface="Arial"/>
+              </a:rPr>
+              <a:t>El </a:t>
+            </a:r>
+            <a:r>
+              <a:rPr lang="es-ES_tradnl" dirty="0" err="1">
+                <a:latin typeface="Arial"/>
+                <a:cs typeface="Arial"/>
+              </a:rPr>
+              <a:t>dataset</a:t>
+            </a:r>
+            <a:r>
+              <a:rPr lang="es-ES_tradnl" dirty="0">
+                <a:latin typeface="Arial"/>
+                <a:cs typeface="Arial"/>
+              </a:rPr>
+              <a:t> usado en este proyecto se llama:</a:t>
+            </a:r>
+          </a:p>
+          <a:p>
+            <a:endParaRPr lang="es-MX" dirty="0"/>
+          </a:p>
+          <a:p>
+            <a:r>
+              <a:rPr lang="es-MX" dirty="0"/>
+              <a:t>“</a:t>
+            </a:r>
+            <a:r>
+              <a:rPr lang="es-MX" dirty="0" err="1"/>
+              <a:t>Clean</a:t>
+            </a:r>
+            <a:r>
+              <a:rPr lang="es-MX" dirty="0"/>
+              <a:t> MIDI </a:t>
+            </a:r>
+            <a:r>
+              <a:rPr lang="es-MX" dirty="0" err="1"/>
+              <a:t>subset</a:t>
+            </a:r>
+            <a:r>
+              <a:rPr lang="es-MX" dirty="0"/>
+              <a:t>”</a:t>
+            </a:r>
+          </a:p>
+          <a:p>
+            <a:endParaRPr lang="es-MX" dirty="0"/>
+          </a:p>
+          <a:p>
+            <a:r>
+              <a:rPr lang="es-ES_tradnl" dirty="0">
+                <a:latin typeface="Arial"/>
+                <a:cs typeface="Arial"/>
+              </a:rPr>
+              <a:t>Contiene mas de 17000 canciones MIDI de rock y pop.</a:t>
+            </a:r>
+          </a:p>
+          <a:p>
+            <a:r>
+              <a:rPr lang="es-ES_tradnl" dirty="0">
+                <a:latin typeface="Arial"/>
+                <a:cs typeface="Arial"/>
+              </a:rPr>
+              <a:t>Y se genero en la tesis doctoral </a:t>
+            </a:r>
+            <a:r>
+              <a:rPr lang="en-US" i="1" dirty="0"/>
+              <a:t>"Learning-Based Methods for Comparing Sequences, with Applications to Audio-to-MIDI Alignment and Matching" </a:t>
+            </a:r>
+            <a:r>
+              <a:rPr lang="es-ES_tradnl" dirty="0">
+                <a:latin typeface="Arial"/>
+                <a:cs typeface="Arial"/>
+              </a:rPr>
+              <a:t>[10]</a:t>
             </a:r>
           </a:p>
           <a:p>
@@ -3586,132 +3509,141 @@
               <a:cs typeface="Arial"/>
             </a:endParaRPr>
           </a:p>
+          <a:p>
+            <a:endParaRPr lang="es-ES_tradnl" dirty="0">
+              <a:solidFill>
+                <a:schemeClr val="tx1">
+                  <a:lumMod val="65000"/>
+                  <a:lumOff val="35000"/>
+                </a:schemeClr>
+              </a:solidFill>
+              <a:latin typeface="Arial"/>
+              <a:cs typeface="Arial"/>
+            </a:endParaRPr>
+          </a:p>
+          <a:p>
+            <a:endParaRPr lang="es-ES_tradnl" dirty="0">
+              <a:solidFill>
+                <a:schemeClr val="tx1">
+                  <a:lumMod val="65000"/>
+                  <a:lumOff val="35000"/>
+                </a:schemeClr>
+              </a:solidFill>
+              <a:latin typeface="Arial"/>
+              <a:cs typeface="Arial"/>
+            </a:endParaRPr>
+          </a:p>
         </p:txBody>
       </p:sp>
       <p:pic>
         <p:nvPicPr>
-          <p:cNvPr id="3" name="Picture 2">
+          <p:cNvPr id="5122" name="Picture 2" descr="Resultado de imagen para rock"/>
+          <p:cNvPicPr>
+            <a:picLocks noChangeAspect="1" noChangeArrowheads="1"/>
+          </p:cNvPicPr>
+          <p:nvPr/>
+        </p:nvPicPr>
+        <p:blipFill>
+          <a:blip r:embed="rId2">
             <a:extLst>
-              <a:ext uri="{FF2B5EF4-FFF2-40B4-BE49-F238E27FC236}">
-                <a16:creationId xmlns:a16="http://schemas.microsoft.com/office/drawing/2014/main" id="{C01B7B52-553F-413B-B498-442660444903}"/>
+              <a:ext uri="{28A0092B-C50C-407E-A947-70E740481C1C}">
+                <a14:useLocalDpi xmlns:a14="http://schemas.microsoft.com/office/drawing/2010/main" val="0"/>
               </a:ext>
             </a:extLst>
-          </p:cNvPr>
-          <p:cNvPicPr>
-            <a:picLocks noChangeAspect="1"/>
-          </p:cNvPicPr>
-          <p:nvPr/>
-        </p:nvPicPr>
-        <p:blipFill>
-          <a:blip r:embed="rId2"/>
+          </a:blip>
+          <a:srcRect/>
           <a:stretch>
             <a:fillRect/>
           </a:stretch>
         </p:blipFill>
-        <p:spPr>
-          <a:xfrm>
-            <a:off x="290804" y="1449589"/>
-            <a:ext cx="2944239" cy="2265985"/>
-          </a:xfrm>
-          <a:prstGeom prst="rect">
-            <a:avLst/>
-          </a:prstGeom>
+        <p:spPr bwMode="auto">
+          <a:xfrm>
+            <a:off x="5453808" y="1599478"/>
+            <a:ext cx="3425825" cy="2488006"/>
+          </a:xfrm>
+          <a:prstGeom prst="rect">
+            <a:avLst/>
+          </a:prstGeom>
+          <a:noFill/>
+          <a:extLst>
+            <a:ext uri="{909E8E84-426E-40DD-AFC4-6F175D3DCCD1}">
+              <a14:hiddenFill xmlns:a14="http://schemas.microsoft.com/office/drawing/2010/main">
+                <a:solidFill>
+                  <a:srgbClr val="FFFFFF"/>
+                </a:solidFill>
+              </a14:hiddenFill>
+            </a:ext>
+          </a:extLst>
         </p:spPr>
       </p:pic>
-      <p:pic>
-        <p:nvPicPr>
-          <p:cNvPr id="5" name="Picture 4">
+      <p:sp>
+        <p:nvSpPr>
+          <p:cNvPr id="5" name="CuadroTexto 3">
             <a:extLst>
               <a:ext uri="{FF2B5EF4-FFF2-40B4-BE49-F238E27FC236}">
-                <a16:creationId xmlns:a16="http://schemas.microsoft.com/office/drawing/2014/main" id="{5D3E8D0C-EBE4-4B16-B645-CD2C3A15B673}"/>
+                <a16:creationId xmlns:a16="http://schemas.microsoft.com/office/drawing/2014/main" id="{9EE19F5F-8855-4511-9860-BE0D2422F115}"/>
               </a:ext>
             </a:extLst>
           </p:cNvPr>
-          <p:cNvPicPr>
-            <a:picLocks noChangeAspect="1"/>
-          </p:cNvPicPr>
-          <p:nvPr/>
-        </p:nvPicPr>
-        <p:blipFill>
-          <a:blip r:embed="rId3"/>
-          <a:stretch>
-            <a:fillRect/>
-          </a:stretch>
-        </p:blipFill>
-        <p:spPr>
-          <a:xfrm>
-            <a:off x="4026696" y="1413641"/>
-            <a:ext cx="2944239" cy="2367965"/>
-          </a:xfrm>
-          <a:prstGeom prst="rect">
-            <a:avLst/>
-          </a:prstGeom>
-        </p:spPr>
-      </p:pic>
-      <p:pic>
-        <p:nvPicPr>
-          <p:cNvPr id="6" name="Picture 5">
-            <a:extLst>
-              <a:ext uri="{FF2B5EF4-FFF2-40B4-BE49-F238E27FC236}">
-                <a16:creationId xmlns:a16="http://schemas.microsoft.com/office/drawing/2014/main" id="{051E09FA-7A81-4DA8-981F-EA8757390436}"/>
-              </a:ext>
-            </a:extLst>
-          </p:cNvPr>
-          <p:cNvPicPr>
-            <a:picLocks noChangeAspect="1"/>
-          </p:cNvPicPr>
-          <p:nvPr/>
-        </p:nvPicPr>
-        <p:blipFill>
-          <a:blip r:embed="rId4"/>
-          <a:stretch>
-            <a:fillRect/>
-          </a:stretch>
-        </p:blipFill>
-        <p:spPr>
-          <a:xfrm>
-            <a:off x="290804" y="3728015"/>
-            <a:ext cx="2944239" cy="2242742"/>
-          </a:xfrm>
-          <a:prstGeom prst="rect">
-            <a:avLst/>
-          </a:prstGeom>
-        </p:spPr>
-      </p:pic>
-      <p:pic>
-        <p:nvPicPr>
-          <p:cNvPr id="8" name="Picture 7">
-            <a:extLst>
-              <a:ext uri="{FF2B5EF4-FFF2-40B4-BE49-F238E27FC236}">
-                <a16:creationId xmlns:a16="http://schemas.microsoft.com/office/drawing/2014/main" id="{2EB840D4-7CF3-4E39-9F26-409BDC972AA4}"/>
-              </a:ext>
-            </a:extLst>
-          </p:cNvPr>
-          <p:cNvPicPr>
-            <a:picLocks noChangeAspect="1"/>
-          </p:cNvPicPr>
-          <p:nvPr/>
-        </p:nvPicPr>
-        <p:blipFill>
-          <a:blip r:embed="rId5"/>
-          <a:stretch>
-            <a:fillRect/>
-          </a:stretch>
-        </p:blipFill>
-        <p:spPr>
-          <a:xfrm>
-            <a:off x="3352800" y="4044523"/>
-            <a:ext cx="5686425" cy="1609725"/>
-          </a:xfrm>
-          <a:prstGeom prst="rect">
-            <a:avLst/>
-          </a:prstGeom>
-        </p:spPr>
-      </p:pic>
+          <p:cNvSpPr txBox="1"/>
+          <p:nvPr/>
+        </p:nvSpPr>
+        <p:spPr>
+          <a:xfrm>
+            <a:off x="297024" y="1033046"/>
+            <a:ext cx="5715000" cy="677108"/>
+          </a:xfrm>
+          <a:prstGeom prst="rect">
+            <a:avLst/>
+          </a:prstGeom>
+          <a:noFill/>
+        </p:spPr>
+        <p:txBody>
+          <a:bodyPr wrap="square" rtlCol="0">
+            <a:spAutoFit/>
+          </a:bodyPr>
+          <a:lstStyle/>
+          <a:p>
+            <a:r>
+              <a:rPr lang="es-ES_tradnl" sz="2000" b="1" dirty="0" err="1">
+                <a:solidFill>
+                  <a:schemeClr val="accent2">
+                    <a:lumMod val="75000"/>
+                  </a:schemeClr>
+                </a:solidFill>
+                <a:latin typeface="Arial"/>
+                <a:cs typeface="Arial"/>
+              </a:rPr>
+              <a:t>Dataset</a:t>
+            </a:r>
+            <a:endParaRPr lang="es-ES_tradnl" sz="2000" b="1" dirty="0">
+              <a:solidFill>
+                <a:schemeClr val="accent2">
+                  <a:lumMod val="75000"/>
+                </a:schemeClr>
+              </a:solidFill>
+              <a:latin typeface="Arial"/>
+              <a:cs typeface="Arial"/>
+            </a:endParaRPr>
+          </a:p>
+          <a:p>
+            <a:endParaRPr lang="es-ES_tradnl" dirty="0">
+              <a:solidFill>
+                <a:schemeClr val="tx1">
+                  <a:lumMod val="65000"/>
+                  <a:lumOff val="35000"/>
+                </a:schemeClr>
+              </a:solidFill>
+              <a:latin typeface="Arial"/>
+              <a:cs typeface="Arial"/>
+            </a:endParaRPr>
+          </a:p>
+        </p:txBody>
+      </p:sp>
     </p:spTree>
     <p:extLst>
       <p:ext uri="{BB962C8B-B14F-4D97-AF65-F5344CB8AC3E}">
-        <p14:creationId xmlns:p14="http://schemas.microsoft.com/office/powerpoint/2010/main" val="2927349331"/>
+        <p14:creationId xmlns:p14="http://schemas.microsoft.com/office/powerpoint/2010/main" val="961381293"/>
       </p:ext>
     </p:extLst>
   </p:cSld>
@@ -3770,75 +3702,8 @@
                 <a:latin typeface="Arial"/>
                 <a:cs typeface="Arial"/>
               </a:rPr>
-              <a:t>Resultados</a:t>
-            </a:r>
-          </a:p>
-        </p:txBody>
-      </p:sp>
-      <p:sp>
-        <p:nvSpPr>
-          <p:cNvPr id="4" name="CuadroTexto 3">
-            <a:extLst>
-              <a:ext uri="{FF2B5EF4-FFF2-40B4-BE49-F238E27FC236}">
-                <a16:creationId xmlns:a16="http://schemas.microsoft.com/office/drawing/2014/main" id="{5B9FAA7F-95C4-4820-8591-6D4817F3F094}"/>
-              </a:ext>
-            </a:extLst>
-          </p:cNvPr>
-          <p:cNvSpPr txBox="1"/>
-          <p:nvPr/>
-        </p:nvSpPr>
-        <p:spPr>
-          <a:xfrm>
-            <a:off x="297024" y="1033046"/>
-            <a:ext cx="5715000" cy="677108"/>
-          </a:xfrm>
-          <a:prstGeom prst="rect">
-            <a:avLst/>
-          </a:prstGeom>
-          <a:noFill/>
-        </p:spPr>
-        <p:txBody>
-          <a:bodyPr wrap="square" rtlCol="0">
-            <a:spAutoFit/>
-          </a:bodyPr>
-          <a:lstStyle/>
-          <a:p>
-            <a:r>
-              <a:rPr lang="es-ES_tradnl" sz="2000" b="1" dirty="0" err="1">
-                <a:solidFill>
-                  <a:schemeClr val="accent2">
-                    <a:lumMod val="75000"/>
-                  </a:schemeClr>
-                </a:solidFill>
-                <a:latin typeface="Arial"/>
-                <a:cs typeface="Arial"/>
-              </a:rPr>
-              <a:t>Accurancy</a:t>
-            </a:r>
-            <a:r>
-              <a:rPr lang="es-ES_tradnl" sz="2000" b="1" dirty="0">
-                <a:solidFill>
-                  <a:schemeClr val="accent2">
-                    <a:lumMod val="75000"/>
-                  </a:schemeClr>
-                </a:solidFill>
-                <a:latin typeface="Arial"/>
-                <a:cs typeface="Arial"/>
-              </a:rPr>
-              <a:t> Bajo</a:t>
-            </a:r>
-          </a:p>
-          <a:p>
-            <a:endParaRPr lang="es-ES_tradnl" dirty="0">
-              <a:solidFill>
-                <a:schemeClr val="tx1">
-                  <a:lumMod val="65000"/>
-                  <a:lumOff val="35000"/>
-                </a:schemeClr>
-              </a:solidFill>
-              <a:latin typeface="Arial"/>
-              <a:cs typeface="Arial"/>
-            </a:endParaRPr>
+              <a:t>Desarrollo</a:t>
+            </a:r>
           </a:p>
         </p:txBody>
       </p:sp>
@@ -3847,7 +3712,7 @@
           <p:cNvPr id="2" name="Picture 1">
             <a:extLst>
               <a:ext uri="{FF2B5EF4-FFF2-40B4-BE49-F238E27FC236}">
-                <a16:creationId xmlns:a16="http://schemas.microsoft.com/office/drawing/2014/main" id="{92E926E5-D2A8-4ED5-91D3-4581871041BE}"/>
+                <a16:creationId xmlns:a16="http://schemas.microsoft.com/office/drawing/2014/main" id="{7F2A39D2-55C6-4546-925A-C78FD89E80B6}"/>
               </a:ext>
             </a:extLst>
           </p:cNvPr>
@@ -3864,8 +3729,8 @@
         </p:blipFill>
         <p:spPr>
           <a:xfrm>
-            <a:off x="304801" y="1524001"/>
-            <a:ext cx="2903376" cy="2317470"/>
+            <a:off x="113134" y="3714441"/>
+            <a:ext cx="8883520" cy="1928993"/>
           </a:xfrm>
           <a:prstGeom prst="rect">
             <a:avLst/>
@@ -3877,7 +3742,7 @@
           <p:cNvPr id="3" name="Picture 2">
             <a:extLst>
               <a:ext uri="{FF2B5EF4-FFF2-40B4-BE49-F238E27FC236}">
-                <a16:creationId xmlns:a16="http://schemas.microsoft.com/office/drawing/2014/main" id="{0CDD0228-C983-4B55-B834-BF81DB68EB7D}"/>
+                <a16:creationId xmlns:a16="http://schemas.microsoft.com/office/drawing/2014/main" id="{F5AB56C1-915B-4E50-9258-F2E124001A1D}"/>
               </a:ext>
             </a:extLst>
           </p:cNvPr>
@@ -3894,68 +3759,8 @@
         </p:blipFill>
         <p:spPr>
           <a:xfrm>
-            <a:off x="3962400" y="1501163"/>
-            <a:ext cx="2903376" cy="2327980"/>
-          </a:xfrm>
-          <a:prstGeom prst="rect">
-            <a:avLst/>
-          </a:prstGeom>
-        </p:spPr>
-      </p:pic>
-      <p:pic>
-        <p:nvPicPr>
-          <p:cNvPr id="5" name="Picture 4">
-            <a:extLst>
-              <a:ext uri="{FF2B5EF4-FFF2-40B4-BE49-F238E27FC236}">
-                <a16:creationId xmlns:a16="http://schemas.microsoft.com/office/drawing/2014/main" id="{0256515B-68BC-491A-BE80-179BD06BCA32}"/>
-              </a:ext>
-            </a:extLst>
-          </p:cNvPr>
-          <p:cNvPicPr>
-            <a:picLocks noChangeAspect="1"/>
-          </p:cNvPicPr>
-          <p:nvPr/>
-        </p:nvPicPr>
-        <p:blipFill>
-          <a:blip r:embed="rId4"/>
-          <a:stretch>
-            <a:fillRect/>
-          </a:stretch>
-        </p:blipFill>
-        <p:spPr>
-          <a:xfrm>
-            <a:off x="304801" y="3850802"/>
-            <a:ext cx="2903376" cy="2245344"/>
-          </a:xfrm>
-          <a:prstGeom prst="rect">
-            <a:avLst/>
-          </a:prstGeom>
-        </p:spPr>
-      </p:pic>
-      <p:pic>
-        <p:nvPicPr>
-          <p:cNvPr id="8" name="Picture 7">
-            <a:extLst>
-              <a:ext uri="{FF2B5EF4-FFF2-40B4-BE49-F238E27FC236}">
-                <a16:creationId xmlns:a16="http://schemas.microsoft.com/office/drawing/2014/main" id="{8B754F51-70E6-466C-A2F7-63C16924EF20}"/>
-              </a:ext>
-            </a:extLst>
-          </p:cNvPr>
-          <p:cNvPicPr>
-            <a:picLocks noChangeAspect="1"/>
-          </p:cNvPicPr>
-          <p:nvPr/>
-        </p:nvPicPr>
-        <p:blipFill>
-          <a:blip r:embed="rId5"/>
-          <a:stretch>
-            <a:fillRect/>
-          </a:stretch>
-        </p:blipFill>
-        <p:spPr>
-          <a:xfrm>
-            <a:off x="3327139" y="4163716"/>
-            <a:ext cx="5524500" cy="1619250"/>
+            <a:off x="346593" y="1220786"/>
+            <a:ext cx="8401050" cy="2352675"/>
           </a:xfrm>
           <a:prstGeom prst="rect">
             <a:avLst/>
@@ -3965,7 +3770,7 @@
     </p:spTree>
     <p:extLst>
       <p:ext uri="{BB962C8B-B14F-4D97-AF65-F5344CB8AC3E}">
-        <p14:creationId xmlns:p14="http://schemas.microsoft.com/office/powerpoint/2010/main" val="1483245971"/>
+        <p14:creationId xmlns:p14="http://schemas.microsoft.com/office/powerpoint/2010/main" val="964733070"/>
       </p:ext>
     </p:extLst>
   </p:cSld>
@@ -3994,14 +3799,205 @@
       </p:grpSpPr>
       <p:sp>
         <p:nvSpPr>
-          <p:cNvPr id="7" name="CuadroTexto 6"/>
+          <p:cNvPr id="2" name="Title 1">
+            <a:extLst>
+              <a:ext uri="{FF2B5EF4-FFF2-40B4-BE49-F238E27FC236}">
+                <a16:creationId xmlns:a16="http://schemas.microsoft.com/office/drawing/2014/main" id="{47AFA94F-B6CB-49C1-98C2-503B2DF8D1BF}"/>
+              </a:ext>
+            </a:extLst>
+          </p:cNvPr>
+          <p:cNvSpPr>
+            <a:spLocks noGrp="1"/>
+          </p:cNvSpPr>
+          <p:nvPr>
+            <p:ph type="title"/>
+          </p:nvPr>
+        </p:nvSpPr>
+        <p:spPr/>
+        <p:txBody>
+          <a:bodyPr/>
+          <a:lstStyle/>
+          <a:p>
+            <a:pPr algn="l"/>
+            <a:r>
+              <a:rPr lang="es-MX" sz="3000" dirty="0">
+                <a:solidFill>
+                  <a:schemeClr val="accent6">
+                    <a:lumMod val="75000"/>
+                  </a:schemeClr>
+                </a:solidFill>
+              </a:rPr>
+              <a:t>Entrenamiento</a:t>
+            </a:r>
+            <a:endParaRPr lang="en-US" sz="3000" dirty="0">
+              <a:solidFill>
+                <a:schemeClr val="accent6">
+                  <a:lumMod val="75000"/>
+                </a:schemeClr>
+              </a:solidFill>
+            </a:endParaRPr>
+          </a:p>
+        </p:txBody>
+      </p:sp>
+      <p:pic>
+        <p:nvPicPr>
+          <p:cNvPr id="1026" name="Picture 2" descr="Resultado de imagen para aws">
+            <a:extLst>
+              <a:ext uri="{FF2B5EF4-FFF2-40B4-BE49-F238E27FC236}">
+                <a16:creationId xmlns:a16="http://schemas.microsoft.com/office/drawing/2014/main" id="{D3C7A734-3EFF-4ED9-A490-0E37605D7ACB}"/>
+              </a:ext>
+            </a:extLst>
+          </p:cNvPr>
+          <p:cNvPicPr>
+            <a:picLocks noGrp="1" noChangeAspect="1" noChangeArrowheads="1"/>
+          </p:cNvPicPr>
+          <p:nvPr>
+            <p:ph idx="1"/>
+          </p:nvPr>
+        </p:nvPicPr>
+        <p:blipFill>
+          <a:blip r:embed="rId2">
+            <a:extLst>
+              <a:ext uri="{28A0092B-C50C-407E-A947-70E740481C1C}">
+                <a14:useLocalDpi xmlns:a14="http://schemas.microsoft.com/office/drawing/2010/main" val="0"/>
+              </a:ext>
+            </a:extLst>
+          </a:blip>
+          <a:srcRect/>
+          <a:stretch>
+            <a:fillRect/>
+          </a:stretch>
+        </p:blipFill>
+        <p:spPr bwMode="auto">
+          <a:xfrm>
+            <a:off x="3733800" y="1768792"/>
+            <a:ext cx="4675372" cy="1704657"/>
+          </a:xfrm>
+          <a:prstGeom prst="rect">
+            <a:avLst/>
+          </a:prstGeom>
+          <a:noFill/>
+          <a:extLst>
+            <a:ext uri="{909E8E84-426E-40DD-AFC4-6F175D3DCCD1}">
+              <a14:hiddenFill xmlns:a14="http://schemas.microsoft.com/office/drawing/2010/main">
+                <a:solidFill>
+                  <a:srgbClr val="FFFFFF"/>
+                </a:solidFill>
+              </a14:hiddenFill>
+            </a:ext>
+          </a:extLst>
+        </p:spPr>
+      </p:pic>
+      <p:pic>
+        <p:nvPicPr>
+          <p:cNvPr id="1028" name="Picture 4" descr="Resultado de imagen para aws">
+            <a:extLst>
+              <a:ext uri="{FF2B5EF4-FFF2-40B4-BE49-F238E27FC236}">
+                <a16:creationId xmlns:a16="http://schemas.microsoft.com/office/drawing/2014/main" id="{306E378A-B74C-41EF-82D2-C152335F4295}"/>
+              </a:ext>
+            </a:extLst>
+          </p:cNvPr>
+          <p:cNvPicPr>
+            <a:picLocks noChangeAspect="1" noChangeArrowheads="1"/>
+          </p:cNvPicPr>
+          <p:nvPr/>
+        </p:nvPicPr>
+        <p:blipFill>
+          <a:blip r:embed="rId3">
+            <a:extLst>
+              <a:ext uri="{28A0092B-C50C-407E-A947-70E740481C1C}">
+                <a14:useLocalDpi xmlns:a14="http://schemas.microsoft.com/office/drawing/2010/main" val="0"/>
+              </a:ext>
+            </a:extLst>
+          </a:blip>
+          <a:srcRect/>
+          <a:stretch>
+            <a:fillRect/>
+          </a:stretch>
+        </p:blipFill>
+        <p:spPr bwMode="auto">
+          <a:xfrm>
+            <a:off x="304800" y="1897599"/>
+            <a:ext cx="2819400" cy="1480185"/>
+          </a:xfrm>
+          <a:prstGeom prst="rect">
+            <a:avLst/>
+          </a:prstGeom>
+          <a:noFill/>
+          <a:extLst>
+            <a:ext uri="{909E8E84-426E-40DD-AFC4-6F175D3DCCD1}">
+              <a14:hiddenFill xmlns:a14="http://schemas.microsoft.com/office/drawing/2010/main">
+                <a:solidFill>
+                  <a:srgbClr val="FFFFFF"/>
+                </a:solidFill>
+              </a14:hiddenFill>
+            </a:ext>
+          </a:extLst>
+        </p:spPr>
+      </p:pic>
+      <p:pic>
+        <p:nvPicPr>
+          <p:cNvPr id="1030" name="Picture 6" descr="Resultado de imagen para nvidia">
+            <a:extLst>
+              <a:ext uri="{FF2B5EF4-FFF2-40B4-BE49-F238E27FC236}">
+                <a16:creationId xmlns:a16="http://schemas.microsoft.com/office/drawing/2014/main" id="{5B56F547-63E5-4D6C-9AD2-5CD7BA8D9190}"/>
+              </a:ext>
+            </a:extLst>
+          </p:cNvPr>
+          <p:cNvPicPr>
+            <a:picLocks noChangeAspect="1" noChangeArrowheads="1"/>
+          </p:cNvPicPr>
+          <p:nvPr/>
+        </p:nvPicPr>
+        <p:blipFill>
+          <a:blip r:embed="rId4">
+            <a:extLst>
+              <a:ext uri="{28A0092B-C50C-407E-A947-70E740481C1C}">
+                <a14:useLocalDpi xmlns:a14="http://schemas.microsoft.com/office/drawing/2010/main" val="0"/>
+              </a:ext>
+            </a:extLst>
+          </a:blip>
+          <a:srcRect/>
+          <a:stretch>
+            <a:fillRect/>
+          </a:stretch>
+        </p:blipFill>
+        <p:spPr bwMode="auto">
+          <a:xfrm>
+            <a:off x="675540" y="3978701"/>
+            <a:ext cx="3748613" cy="688082"/>
+          </a:xfrm>
+          <a:prstGeom prst="rect">
+            <a:avLst/>
+          </a:prstGeom>
+          <a:noFill/>
+          <a:extLst>
+            <a:ext uri="{909E8E84-426E-40DD-AFC4-6F175D3DCCD1}">
+              <a14:hiddenFill xmlns:a14="http://schemas.microsoft.com/office/drawing/2010/main">
+                <a:solidFill>
+                  <a:srgbClr val="FFFFFF"/>
+                </a:solidFill>
+              </a14:hiddenFill>
+            </a:ext>
+          </a:extLst>
+        </p:spPr>
+      </p:pic>
+      <p:sp>
+        <p:nvSpPr>
+          <p:cNvPr id="4" name="TextBox 3">
+            <a:extLst>
+              <a:ext uri="{FF2B5EF4-FFF2-40B4-BE49-F238E27FC236}">
+                <a16:creationId xmlns:a16="http://schemas.microsoft.com/office/drawing/2014/main" id="{48D57277-BF1D-456B-8163-D98544B10F93}"/>
+              </a:ext>
+            </a:extLst>
+          </p:cNvPr>
           <p:cNvSpPr txBox="1"/>
           <p:nvPr/>
         </p:nvSpPr>
         <p:spPr>
           <a:xfrm>
-            <a:off x="304800" y="152400"/>
-            <a:ext cx="7239000" cy="553998"/>
+            <a:off x="609600" y="5258770"/>
+            <a:ext cx="7924800" cy="369332"/>
           </a:xfrm>
           <a:prstGeom prst="rect">
             <a:avLst/>
@@ -4015,199 +4011,49 @@
           <a:lstStyle/>
           <a:p>
             <a:r>
-              <a:rPr lang="es-ES_tradnl" sz="3000" b="1" dirty="0">
-                <a:solidFill>
-                  <a:schemeClr val="accent6">
-                    <a:lumMod val="75000"/>
-                  </a:schemeClr>
-                </a:solidFill>
-                <a:latin typeface="Arial"/>
-                <a:cs typeface="Arial"/>
-              </a:rPr>
-              <a:t>Resultados</a:t>
-            </a:r>
-          </a:p>
-        </p:txBody>
-      </p:sp>
-      <p:sp>
-        <p:nvSpPr>
-          <p:cNvPr id="4" name="CuadroTexto 3">
-            <a:extLst>
-              <a:ext uri="{FF2B5EF4-FFF2-40B4-BE49-F238E27FC236}">
-                <a16:creationId xmlns:a16="http://schemas.microsoft.com/office/drawing/2014/main" id="{5B9FAA7F-95C4-4820-8591-6D4817F3F094}"/>
-              </a:ext>
-            </a:extLst>
-          </p:cNvPr>
-          <p:cNvSpPr txBox="1"/>
-          <p:nvPr/>
-        </p:nvSpPr>
-        <p:spPr>
-          <a:xfrm>
-            <a:off x="297024" y="1033046"/>
-            <a:ext cx="5715000" cy="677108"/>
-          </a:xfrm>
-          <a:prstGeom prst="rect">
-            <a:avLst/>
-          </a:prstGeom>
-          <a:noFill/>
-        </p:spPr>
-        <p:txBody>
-          <a:bodyPr wrap="square" rtlCol="0">
-            <a:spAutoFit/>
-          </a:bodyPr>
-          <a:lstStyle/>
-          <a:p>
-            <a:r>
-              <a:rPr lang="es-ES_tradnl" sz="2000" b="1" dirty="0">
-                <a:solidFill>
-                  <a:schemeClr val="accent2">
-                    <a:lumMod val="75000"/>
-                  </a:schemeClr>
-                </a:solidFill>
-                <a:latin typeface="Arial"/>
-                <a:cs typeface="Arial"/>
-              </a:rPr>
-              <a:t>Error Guitarra</a:t>
-            </a:r>
-          </a:p>
-          <a:p>
-            <a:endParaRPr lang="es-ES_tradnl" dirty="0">
-              <a:solidFill>
-                <a:schemeClr val="tx1">
-                  <a:lumMod val="65000"/>
-                  <a:lumOff val="35000"/>
-                </a:schemeClr>
-              </a:solidFill>
-              <a:latin typeface="Arial"/>
-              <a:cs typeface="Arial"/>
-            </a:endParaRPr>
+              <a:rPr lang="es-MX" dirty="0"/>
+              <a:t>3 Semanas de entrenamiento por cada instrumento en una cierta arquitectura</a:t>
+            </a:r>
+            <a:endParaRPr lang="en-US" dirty="0"/>
           </a:p>
         </p:txBody>
       </p:sp>
       <p:pic>
         <p:nvPicPr>
-          <p:cNvPr id="2" name="Picture 1">
+          <p:cNvPr id="8" name="Picture 2" descr="Resultado de imagen para keras and tensorflow">
             <a:extLst>
               <a:ext uri="{FF2B5EF4-FFF2-40B4-BE49-F238E27FC236}">
-                <a16:creationId xmlns:a16="http://schemas.microsoft.com/office/drawing/2014/main" id="{9BF0037F-B3EC-4818-898A-2E623D46B44A}"/>
+                <a16:creationId xmlns:a16="http://schemas.microsoft.com/office/drawing/2014/main" id="{58B696DD-B85A-43CB-ACF8-30DB1DCC93C7}"/>
               </a:ext>
             </a:extLst>
           </p:cNvPr>
           <p:cNvPicPr>
-            <a:picLocks noChangeAspect="1"/>
+            <a:picLocks noChangeAspect="1" noChangeArrowheads="1"/>
           </p:cNvPicPr>
           <p:nvPr/>
         </p:nvPicPr>
         <p:blipFill>
-          <a:blip r:embed="rId2"/>
+          <a:blip r:embed="rId5"/>
+          <a:srcRect/>
           <a:stretch>
             <a:fillRect/>
           </a:stretch>
         </p:blipFill>
-        <p:spPr>
-          <a:xfrm>
-            <a:off x="297024" y="1371600"/>
-            <a:ext cx="3055776" cy="2442410"/>
-          </a:xfrm>
-          <a:prstGeom prst="rect">
-            <a:avLst/>
-          </a:prstGeom>
-        </p:spPr>
-      </p:pic>
-      <p:pic>
-        <p:nvPicPr>
-          <p:cNvPr id="5" name="Picture 4">
-            <a:extLst>
-              <a:ext uri="{FF2B5EF4-FFF2-40B4-BE49-F238E27FC236}">
-                <a16:creationId xmlns:a16="http://schemas.microsoft.com/office/drawing/2014/main" id="{5BE79044-B6AA-4E69-8884-D8BC6955F200}"/>
-              </a:ext>
-            </a:extLst>
-          </p:cNvPr>
-          <p:cNvPicPr>
-            <a:picLocks noChangeAspect="1"/>
-          </p:cNvPicPr>
-          <p:nvPr/>
-        </p:nvPicPr>
-        <p:blipFill>
-          <a:blip r:embed="rId3"/>
-          <a:stretch>
-            <a:fillRect/>
-          </a:stretch>
-        </p:blipFill>
-        <p:spPr>
-          <a:xfrm>
-            <a:off x="3924300" y="1351156"/>
-            <a:ext cx="3075016" cy="2442410"/>
-          </a:xfrm>
-          <a:prstGeom prst="rect">
-            <a:avLst/>
-          </a:prstGeom>
-        </p:spPr>
-      </p:pic>
-      <p:pic>
-        <p:nvPicPr>
-          <p:cNvPr id="6" name="Picture 5">
-            <a:extLst>
-              <a:ext uri="{FF2B5EF4-FFF2-40B4-BE49-F238E27FC236}">
-                <a16:creationId xmlns:a16="http://schemas.microsoft.com/office/drawing/2014/main" id="{E1FEE1DD-4E61-43E1-8AB9-F1BF3CDF173F}"/>
-              </a:ext>
-            </a:extLst>
-          </p:cNvPr>
-          <p:cNvPicPr>
-            <a:picLocks noChangeAspect="1"/>
-          </p:cNvPicPr>
-          <p:nvPr/>
-        </p:nvPicPr>
-        <p:blipFill>
-          <a:blip r:embed="rId4"/>
-          <a:stretch>
-            <a:fillRect/>
-          </a:stretch>
-        </p:blipFill>
-        <p:spPr>
-          <a:xfrm>
-            <a:off x="228600" y="3814010"/>
-            <a:ext cx="3093571" cy="2275308"/>
-          </a:xfrm>
-          <a:prstGeom prst="rect">
-            <a:avLst/>
-          </a:prstGeom>
-        </p:spPr>
-      </p:pic>
-      <p:pic>
-        <p:nvPicPr>
-          <p:cNvPr id="8" name="Picture 7">
-            <a:extLst>
-              <a:ext uri="{FF2B5EF4-FFF2-40B4-BE49-F238E27FC236}">
-                <a16:creationId xmlns:a16="http://schemas.microsoft.com/office/drawing/2014/main" id="{020399CC-5B8D-4842-9978-1F9EDBF57CD4}"/>
-              </a:ext>
-            </a:extLst>
-          </p:cNvPr>
-          <p:cNvPicPr>
-            <a:picLocks noChangeAspect="1"/>
-          </p:cNvPicPr>
-          <p:nvPr/>
-        </p:nvPicPr>
-        <p:blipFill>
-          <a:blip r:embed="rId5"/>
-          <a:stretch>
-            <a:fillRect/>
-          </a:stretch>
-        </p:blipFill>
-        <p:spPr>
-          <a:xfrm>
-            <a:off x="3390122" y="4038600"/>
-            <a:ext cx="5695950" cy="1638300"/>
-          </a:xfrm>
-          <a:prstGeom prst="rect">
-            <a:avLst/>
-          </a:prstGeom>
+        <p:spPr bwMode="auto">
+          <a:xfrm>
+            <a:off x="4953000" y="3930653"/>
+            <a:ext cx="2819400" cy="1133399"/>
+          </a:xfrm>
+          <a:prstGeom prst="rect">
+            <a:avLst/>
+          </a:prstGeom>
+          <a:noFill/>
         </p:spPr>
       </p:pic>
     </p:spTree>
     <p:extLst>
       <p:ext uri="{BB962C8B-B14F-4D97-AF65-F5344CB8AC3E}">
-        <p14:creationId xmlns:p14="http://schemas.microsoft.com/office/powerpoint/2010/main" val="3534945709"/>
+        <p14:creationId xmlns:p14="http://schemas.microsoft.com/office/powerpoint/2010/main" val="3833707545"/>
       </p:ext>
     </p:extLst>
   </p:cSld>
@@ -4236,220 +4082,57 @@
       </p:grpSpPr>
       <p:sp>
         <p:nvSpPr>
-          <p:cNvPr id="7" name="CuadroTexto 6"/>
-          <p:cNvSpPr txBox="1"/>
-          <p:nvPr/>
-        </p:nvSpPr>
-        <p:spPr>
-          <a:xfrm>
-            <a:off x="304800" y="152400"/>
-            <a:ext cx="7239000" cy="553998"/>
-          </a:xfrm>
-          <a:prstGeom prst="rect">
-            <a:avLst/>
-          </a:prstGeom>
-          <a:noFill/>
-        </p:spPr>
-        <p:txBody>
-          <a:bodyPr wrap="square" rtlCol="0">
-            <a:spAutoFit/>
-          </a:bodyPr>
-          <a:lstStyle/>
-          <a:p>
-            <a:r>
-              <a:rPr lang="es-ES_tradnl" sz="3000" b="1" dirty="0">
-                <a:solidFill>
-                  <a:schemeClr val="accent6">
-                    <a:lumMod val="75000"/>
-                  </a:schemeClr>
-                </a:solidFill>
-                <a:latin typeface="Arial"/>
-                <a:cs typeface="Arial"/>
-              </a:rPr>
-              <a:t>Resultados</a:t>
-            </a:r>
-          </a:p>
-        </p:txBody>
-      </p:sp>
-      <p:sp>
-        <p:nvSpPr>
-          <p:cNvPr id="4" name="CuadroTexto 3">
+          <p:cNvPr id="3" name="Content Placeholder 2">
             <a:extLst>
               <a:ext uri="{FF2B5EF4-FFF2-40B4-BE49-F238E27FC236}">
-                <a16:creationId xmlns:a16="http://schemas.microsoft.com/office/drawing/2014/main" id="{5B9FAA7F-95C4-4820-8591-6D4817F3F094}"/>
+                <a16:creationId xmlns:a16="http://schemas.microsoft.com/office/drawing/2014/main" id="{A31C01AB-94B2-4A10-BE15-E270120C89C2}"/>
               </a:ext>
             </a:extLst>
           </p:cNvPr>
-          <p:cNvSpPr txBox="1"/>
-          <p:nvPr/>
+          <p:cNvSpPr>
+            <a:spLocks noGrp="1"/>
+          </p:cNvSpPr>
+          <p:nvPr>
+            <p:ph idx="1"/>
+          </p:nvPr>
         </p:nvSpPr>
         <p:spPr>
           <a:xfrm>
-            <a:off x="297024" y="1033046"/>
-            <a:ext cx="5715000" cy="677108"/>
-          </a:xfrm>
-          <a:prstGeom prst="rect">
-            <a:avLst/>
-          </a:prstGeom>
-          <a:noFill/>
+            <a:off x="2667000" y="2667000"/>
+            <a:ext cx="3810000" cy="1828800"/>
+          </a:xfrm>
         </p:spPr>
         <p:txBody>
-          <a:bodyPr wrap="square" rtlCol="0">
-            <a:spAutoFit/>
-          </a:bodyPr>
+          <a:bodyPr/>
           <a:lstStyle/>
           <a:p>
-            <a:r>
-              <a:rPr lang="es-ES_tradnl" sz="2000" b="1" dirty="0">
-                <a:solidFill>
-                  <a:schemeClr val="accent2">
+            <a:pPr marL="0" indent="0">
+              <a:buNone/>
+            </a:pPr>
+            <a:r>
+              <a:rPr lang="es-MX" sz="9600" dirty="0">
+                <a:solidFill>
+                  <a:schemeClr val="accent6">
                     <a:lumMod val="75000"/>
                   </a:schemeClr>
                 </a:solidFill>
-                <a:latin typeface="Arial"/>
-                <a:cs typeface="Arial"/>
-              </a:rPr>
-              <a:t>Error Bajo</a:t>
-            </a:r>
-          </a:p>
-          <a:p>
-            <a:endParaRPr lang="es-ES_tradnl" dirty="0">
+              </a:rPr>
+              <a:t>Demo</a:t>
+            </a:r>
+            <a:endParaRPr lang="en-US" sz="9600" dirty="0">
               <a:solidFill>
-                <a:schemeClr val="tx1">
-                  <a:lumMod val="65000"/>
-                  <a:lumOff val="35000"/>
+                <a:schemeClr val="accent6">
+                  <a:lumMod val="75000"/>
                 </a:schemeClr>
               </a:solidFill>
-              <a:latin typeface="Arial"/>
-              <a:cs typeface="Arial"/>
             </a:endParaRPr>
           </a:p>
         </p:txBody>
       </p:sp>
-      <p:pic>
-        <p:nvPicPr>
-          <p:cNvPr id="2" name="Picture 1">
-            <a:extLst>
-              <a:ext uri="{FF2B5EF4-FFF2-40B4-BE49-F238E27FC236}">
-                <a16:creationId xmlns:a16="http://schemas.microsoft.com/office/drawing/2014/main" id="{E8C04A3F-875B-41F3-9820-55B2D963BBF3}"/>
-              </a:ext>
-            </a:extLst>
-          </p:cNvPr>
-          <p:cNvPicPr>
-            <a:picLocks noChangeAspect="1"/>
-          </p:cNvPicPr>
-          <p:nvPr/>
-        </p:nvPicPr>
-        <p:blipFill>
-          <a:blip r:embed="rId2"/>
-          <a:stretch>
-            <a:fillRect/>
-          </a:stretch>
-        </p:blipFill>
-        <p:spPr>
-          <a:xfrm>
-            <a:off x="297024" y="1455167"/>
-            <a:ext cx="2903376" cy="2286409"/>
-          </a:xfrm>
-          <a:prstGeom prst="rect">
-            <a:avLst/>
-          </a:prstGeom>
-        </p:spPr>
-      </p:pic>
-      <p:pic>
-        <p:nvPicPr>
-          <p:cNvPr id="3" name="Picture 2">
-            <a:extLst>
-              <a:ext uri="{FF2B5EF4-FFF2-40B4-BE49-F238E27FC236}">
-                <a16:creationId xmlns:a16="http://schemas.microsoft.com/office/drawing/2014/main" id="{3F119AE0-88D0-4FC2-BA27-B10274F20639}"/>
-              </a:ext>
-            </a:extLst>
-          </p:cNvPr>
-          <p:cNvPicPr>
-            <a:picLocks noChangeAspect="1"/>
-          </p:cNvPicPr>
-          <p:nvPr/>
-        </p:nvPicPr>
-        <p:blipFill>
-          <a:blip r:embed="rId3"/>
-          <a:stretch>
-            <a:fillRect/>
-          </a:stretch>
-        </p:blipFill>
-        <p:spPr>
-          <a:xfrm>
-            <a:off x="3733800" y="1371600"/>
-            <a:ext cx="3048000" cy="2445038"/>
-          </a:xfrm>
-          <a:prstGeom prst="rect">
-            <a:avLst/>
-          </a:prstGeom>
-        </p:spPr>
-      </p:pic>
-      <p:pic>
-        <p:nvPicPr>
-          <p:cNvPr id="5" name="Picture 4">
-            <a:extLst>
-              <a:ext uri="{FF2B5EF4-FFF2-40B4-BE49-F238E27FC236}">
-                <a16:creationId xmlns:a16="http://schemas.microsoft.com/office/drawing/2014/main" id="{FEE8F7BA-601C-4897-B779-B89456334EB6}"/>
-              </a:ext>
-            </a:extLst>
-          </p:cNvPr>
-          <p:cNvPicPr>
-            <a:picLocks noChangeAspect="1"/>
-          </p:cNvPicPr>
-          <p:nvPr/>
-        </p:nvPicPr>
-        <p:blipFill>
-          <a:blip r:embed="rId4"/>
-          <a:stretch>
-            <a:fillRect/>
-          </a:stretch>
-        </p:blipFill>
-        <p:spPr>
-          <a:xfrm>
-            <a:off x="304800" y="3816638"/>
-            <a:ext cx="2895600" cy="2133600"/>
-          </a:xfrm>
-          <a:prstGeom prst="rect">
-            <a:avLst/>
-          </a:prstGeom>
-        </p:spPr>
-      </p:pic>
-      <p:pic>
-        <p:nvPicPr>
-          <p:cNvPr id="8" name="Picture 7">
-            <a:extLst>
-              <a:ext uri="{FF2B5EF4-FFF2-40B4-BE49-F238E27FC236}">
-                <a16:creationId xmlns:a16="http://schemas.microsoft.com/office/drawing/2014/main" id="{5FA46A26-6378-4212-A803-AF9CE0B54AAA}"/>
-              </a:ext>
-            </a:extLst>
-          </p:cNvPr>
-          <p:cNvPicPr>
-            <a:picLocks noChangeAspect="1"/>
-          </p:cNvPicPr>
-          <p:nvPr/>
-        </p:nvPicPr>
-        <p:blipFill>
-          <a:blip r:embed="rId5"/>
-          <a:stretch>
-            <a:fillRect/>
-          </a:stretch>
-        </p:blipFill>
-        <p:spPr>
-          <a:xfrm>
-            <a:off x="3429000" y="4073813"/>
-            <a:ext cx="5543550" cy="1619250"/>
-          </a:xfrm>
-          <a:prstGeom prst="rect">
-            <a:avLst/>
-          </a:prstGeom>
-        </p:spPr>
-      </p:pic>
     </p:spTree>
     <p:extLst>
       <p:ext uri="{BB962C8B-B14F-4D97-AF65-F5344CB8AC3E}">
-        <p14:creationId xmlns:p14="http://schemas.microsoft.com/office/powerpoint/2010/main" val="2126893129"/>
+        <p14:creationId xmlns:p14="http://schemas.microsoft.com/office/powerpoint/2010/main" val="1341716479"/>
       </p:ext>
     </p:extLst>
   </p:cSld>
@@ -4528,7 +4211,7 @@
         <p:spPr>
           <a:xfrm>
             <a:off x="297024" y="1033046"/>
-            <a:ext cx="8999376" cy="984885"/>
+            <a:ext cx="5715000" cy="677108"/>
           </a:xfrm>
           <a:prstGeom prst="rect">
             <a:avLst/>
@@ -4542,7 +4225,7 @@
           <a:lstStyle/>
           <a:p>
             <a:r>
-              <a:rPr lang="es-ES_tradnl" sz="2000" b="1" dirty="0">
+              <a:rPr lang="es-ES_tradnl" sz="2000" b="1" dirty="0" err="1">
                 <a:solidFill>
                   <a:schemeClr val="accent2">
                     <a:lumMod val="75000"/>
@@ -4551,10 +4234,10 @@
                 <a:latin typeface="Arial"/>
                 <a:cs typeface="Arial"/>
               </a:rPr>
-              <a:t>Validación de la tonalidad (Algoritmo de </a:t>
-            </a:r>
-            <a:r>
-              <a:rPr lang="es-ES_tradnl" sz="2000" b="1" dirty="0" err="1">
+              <a:t>Accurancy</a:t>
+            </a:r>
+            <a:r>
+              <a:rPr lang="es-ES_tradnl" sz="2000" b="1" dirty="0">
                 <a:solidFill>
                   <a:schemeClr val="accent2">
                     <a:lumMod val="75000"/>
@@ -4563,33 +4246,7 @@
                 <a:latin typeface="Arial"/>
                 <a:cs typeface="Arial"/>
               </a:rPr>
-              <a:t>Krumhansl-Schmuckler</a:t>
-            </a:r>
-            <a:r>
-              <a:rPr lang="es-ES_tradnl" sz="2000" b="1" dirty="0">
-                <a:solidFill>
-                  <a:schemeClr val="accent2">
-                    <a:lumMod val="75000"/>
-                  </a:schemeClr>
-                </a:solidFill>
-                <a:latin typeface="Arial"/>
-                <a:cs typeface="Arial"/>
-              </a:rPr>
-              <a:t>)</a:t>
-            </a:r>
-          </a:p>
-          <a:p>
-            <a:r>
-              <a:rPr lang="es-ES_tradnl" sz="2000" b="1" dirty="0">
-                <a:solidFill>
-                  <a:schemeClr val="accent2">
-                    <a:lumMod val="75000"/>
-                  </a:schemeClr>
-                </a:solidFill>
-                <a:latin typeface="Arial"/>
-                <a:cs typeface="Arial"/>
-              </a:rPr>
-              <a:t>)</a:t>
+              <a:t> Guitarra</a:t>
             </a:r>
           </a:p>
           <a:p>
@@ -4608,10 +4265,10 @@
       </p:sp>
       <p:pic>
         <p:nvPicPr>
-          <p:cNvPr id="6" name="Picture 5">
+          <p:cNvPr id="3" name="Picture 2">
             <a:extLst>
               <a:ext uri="{FF2B5EF4-FFF2-40B4-BE49-F238E27FC236}">
-                <a16:creationId xmlns:a16="http://schemas.microsoft.com/office/drawing/2014/main" id="{8ED60CD6-5BA1-4DEC-92A3-B3FE4F4D9EAD}"/>
+                <a16:creationId xmlns:a16="http://schemas.microsoft.com/office/drawing/2014/main" id="{C01B7B52-553F-413B-B498-442660444903}"/>
               </a:ext>
             </a:extLst>
           </p:cNvPr>
@@ -4628,8 +4285,8 @@
         </p:blipFill>
         <p:spPr>
           <a:xfrm>
-            <a:off x="178814" y="1401147"/>
-            <a:ext cx="4164586" cy="3246467"/>
+            <a:off x="290804" y="1449589"/>
+            <a:ext cx="2944239" cy="2265985"/>
           </a:xfrm>
           <a:prstGeom prst="rect">
             <a:avLst/>
@@ -4638,10 +4295,10 @@
       </p:pic>
       <p:pic>
         <p:nvPicPr>
-          <p:cNvPr id="9" name="Picture 8">
+          <p:cNvPr id="5" name="Picture 4">
             <a:extLst>
               <a:ext uri="{FF2B5EF4-FFF2-40B4-BE49-F238E27FC236}">
-                <a16:creationId xmlns:a16="http://schemas.microsoft.com/office/drawing/2014/main" id="{449D0C0D-655D-4F8E-BCEF-9DC8F3916235}"/>
+                <a16:creationId xmlns:a16="http://schemas.microsoft.com/office/drawing/2014/main" id="{5D3E8D0C-EBE4-4B16-B645-CD2C3A15B673}"/>
               </a:ext>
             </a:extLst>
           </p:cNvPr>
@@ -4658,8 +4315,8 @@
         </p:blipFill>
         <p:spPr>
           <a:xfrm>
-            <a:off x="4461610" y="1433061"/>
-            <a:ext cx="4072790" cy="3168530"/>
+            <a:off x="4026696" y="1413641"/>
+            <a:ext cx="2944239" cy="2367965"/>
           </a:xfrm>
           <a:prstGeom prst="rect">
             <a:avLst/>
@@ -4668,10 +4325,10 @@
       </p:pic>
       <p:pic>
         <p:nvPicPr>
-          <p:cNvPr id="10" name="Picture 9">
+          <p:cNvPr id="6" name="Picture 5">
             <a:extLst>
               <a:ext uri="{FF2B5EF4-FFF2-40B4-BE49-F238E27FC236}">
-                <a16:creationId xmlns:a16="http://schemas.microsoft.com/office/drawing/2014/main" id="{9114AD6D-1460-4CCD-A1DA-C4BE9A8D3E2B}"/>
+                <a16:creationId xmlns:a16="http://schemas.microsoft.com/office/drawing/2014/main" id="{051E09FA-7A81-4DA8-981F-EA8757390436}"/>
               </a:ext>
             </a:extLst>
           </p:cNvPr>
@@ -4688,8 +4345,38 @@
         </p:blipFill>
         <p:spPr>
           <a:xfrm>
-            <a:off x="1858103" y="4495302"/>
-            <a:ext cx="5427793" cy="1545603"/>
+            <a:off x="290804" y="3728015"/>
+            <a:ext cx="2944239" cy="2242742"/>
+          </a:xfrm>
+          <a:prstGeom prst="rect">
+            <a:avLst/>
+          </a:prstGeom>
+        </p:spPr>
+      </p:pic>
+      <p:pic>
+        <p:nvPicPr>
+          <p:cNvPr id="8" name="Picture 7">
+            <a:extLst>
+              <a:ext uri="{FF2B5EF4-FFF2-40B4-BE49-F238E27FC236}">
+                <a16:creationId xmlns:a16="http://schemas.microsoft.com/office/drawing/2014/main" id="{2EB840D4-7CF3-4E39-9F26-409BDC972AA4}"/>
+              </a:ext>
+            </a:extLst>
+          </p:cNvPr>
+          <p:cNvPicPr>
+            <a:picLocks noChangeAspect="1"/>
+          </p:cNvPicPr>
+          <p:nvPr/>
+        </p:nvPicPr>
+        <p:blipFill>
+          <a:blip r:embed="rId5"/>
+          <a:stretch>
+            <a:fillRect/>
+          </a:stretch>
+        </p:blipFill>
+        <p:spPr>
+          <a:xfrm>
+            <a:off x="3352800" y="4044523"/>
+            <a:ext cx="5686425" cy="1609725"/>
           </a:xfrm>
           <a:prstGeom prst="rect">
             <a:avLst/>
@@ -4699,7 +4386,7 @@
     </p:spTree>
     <p:extLst>
       <p:ext uri="{BB962C8B-B14F-4D97-AF65-F5344CB8AC3E}">
-        <p14:creationId xmlns:p14="http://schemas.microsoft.com/office/powerpoint/2010/main" val="1061821081"/>
+        <p14:creationId xmlns:p14="http://schemas.microsoft.com/office/powerpoint/2010/main" val="2927349331"/>
       </p:ext>
     </p:extLst>
   </p:cSld>
@@ -4771,8 +4458,8 @@
         </p:nvSpPr>
         <p:spPr>
           <a:xfrm>
-            <a:off x="264367" y="2110264"/>
-            <a:ext cx="5029200" cy="1477328"/>
+            <a:off x="152400" y="1791468"/>
+            <a:ext cx="5029200" cy="2677656"/>
           </a:xfrm>
           <a:prstGeom prst="rect">
             <a:avLst/>
@@ -4786,7 +4473,7 @@
           <a:lstStyle/>
           <a:p>
             <a:r>
-              <a:rPr lang="es-MX" dirty="0">
+              <a:rPr lang="es-MX" sz="2800" dirty="0">
                 <a:latin typeface="+mj-lt"/>
               </a:rPr>
               <a:t>La falta de nuevas ideas dentro de la composición musical es uno de los principales problemas para los músicos.</a:t>
@@ -4794,27 +4481,13 @@
           </a:p>
           <a:p>
             <a:r>
-              <a:rPr lang="es-MX" dirty="0">
+              <a:rPr lang="es-MX" sz="2800" dirty="0">
                 <a:latin typeface="+mj-lt"/>
                 <a:cs typeface="Arial"/>
               </a:rPr>
-              <a:t>Este factor influye directamente con tiempo de </a:t>
-            </a:r>
-            <a:r>
-              <a:rPr lang="es-MX" dirty="0" err="1">
-                <a:latin typeface="+mj-lt"/>
-                <a:cs typeface="Arial"/>
-              </a:rPr>
-              <a:t>composicion</a:t>
-            </a:r>
-            <a:r>
-              <a:rPr lang="es-MX" dirty="0">
-                <a:latin typeface="+mj-lt"/>
-                <a:cs typeface="Arial"/>
-              </a:rPr>
-              <a:t>.</a:t>
-            </a:r>
-            <a:endParaRPr lang="es-ES_tradnl" dirty="0">
+              <a:t>Este factor influye directamente con tiempo de composición.</a:t>
+            </a:r>
+            <a:endParaRPr lang="es-ES_tradnl" sz="2800" dirty="0">
               <a:latin typeface="+mj-lt"/>
               <a:cs typeface="Arial"/>
             </a:endParaRPr>
@@ -4913,9 +4586,82 @@
           </a:p>
         </p:txBody>
       </p:sp>
+      <p:sp>
+        <p:nvSpPr>
+          <p:cNvPr id="4" name="CuadroTexto 3">
+            <a:extLst>
+              <a:ext uri="{FF2B5EF4-FFF2-40B4-BE49-F238E27FC236}">
+                <a16:creationId xmlns:a16="http://schemas.microsoft.com/office/drawing/2014/main" id="{5B9FAA7F-95C4-4820-8591-6D4817F3F094}"/>
+              </a:ext>
+            </a:extLst>
+          </p:cNvPr>
+          <p:cNvSpPr txBox="1"/>
+          <p:nvPr/>
+        </p:nvSpPr>
+        <p:spPr>
+          <a:xfrm>
+            <a:off x="297024" y="1033046"/>
+            <a:ext cx="5715000" cy="677108"/>
+          </a:xfrm>
+          <a:prstGeom prst="rect">
+            <a:avLst/>
+          </a:prstGeom>
+          <a:noFill/>
+        </p:spPr>
+        <p:txBody>
+          <a:bodyPr wrap="square" rtlCol="0">
+            <a:spAutoFit/>
+          </a:bodyPr>
+          <a:lstStyle/>
+          <a:p>
+            <a:r>
+              <a:rPr lang="es-ES_tradnl" sz="2000" b="1" dirty="0" err="1">
+                <a:solidFill>
+                  <a:schemeClr val="accent2">
+                    <a:lumMod val="75000"/>
+                  </a:schemeClr>
+                </a:solidFill>
+                <a:latin typeface="Arial"/>
+                <a:cs typeface="Arial"/>
+              </a:rPr>
+              <a:t>Accurancy</a:t>
+            </a:r>
+            <a:r>
+              <a:rPr lang="es-ES_tradnl" sz="2000" b="1" dirty="0">
+                <a:solidFill>
+                  <a:schemeClr val="accent2">
+                    <a:lumMod val="75000"/>
+                  </a:schemeClr>
+                </a:solidFill>
+                <a:latin typeface="Arial"/>
+                <a:cs typeface="Arial"/>
+              </a:rPr>
+              <a:t> Bajo</a:t>
+            </a:r>
+          </a:p>
+          <a:p>
+            <a:endParaRPr lang="es-ES_tradnl" dirty="0">
+              <a:solidFill>
+                <a:schemeClr val="tx1">
+                  <a:lumMod val="65000"/>
+                  <a:lumOff val="35000"/>
+                </a:schemeClr>
+              </a:solidFill>
+              <a:latin typeface="Arial"/>
+              <a:cs typeface="Arial"/>
+            </a:endParaRPr>
+          </a:p>
+        </p:txBody>
+      </p:sp>
       <p:pic>
         <p:nvPicPr>
-          <p:cNvPr id="3" name="Imagen 2"/>
+          <p:cNvPr id="2" name="Picture 1">
+            <a:extLst>
+              <a:ext uri="{FF2B5EF4-FFF2-40B4-BE49-F238E27FC236}">
+                <a16:creationId xmlns:a16="http://schemas.microsoft.com/office/drawing/2014/main" id="{92E926E5-D2A8-4ED5-91D3-4581871041BE}"/>
+              </a:ext>
+            </a:extLst>
+          </p:cNvPr>
           <p:cNvPicPr>
             <a:picLocks noChangeAspect="1"/>
           </p:cNvPicPr>
@@ -4929,8 +4675,8 @@
         </p:blipFill>
         <p:spPr>
           <a:xfrm>
-            <a:off x="609601" y="1295400"/>
-            <a:ext cx="4047006" cy="1295400"/>
+            <a:off x="304801" y="1524001"/>
+            <a:ext cx="2903376" cy="2317470"/>
           </a:xfrm>
           <a:prstGeom prst="rect">
             <a:avLst/>
@@ -4939,7 +4685,13 @@
       </p:pic>
       <p:pic>
         <p:nvPicPr>
-          <p:cNvPr id="4" name="Imagen 3"/>
+          <p:cNvPr id="3" name="Picture 2">
+            <a:extLst>
+              <a:ext uri="{FF2B5EF4-FFF2-40B4-BE49-F238E27FC236}">
+                <a16:creationId xmlns:a16="http://schemas.microsoft.com/office/drawing/2014/main" id="{0CDD0228-C983-4B55-B834-BF81DB68EB7D}"/>
+              </a:ext>
+            </a:extLst>
+          </p:cNvPr>
           <p:cNvPicPr>
             <a:picLocks noChangeAspect="1"/>
           </p:cNvPicPr>
@@ -4953,76 +4705,78 @@
         </p:blipFill>
         <p:spPr>
           <a:xfrm>
-            <a:off x="609599" y="2863120"/>
-            <a:ext cx="4073393" cy="1404080"/>
+            <a:off x="3962400" y="1501163"/>
+            <a:ext cx="2903376" cy="2327980"/>
           </a:xfrm>
           <a:prstGeom prst="rect">
             <a:avLst/>
           </a:prstGeom>
         </p:spPr>
       </p:pic>
-      <p:sp>
-        <p:nvSpPr>
-          <p:cNvPr id="6" name="CuadroTexto 5"/>
-          <p:cNvSpPr txBox="1"/>
-          <p:nvPr/>
-        </p:nvSpPr>
-        <p:spPr>
-          <a:xfrm>
-            <a:off x="5143500" y="1789774"/>
-            <a:ext cx="2209800" cy="369332"/>
-          </a:xfrm>
-          <a:prstGeom prst="rect">
-            <a:avLst/>
-          </a:prstGeom>
-          <a:noFill/>
-        </p:spPr>
-        <p:txBody>
-          <a:bodyPr wrap="square" rtlCol="0">
-            <a:spAutoFit/>
-          </a:bodyPr>
-          <a:lstStyle/>
-          <a:p>
-            <a:r>
-              <a:rPr lang="es-MX" dirty="0"/>
-              <a:t>Salida de Guitarra</a:t>
-            </a:r>
-          </a:p>
-        </p:txBody>
-      </p:sp>
-      <p:sp>
-        <p:nvSpPr>
-          <p:cNvPr id="8" name="CuadroTexto 7"/>
-          <p:cNvSpPr txBox="1"/>
-          <p:nvPr/>
-        </p:nvSpPr>
-        <p:spPr>
-          <a:xfrm>
-            <a:off x="5257800" y="3195828"/>
-            <a:ext cx="2209800" cy="369332"/>
-          </a:xfrm>
-          <a:prstGeom prst="rect">
-            <a:avLst/>
-          </a:prstGeom>
-          <a:noFill/>
-        </p:spPr>
-        <p:txBody>
-          <a:bodyPr wrap="square" rtlCol="0">
-            <a:spAutoFit/>
-          </a:bodyPr>
-          <a:lstStyle/>
-          <a:p>
-            <a:r>
-              <a:rPr lang="es-MX" dirty="0"/>
-              <a:t>Salida de Bajo</a:t>
-            </a:r>
-          </a:p>
-        </p:txBody>
-      </p:sp>
+      <p:pic>
+        <p:nvPicPr>
+          <p:cNvPr id="5" name="Picture 4">
+            <a:extLst>
+              <a:ext uri="{FF2B5EF4-FFF2-40B4-BE49-F238E27FC236}">
+                <a16:creationId xmlns:a16="http://schemas.microsoft.com/office/drawing/2014/main" id="{0256515B-68BC-491A-BE80-179BD06BCA32}"/>
+              </a:ext>
+            </a:extLst>
+          </p:cNvPr>
+          <p:cNvPicPr>
+            <a:picLocks noChangeAspect="1"/>
+          </p:cNvPicPr>
+          <p:nvPr/>
+        </p:nvPicPr>
+        <p:blipFill>
+          <a:blip r:embed="rId4"/>
+          <a:stretch>
+            <a:fillRect/>
+          </a:stretch>
+        </p:blipFill>
+        <p:spPr>
+          <a:xfrm>
+            <a:off x="304801" y="3850802"/>
+            <a:ext cx="2903376" cy="2245344"/>
+          </a:xfrm>
+          <a:prstGeom prst="rect">
+            <a:avLst/>
+          </a:prstGeom>
+        </p:spPr>
+      </p:pic>
+      <p:pic>
+        <p:nvPicPr>
+          <p:cNvPr id="8" name="Picture 7">
+            <a:extLst>
+              <a:ext uri="{FF2B5EF4-FFF2-40B4-BE49-F238E27FC236}">
+                <a16:creationId xmlns:a16="http://schemas.microsoft.com/office/drawing/2014/main" id="{8B754F51-70E6-466C-A2F7-63C16924EF20}"/>
+              </a:ext>
+            </a:extLst>
+          </p:cNvPr>
+          <p:cNvPicPr>
+            <a:picLocks noChangeAspect="1"/>
+          </p:cNvPicPr>
+          <p:nvPr/>
+        </p:nvPicPr>
+        <p:blipFill>
+          <a:blip r:embed="rId5"/>
+          <a:stretch>
+            <a:fillRect/>
+          </a:stretch>
+        </p:blipFill>
+        <p:spPr>
+          <a:xfrm>
+            <a:off x="3327139" y="4163716"/>
+            <a:ext cx="5524500" cy="1619250"/>
+          </a:xfrm>
+          <a:prstGeom prst="rect">
+            <a:avLst/>
+          </a:prstGeom>
+        </p:spPr>
+      </p:pic>
     </p:spTree>
     <p:extLst>
       <p:ext uri="{BB962C8B-B14F-4D97-AF65-F5344CB8AC3E}">
-        <p14:creationId xmlns:p14="http://schemas.microsoft.com/office/powerpoint/2010/main" val="3141686425"/>
+        <p14:creationId xmlns:p14="http://schemas.microsoft.com/office/powerpoint/2010/main" val="1483245971"/>
       </p:ext>
     </p:extLst>
   </p:cSld>
@@ -5081,21 +4835,27 @@
                 <a:latin typeface="Arial"/>
                 <a:cs typeface="Arial"/>
               </a:rPr>
-              <a:t>Conclusiones</a:t>
+              <a:t>Resultados</a:t>
             </a:r>
           </a:p>
         </p:txBody>
       </p:sp>
       <p:sp>
         <p:nvSpPr>
-          <p:cNvPr id="4" name="CuadroTexto 3"/>
+          <p:cNvPr id="4" name="CuadroTexto 3">
+            <a:extLst>
+              <a:ext uri="{FF2B5EF4-FFF2-40B4-BE49-F238E27FC236}">
+                <a16:creationId xmlns:a16="http://schemas.microsoft.com/office/drawing/2014/main" id="{5B9FAA7F-95C4-4820-8591-6D4817F3F094}"/>
+              </a:ext>
+            </a:extLst>
+          </p:cNvPr>
           <p:cNvSpPr txBox="1"/>
           <p:nvPr/>
         </p:nvSpPr>
         <p:spPr>
           <a:xfrm>
-            <a:off x="457200" y="1371600"/>
-            <a:ext cx="7772400" cy="4524315"/>
+            <a:off x="297024" y="1033046"/>
+            <a:ext cx="5715000" cy="677108"/>
           </a:xfrm>
           <a:prstGeom prst="rect">
             <a:avLst/>
@@ -5108,300 +4868,157 @@
           </a:bodyPr>
           <a:lstStyle/>
           <a:p>
-            <a:pPr marL="285750" indent="-285750">
-              <a:buFont typeface="Arial" panose="020B0604020202020204" pitchFamily="34" charset="0"/>
-              <a:buChar char="•"/>
-            </a:pPr>
-            <a:r>
-              <a:rPr lang="es-ES_tradnl" dirty="0">
-                <a:solidFill>
-                  <a:schemeClr val="tx1">
-                    <a:lumMod val="65000"/>
-                    <a:lumOff val="35000"/>
-                  </a:schemeClr>
-                </a:solidFill>
-                <a:latin typeface="Arial"/>
-                <a:cs typeface="Arial"/>
-              </a:rPr>
-              <a:t>Las redes fueron capaces de aprender y generar música a partir de secuencias de entradas.</a:t>
-            </a:r>
-          </a:p>
-          <a:p>
-            <a:pPr marL="285750" indent="-285750">
-              <a:buFont typeface="Arial" panose="020B0604020202020204" pitchFamily="34" charset="0"/>
-              <a:buChar char="•"/>
-            </a:pPr>
-            <a:r>
-              <a:rPr lang="es-ES_tradnl" dirty="0">
-                <a:solidFill>
-                  <a:schemeClr val="tx1">
-                    <a:lumMod val="65000"/>
-                    <a:lumOff val="35000"/>
-                  </a:schemeClr>
-                </a:solidFill>
-                <a:latin typeface="Arial"/>
-                <a:cs typeface="Arial"/>
-              </a:rPr>
-              <a:t>La red que tuvo un mejor desempeño fue la arquitectura numero 1, la cual cuenta con capas de </a:t>
-            </a:r>
-            <a:r>
-              <a:rPr lang="es-ES_tradnl" dirty="0" err="1">
-                <a:solidFill>
-                  <a:schemeClr val="tx1">
-                    <a:lumMod val="65000"/>
-                    <a:lumOff val="35000"/>
-                  </a:schemeClr>
-                </a:solidFill>
-                <a:latin typeface="Arial"/>
-                <a:cs typeface="Arial"/>
-              </a:rPr>
-              <a:t>Dropout</a:t>
-            </a:r>
-            <a:r>
-              <a:rPr lang="es-ES_tradnl" dirty="0">
-                <a:solidFill>
-                  <a:schemeClr val="tx1">
-                    <a:lumMod val="65000"/>
-                    <a:lumOff val="35000"/>
-                  </a:schemeClr>
-                </a:solidFill>
-                <a:latin typeface="Arial"/>
-                <a:cs typeface="Arial"/>
-              </a:rPr>
-              <a:t> intermedias, </a:t>
-            </a:r>
-            <a:r>
-              <a:rPr lang="es-ES_tradnl" dirty="0" err="1">
-                <a:solidFill>
-                  <a:schemeClr val="tx1">
-                    <a:lumMod val="65000"/>
-                    <a:lumOff val="35000"/>
-                  </a:schemeClr>
-                </a:solidFill>
-                <a:latin typeface="Arial"/>
-                <a:cs typeface="Arial"/>
-              </a:rPr>
-              <a:t>asi</a:t>
-            </a:r>
-            <a:r>
-              <a:rPr lang="es-ES_tradnl" dirty="0">
-                <a:solidFill>
-                  <a:schemeClr val="tx1">
-                    <a:lumMod val="65000"/>
-                    <a:lumOff val="35000"/>
-                  </a:schemeClr>
-                </a:solidFill>
-                <a:latin typeface="Arial"/>
-                <a:cs typeface="Arial"/>
-              </a:rPr>
-              <a:t> como un optimizador </a:t>
-            </a:r>
-            <a:r>
-              <a:rPr lang="es-ES_tradnl" dirty="0" err="1">
-                <a:solidFill>
-                  <a:schemeClr val="tx1">
-                    <a:lumMod val="65000"/>
-                    <a:lumOff val="35000"/>
-                  </a:schemeClr>
-                </a:solidFill>
-                <a:latin typeface="Arial"/>
-                <a:cs typeface="Arial"/>
-              </a:rPr>
-              <a:t>RMSProp</a:t>
-            </a:r>
-            <a:r>
-              <a:rPr lang="es-ES_tradnl" dirty="0">
-                <a:solidFill>
-                  <a:schemeClr val="tx1">
-                    <a:lumMod val="65000"/>
-                    <a:lumOff val="35000"/>
-                  </a:schemeClr>
-                </a:solidFill>
-                <a:latin typeface="Arial"/>
-                <a:cs typeface="Arial"/>
-              </a:rPr>
-              <a:t>.</a:t>
-            </a:r>
-          </a:p>
-          <a:p>
-            <a:pPr marL="285750" indent="-285750">
-              <a:buFont typeface="Arial" panose="020B0604020202020204" pitchFamily="34" charset="0"/>
-              <a:buChar char="•"/>
-            </a:pPr>
-            <a:r>
-              <a:rPr lang="es-ES_tradnl" dirty="0">
-                <a:solidFill>
-                  <a:schemeClr val="tx1">
-                    <a:lumMod val="65000"/>
-                    <a:lumOff val="35000"/>
-                  </a:schemeClr>
-                </a:solidFill>
-                <a:latin typeface="Arial"/>
-                <a:cs typeface="Arial"/>
-              </a:rPr>
-              <a:t>A pesar de que la red con el optimizador </a:t>
-            </a:r>
-            <a:r>
-              <a:rPr lang="es-ES_tradnl" dirty="0" err="1">
-                <a:solidFill>
-                  <a:schemeClr val="tx1">
-                    <a:lumMod val="65000"/>
-                    <a:lumOff val="35000"/>
-                  </a:schemeClr>
-                </a:solidFill>
-                <a:latin typeface="Arial"/>
-                <a:cs typeface="Arial"/>
-              </a:rPr>
-              <a:t>Nadam</a:t>
-            </a:r>
-            <a:r>
-              <a:rPr lang="es-ES_tradnl" dirty="0">
-                <a:solidFill>
-                  <a:schemeClr val="tx1">
-                    <a:lumMod val="65000"/>
-                    <a:lumOff val="35000"/>
-                  </a:schemeClr>
-                </a:solidFill>
-                <a:latin typeface="Arial"/>
-                <a:cs typeface="Arial"/>
-              </a:rPr>
-              <a:t> no fue la mejor, presento excelentes resultados.</a:t>
-            </a:r>
-          </a:p>
-          <a:p>
-            <a:pPr marL="285750" indent="-285750">
-              <a:buFont typeface="Arial" panose="020B0604020202020204" pitchFamily="34" charset="0"/>
-              <a:buChar char="•"/>
-            </a:pPr>
-            <a:r>
-              <a:rPr lang="es-ES_tradnl" dirty="0">
-                <a:solidFill>
-                  <a:schemeClr val="tx1">
-                    <a:lumMod val="65000"/>
-                    <a:lumOff val="35000"/>
-                  </a:schemeClr>
-                </a:solidFill>
-                <a:latin typeface="Arial"/>
-                <a:cs typeface="Arial"/>
-              </a:rPr>
-              <a:t>Para trabajos futuros seria bueno experimentar con otras arquitecturas de redes LSTM.</a:t>
-            </a:r>
-          </a:p>
-          <a:p>
-            <a:pPr marL="285750" indent="-285750">
-              <a:buFont typeface="Arial" panose="020B0604020202020204" pitchFamily="34" charset="0"/>
-              <a:buChar char="•"/>
-            </a:pPr>
-            <a:r>
-              <a:rPr lang="es-ES_tradnl" dirty="0">
-                <a:solidFill>
-                  <a:schemeClr val="tx1">
-                    <a:lumMod val="65000"/>
-                    <a:lumOff val="35000"/>
-                  </a:schemeClr>
-                </a:solidFill>
-                <a:latin typeface="Arial"/>
-                <a:cs typeface="Arial"/>
-              </a:rPr>
-              <a:t>Las secuencias de salida generadas por la red, contiene tanto notas musicales como también silencios.</a:t>
-            </a:r>
-          </a:p>
-          <a:p>
-            <a:pPr marL="285750" indent="-285750">
-              <a:buFont typeface="Arial" panose="020B0604020202020204" pitchFamily="34" charset="0"/>
-              <a:buChar char="•"/>
-            </a:pPr>
-            <a:r>
-              <a:rPr lang="es-ES_tradnl" dirty="0">
-                <a:solidFill>
-                  <a:schemeClr val="tx1">
-                    <a:lumMod val="65000"/>
-                    <a:lumOff val="35000"/>
-                  </a:schemeClr>
-                </a:solidFill>
-                <a:latin typeface="Arial"/>
-                <a:cs typeface="Arial"/>
-              </a:rPr>
-              <a:t>El algoritmo de </a:t>
-            </a:r>
-            <a:r>
-              <a:rPr lang="es-ES_tradnl" dirty="0" err="1">
-                <a:solidFill>
-                  <a:schemeClr val="tx1">
-                    <a:lumMod val="65000"/>
-                    <a:lumOff val="35000"/>
-                  </a:schemeClr>
-                </a:solidFill>
-                <a:latin typeface="Arial"/>
-                <a:cs typeface="Arial"/>
-              </a:rPr>
-              <a:t>Krumhansl-Schmuckler</a:t>
-            </a:r>
-            <a:r>
-              <a:rPr lang="es-ES_tradnl" dirty="0">
-                <a:solidFill>
-                  <a:schemeClr val="tx1">
-                    <a:lumMod val="65000"/>
-                    <a:lumOff val="35000"/>
-                  </a:schemeClr>
-                </a:solidFill>
-                <a:latin typeface="Arial"/>
-                <a:cs typeface="Arial"/>
-              </a:rPr>
-              <a:t> sirvió bastante bien para la validación del proyecto.</a:t>
-            </a:r>
-          </a:p>
-          <a:p>
-            <a:pPr marL="285750" indent="-285750">
-              <a:buFont typeface="Arial" panose="020B0604020202020204" pitchFamily="34" charset="0"/>
-              <a:buChar char="•"/>
-            </a:pPr>
-            <a:r>
-              <a:rPr lang="es-ES_tradnl" dirty="0">
-                <a:solidFill>
-                  <a:schemeClr val="tx1">
-                    <a:lumMod val="65000"/>
-                    <a:lumOff val="35000"/>
-                  </a:schemeClr>
-                </a:solidFill>
-                <a:latin typeface="Arial"/>
-                <a:cs typeface="Arial"/>
-              </a:rPr>
-              <a:t>El tiempo de entrenamiento de esta red con todo el </a:t>
-            </a:r>
-            <a:r>
-              <a:rPr lang="es-ES_tradnl" dirty="0" err="1">
-                <a:solidFill>
-                  <a:schemeClr val="tx1">
-                    <a:lumMod val="65000"/>
-                    <a:lumOff val="35000"/>
-                  </a:schemeClr>
-                </a:solidFill>
-                <a:latin typeface="Arial"/>
-                <a:cs typeface="Arial"/>
-              </a:rPr>
-              <a:t>dataset</a:t>
-            </a:r>
-            <a:r>
-              <a:rPr lang="es-ES_tradnl" dirty="0">
-                <a:solidFill>
-                  <a:schemeClr val="tx1">
-                    <a:lumMod val="65000"/>
-                    <a:lumOff val="35000"/>
-                  </a:schemeClr>
-                </a:solidFill>
-                <a:latin typeface="Arial"/>
-                <a:cs typeface="Arial"/>
-              </a:rPr>
-              <a:t> es bastante grande, quizá en un futuro con mejor hardware se puedan correr mas épocas y ver si la red sigue evolucionando.</a:t>
-            </a:r>
+            <a:r>
+              <a:rPr lang="es-ES_tradnl" sz="2000" b="1" dirty="0">
+                <a:solidFill>
+                  <a:schemeClr val="accent2">
+                    <a:lumMod val="75000"/>
+                  </a:schemeClr>
+                </a:solidFill>
+                <a:latin typeface="Arial"/>
+                <a:cs typeface="Arial"/>
+              </a:rPr>
+              <a:t>Error Guitarra</a:t>
+            </a:r>
+          </a:p>
+          <a:p>
+            <a:endParaRPr lang="es-ES_tradnl" dirty="0">
+              <a:solidFill>
+                <a:schemeClr val="tx1">
+                  <a:lumMod val="65000"/>
+                  <a:lumOff val="35000"/>
+                </a:schemeClr>
+              </a:solidFill>
+              <a:latin typeface="Arial"/>
+              <a:cs typeface="Arial"/>
+            </a:endParaRPr>
           </a:p>
         </p:txBody>
       </p:sp>
+      <p:pic>
+        <p:nvPicPr>
+          <p:cNvPr id="2" name="Picture 1">
+            <a:extLst>
+              <a:ext uri="{FF2B5EF4-FFF2-40B4-BE49-F238E27FC236}">
+                <a16:creationId xmlns:a16="http://schemas.microsoft.com/office/drawing/2014/main" id="{9BF0037F-B3EC-4818-898A-2E623D46B44A}"/>
+              </a:ext>
+            </a:extLst>
+          </p:cNvPr>
+          <p:cNvPicPr>
+            <a:picLocks noChangeAspect="1"/>
+          </p:cNvPicPr>
+          <p:nvPr/>
+        </p:nvPicPr>
+        <p:blipFill>
+          <a:blip r:embed="rId2"/>
+          <a:stretch>
+            <a:fillRect/>
+          </a:stretch>
+        </p:blipFill>
+        <p:spPr>
+          <a:xfrm>
+            <a:off x="297024" y="1371600"/>
+            <a:ext cx="3055776" cy="2442410"/>
+          </a:xfrm>
+          <a:prstGeom prst="rect">
+            <a:avLst/>
+          </a:prstGeom>
+        </p:spPr>
+      </p:pic>
+      <p:pic>
+        <p:nvPicPr>
+          <p:cNvPr id="5" name="Picture 4">
+            <a:extLst>
+              <a:ext uri="{FF2B5EF4-FFF2-40B4-BE49-F238E27FC236}">
+                <a16:creationId xmlns:a16="http://schemas.microsoft.com/office/drawing/2014/main" id="{5BE79044-B6AA-4E69-8884-D8BC6955F200}"/>
+              </a:ext>
+            </a:extLst>
+          </p:cNvPr>
+          <p:cNvPicPr>
+            <a:picLocks noChangeAspect="1"/>
+          </p:cNvPicPr>
+          <p:nvPr/>
+        </p:nvPicPr>
+        <p:blipFill>
+          <a:blip r:embed="rId3"/>
+          <a:stretch>
+            <a:fillRect/>
+          </a:stretch>
+        </p:blipFill>
+        <p:spPr>
+          <a:xfrm>
+            <a:off x="3924300" y="1351156"/>
+            <a:ext cx="3075016" cy="2442410"/>
+          </a:xfrm>
+          <a:prstGeom prst="rect">
+            <a:avLst/>
+          </a:prstGeom>
+        </p:spPr>
+      </p:pic>
+      <p:pic>
+        <p:nvPicPr>
+          <p:cNvPr id="6" name="Picture 5">
+            <a:extLst>
+              <a:ext uri="{FF2B5EF4-FFF2-40B4-BE49-F238E27FC236}">
+                <a16:creationId xmlns:a16="http://schemas.microsoft.com/office/drawing/2014/main" id="{E1FEE1DD-4E61-43E1-8AB9-F1BF3CDF173F}"/>
+              </a:ext>
+            </a:extLst>
+          </p:cNvPr>
+          <p:cNvPicPr>
+            <a:picLocks noChangeAspect="1"/>
+          </p:cNvPicPr>
+          <p:nvPr/>
+        </p:nvPicPr>
+        <p:blipFill>
+          <a:blip r:embed="rId4"/>
+          <a:stretch>
+            <a:fillRect/>
+          </a:stretch>
+        </p:blipFill>
+        <p:spPr>
+          <a:xfrm>
+            <a:off x="228600" y="3814010"/>
+            <a:ext cx="3093571" cy="2275308"/>
+          </a:xfrm>
+          <a:prstGeom prst="rect">
+            <a:avLst/>
+          </a:prstGeom>
+        </p:spPr>
+      </p:pic>
+      <p:pic>
+        <p:nvPicPr>
+          <p:cNvPr id="8" name="Picture 7">
+            <a:extLst>
+              <a:ext uri="{FF2B5EF4-FFF2-40B4-BE49-F238E27FC236}">
+                <a16:creationId xmlns:a16="http://schemas.microsoft.com/office/drawing/2014/main" id="{020399CC-5B8D-4842-9978-1F9EDBF57CD4}"/>
+              </a:ext>
+            </a:extLst>
+          </p:cNvPr>
+          <p:cNvPicPr>
+            <a:picLocks noChangeAspect="1"/>
+          </p:cNvPicPr>
+          <p:nvPr/>
+        </p:nvPicPr>
+        <p:blipFill>
+          <a:blip r:embed="rId5"/>
+          <a:stretch>
+            <a:fillRect/>
+          </a:stretch>
+        </p:blipFill>
+        <p:spPr>
+          <a:xfrm>
+            <a:off x="3390122" y="4038600"/>
+            <a:ext cx="5695950" cy="1638300"/>
+          </a:xfrm>
+          <a:prstGeom prst="rect">
+            <a:avLst/>
+          </a:prstGeom>
+        </p:spPr>
+      </p:pic>
     </p:spTree>
     <p:extLst>
       <p:ext uri="{BB962C8B-B14F-4D97-AF65-F5344CB8AC3E}">
-        <p14:creationId xmlns:p14="http://schemas.microsoft.com/office/powerpoint/2010/main" val="2630158223"/>
+        <p14:creationId xmlns:p14="http://schemas.microsoft.com/office/powerpoint/2010/main" val="3534945709"/>
       </p:ext>
     </p:extLst>
   </p:cSld>
@@ -5460,6 +5077,1062 @@
                 <a:latin typeface="Arial"/>
                 <a:cs typeface="Arial"/>
               </a:rPr>
+              <a:t>Resultados</a:t>
+            </a:r>
+          </a:p>
+        </p:txBody>
+      </p:sp>
+      <p:sp>
+        <p:nvSpPr>
+          <p:cNvPr id="4" name="CuadroTexto 3">
+            <a:extLst>
+              <a:ext uri="{FF2B5EF4-FFF2-40B4-BE49-F238E27FC236}">
+                <a16:creationId xmlns:a16="http://schemas.microsoft.com/office/drawing/2014/main" id="{5B9FAA7F-95C4-4820-8591-6D4817F3F094}"/>
+              </a:ext>
+            </a:extLst>
+          </p:cNvPr>
+          <p:cNvSpPr txBox="1"/>
+          <p:nvPr/>
+        </p:nvSpPr>
+        <p:spPr>
+          <a:xfrm>
+            <a:off x="297024" y="1033046"/>
+            <a:ext cx="5715000" cy="677108"/>
+          </a:xfrm>
+          <a:prstGeom prst="rect">
+            <a:avLst/>
+          </a:prstGeom>
+          <a:noFill/>
+        </p:spPr>
+        <p:txBody>
+          <a:bodyPr wrap="square" rtlCol="0">
+            <a:spAutoFit/>
+          </a:bodyPr>
+          <a:lstStyle/>
+          <a:p>
+            <a:r>
+              <a:rPr lang="es-ES_tradnl" sz="2000" b="1" dirty="0">
+                <a:solidFill>
+                  <a:schemeClr val="accent2">
+                    <a:lumMod val="75000"/>
+                  </a:schemeClr>
+                </a:solidFill>
+                <a:latin typeface="Arial"/>
+                <a:cs typeface="Arial"/>
+              </a:rPr>
+              <a:t>Error Bajo</a:t>
+            </a:r>
+          </a:p>
+          <a:p>
+            <a:endParaRPr lang="es-ES_tradnl" dirty="0">
+              <a:solidFill>
+                <a:schemeClr val="tx1">
+                  <a:lumMod val="65000"/>
+                  <a:lumOff val="35000"/>
+                </a:schemeClr>
+              </a:solidFill>
+              <a:latin typeface="Arial"/>
+              <a:cs typeface="Arial"/>
+            </a:endParaRPr>
+          </a:p>
+        </p:txBody>
+      </p:sp>
+      <p:pic>
+        <p:nvPicPr>
+          <p:cNvPr id="2" name="Picture 1">
+            <a:extLst>
+              <a:ext uri="{FF2B5EF4-FFF2-40B4-BE49-F238E27FC236}">
+                <a16:creationId xmlns:a16="http://schemas.microsoft.com/office/drawing/2014/main" id="{E8C04A3F-875B-41F3-9820-55B2D963BBF3}"/>
+              </a:ext>
+            </a:extLst>
+          </p:cNvPr>
+          <p:cNvPicPr>
+            <a:picLocks noChangeAspect="1"/>
+          </p:cNvPicPr>
+          <p:nvPr/>
+        </p:nvPicPr>
+        <p:blipFill>
+          <a:blip r:embed="rId2"/>
+          <a:stretch>
+            <a:fillRect/>
+          </a:stretch>
+        </p:blipFill>
+        <p:spPr>
+          <a:xfrm>
+            <a:off x="297024" y="1455167"/>
+            <a:ext cx="2903376" cy="2286409"/>
+          </a:xfrm>
+          <a:prstGeom prst="rect">
+            <a:avLst/>
+          </a:prstGeom>
+        </p:spPr>
+      </p:pic>
+      <p:pic>
+        <p:nvPicPr>
+          <p:cNvPr id="3" name="Picture 2">
+            <a:extLst>
+              <a:ext uri="{FF2B5EF4-FFF2-40B4-BE49-F238E27FC236}">
+                <a16:creationId xmlns:a16="http://schemas.microsoft.com/office/drawing/2014/main" id="{3F119AE0-88D0-4FC2-BA27-B10274F20639}"/>
+              </a:ext>
+            </a:extLst>
+          </p:cNvPr>
+          <p:cNvPicPr>
+            <a:picLocks noChangeAspect="1"/>
+          </p:cNvPicPr>
+          <p:nvPr/>
+        </p:nvPicPr>
+        <p:blipFill>
+          <a:blip r:embed="rId3"/>
+          <a:stretch>
+            <a:fillRect/>
+          </a:stretch>
+        </p:blipFill>
+        <p:spPr>
+          <a:xfrm>
+            <a:off x="3733800" y="1371600"/>
+            <a:ext cx="3048000" cy="2445038"/>
+          </a:xfrm>
+          <a:prstGeom prst="rect">
+            <a:avLst/>
+          </a:prstGeom>
+        </p:spPr>
+      </p:pic>
+      <p:pic>
+        <p:nvPicPr>
+          <p:cNvPr id="5" name="Picture 4">
+            <a:extLst>
+              <a:ext uri="{FF2B5EF4-FFF2-40B4-BE49-F238E27FC236}">
+                <a16:creationId xmlns:a16="http://schemas.microsoft.com/office/drawing/2014/main" id="{FEE8F7BA-601C-4897-B779-B89456334EB6}"/>
+              </a:ext>
+            </a:extLst>
+          </p:cNvPr>
+          <p:cNvPicPr>
+            <a:picLocks noChangeAspect="1"/>
+          </p:cNvPicPr>
+          <p:nvPr/>
+        </p:nvPicPr>
+        <p:blipFill>
+          <a:blip r:embed="rId4"/>
+          <a:stretch>
+            <a:fillRect/>
+          </a:stretch>
+        </p:blipFill>
+        <p:spPr>
+          <a:xfrm>
+            <a:off x="304800" y="3816638"/>
+            <a:ext cx="2895600" cy="2133600"/>
+          </a:xfrm>
+          <a:prstGeom prst="rect">
+            <a:avLst/>
+          </a:prstGeom>
+        </p:spPr>
+      </p:pic>
+      <p:pic>
+        <p:nvPicPr>
+          <p:cNvPr id="8" name="Picture 7">
+            <a:extLst>
+              <a:ext uri="{FF2B5EF4-FFF2-40B4-BE49-F238E27FC236}">
+                <a16:creationId xmlns:a16="http://schemas.microsoft.com/office/drawing/2014/main" id="{5FA46A26-6378-4212-A803-AF9CE0B54AAA}"/>
+              </a:ext>
+            </a:extLst>
+          </p:cNvPr>
+          <p:cNvPicPr>
+            <a:picLocks noChangeAspect="1"/>
+          </p:cNvPicPr>
+          <p:nvPr/>
+        </p:nvPicPr>
+        <p:blipFill>
+          <a:blip r:embed="rId5"/>
+          <a:stretch>
+            <a:fillRect/>
+          </a:stretch>
+        </p:blipFill>
+        <p:spPr>
+          <a:xfrm>
+            <a:off x="3429000" y="4073813"/>
+            <a:ext cx="5543550" cy="1619250"/>
+          </a:xfrm>
+          <a:prstGeom prst="rect">
+            <a:avLst/>
+          </a:prstGeom>
+        </p:spPr>
+      </p:pic>
+    </p:spTree>
+    <p:extLst>
+      <p:ext uri="{BB962C8B-B14F-4D97-AF65-F5344CB8AC3E}">
+        <p14:creationId xmlns:p14="http://schemas.microsoft.com/office/powerpoint/2010/main" val="2126893129"/>
+      </p:ext>
+    </p:extLst>
+  </p:cSld>
+  <p:clrMapOvr>
+    <a:masterClrMapping/>
+  </p:clrMapOvr>
+</p:sld>
+</file>
+
+<file path=ppt/slides/slide23.xml><?xml version="1.0" encoding="utf-8"?>
+<p:sld xmlns:a="http://schemas.openxmlformats.org/drawingml/2006/main" xmlns:r="http://schemas.openxmlformats.org/officeDocument/2006/relationships" xmlns:p="http://schemas.openxmlformats.org/presentationml/2006/main">
+  <p:cSld>
+    <p:spTree>
+      <p:nvGrpSpPr>
+        <p:cNvPr id="1" name=""/>
+        <p:cNvGrpSpPr/>
+        <p:nvPr/>
+      </p:nvGrpSpPr>
+      <p:grpSpPr>
+        <a:xfrm>
+          <a:off x="0" y="0"/>
+          <a:ext cx="0" cy="0"/>
+          <a:chOff x="0" y="0"/>
+          <a:chExt cx="0" cy="0"/>
+        </a:xfrm>
+      </p:grpSpPr>
+      <p:sp>
+        <p:nvSpPr>
+          <p:cNvPr id="7" name="CuadroTexto 6"/>
+          <p:cNvSpPr txBox="1"/>
+          <p:nvPr/>
+        </p:nvSpPr>
+        <p:spPr>
+          <a:xfrm>
+            <a:off x="304800" y="152400"/>
+            <a:ext cx="7239000" cy="553998"/>
+          </a:xfrm>
+          <a:prstGeom prst="rect">
+            <a:avLst/>
+          </a:prstGeom>
+          <a:noFill/>
+        </p:spPr>
+        <p:txBody>
+          <a:bodyPr wrap="square" rtlCol="0">
+            <a:spAutoFit/>
+          </a:bodyPr>
+          <a:lstStyle/>
+          <a:p>
+            <a:r>
+              <a:rPr lang="es-ES_tradnl" sz="3000" b="1" dirty="0">
+                <a:solidFill>
+                  <a:schemeClr val="accent6">
+                    <a:lumMod val="75000"/>
+                  </a:schemeClr>
+                </a:solidFill>
+                <a:latin typeface="Arial"/>
+                <a:cs typeface="Arial"/>
+              </a:rPr>
+              <a:t>Resultados</a:t>
+            </a:r>
+          </a:p>
+        </p:txBody>
+      </p:sp>
+      <p:sp>
+        <p:nvSpPr>
+          <p:cNvPr id="4" name="CuadroTexto 3">
+            <a:extLst>
+              <a:ext uri="{FF2B5EF4-FFF2-40B4-BE49-F238E27FC236}">
+                <a16:creationId xmlns:a16="http://schemas.microsoft.com/office/drawing/2014/main" id="{5B9FAA7F-95C4-4820-8591-6D4817F3F094}"/>
+              </a:ext>
+            </a:extLst>
+          </p:cNvPr>
+          <p:cNvSpPr txBox="1"/>
+          <p:nvPr/>
+        </p:nvSpPr>
+        <p:spPr>
+          <a:xfrm>
+            <a:off x="297024" y="1033046"/>
+            <a:ext cx="8999376" cy="984885"/>
+          </a:xfrm>
+          <a:prstGeom prst="rect">
+            <a:avLst/>
+          </a:prstGeom>
+          <a:noFill/>
+        </p:spPr>
+        <p:txBody>
+          <a:bodyPr wrap="square" rtlCol="0">
+            <a:spAutoFit/>
+          </a:bodyPr>
+          <a:lstStyle/>
+          <a:p>
+            <a:r>
+              <a:rPr lang="es-ES_tradnl" sz="2000" b="1" dirty="0">
+                <a:solidFill>
+                  <a:schemeClr val="accent2">
+                    <a:lumMod val="75000"/>
+                  </a:schemeClr>
+                </a:solidFill>
+                <a:latin typeface="Arial"/>
+                <a:cs typeface="Arial"/>
+              </a:rPr>
+              <a:t>Validación de la tonalidad (Algoritmo de </a:t>
+            </a:r>
+            <a:r>
+              <a:rPr lang="es-ES_tradnl" sz="2000" b="1" dirty="0" err="1">
+                <a:solidFill>
+                  <a:schemeClr val="accent2">
+                    <a:lumMod val="75000"/>
+                  </a:schemeClr>
+                </a:solidFill>
+                <a:latin typeface="Arial"/>
+                <a:cs typeface="Arial"/>
+              </a:rPr>
+              <a:t>Krumhansl-Schmuckler</a:t>
+            </a:r>
+            <a:r>
+              <a:rPr lang="es-ES_tradnl" sz="2000" b="1" dirty="0">
+                <a:solidFill>
+                  <a:schemeClr val="accent2">
+                    <a:lumMod val="75000"/>
+                  </a:schemeClr>
+                </a:solidFill>
+                <a:latin typeface="Arial"/>
+                <a:cs typeface="Arial"/>
+              </a:rPr>
+              <a:t>)</a:t>
+            </a:r>
+          </a:p>
+          <a:p>
+            <a:r>
+              <a:rPr lang="es-ES_tradnl" sz="2000" b="1" dirty="0">
+                <a:solidFill>
+                  <a:schemeClr val="accent2">
+                    <a:lumMod val="75000"/>
+                  </a:schemeClr>
+                </a:solidFill>
+                <a:latin typeface="Arial"/>
+                <a:cs typeface="Arial"/>
+              </a:rPr>
+              <a:t>)</a:t>
+            </a:r>
+          </a:p>
+          <a:p>
+            <a:endParaRPr lang="es-ES_tradnl" dirty="0">
+              <a:solidFill>
+                <a:schemeClr val="tx1">
+                  <a:lumMod val="65000"/>
+                  <a:lumOff val="35000"/>
+                </a:schemeClr>
+              </a:solidFill>
+              <a:latin typeface="Arial"/>
+              <a:cs typeface="Arial"/>
+            </a:endParaRPr>
+          </a:p>
+        </p:txBody>
+      </p:sp>
+      <p:pic>
+        <p:nvPicPr>
+          <p:cNvPr id="6" name="Picture 5">
+            <a:extLst>
+              <a:ext uri="{FF2B5EF4-FFF2-40B4-BE49-F238E27FC236}">
+                <a16:creationId xmlns:a16="http://schemas.microsoft.com/office/drawing/2014/main" id="{8ED60CD6-5BA1-4DEC-92A3-B3FE4F4D9EAD}"/>
+              </a:ext>
+            </a:extLst>
+          </p:cNvPr>
+          <p:cNvPicPr>
+            <a:picLocks noChangeAspect="1"/>
+          </p:cNvPicPr>
+          <p:nvPr/>
+        </p:nvPicPr>
+        <p:blipFill>
+          <a:blip r:embed="rId2"/>
+          <a:stretch>
+            <a:fillRect/>
+          </a:stretch>
+        </p:blipFill>
+        <p:spPr>
+          <a:xfrm>
+            <a:off x="178814" y="1401147"/>
+            <a:ext cx="4164586" cy="3246467"/>
+          </a:xfrm>
+          <a:prstGeom prst="rect">
+            <a:avLst/>
+          </a:prstGeom>
+        </p:spPr>
+      </p:pic>
+      <p:pic>
+        <p:nvPicPr>
+          <p:cNvPr id="9" name="Picture 8">
+            <a:extLst>
+              <a:ext uri="{FF2B5EF4-FFF2-40B4-BE49-F238E27FC236}">
+                <a16:creationId xmlns:a16="http://schemas.microsoft.com/office/drawing/2014/main" id="{449D0C0D-655D-4F8E-BCEF-9DC8F3916235}"/>
+              </a:ext>
+            </a:extLst>
+          </p:cNvPr>
+          <p:cNvPicPr>
+            <a:picLocks noChangeAspect="1"/>
+          </p:cNvPicPr>
+          <p:nvPr/>
+        </p:nvPicPr>
+        <p:blipFill>
+          <a:blip r:embed="rId3"/>
+          <a:stretch>
+            <a:fillRect/>
+          </a:stretch>
+        </p:blipFill>
+        <p:spPr>
+          <a:xfrm>
+            <a:off x="4461610" y="1433061"/>
+            <a:ext cx="4072790" cy="3168530"/>
+          </a:xfrm>
+          <a:prstGeom prst="rect">
+            <a:avLst/>
+          </a:prstGeom>
+        </p:spPr>
+      </p:pic>
+      <p:pic>
+        <p:nvPicPr>
+          <p:cNvPr id="10" name="Picture 9">
+            <a:extLst>
+              <a:ext uri="{FF2B5EF4-FFF2-40B4-BE49-F238E27FC236}">
+                <a16:creationId xmlns:a16="http://schemas.microsoft.com/office/drawing/2014/main" id="{9114AD6D-1460-4CCD-A1DA-C4BE9A8D3E2B}"/>
+              </a:ext>
+            </a:extLst>
+          </p:cNvPr>
+          <p:cNvPicPr>
+            <a:picLocks noChangeAspect="1"/>
+          </p:cNvPicPr>
+          <p:nvPr/>
+        </p:nvPicPr>
+        <p:blipFill>
+          <a:blip r:embed="rId4"/>
+          <a:stretch>
+            <a:fillRect/>
+          </a:stretch>
+        </p:blipFill>
+        <p:spPr>
+          <a:xfrm>
+            <a:off x="1858103" y="4495302"/>
+            <a:ext cx="5427793" cy="1545603"/>
+          </a:xfrm>
+          <a:prstGeom prst="rect">
+            <a:avLst/>
+          </a:prstGeom>
+        </p:spPr>
+      </p:pic>
+    </p:spTree>
+    <p:extLst>
+      <p:ext uri="{BB962C8B-B14F-4D97-AF65-F5344CB8AC3E}">
+        <p14:creationId xmlns:p14="http://schemas.microsoft.com/office/powerpoint/2010/main" val="1061821081"/>
+      </p:ext>
+    </p:extLst>
+  </p:cSld>
+  <p:clrMapOvr>
+    <a:masterClrMapping/>
+  </p:clrMapOvr>
+</p:sld>
+</file>
+
+<file path=ppt/slides/slide24.xml><?xml version="1.0" encoding="utf-8"?>
+<p:sld xmlns:a="http://schemas.openxmlformats.org/drawingml/2006/main" xmlns:r="http://schemas.openxmlformats.org/officeDocument/2006/relationships" xmlns:p="http://schemas.openxmlformats.org/presentationml/2006/main">
+  <p:cSld>
+    <p:spTree>
+      <p:nvGrpSpPr>
+        <p:cNvPr id="1" name=""/>
+        <p:cNvGrpSpPr/>
+        <p:nvPr/>
+      </p:nvGrpSpPr>
+      <p:grpSpPr>
+        <a:xfrm>
+          <a:off x="0" y="0"/>
+          <a:ext cx="0" cy="0"/>
+          <a:chOff x="0" y="0"/>
+          <a:chExt cx="0" cy="0"/>
+        </a:xfrm>
+      </p:grpSpPr>
+      <p:sp>
+        <p:nvSpPr>
+          <p:cNvPr id="7" name="CuadroTexto 6"/>
+          <p:cNvSpPr txBox="1"/>
+          <p:nvPr/>
+        </p:nvSpPr>
+        <p:spPr>
+          <a:xfrm>
+            <a:off x="304800" y="152400"/>
+            <a:ext cx="7239000" cy="553998"/>
+          </a:xfrm>
+          <a:prstGeom prst="rect">
+            <a:avLst/>
+          </a:prstGeom>
+          <a:noFill/>
+        </p:spPr>
+        <p:txBody>
+          <a:bodyPr wrap="square" rtlCol="0">
+            <a:spAutoFit/>
+          </a:bodyPr>
+          <a:lstStyle/>
+          <a:p>
+            <a:r>
+              <a:rPr lang="es-ES_tradnl" sz="3000" b="1" dirty="0">
+                <a:solidFill>
+                  <a:schemeClr val="accent6">
+                    <a:lumMod val="75000"/>
+                  </a:schemeClr>
+                </a:solidFill>
+                <a:latin typeface="Arial"/>
+                <a:cs typeface="Arial"/>
+              </a:rPr>
+              <a:t>Resultados</a:t>
+            </a:r>
+          </a:p>
+        </p:txBody>
+      </p:sp>
+      <p:sp>
+        <p:nvSpPr>
+          <p:cNvPr id="6" name="CuadroTexto 5"/>
+          <p:cNvSpPr txBox="1"/>
+          <p:nvPr/>
+        </p:nvSpPr>
+        <p:spPr>
+          <a:xfrm>
+            <a:off x="459941" y="1279267"/>
+            <a:ext cx="2209800" cy="369332"/>
+          </a:xfrm>
+          <a:prstGeom prst="rect">
+            <a:avLst/>
+          </a:prstGeom>
+          <a:noFill/>
+        </p:spPr>
+        <p:txBody>
+          <a:bodyPr wrap="square" rtlCol="0">
+            <a:spAutoFit/>
+          </a:bodyPr>
+          <a:lstStyle/>
+          <a:p>
+            <a:r>
+              <a:rPr lang="es-MX" dirty="0"/>
+              <a:t>Salida de Guitarra:</a:t>
+            </a:r>
+          </a:p>
+        </p:txBody>
+      </p:sp>
+      <p:sp>
+        <p:nvSpPr>
+          <p:cNvPr id="8" name="CuadroTexto 7"/>
+          <p:cNvSpPr txBox="1"/>
+          <p:nvPr/>
+        </p:nvSpPr>
+        <p:spPr>
+          <a:xfrm>
+            <a:off x="524984" y="3266139"/>
+            <a:ext cx="2209800" cy="369332"/>
+          </a:xfrm>
+          <a:prstGeom prst="rect">
+            <a:avLst/>
+          </a:prstGeom>
+          <a:noFill/>
+        </p:spPr>
+        <p:txBody>
+          <a:bodyPr wrap="square" rtlCol="0">
+            <a:spAutoFit/>
+          </a:bodyPr>
+          <a:lstStyle/>
+          <a:p>
+            <a:r>
+              <a:rPr lang="es-MX" dirty="0"/>
+              <a:t>Salida de Bajo:</a:t>
+            </a:r>
+          </a:p>
+        </p:txBody>
+      </p:sp>
+      <p:pic>
+        <p:nvPicPr>
+          <p:cNvPr id="2" name="Picture 1">
+            <a:extLst>
+              <a:ext uri="{FF2B5EF4-FFF2-40B4-BE49-F238E27FC236}">
+                <a16:creationId xmlns:a16="http://schemas.microsoft.com/office/drawing/2014/main" id="{254963AA-D079-4515-B845-EE42D1A81FDF}"/>
+              </a:ext>
+            </a:extLst>
+          </p:cNvPr>
+          <p:cNvPicPr>
+            <a:picLocks noChangeAspect="1"/>
+          </p:cNvPicPr>
+          <p:nvPr/>
+        </p:nvPicPr>
+        <p:blipFill>
+          <a:blip r:embed="rId2"/>
+          <a:stretch>
+            <a:fillRect/>
+          </a:stretch>
+        </p:blipFill>
+        <p:spPr>
+          <a:xfrm>
+            <a:off x="304800" y="1735980"/>
+            <a:ext cx="7010400" cy="1039759"/>
+          </a:xfrm>
+          <a:prstGeom prst="rect">
+            <a:avLst/>
+          </a:prstGeom>
+        </p:spPr>
+      </p:pic>
+      <p:pic>
+        <p:nvPicPr>
+          <p:cNvPr id="5" name="Picture 4">
+            <a:extLst>
+              <a:ext uri="{FF2B5EF4-FFF2-40B4-BE49-F238E27FC236}">
+                <a16:creationId xmlns:a16="http://schemas.microsoft.com/office/drawing/2014/main" id="{FD8BCCD0-7941-4278-8716-B1213EDB71F8}"/>
+              </a:ext>
+            </a:extLst>
+          </p:cNvPr>
+          <p:cNvPicPr>
+            <a:picLocks noChangeAspect="1"/>
+          </p:cNvPicPr>
+          <p:nvPr/>
+        </p:nvPicPr>
+        <p:blipFill>
+          <a:blip r:embed="rId3"/>
+          <a:stretch>
+            <a:fillRect/>
+          </a:stretch>
+        </p:blipFill>
+        <p:spPr>
+          <a:xfrm>
+            <a:off x="304800" y="3886200"/>
+            <a:ext cx="7010400" cy="958303"/>
+          </a:xfrm>
+          <a:prstGeom prst="rect">
+            <a:avLst/>
+          </a:prstGeom>
+        </p:spPr>
+      </p:pic>
+    </p:spTree>
+    <p:extLst>
+      <p:ext uri="{BB962C8B-B14F-4D97-AF65-F5344CB8AC3E}">
+        <p14:creationId xmlns:p14="http://schemas.microsoft.com/office/powerpoint/2010/main" val="3141686425"/>
+      </p:ext>
+    </p:extLst>
+  </p:cSld>
+  <p:clrMapOvr>
+    <a:masterClrMapping/>
+  </p:clrMapOvr>
+</p:sld>
+</file>
+
+<file path=ppt/slides/slide25.xml><?xml version="1.0" encoding="utf-8"?>
+<p:sld xmlns:a="http://schemas.openxmlformats.org/drawingml/2006/main" xmlns:r="http://schemas.openxmlformats.org/officeDocument/2006/relationships" xmlns:p="http://schemas.openxmlformats.org/presentationml/2006/main">
+  <p:cSld>
+    <p:spTree>
+      <p:nvGrpSpPr>
+        <p:cNvPr id="1" name=""/>
+        <p:cNvGrpSpPr/>
+        <p:nvPr/>
+      </p:nvGrpSpPr>
+      <p:grpSpPr>
+        <a:xfrm>
+          <a:off x="0" y="0"/>
+          <a:ext cx="0" cy="0"/>
+          <a:chOff x="0" y="0"/>
+          <a:chExt cx="0" cy="0"/>
+        </a:xfrm>
+      </p:grpSpPr>
+      <p:sp>
+        <p:nvSpPr>
+          <p:cNvPr id="7" name="CuadroTexto 6"/>
+          <p:cNvSpPr txBox="1"/>
+          <p:nvPr/>
+        </p:nvSpPr>
+        <p:spPr>
+          <a:xfrm>
+            <a:off x="304800" y="152400"/>
+            <a:ext cx="7239000" cy="553998"/>
+          </a:xfrm>
+          <a:prstGeom prst="rect">
+            <a:avLst/>
+          </a:prstGeom>
+          <a:noFill/>
+        </p:spPr>
+        <p:txBody>
+          <a:bodyPr wrap="square" rtlCol="0">
+            <a:spAutoFit/>
+          </a:bodyPr>
+          <a:lstStyle/>
+          <a:p>
+            <a:r>
+              <a:rPr lang="es-ES_tradnl" sz="3000" b="1" dirty="0">
+                <a:solidFill>
+                  <a:schemeClr val="accent6">
+                    <a:lumMod val="75000"/>
+                  </a:schemeClr>
+                </a:solidFill>
+                <a:latin typeface="Arial"/>
+                <a:cs typeface="Arial"/>
+              </a:rPr>
+              <a:t>Conclusiones</a:t>
+            </a:r>
+          </a:p>
+        </p:txBody>
+      </p:sp>
+      <p:sp>
+        <p:nvSpPr>
+          <p:cNvPr id="4" name="CuadroTexto 3"/>
+          <p:cNvSpPr txBox="1"/>
+          <p:nvPr/>
+        </p:nvSpPr>
+        <p:spPr>
+          <a:xfrm>
+            <a:off x="457200" y="1371600"/>
+            <a:ext cx="7772400" cy="4524315"/>
+          </a:xfrm>
+          <a:prstGeom prst="rect">
+            <a:avLst/>
+          </a:prstGeom>
+          <a:noFill/>
+        </p:spPr>
+        <p:txBody>
+          <a:bodyPr wrap="square" rtlCol="0">
+            <a:spAutoFit/>
+          </a:bodyPr>
+          <a:lstStyle/>
+          <a:p>
+            <a:pPr marL="285750" indent="-285750">
+              <a:buFont typeface="Arial" panose="020B0604020202020204" pitchFamily="34" charset="0"/>
+              <a:buChar char="•"/>
+            </a:pPr>
+            <a:r>
+              <a:rPr lang="es-ES_tradnl" dirty="0">
+                <a:solidFill>
+                  <a:schemeClr val="tx1">
+                    <a:lumMod val="65000"/>
+                    <a:lumOff val="35000"/>
+                  </a:schemeClr>
+                </a:solidFill>
+                <a:latin typeface="Arial"/>
+                <a:cs typeface="Arial"/>
+              </a:rPr>
+              <a:t>Las redes fueron capaces de aprender y generar música a partir de secuencias de entradas.</a:t>
+            </a:r>
+          </a:p>
+          <a:p>
+            <a:pPr marL="285750" indent="-285750">
+              <a:buFont typeface="Arial" panose="020B0604020202020204" pitchFamily="34" charset="0"/>
+              <a:buChar char="•"/>
+            </a:pPr>
+            <a:r>
+              <a:rPr lang="es-ES_tradnl" dirty="0">
+                <a:solidFill>
+                  <a:schemeClr val="tx1">
+                    <a:lumMod val="65000"/>
+                    <a:lumOff val="35000"/>
+                  </a:schemeClr>
+                </a:solidFill>
+                <a:latin typeface="Arial"/>
+                <a:cs typeface="Arial"/>
+              </a:rPr>
+              <a:t>La red que tuvo un mejor desempeño fue la arquitectura numero 1, la cual cuenta con capas de </a:t>
+            </a:r>
+            <a:r>
+              <a:rPr lang="es-ES_tradnl" dirty="0" err="1">
+                <a:solidFill>
+                  <a:schemeClr val="tx1">
+                    <a:lumMod val="65000"/>
+                    <a:lumOff val="35000"/>
+                  </a:schemeClr>
+                </a:solidFill>
+                <a:latin typeface="Arial"/>
+                <a:cs typeface="Arial"/>
+              </a:rPr>
+              <a:t>Dropout</a:t>
+            </a:r>
+            <a:r>
+              <a:rPr lang="es-ES_tradnl" dirty="0">
+                <a:solidFill>
+                  <a:schemeClr val="tx1">
+                    <a:lumMod val="65000"/>
+                    <a:lumOff val="35000"/>
+                  </a:schemeClr>
+                </a:solidFill>
+                <a:latin typeface="Arial"/>
+                <a:cs typeface="Arial"/>
+              </a:rPr>
+              <a:t> intermedias, </a:t>
+            </a:r>
+            <a:r>
+              <a:rPr lang="es-ES_tradnl" dirty="0" err="1">
+                <a:solidFill>
+                  <a:schemeClr val="tx1">
+                    <a:lumMod val="65000"/>
+                    <a:lumOff val="35000"/>
+                  </a:schemeClr>
+                </a:solidFill>
+                <a:latin typeface="Arial"/>
+                <a:cs typeface="Arial"/>
+              </a:rPr>
+              <a:t>asi</a:t>
+            </a:r>
+            <a:r>
+              <a:rPr lang="es-ES_tradnl" dirty="0">
+                <a:solidFill>
+                  <a:schemeClr val="tx1">
+                    <a:lumMod val="65000"/>
+                    <a:lumOff val="35000"/>
+                  </a:schemeClr>
+                </a:solidFill>
+                <a:latin typeface="Arial"/>
+                <a:cs typeface="Arial"/>
+              </a:rPr>
+              <a:t> como un optimizador </a:t>
+            </a:r>
+            <a:r>
+              <a:rPr lang="es-ES_tradnl" dirty="0" err="1">
+                <a:solidFill>
+                  <a:schemeClr val="tx1">
+                    <a:lumMod val="65000"/>
+                    <a:lumOff val="35000"/>
+                  </a:schemeClr>
+                </a:solidFill>
+                <a:latin typeface="Arial"/>
+                <a:cs typeface="Arial"/>
+              </a:rPr>
+              <a:t>RMSProp</a:t>
+            </a:r>
+            <a:r>
+              <a:rPr lang="es-ES_tradnl" dirty="0">
+                <a:solidFill>
+                  <a:schemeClr val="tx1">
+                    <a:lumMod val="65000"/>
+                    <a:lumOff val="35000"/>
+                  </a:schemeClr>
+                </a:solidFill>
+                <a:latin typeface="Arial"/>
+                <a:cs typeface="Arial"/>
+              </a:rPr>
+              <a:t>.</a:t>
+            </a:r>
+          </a:p>
+          <a:p>
+            <a:pPr marL="285750" indent="-285750">
+              <a:buFont typeface="Arial" panose="020B0604020202020204" pitchFamily="34" charset="0"/>
+              <a:buChar char="•"/>
+            </a:pPr>
+            <a:r>
+              <a:rPr lang="es-ES_tradnl" dirty="0">
+                <a:solidFill>
+                  <a:schemeClr val="tx1">
+                    <a:lumMod val="65000"/>
+                    <a:lumOff val="35000"/>
+                  </a:schemeClr>
+                </a:solidFill>
+                <a:latin typeface="Arial"/>
+                <a:cs typeface="Arial"/>
+              </a:rPr>
+              <a:t>A pesar de que la red con el optimizador </a:t>
+            </a:r>
+            <a:r>
+              <a:rPr lang="es-ES_tradnl" dirty="0" err="1">
+                <a:solidFill>
+                  <a:schemeClr val="tx1">
+                    <a:lumMod val="65000"/>
+                    <a:lumOff val="35000"/>
+                  </a:schemeClr>
+                </a:solidFill>
+                <a:latin typeface="Arial"/>
+                <a:cs typeface="Arial"/>
+              </a:rPr>
+              <a:t>Nadam</a:t>
+            </a:r>
+            <a:r>
+              <a:rPr lang="es-ES_tradnl" dirty="0">
+                <a:solidFill>
+                  <a:schemeClr val="tx1">
+                    <a:lumMod val="65000"/>
+                    <a:lumOff val="35000"/>
+                  </a:schemeClr>
+                </a:solidFill>
+                <a:latin typeface="Arial"/>
+                <a:cs typeface="Arial"/>
+              </a:rPr>
+              <a:t> no fue la mejor, presento excelentes resultados.</a:t>
+            </a:r>
+          </a:p>
+          <a:p>
+            <a:pPr marL="285750" indent="-285750">
+              <a:buFont typeface="Arial" panose="020B0604020202020204" pitchFamily="34" charset="0"/>
+              <a:buChar char="•"/>
+            </a:pPr>
+            <a:r>
+              <a:rPr lang="es-ES_tradnl" dirty="0">
+                <a:solidFill>
+                  <a:schemeClr val="tx1">
+                    <a:lumMod val="65000"/>
+                    <a:lumOff val="35000"/>
+                  </a:schemeClr>
+                </a:solidFill>
+                <a:latin typeface="Arial"/>
+                <a:cs typeface="Arial"/>
+              </a:rPr>
+              <a:t>Para trabajos futuros seria bueno experimentar con otras arquitecturas de redes LSTM.</a:t>
+            </a:r>
+          </a:p>
+          <a:p>
+            <a:pPr marL="285750" indent="-285750">
+              <a:buFont typeface="Arial" panose="020B0604020202020204" pitchFamily="34" charset="0"/>
+              <a:buChar char="•"/>
+            </a:pPr>
+            <a:r>
+              <a:rPr lang="es-ES_tradnl" dirty="0">
+                <a:solidFill>
+                  <a:schemeClr val="tx1">
+                    <a:lumMod val="65000"/>
+                    <a:lumOff val="35000"/>
+                  </a:schemeClr>
+                </a:solidFill>
+                <a:latin typeface="Arial"/>
+                <a:cs typeface="Arial"/>
+              </a:rPr>
+              <a:t>Las secuencias de salida generadas por la red, contiene tanto notas musicales como también silencios.</a:t>
+            </a:r>
+          </a:p>
+          <a:p>
+            <a:pPr marL="285750" indent="-285750">
+              <a:buFont typeface="Arial" panose="020B0604020202020204" pitchFamily="34" charset="0"/>
+              <a:buChar char="•"/>
+            </a:pPr>
+            <a:r>
+              <a:rPr lang="es-ES_tradnl" dirty="0">
+                <a:solidFill>
+                  <a:schemeClr val="tx1">
+                    <a:lumMod val="65000"/>
+                    <a:lumOff val="35000"/>
+                  </a:schemeClr>
+                </a:solidFill>
+                <a:latin typeface="Arial"/>
+                <a:cs typeface="Arial"/>
+              </a:rPr>
+              <a:t>El algoritmo de </a:t>
+            </a:r>
+            <a:r>
+              <a:rPr lang="es-ES_tradnl" dirty="0" err="1">
+                <a:solidFill>
+                  <a:schemeClr val="tx1">
+                    <a:lumMod val="65000"/>
+                    <a:lumOff val="35000"/>
+                  </a:schemeClr>
+                </a:solidFill>
+                <a:latin typeface="Arial"/>
+                <a:cs typeface="Arial"/>
+              </a:rPr>
+              <a:t>Krumhansl-Schmuckler</a:t>
+            </a:r>
+            <a:r>
+              <a:rPr lang="es-ES_tradnl" dirty="0">
+                <a:solidFill>
+                  <a:schemeClr val="tx1">
+                    <a:lumMod val="65000"/>
+                    <a:lumOff val="35000"/>
+                  </a:schemeClr>
+                </a:solidFill>
+                <a:latin typeface="Arial"/>
+                <a:cs typeface="Arial"/>
+              </a:rPr>
+              <a:t> sirvió bastante bien para la validación del proyecto.</a:t>
+            </a:r>
+          </a:p>
+          <a:p>
+            <a:pPr marL="285750" indent="-285750">
+              <a:buFont typeface="Arial" panose="020B0604020202020204" pitchFamily="34" charset="0"/>
+              <a:buChar char="•"/>
+            </a:pPr>
+            <a:r>
+              <a:rPr lang="es-ES_tradnl" dirty="0">
+                <a:solidFill>
+                  <a:schemeClr val="tx1">
+                    <a:lumMod val="65000"/>
+                    <a:lumOff val="35000"/>
+                  </a:schemeClr>
+                </a:solidFill>
+                <a:latin typeface="Arial"/>
+                <a:cs typeface="Arial"/>
+              </a:rPr>
+              <a:t>El tiempo de entrenamiento de esta red con todo el </a:t>
+            </a:r>
+            <a:r>
+              <a:rPr lang="es-ES_tradnl" dirty="0" err="1">
+                <a:solidFill>
+                  <a:schemeClr val="tx1">
+                    <a:lumMod val="65000"/>
+                    <a:lumOff val="35000"/>
+                  </a:schemeClr>
+                </a:solidFill>
+                <a:latin typeface="Arial"/>
+                <a:cs typeface="Arial"/>
+              </a:rPr>
+              <a:t>dataset</a:t>
+            </a:r>
+            <a:r>
+              <a:rPr lang="es-ES_tradnl" dirty="0">
+                <a:solidFill>
+                  <a:schemeClr val="tx1">
+                    <a:lumMod val="65000"/>
+                    <a:lumOff val="35000"/>
+                  </a:schemeClr>
+                </a:solidFill>
+                <a:latin typeface="Arial"/>
+                <a:cs typeface="Arial"/>
+              </a:rPr>
+              <a:t> es bastante grande, quizá en un futuro con mejor hardware se puedan correr mas épocas y ver si la red sigue evolucionando.</a:t>
+            </a:r>
+          </a:p>
+        </p:txBody>
+      </p:sp>
+    </p:spTree>
+    <p:extLst>
+      <p:ext uri="{BB962C8B-B14F-4D97-AF65-F5344CB8AC3E}">
+        <p14:creationId xmlns:p14="http://schemas.microsoft.com/office/powerpoint/2010/main" val="2630158223"/>
+      </p:ext>
+    </p:extLst>
+  </p:cSld>
+  <p:clrMapOvr>
+    <a:masterClrMapping/>
+  </p:clrMapOvr>
+</p:sld>
+</file>
+
+<file path=ppt/slides/slide26.xml><?xml version="1.0" encoding="utf-8"?>
+<p:sld xmlns:a="http://schemas.openxmlformats.org/drawingml/2006/main" xmlns:r="http://schemas.openxmlformats.org/officeDocument/2006/relationships" xmlns:p="http://schemas.openxmlformats.org/presentationml/2006/main">
+  <p:cSld>
+    <p:spTree>
+      <p:nvGrpSpPr>
+        <p:cNvPr id="1" name=""/>
+        <p:cNvGrpSpPr/>
+        <p:nvPr/>
+      </p:nvGrpSpPr>
+      <p:grpSpPr>
+        <a:xfrm>
+          <a:off x="0" y="0"/>
+          <a:ext cx="0" cy="0"/>
+          <a:chOff x="0" y="0"/>
+          <a:chExt cx="0" cy="0"/>
+        </a:xfrm>
+      </p:grpSpPr>
+      <p:sp>
+        <p:nvSpPr>
+          <p:cNvPr id="7" name="CuadroTexto 6"/>
+          <p:cNvSpPr txBox="1"/>
+          <p:nvPr/>
+        </p:nvSpPr>
+        <p:spPr>
+          <a:xfrm>
+            <a:off x="304800" y="152400"/>
+            <a:ext cx="7239000" cy="553998"/>
+          </a:xfrm>
+          <a:prstGeom prst="rect">
+            <a:avLst/>
+          </a:prstGeom>
+          <a:noFill/>
+        </p:spPr>
+        <p:txBody>
+          <a:bodyPr wrap="square" rtlCol="0">
+            <a:spAutoFit/>
+          </a:bodyPr>
+          <a:lstStyle/>
+          <a:p>
+            <a:r>
+              <a:rPr lang="es-ES_tradnl" sz="3000" b="1" dirty="0">
+                <a:solidFill>
+                  <a:schemeClr val="accent6">
+                    <a:lumMod val="75000"/>
+                  </a:schemeClr>
+                </a:solidFill>
+                <a:latin typeface="Arial"/>
+                <a:cs typeface="Arial"/>
+              </a:rPr>
               <a:t>Referencias Bibliográficas</a:t>
             </a:r>
           </a:p>
@@ -5979,7 +6652,7 @@
 </p:sld>
 </file>
 
-<file path=ppt/slides/slide23.xml><?xml version="1.0" encoding="utf-8"?>
+<file path=ppt/slides/slide27.xml><?xml version="1.0" encoding="utf-8"?>
 <p:sld xmlns:a="http://schemas.openxmlformats.org/drawingml/2006/main" xmlns:r="http://schemas.openxmlformats.org/officeDocument/2006/relationships" xmlns:p="http://schemas.openxmlformats.org/presentationml/2006/main">
   <p:cSld>
     <p:spTree>
@@ -6091,7 +6764,7 @@
         <p:spPr>
           <a:xfrm>
             <a:off x="457200" y="1371600"/>
-            <a:ext cx="5715000" cy="1015663"/>
+            <a:ext cx="7429500" cy="707886"/>
           </a:xfrm>
           <a:prstGeom prst="rect">
             <a:avLst/>
@@ -6212,26 +6885,26 @@
       </p:grpSpPr>
       <p:sp>
         <p:nvSpPr>
-          <p:cNvPr id="7" name="CuadroTexto 6"/>
-          <p:cNvSpPr txBox="1"/>
-          <p:nvPr/>
+          <p:cNvPr id="2" name="Title 1">
+            <a:extLst>
+              <a:ext uri="{FF2B5EF4-FFF2-40B4-BE49-F238E27FC236}">
+                <a16:creationId xmlns:a16="http://schemas.microsoft.com/office/drawing/2014/main" id="{D77D6738-AB01-43C0-9F3C-DD0CC379904D}"/>
+              </a:ext>
+            </a:extLst>
+          </p:cNvPr>
+          <p:cNvSpPr>
+            <a:spLocks noGrp="1"/>
+          </p:cNvSpPr>
+          <p:nvPr>
+            <p:ph type="title"/>
+          </p:nvPr>
         </p:nvSpPr>
-        <p:spPr>
-          <a:xfrm>
-            <a:off x="304800" y="152400"/>
-            <a:ext cx="7239000" cy="553998"/>
-          </a:xfrm>
-          <a:prstGeom prst="rect">
-            <a:avLst/>
-          </a:prstGeom>
-          <a:noFill/>
-        </p:spPr>
+        <p:spPr/>
         <p:txBody>
-          <a:bodyPr wrap="square" rtlCol="0">
-            <a:spAutoFit/>
-          </a:bodyPr>
+          <a:bodyPr/>
           <a:lstStyle/>
           <a:p>
+            <a:pPr algn="l"/>
             <a:r>
               <a:rPr lang="es-ES_tradnl" sz="3000" b="1" dirty="0">
                 <a:solidFill>
@@ -6242,187 +6915,116 @@
                 <a:latin typeface="Arial"/>
                 <a:cs typeface="Arial"/>
               </a:rPr>
-              <a:t>Delimitación</a:t>
-            </a:r>
+              <a:t>Objetivos específicos</a:t>
+            </a:r>
+            <a:br>
+              <a:rPr lang="es-ES_tradnl" b="1" dirty="0">
+                <a:solidFill>
+                  <a:schemeClr val="accent6">
+                    <a:lumMod val="75000"/>
+                  </a:schemeClr>
+                </a:solidFill>
+                <a:latin typeface="Arial"/>
+                <a:cs typeface="Arial"/>
+              </a:rPr>
+            </a:br>
+            <a:endParaRPr lang="en-US" dirty="0"/>
           </a:p>
         </p:txBody>
       </p:sp>
       <p:sp>
         <p:nvSpPr>
-          <p:cNvPr id="4" name="CuadroTexto 3"/>
-          <p:cNvSpPr txBox="1"/>
-          <p:nvPr/>
+          <p:cNvPr id="3" name="Content Placeholder 2">
+            <a:extLst>
+              <a:ext uri="{FF2B5EF4-FFF2-40B4-BE49-F238E27FC236}">
+                <a16:creationId xmlns:a16="http://schemas.microsoft.com/office/drawing/2014/main" id="{37D17579-C18D-41E0-BFB6-A1FA4F500CEB}"/>
+              </a:ext>
+            </a:extLst>
+          </p:cNvPr>
+          <p:cNvSpPr>
+            <a:spLocks noGrp="1"/>
+          </p:cNvSpPr>
+          <p:nvPr>
+            <p:ph idx="1"/>
+          </p:nvPr>
         </p:nvSpPr>
-        <p:spPr>
-          <a:xfrm>
-            <a:off x="457199" y="1371600"/>
-            <a:ext cx="8158465" cy="2585323"/>
-          </a:xfrm>
-          <a:prstGeom prst="rect">
-            <a:avLst/>
-          </a:prstGeom>
-          <a:noFill/>
-        </p:spPr>
+        <p:spPr/>
         <p:txBody>
-          <a:bodyPr wrap="square" rtlCol="0">
-            <a:spAutoFit/>
-          </a:bodyPr>
+          <a:bodyPr/>
           <a:lstStyle/>
           <a:p>
-            <a:r>
-              <a:rPr lang="es-ES_tradnl" dirty="0">
-                <a:solidFill>
-                  <a:schemeClr val="tx1">
-                    <a:lumMod val="65000"/>
-                    <a:lumOff val="35000"/>
-                  </a:schemeClr>
-                </a:solidFill>
-                <a:latin typeface="Arial"/>
-                <a:cs typeface="Arial"/>
-              </a:rPr>
-              <a:t>Este proyecto se centrara en crear melodías musicales de guitarra y bajo, no se analizaran otros instrumentos.</a:t>
-            </a:r>
-          </a:p>
-          <a:p>
-            <a:r>
-              <a:rPr lang="es-ES_tradnl" dirty="0">
-                <a:solidFill>
-                  <a:schemeClr val="tx1">
-                    <a:lumMod val="65000"/>
-                    <a:lumOff val="35000"/>
-                  </a:schemeClr>
-                </a:solidFill>
-                <a:latin typeface="Arial"/>
-                <a:cs typeface="Arial"/>
-              </a:rPr>
-              <a:t>Las nuevas canciones creadas por estos algoritmos no buscan ser composiciones finales, la única intensión es crear una serie de ideas para nuevas canciones. </a:t>
-            </a:r>
-          </a:p>
-          <a:p>
-            <a:r>
-              <a:rPr lang="es-ES" dirty="0">
-                <a:solidFill>
-                  <a:schemeClr val="tx1">
-                    <a:lumMod val="65000"/>
-                    <a:lumOff val="35000"/>
-                  </a:schemeClr>
-                </a:solidFill>
-                <a:latin typeface="Arial"/>
-                <a:cs typeface="Arial"/>
-              </a:rPr>
-              <a:t>La base de datos usada para entrenar a la red neuronal consta de canciones de genero rock y pop únicamente, no se entrenara la red para reconocer y generar canciones de otros géneros musicales.</a:t>
-            </a:r>
-            <a:endParaRPr lang="es-ES_tradnl" dirty="0">
-              <a:solidFill>
-                <a:schemeClr val="tx1">
-                  <a:lumMod val="65000"/>
-                  <a:lumOff val="35000"/>
-                </a:schemeClr>
-              </a:solidFill>
-              <a:latin typeface="Arial"/>
-              <a:cs typeface="Arial"/>
-            </a:endParaRPr>
-          </a:p>
-          <a:p>
-            <a:endParaRPr lang="es-ES_tradnl" dirty="0">
-              <a:solidFill>
-                <a:schemeClr val="tx1">
-                  <a:lumMod val="65000"/>
-                  <a:lumOff val="35000"/>
-                </a:schemeClr>
-              </a:solidFill>
-              <a:latin typeface="Arial"/>
-              <a:cs typeface="Arial"/>
-            </a:endParaRPr>
+            <a:pPr marL="514350" indent="-514350">
+              <a:buFont typeface="+mj-lt"/>
+              <a:buAutoNum type="arabicPeriod"/>
+            </a:pPr>
+            <a:r>
+              <a:rPr lang="es-ES" sz="2400" dirty="0"/>
+              <a:t>Implementar una red neuronal de Deep </a:t>
+            </a:r>
+            <a:r>
+              <a:rPr lang="es-ES" sz="2400" dirty="0" err="1"/>
+              <a:t>Learning</a:t>
+            </a:r>
+            <a:r>
+              <a:rPr lang="es-ES" sz="2400" dirty="0"/>
+              <a:t> que sea capaz de crear melodías y armonías musicales en guitarra.</a:t>
+            </a:r>
+          </a:p>
+          <a:p>
+            <a:pPr marL="514350" indent="-514350">
+              <a:buFont typeface="+mj-lt"/>
+              <a:buAutoNum type="arabicPeriod"/>
+            </a:pPr>
+            <a:r>
+              <a:rPr lang="es-ES" sz="2400" dirty="0"/>
+              <a:t>Implementar una red neuronal de Deep </a:t>
+            </a:r>
+            <a:r>
+              <a:rPr lang="es-ES" sz="2400" dirty="0" err="1"/>
+              <a:t>Learning</a:t>
+            </a:r>
+            <a:r>
+              <a:rPr lang="es-ES" sz="2400" dirty="0"/>
+              <a:t> que sea capaz de crear melodías musicales en bajo eléctrico.</a:t>
+            </a:r>
+          </a:p>
+          <a:p>
+            <a:pPr marL="514350" indent="-514350">
+              <a:buFont typeface="+mj-lt"/>
+              <a:buAutoNum type="arabicPeriod"/>
+            </a:pPr>
+            <a:r>
+              <a:rPr lang="es-ES" sz="2400" dirty="0"/>
+              <a:t>Conjuntar la salida de las redes neuronales para generar un solo archivo de audio.</a:t>
+            </a:r>
+          </a:p>
+          <a:p>
+            <a:pPr marL="514350" indent="-514350">
+              <a:buFont typeface="+mj-lt"/>
+              <a:buAutoNum type="arabicPeriod"/>
+            </a:pPr>
+            <a:r>
+              <a:rPr lang="es-ES" sz="2400" dirty="0"/>
+              <a:t>Verificar la Tonalidad de la canción resultante.</a:t>
+            </a:r>
+          </a:p>
+          <a:p>
+            <a:pPr marL="514350" indent="-514350">
+              <a:buFont typeface="+mj-lt"/>
+              <a:buAutoNum type="arabicPeriod"/>
+            </a:pPr>
+            <a:r>
+              <a:rPr lang="es-ES" sz="2400" dirty="0"/>
+              <a:t>Comparar las diferentes arquitecturas.</a:t>
+            </a:r>
+            <a:endParaRPr lang="en-US" sz="2400" dirty="0"/>
           </a:p>
         </p:txBody>
       </p:sp>
-      <p:pic>
-        <p:nvPicPr>
-          <p:cNvPr id="1028" name="Picture 4" descr="Resultado de imagen para guitarra electrica"/>
-          <p:cNvPicPr>
-            <a:picLocks noChangeAspect="1" noChangeArrowheads="1"/>
-          </p:cNvPicPr>
-          <p:nvPr/>
-        </p:nvPicPr>
-        <p:blipFill>
-          <a:blip r:embed="rId2">
-            <a:extLst>
-              <a:ext uri="{28A0092B-C50C-407E-A947-70E740481C1C}">
-                <a14:useLocalDpi xmlns:a14="http://schemas.microsoft.com/office/drawing/2010/main" val="0"/>
-              </a:ext>
-            </a:extLst>
-          </a:blip>
-          <a:srcRect/>
-          <a:stretch>
-            <a:fillRect/>
-          </a:stretch>
-        </p:blipFill>
-        <p:spPr bwMode="auto">
-          <a:xfrm>
-            <a:off x="609600" y="4038600"/>
-            <a:ext cx="3505200" cy="1150874"/>
-          </a:xfrm>
-          <a:prstGeom prst="rect">
-            <a:avLst/>
-          </a:prstGeom>
-          <a:noFill/>
-          <a:extLst>
-            <a:ext uri="{909E8E84-426E-40DD-AFC4-6F175D3DCCD1}">
-              <a14:hiddenFill xmlns:a14="http://schemas.microsoft.com/office/drawing/2010/main">
-                <a:solidFill>
-                  <a:srgbClr val="FFFFFF"/>
-                </a:solidFill>
-              </a14:hiddenFill>
-            </a:ext>
-          </a:extLst>
-        </p:spPr>
-      </p:pic>
-      <p:pic>
-        <p:nvPicPr>
-          <p:cNvPr id="1032" name="Picture 8" descr="Resultado de imagen para bajo electrico fender"/>
-          <p:cNvPicPr>
-            <a:picLocks noChangeAspect="1" noChangeArrowheads="1"/>
-          </p:cNvPicPr>
-          <p:nvPr/>
-        </p:nvPicPr>
-        <p:blipFill>
-          <a:blip r:embed="rId3">
-            <a:extLst>
-              <a:ext uri="{28A0092B-C50C-407E-A947-70E740481C1C}">
-                <a14:useLocalDpi xmlns:a14="http://schemas.microsoft.com/office/drawing/2010/main" val="0"/>
-              </a:ext>
-            </a:extLst>
-          </a:blip>
-          <a:srcRect/>
-          <a:stretch>
-            <a:fillRect/>
-          </a:stretch>
-        </p:blipFill>
-        <p:spPr bwMode="auto">
-          <a:xfrm>
-            <a:off x="4800600" y="4020732"/>
-            <a:ext cx="3815065" cy="1120676"/>
-          </a:xfrm>
-          <a:prstGeom prst="rect">
-            <a:avLst/>
-          </a:prstGeom>
-          <a:noFill/>
-          <a:extLst>
-            <a:ext uri="{909E8E84-426E-40DD-AFC4-6F175D3DCCD1}">
-              <a14:hiddenFill xmlns:a14="http://schemas.microsoft.com/office/drawing/2010/main">
-                <a:solidFill>
-                  <a:srgbClr val="FFFFFF"/>
-                </a:solidFill>
-              </a14:hiddenFill>
-            </a:ext>
-          </a:extLst>
-        </p:spPr>
-      </p:pic>
     </p:spTree>
     <p:extLst>
       <p:ext uri="{BB962C8B-B14F-4D97-AF65-F5344CB8AC3E}">
-        <p14:creationId xmlns:p14="http://schemas.microsoft.com/office/powerpoint/2010/main" val="2661202115"/>
+        <p14:creationId xmlns:p14="http://schemas.microsoft.com/office/powerpoint/2010/main" val="2286013040"/>
       </p:ext>
     </p:extLst>
   </p:cSld>
@@ -6481,7 +7083,7 @@
                 <a:latin typeface="Arial"/>
                 <a:cs typeface="Arial"/>
               </a:rPr>
-              <a:t>Antecedentes</a:t>
+              <a:t>Delimitación</a:t>
             </a:r>
           </a:p>
         </p:txBody>
@@ -6494,8 +7096,8 @@
         </p:nvSpPr>
         <p:spPr>
           <a:xfrm>
-            <a:off x="457200" y="1371600"/>
-            <a:ext cx="5715000" cy="4247317"/>
+            <a:off x="457199" y="1371600"/>
+            <a:ext cx="8158465" cy="2585323"/>
           </a:xfrm>
           <a:prstGeom prst="rect">
             <a:avLst/>
@@ -6509,459 +7111,33 @@
           <a:lstStyle/>
           <a:p>
             <a:r>
-              <a:rPr lang="es-MX" b="1" dirty="0">
-                <a:latin typeface="+mj-lt"/>
-              </a:rPr>
-              <a:t>2002. “</a:t>
-            </a:r>
-            <a:r>
-              <a:rPr lang="en-US" b="1" dirty="0">
-                <a:latin typeface="+mj-lt"/>
-              </a:rPr>
-              <a:t>A first look at music composition using </a:t>
-            </a:r>
-            <a:r>
-              <a:rPr lang="en-US" b="1" dirty="0" err="1">
-                <a:latin typeface="+mj-lt"/>
-              </a:rPr>
-              <a:t>lstm</a:t>
-            </a:r>
-            <a:r>
-              <a:rPr lang="en-US" b="1" dirty="0">
-                <a:latin typeface="+mj-lt"/>
-              </a:rPr>
-              <a:t> recurrent neural networks. Technical Report No. IDSIA-07-</a:t>
-            </a:r>
-            <a:r>
-              <a:rPr lang="es-MX" b="1" dirty="0">
-                <a:latin typeface="+mj-lt"/>
-              </a:rPr>
-              <a:t>02”, Autores: </a:t>
-            </a:r>
-            <a:r>
-              <a:rPr lang="en-US" b="1" dirty="0">
-                <a:latin typeface="+mj-lt"/>
-              </a:rPr>
-              <a:t>Douglas Eck and </a:t>
-            </a:r>
-            <a:r>
-              <a:rPr lang="en-US" b="1" dirty="0" err="1">
-                <a:latin typeface="+mj-lt"/>
-              </a:rPr>
-              <a:t>Jurgen</a:t>
-            </a:r>
-            <a:r>
-              <a:rPr lang="en-US" b="1" dirty="0">
-                <a:latin typeface="+mj-lt"/>
-              </a:rPr>
-              <a:t> </a:t>
-            </a:r>
-            <a:r>
-              <a:rPr lang="en-US" b="1" dirty="0" err="1">
-                <a:latin typeface="+mj-lt"/>
-              </a:rPr>
-              <a:t>Schmidhuber</a:t>
-            </a:r>
-            <a:r>
-              <a:rPr lang="en-US" b="1" dirty="0">
-                <a:latin typeface="+mj-lt"/>
-              </a:rPr>
-              <a:t>. </a:t>
-            </a:r>
-            <a:endParaRPr lang="es-MX" b="1" dirty="0">
-              <a:latin typeface="+mj-lt"/>
-            </a:endParaRPr>
-          </a:p>
-          <a:p>
-            <a:endParaRPr lang="es-ES" b="1" dirty="0">
-              <a:latin typeface="+mj-lt"/>
-            </a:endParaRPr>
-          </a:p>
-          <a:p>
-            <a:r>
-              <a:rPr lang="es-ES" b="1" dirty="0">
-                <a:latin typeface="+mj-lt"/>
-              </a:rPr>
-              <a:t>2009, “</a:t>
-            </a:r>
-            <a:r>
-              <a:rPr lang="es-ES" b="1" dirty="0" err="1">
-                <a:latin typeface="+mj-lt"/>
-              </a:rPr>
-              <a:t>Unsupervised</a:t>
-            </a:r>
-            <a:r>
-              <a:rPr lang="es-ES" b="1" dirty="0">
-                <a:latin typeface="+mj-lt"/>
-              </a:rPr>
-              <a:t> </a:t>
-            </a:r>
-            <a:r>
-              <a:rPr lang="es-ES" b="1" dirty="0" err="1">
-                <a:latin typeface="+mj-lt"/>
-              </a:rPr>
-              <a:t>feature</a:t>
-            </a:r>
-            <a:r>
-              <a:rPr lang="es-ES" b="1" dirty="0">
-                <a:latin typeface="+mj-lt"/>
-              </a:rPr>
-              <a:t> </a:t>
-            </a:r>
-            <a:r>
-              <a:rPr lang="es-ES" b="1" dirty="0" err="1">
-                <a:latin typeface="+mj-lt"/>
-              </a:rPr>
-              <a:t>learning</a:t>
-            </a:r>
-            <a:r>
-              <a:rPr lang="es-ES" b="1" dirty="0">
-                <a:latin typeface="+mj-lt"/>
-              </a:rPr>
-              <a:t> </a:t>
-            </a:r>
-            <a:r>
-              <a:rPr lang="es-ES" b="1" dirty="0" err="1">
-                <a:latin typeface="+mj-lt"/>
-              </a:rPr>
-              <a:t>for</a:t>
-            </a:r>
-            <a:r>
-              <a:rPr lang="es-ES" b="1" dirty="0">
-                <a:latin typeface="+mj-lt"/>
-              </a:rPr>
-              <a:t> audio </a:t>
-            </a:r>
-            <a:r>
-              <a:rPr lang="es-ES" b="1" dirty="0" err="1">
-                <a:latin typeface="+mj-lt"/>
-              </a:rPr>
-              <a:t>classification</a:t>
-            </a:r>
-            <a:r>
-              <a:rPr lang="es-ES" b="1" dirty="0">
-                <a:latin typeface="+mj-lt"/>
-              </a:rPr>
-              <a:t> </a:t>
-            </a:r>
-            <a:r>
-              <a:rPr lang="es-ES" b="1" dirty="0" err="1">
-                <a:latin typeface="+mj-lt"/>
-              </a:rPr>
-              <a:t>using</a:t>
-            </a:r>
-            <a:r>
-              <a:rPr lang="es-ES" b="1" dirty="0">
-                <a:latin typeface="+mj-lt"/>
-              </a:rPr>
-              <a:t> </a:t>
-            </a:r>
-            <a:r>
-              <a:rPr lang="es-ES" b="1" dirty="0" err="1">
-                <a:latin typeface="+mj-lt"/>
-              </a:rPr>
-              <a:t>convolutional</a:t>
-            </a:r>
-            <a:r>
-              <a:rPr lang="es-ES" b="1" dirty="0">
-                <a:latin typeface="+mj-lt"/>
-              </a:rPr>
-              <a:t> </a:t>
-            </a:r>
-            <a:r>
-              <a:rPr lang="es-ES" b="1" dirty="0" err="1">
-                <a:latin typeface="+mj-lt"/>
-              </a:rPr>
-              <a:t>deep</a:t>
-            </a:r>
-            <a:r>
-              <a:rPr lang="es-ES" b="1" dirty="0">
-                <a:latin typeface="+mj-lt"/>
-              </a:rPr>
-              <a:t> </a:t>
-            </a:r>
-            <a:r>
-              <a:rPr lang="es-ES" b="1" dirty="0" err="1">
-                <a:latin typeface="+mj-lt"/>
-              </a:rPr>
-              <a:t>belief</a:t>
-            </a:r>
-            <a:r>
-              <a:rPr lang="es-ES" b="1" dirty="0">
-                <a:latin typeface="+mj-lt"/>
-              </a:rPr>
-              <a:t> </a:t>
-            </a:r>
-            <a:r>
-              <a:rPr lang="es-ES" b="1" dirty="0" err="1">
-                <a:latin typeface="+mj-lt"/>
-              </a:rPr>
-              <a:t>networks</a:t>
-            </a:r>
-            <a:r>
-              <a:rPr lang="es-ES" b="1" dirty="0">
-                <a:latin typeface="+mj-lt"/>
-              </a:rPr>
-              <a:t>”, Autores: </a:t>
-            </a:r>
-            <a:r>
-              <a:rPr lang="es-ES" b="1" dirty="0" err="1">
-                <a:latin typeface="+mj-lt"/>
-              </a:rPr>
-              <a:t>Honglak</a:t>
-            </a:r>
-            <a:r>
-              <a:rPr lang="es-ES" b="1" dirty="0">
-                <a:latin typeface="+mj-lt"/>
-              </a:rPr>
-              <a:t> Lee, </a:t>
-            </a:r>
-            <a:r>
-              <a:rPr lang="es-ES" b="1" dirty="0" err="1">
-                <a:latin typeface="+mj-lt"/>
-              </a:rPr>
-              <a:t>Yan</a:t>
-            </a:r>
-            <a:r>
-              <a:rPr lang="es-ES" b="1" dirty="0">
-                <a:latin typeface="+mj-lt"/>
-              </a:rPr>
-              <a:t> </a:t>
-            </a:r>
-            <a:r>
-              <a:rPr lang="es-ES" b="1" dirty="0" err="1">
-                <a:latin typeface="+mj-lt"/>
-              </a:rPr>
-              <a:t>Largman</a:t>
-            </a:r>
-            <a:r>
-              <a:rPr lang="es-ES" b="1" dirty="0">
-                <a:latin typeface="+mj-lt"/>
-              </a:rPr>
-              <a:t>, Peter </a:t>
-            </a:r>
-            <a:r>
-              <a:rPr lang="es-ES" b="1" dirty="0" err="1">
-                <a:latin typeface="+mj-lt"/>
-              </a:rPr>
-              <a:t>Pham</a:t>
-            </a:r>
-            <a:r>
-              <a:rPr lang="es-ES" b="1" dirty="0">
-                <a:latin typeface="+mj-lt"/>
-              </a:rPr>
-              <a:t>, Andrew Y. </a:t>
-            </a:r>
-            <a:r>
-              <a:rPr lang="es-ES" b="1" dirty="0" err="1">
-                <a:latin typeface="+mj-lt"/>
-              </a:rPr>
-              <a:t>Ng</a:t>
-            </a:r>
-            <a:endParaRPr lang="es-MX" b="1" dirty="0">
-              <a:latin typeface="+mj-lt"/>
-            </a:endParaRPr>
-          </a:p>
-          <a:p>
-            <a:endParaRPr lang="es-ES_tradnl" b="1" dirty="0">
-              <a:solidFill>
-                <a:schemeClr val="tx1">
-                  <a:lumMod val="65000"/>
-                  <a:lumOff val="35000"/>
-                </a:schemeClr>
-              </a:solidFill>
-              <a:latin typeface="+mj-lt"/>
+              <a:rPr lang="es-ES_tradnl" dirty="0">
+                <a:latin typeface="Arial"/>
+                <a:cs typeface="Arial"/>
+              </a:rPr>
+              <a:t>Este proyecto se centrara en crear melodías musicales de guitarra y bajo, no se analizaran otros instrumentos.</a:t>
+            </a:r>
+          </a:p>
+          <a:p>
+            <a:r>
+              <a:rPr lang="es-ES_tradnl" dirty="0">
+                <a:latin typeface="Arial"/>
+                <a:cs typeface="Arial"/>
+              </a:rPr>
+              <a:t>Las nuevas canciones creadas por estos algoritmos no buscan ser composiciones finales, la única intensión es crear una serie de ideas para nuevas canciones. </a:t>
+            </a:r>
+          </a:p>
+          <a:p>
+            <a:r>
+              <a:rPr lang="es-ES" dirty="0">
+                <a:latin typeface="Arial"/>
+                <a:cs typeface="Arial"/>
+              </a:rPr>
+              <a:t>La base de datos usada para entrenar a la red neuronal consta de canciones de genero rock y pop únicamente, no se entrenara la red para reconocer y generar canciones de otros géneros musicales.</a:t>
+            </a:r>
+            <a:endParaRPr lang="es-ES_tradnl" dirty="0">
+              <a:latin typeface="Arial"/>
               <a:cs typeface="Arial"/>
-            </a:endParaRPr>
-          </a:p>
-          <a:p>
-            <a:r>
-              <a:rPr lang="es-ES" b="1" dirty="0">
-                <a:latin typeface="+mj-lt"/>
-              </a:rPr>
-              <a:t>2013, "A Deep </a:t>
-            </a:r>
-            <a:r>
-              <a:rPr lang="es-ES" b="1" dirty="0" err="1">
-                <a:latin typeface="+mj-lt"/>
-              </a:rPr>
-              <a:t>Learning</a:t>
-            </a:r>
-            <a:r>
-              <a:rPr lang="es-ES" b="1" dirty="0">
-                <a:latin typeface="+mj-lt"/>
-              </a:rPr>
-              <a:t> </a:t>
-            </a:r>
-            <a:r>
-              <a:rPr lang="es-ES" b="1" dirty="0" err="1">
-                <a:latin typeface="+mj-lt"/>
-              </a:rPr>
-              <a:t>Approach</a:t>
-            </a:r>
-            <a:r>
-              <a:rPr lang="es-ES" b="1" dirty="0">
-                <a:latin typeface="+mj-lt"/>
-              </a:rPr>
-              <a:t> to </a:t>
-            </a:r>
-            <a:r>
-              <a:rPr lang="es-ES" b="1" dirty="0" err="1">
-                <a:latin typeface="+mj-lt"/>
-              </a:rPr>
-              <a:t>Rhythm</a:t>
-            </a:r>
-            <a:r>
-              <a:rPr lang="es-ES" b="1" dirty="0">
-                <a:latin typeface="+mj-lt"/>
-              </a:rPr>
-              <a:t> </a:t>
-            </a:r>
-            <a:r>
-              <a:rPr lang="es-ES" b="1" dirty="0" err="1">
-                <a:latin typeface="+mj-lt"/>
-              </a:rPr>
-              <a:t>Modelling</a:t>
-            </a:r>
-            <a:r>
-              <a:rPr lang="es-ES" b="1" dirty="0">
-                <a:latin typeface="+mj-lt"/>
-              </a:rPr>
-              <a:t> </a:t>
-            </a:r>
-            <a:r>
-              <a:rPr lang="es-ES" b="1" dirty="0" err="1">
-                <a:latin typeface="+mj-lt"/>
-              </a:rPr>
-              <a:t>with</a:t>
-            </a:r>
-            <a:r>
-              <a:rPr lang="es-ES" b="1" dirty="0">
-                <a:latin typeface="+mj-lt"/>
-              </a:rPr>
-              <a:t> </a:t>
-            </a:r>
-            <a:r>
-              <a:rPr lang="es-ES" b="1" dirty="0" err="1">
-                <a:latin typeface="+mj-lt"/>
-              </a:rPr>
-              <a:t>Applications</a:t>
-            </a:r>
-            <a:r>
-              <a:rPr lang="es-ES" b="1" dirty="0">
-                <a:latin typeface="+mj-lt"/>
-              </a:rPr>
-              <a:t>" Autor: </a:t>
-            </a:r>
-            <a:r>
-              <a:rPr lang="es-ES" b="1" dirty="0" err="1">
-                <a:latin typeface="+mj-lt"/>
-              </a:rPr>
-              <a:t>Aggelos</a:t>
-            </a:r>
-            <a:r>
-              <a:rPr lang="es-ES" b="1" dirty="0">
-                <a:latin typeface="+mj-lt"/>
-              </a:rPr>
-              <a:t> </a:t>
-            </a:r>
-            <a:r>
-              <a:rPr lang="es-ES" b="1" dirty="0" err="1">
-                <a:latin typeface="+mj-lt"/>
-              </a:rPr>
-              <a:t>Pikrakis</a:t>
-            </a:r>
-            <a:endParaRPr lang="es-MX" b="1" dirty="0">
-              <a:latin typeface="+mj-lt"/>
-            </a:endParaRPr>
-          </a:p>
-          <a:p>
-            <a:endParaRPr lang="es-ES_tradnl" b="1" dirty="0">
-              <a:solidFill>
-                <a:schemeClr val="tx1">
-                  <a:lumMod val="65000"/>
-                  <a:lumOff val="35000"/>
-                </a:schemeClr>
-              </a:solidFill>
-              <a:latin typeface="+mj-lt"/>
-              <a:cs typeface="Arial"/>
-            </a:endParaRPr>
-          </a:p>
-          <a:p>
-            <a:r>
-              <a:rPr lang="es-ES" b="1" dirty="0">
-                <a:latin typeface="+mj-lt"/>
-              </a:rPr>
-              <a:t>2016, “Deep </a:t>
-            </a:r>
-            <a:r>
-              <a:rPr lang="es-ES" b="1" dirty="0" err="1">
-                <a:latin typeface="+mj-lt"/>
-              </a:rPr>
-              <a:t>Learning</a:t>
-            </a:r>
-            <a:r>
-              <a:rPr lang="es-ES" b="1" dirty="0">
-                <a:latin typeface="+mj-lt"/>
-              </a:rPr>
-              <a:t> </a:t>
-            </a:r>
-            <a:r>
-              <a:rPr lang="es-ES" b="1" dirty="0" err="1">
-                <a:latin typeface="+mj-lt"/>
-              </a:rPr>
-              <a:t>for</a:t>
-            </a:r>
-            <a:r>
-              <a:rPr lang="es-ES" b="1" dirty="0">
-                <a:latin typeface="+mj-lt"/>
-              </a:rPr>
-              <a:t> </a:t>
-            </a:r>
-            <a:r>
-              <a:rPr lang="es-ES" b="1" dirty="0" err="1">
-                <a:latin typeface="+mj-lt"/>
-              </a:rPr>
-              <a:t>Music</a:t>
-            </a:r>
-            <a:r>
-              <a:rPr lang="es-ES" b="1" dirty="0">
-                <a:latin typeface="+mj-lt"/>
-              </a:rPr>
-              <a:t>”, Autores: Allen </a:t>
-            </a:r>
-            <a:r>
-              <a:rPr lang="es-ES" b="1" dirty="0" err="1">
-                <a:latin typeface="+mj-lt"/>
-              </a:rPr>
-              <a:t>Huang</a:t>
-            </a:r>
-            <a:r>
-              <a:rPr lang="es-ES" b="1" dirty="0">
-                <a:latin typeface="+mj-lt"/>
-              </a:rPr>
-              <a:t> y </a:t>
-            </a:r>
-            <a:r>
-              <a:rPr lang="es-ES" b="1" dirty="0" err="1">
-                <a:latin typeface="+mj-lt"/>
-              </a:rPr>
-              <a:t>Raymon</a:t>
-            </a:r>
-            <a:r>
-              <a:rPr lang="es-ES" b="1" dirty="0">
-                <a:latin typeface="+mj-lt"/>
-              </a:rPr>
-              <a:t> </a:t>
-            </a:r>
-            <a:r>
-              <a:rPr lang="es-ES" b="1" dirty="0" err="1">
-                <a:latin typeface="+mj-lt"/>
-              </a:rPr>
-              <a:t>Wu</a:t>
-            </a:r>
-            <a:endParaRPr lang="es-MX" b="1" dirty="0">
-              <a:latin typeface="+mj-lt"/>
             </a:endParaRPr>
           </a:p>
           <a:p>
@@ -6978,10 +7154,92 @@
           </a:p>
         </p:txBody>
       </p:sp>
+      <p:pic>
+        <p:nvPicPr>
+          <p:cNvPr id="1028" name="Picture 4" descr="Resultado de imagen para guitarra electrica"/>
+          <p:cNvPicPr>
+            <a:picLocks noChangeAspect="1" noChangeArrowheads="1"/>
+          </p:cNvPicPr>
+          <p:nvPr/>
+        </p:nvPicPr>
+        <p:blipFill>
+          <a:blip r:embed="rId2">
+            <a:extLst>
+              <a:ext uri="{28A0092B-C50C-407E-A947-70E740481C1C}">
+                <a14:useLocalDpi xmlns:a14="http://schemas.microsoft.com/office/drawing/2010/main" val="0"/>
+              </a:ext>
+            </a:extLst>
+          </a:blip>
+          <a:srcRect/>
+          <a:stretch>
+            <a:fillRect/>
+          </a:stretch>
+        </p:blipFill>
+        <p:spPr bwMode="auto">
+          <a:xfrm>
+            <a:off x="609600" y="4038600"/>
+            <a:ext cx="3505200" cy="1150874"/>
+          </a:xfrm>
+          <a:prstGeom prst="rect">
+            <a:avLst/>
+          </a:prstGeom>
+          <a:noFill/>
+          <a:extLst>
+            <a:ext uri="{909E8E84-426E-40DD-AFC4-6F175D3DCCD1}">
+              <a14:hiddenFill xmlns:a14="http://schemas.microsoft.com/office/drawing/2010/main">
+                <a:solidFill>
+                  <a:srgbClr val="FFFFFF"/>
+                </a:solidFill>
+              </a14:hiddenFill>
+            </a:ext>
+          </a:extLst>
+        </p:spPr>
+      </p:pic>
+      <p:pic>
+        <p:nvPicPr>
+          <p:cNvPr id="1032" name="Picture 8" descr="Resultado de imagen para bajo electrico fender"/>
+          <p:cNvPicPr>
+            <a:picLocks noChangeAspect="1" noChangeArrowheads="1"/>
+          </p:cNvPicPr>
+          <p:nvPr/>
+        </p:nvPicPr>
+        <p:blipFill>
+          <a:blip r:embed="rId3">
+            <a:extLst>
+              <a:ext uri="{28A0092B-C50C-407E-A947-70E740481C1C}">
+                <a14:useLocalDpi xmlns:a14="http://schemas.microsoft.com/office/drawing/2010/main" val="0"/>
+              </a:ext>
+            </a:extLst>
+          </a:blip>
+          <a:srcRect/>
+          <a:stretch>
+            <a:fillRect/>
+          </a:stretch>
+        </p:blipFill>
+        <p:spPr bwMode="auto">
+          <a:xfrm>
+            <a:off x="4800600" y="4020732"/>
+            <a:ext cx="3815065" cy="1120676"/>
+          </a:xfrm>
+          <a:prstGeom prst="rect">
+            <a:avLst/>
+          </a:prstGeom>
+          <a:noFill/>
+          <a:extLst>
+            <a:ext uri="{909E8E84-426E-40DD-AFC4-6F175D3DCCD1}">
+              <a14:hiddenFill xmlns:a14="http://schemas.microsoft.com/office/drawing/2010/main">
+                <a:solidFill>
+                  <a:srgbClr val="FFFFFF"/>
+                </a:solidFill>
+              </a14:hiddenFill>
+            </a:ext>
+          </a:extLst>
+        </p:spPr>
+      </p:pic>
     </p:spTree>
     <p:extLst>
       <p:ext uri="{BB962C8B-B14F-4D97-AF65-F5344CB8AC3E}">
-        <p14:creationId xmlns:p14="http://schemas.microsoft.com/office/powerpoint/2010/main" val="3083035170"/>
+        <p14:creationId xmlns:p14="http://schemas.microsoft.com/office/powerpoint/2010/main" val="2661202115"/>
       </p:ext>
     </p:extLst>
   </p:cSld>
@@ -7040,7 +7298,7 @@
                 <a:latin typeface="Arial"/>
                 <a:cs typeface="Arial"/>
               </a:rPr>
-              <a:t>Marco Teórico</a:t>
+              <a:t>Antecedentes</a:t>
             </a:r>
           </a:p>
         </p:txBody>
@@ -7054,7 +7312,7 @@
         <p:spPr>
           <a:xfrm>
             <a:off x="457200" y="1371600"/>
-            <a:ext cx="5715000" cy="677108"/>
+            <a:ext cx="5715000" cy="4247317"/>
           </a:xfrm>
           <a:prstGeom prst="rect">
             <a:avLst/>
@@ -7068,17 +7326,460 @@
           <a:lstStyle/>
           <a:p>
             <a:r>
-              <a:rPr lang="es-ES_tradnl" sz="2000" b="1" dirty="0">
-                <a:solidFill>
-                  <a:schemeClr val="accent2">
-                    <a:lumMod val="75000"/>
-                  </a:schemeClr>
-                </a:solidFill>
-                <a:latin typeface="Arial"/>
-                <a:cs typeface="Arial"/>
-              </a:rPr>
-              <a:t>Redes Recurrentes</a:t>
-            </a:r>
+              <a:rPr lang="es-MX" b="1" dirty="0">
+                <a:latin typeface="+mj-lt"/>
+              </a:rPr>
+              <a:t>2002. “</a:t>
+            </a:r>
+            <a:r>
+              <a:rPr lang="en-US" b="1" dirty="0">
+                <a:latin typeface="+mj-lt"/>
+              </a:rPr>
+              <a:t>A first look at music composition using </a:t>
+            </a:r>
+            <a:r>
+              <a:rPr lang="en-US" b="1" dirty="0" err="1">
+                <a:latin typeface="+mj-lt"/>
+              </a:rPr>
+              <a:t>lstm</a:t>
+            </a:r>
+            <a:r>
+              <a:rPr lang="en-US" b="1" dirty="0">
+                <a:latin typeface="+mj-lt"/>
+              </a:rPr>
+              <a:t> recurrent neural networks. Technical Report No. IDSIA-07-</a:t>
+            </a:r>
+            <a:r>
+              <a:rPr lang="es-MX" b="1" dirty="0">
+                <a:latin typeface="+mj-lt"/>
+              </a:rPr>
+              <a:t>02”, Autores: </a:t>
+            </a:r>
+            <a:r>
+              <a:rPr lang="en-US" b="1" dirty="0">
+                <a:latin typeface="+mj-lt"/>
+              </a:rPr>
+              <a:t>Douglas Eck and </a:t>
+            </a:r>
+            <a:r>
+              <a:rPr lang="en-US" b="1" dirty="0" err="1">
+                <a:latin typeface="+mj-lt"/>
+              </a:rPr>
+              <a:t>Jurgen</a:t>
+            </a:r>
+            <a:r>
+              <a:rPr lang="en-US" b="1" dirty="0">
+                <a:latin typeface="+mj-lt"/>
+              </a:rPr>
+              <a:t> </a:t>
+            </a:r>
+            <a:r>
+              <a:rPr lang="en-US" b="1" dirty="0" err="1">
+                <a:latin typeface="+mj-lt"/>
+              </a:rPr>
+              <a:t>Schmidhuber</a:t>
+            </a:r>
+            <a:r>
+              <a:rPr lang="en-US" b="1" dirty="0">
+                <a:latin typeface="+mj-lt"/>
+              </a:rPr>
+              <a:t>. </a:t>
+            </a:r>
+            <a:endParaRPr lang="es-MX" b="1" dirty="0">
+              <a:latin typeface="+mj-lt"/>
+            </a:endParaRPr>
+          </a:p>
+          <a:p>
+            <a:endParaRPr lang="es-ES" b="1" dirty="0">
+              <a:latin typeface="+mj-lt"/>
+            </a:endParaRPr>
+          </a:p>
+          <a:p>
+            <a:r>
+              <a:rPr lang="es-ES" b="1" dirty="0">
+                <a:latin typeface="+mj-lt"/>
+              </a:rPr>
+              <a:t>2009, “</a:t>
+            </a:r>
+            <a:r>
+              <a:rPr lang="es-ES" b="1" dirty="0" err="1">
+                <a:latin typeface="+mj-lt"/>
+              </a:rPr>
+              <a:t>Unsupervised</a:t>
+            </a:r>
+            <a:r>
+              <a:rPr lang="es-ES" b="1" dirty="0">
+                <a:latin typeface="+mj-lt"/>
+              </a:rPr>
+              <a:t> </a:t>
+            </a:r>
+            <a:r>
+              <a:rPr lang="es-ES" b="1" dirty="0" err="1">
+                <a:latin typeface="+mj-lt"/>
+              </a:rPr>
+              <a:t>feature</a:t>
+            </a:r>
+            <a:r>
+              <a:rPr lang="es-ES" b="1" dirty="0">
+                <a:latin typeface="+mj-lt"/>
+              </a:rPr>
+              <a:t> </a:t>
+            </a:r>
+            <a:r>
+              <a:rPr lang="es-ES" b="1" dirty="0" err="1">
+                <a:latin typeface="+mj-lt"/>
+              </a:rPr>
+              <a:t>learning</a:t>
+            </a:r>
+            <a:r>
+              <a:rPr lang="es-ES" b="1" dirty="0">
+                <a:latin typeface="+mj-lt"/>
+              </a:rPr>
+              <a:t> </a:t>
+            </a:r>
+            <a:r>
+              <a:rPr lang="es-ES" b="1" dirty="0" err="1">
+                <a:latin typeface="+mj-lt"/>
+              </a:rPr>
+              <a:t>for</a:t>
+            </a:r>
+            <a:r>
+              <a:rPr lang="es-ES" b="1" dirty="0">
+                <a:latin typeface="+mj-lt"/>
+              </a:rPr>
+              <a:t> audio </a:t>
+            </a:r>
+            <a:r>
+              <a:rPr lang="es-ES" b="1" dirty="0" err="1">
+                <a:latin typeface="+mj-lt"/>
+              </a:rPr>
+              <a:t>classification</a:t>
+            </a:r>
+            <a:r>
+              <a:rPr lang="es-ES" b="1" dirty="0">
+                <a:latin typeface="+mj-lt"/>
+              </a:rPr>
+              <a:t> </a:t>
+            </a:r>
+            <a:r>
+              <a:rPr lang="es-ES" b="1" dirty="0" err="1">
+                <a:latin typeface="+mj-lt"/>
+              </a:rPr>
+              <a:t>using</a:t>
+            </a:r>
+            <a:r>
+              <a:rPr lang="es-ES" b="1" dirty="0">
+                <a:latin typeface="+mj-lt"/>
+              </a:rPr>
+              <a:t> </a:t>
+            </a:r>
+            <a:r>
+              <a:rPr lang="es-ES" b="1" dirty="0" err="1">
+                <a:latin typeface="+mj-lt"/>
+              </a:rPr>
+              <a:t>convolutional</a:t>
+            </a:r>
+            <a:r>
+              <a:rPr lang="es-ES" b="1" dirty="0">
+                <a:latin typeface="+mj-lt"/>
+              </a:rPr>
+              <a:t> </a:t>
+            </a:r>
+            <a:r>
+              <a:rPr lang="es-ES" b="1" dirty="0" err="1">
+                <a:latin typeface="+mj-lt"/>
+              </a:rPr>
+              <a:t>deep</a:t>
+            </a:r>
+            <a:r>
+              <a:rPr lang="es-ES" b="1" dirty="0">
+                <a:latin typeface="+mj-lt"/>
+              </a:rPr>
+              <a:t> </a:t>
+            </a:r>
+            <a:r>
+              <a:rPr lang="es-ES" b="1" dirty="0" err="1">
+                <a:latin typeface="+mj-lt"/>
+              </a:rPr>
+              <a:t>belief</a:t>
+            </a:r>
+            <a:r>
+              <a:rPr lang="es-ES" b="1" dirty="0">
+                <a:latin typeface="+mj-lt"/>
+              </a:rPr>
+              <a:t> </a:t>
+            </a:r>
+            <a:r>
+              <a:rPr lang="es-ES" b="1" dirty="0" err="1">
+                <a:latin typeface="+mj-lt"/>
+              </a:rPr>
+              <a:t>networks</a:t>
+            </a:r>
+            <a:r>
+              <a:rPr lang="es-ES" b="1" dirty="0">
+                <a:latin typeface="+mj-lt"/>
+              </a:rPr>
+              <a:t>”, Autores: </a:t>
+            </a:r>
+            <a:r>
+              <a:rPr lang="es-ES" b="1" dirty="0" err="1">
+                <a:latin typeface="+mj-lt"/>
+              </a:rPr>
+              <a:t>Honglak</a:t>
+            </a:r>
+            <a:r>
+              <a:rPr lang="es-ES" b="1" dirty="0">
+                <a:latin typeface="+mj-lt"/>
+              </a:rPr>
+              <a:t> Lee, </a:t>
+            </a:r>
+            <a:r>
+              <a:rPr lang="es-ES" b="1" dirty="0" err="1">
+                <a:latin typeface="+mj-lt"/>
+              </a:rPr>
+              <a:t>Yan</a:t>
+            </a:r>
+            <a:r>
+              <a:rPr lang="es-ES" b="1" dirty="0">
+                <a:latin typeface="+mj-lt"/>
+              </a:rPr>
+              <a:t> </a:t>
+            </a:r>
+            <a:r>
+              <a:rPr lang="es-ES" b="1" dirty="0" err="1">
+                <a:latin typeface="+mj-lt"/>
+              </a:rPr>
+              <a:t>Largman</a:t>
+            </a:r>
+            <a:r>
+              <a:rPr lang="es-ES" b="1" dirty="0">
+                <a:latin typeface="+mj-lt"/>
+              </a:rPr>
+              <a:t>, Peter </a:t>
+            </a:r>
+            <a:r>
+              <a:rPr lang="es-ES" b="1" dirty="0" err="1">
+                <a:latin typeface="+mj-lt"/>
+              </a:rPr>
+              <a:t>Pham</a:t>
+            </a:r>
+            <a:r>
+              <a:rPr lang="es-ES" b="1" dirty="0">
+                <a:latin typeface="+mj-lt"/>
+              </a:rPr>
+              <a:t>, Andrew Y. </a:t>
+            </a:r>
+            <a:r>
+              <a:rPr lang="es-ES" b="1" dirty="0" err="1">
+                <a:latin typeface="+mj-lt"/>
+              </a:rPr>
+              <a:t>Ng</a:t>
+            </a:r>
+            <a:endParaRPr lang="es-MX" b="1" dirty="0">
+              <a:latin typeface="+mj-lt"/>
+            </a:endParaRPr>
+          </a:p>
+          <a:p>
+            <a:endParaRPr lang="es-ES_tradnl" b="1" dirty="0">
+              <a:solidFill>
+                <a:schemeClr val="tx1">
+                  <a:lumMod val="65000"/>
+                  <a:lumOff val="35000"/>
+                </a:schemeClr>
+              </a:solidFill>
+              <a:latin typeface="+mj-lt"/>
+              <a:cs typeface="Arial"/>
+            </a:endParaRPr>
+          </a:p>
+          <a:p>
+            <a:r>
+              <a:rPr lang="es-ES" b="1" dirty="0">
+                <a:latin typeface="+mj-lt"/>
+              </a:rPr>
+              <a:t>2013, "A Deep </a:t>
+            </a:r>
+            <a:r>
+              <a:rPr lang="es-ES" b="1" dirty="0" err="1">
+                <a:latin typeface="+mj-lt"/>
+              </a:rPr>
+              <a:t>Learning</a:t>
+            </a:r>
+            <a:r>
+              <a:rPr lang="es-ES" b="1" dirty="0">
+                <a:latin typeface="+mj-lt"/>
+              </a:rPr>
+              <a:t> </a:t>
+            </a:r>
+            <a:r>
+              <a:rPr lang="es-ES" b="1" dirty="0" err="1">
+                <a:latin typeface="+mj-lt"/>
+              </a:rPr>
+              <a:t>Approach</a:t>
+            </a:r>
+            <a:r>
+              <a:rPr lang="es-ES" b="1" dirty="0">
+                <a:latin typeface="+mj-lt"/>
+              </a:rPr>
+              <a:t> to </a:t>
+            </a:r>
+            <a:r>
+              <a:rPr lang="es-ES" b="1" dirty="0" err="1">
+                <a:latin typeface="+mj-lt"/>
+              </a:rPr>
+              <a:t>Rhythm</a:t>
+            </a:r>
+            <a:r>
+              <a:rPr lang="es-ES" b="1" dirty="0">
+                <a:latin typeface="+mj-lt"/>
+              </a:rPr>
+              <a:t> </a:t>
+            </a:r>
+            <a:r>
+              <a:rPr lang="es-ES" b="1" dirty="0" err="1">
+                <a:latin typeface="+mj-lt"/>
+              </a:rPr>
+              <a:t>Modelling</a:t>
+            </a:r>
+            <a:r>
+              <a:rPr lang="es-ES" b="1" dirty="0">
+                <a:latin typeface="+mj-lt"/>
+              </a:rPr>
+              <a:t> </a:t>
+            </a:r>
+            <a:r>
+              <a:rPr lang="es-ES" b="1" dirty="0" err="1">
+                <a:latin typeface="+mj-lt"/>
+              </a:rPr>
+              <a:t>with</a:t>
+            </a:r>
+            <a:r>
+              <a:rPr lang="es-ES" b="1" dirty="0">
+                <a:latin typeface="+mj-lt"/>
+              </a:rPr>
+              <a:t> </a:t>
+            </a:r>
+            <a:r>
+              <a:rPr lang="es-ES" b="1" dirty="0" err="1">
+                <a:latin typeface="+mj-lt"/>
+              </a:rPr>
+              <a:t>Applications</a:t>
+            </a:r>
+            <a:r>
+              <a:rPr lang="es-ES" b="1" dirty="0">
+                <a:latin typeface="+mj-lt"/>
+              </a:rPr>
+              <a:t>" Autor: </a:t>
+            </a:r>
+            <a:r>
+              <a:rPr lang="es-ES" b="1" dirty="0" err="1">
+                <a:latin typeface="+mj-lt"/>
+              </a:rPr>
+              <a:t>Aggelos</a:t>
+            </a:r>
+            <a:r>
+              <a:rPr lang="es-ES" b="1" dirty="0">
+                <a:latin typeface="+mj-lt"/>
+              </a:rPr>
+              <a:t> </a:t>
+            </a:r>
+            <a:r>
+              <a:rPr lang="es-ES" b="1" dirty="0" err="1">
+                <a:latin typeface="+mj-lt"/>
+              </a:rPr>
+              <a:t>Pikrakis</a:t>
+            </a:r>
+            <a:endParaRPr lang="es-MX" b="1" dirty="0">
+              <a:latin typeface="+mj-lt"/>
+            </a:endParaRPr>
+          </a:p>
+          <a:p>
+            <a:endParaRPr lang="es-ES_tradnl" b="1" dirty="0">
+              <a:solidFill>
+                <a:schemeClr val="tx1">
+                  <a:lumMod val="65000"/>
+                  <a:lumOff val="35000"/>
+                </a:schemeClr>
+              </a:solidFill>
+              <a:latin typeface="+mj-lt"/>
+              <a:cs typeface="Arial"/>
+            </a:endParaRPr>
+          </a:p>
+          <a:p>
+            <a:r>
+              <a:rPr lang="es-ES" b="1" dirty="0">
+                <a:latin typeface="+mj-lt"/>
+              </a:rPr>
+              <a:t>2016, “Deep </a:t>
+            </a:r>
+            <a:r>
+              <a:rPr lang="es-ES" b="1" dirty="0" err="1">
+                <a:latin typeface="+mj-lt"/>
+              </a:rPr>
+              <a:t>Learning</a:t>
+            </a:r>
+            <a:r>
+              <a:rPr lang="es-ES" b="1" dirty="0">
+                <a:latin typeface="+mj-lt"/>
+              </a:rPr>
+              <a:t> </a:t>
+            </a:r>
+            <a:r>
+              <a:rPr lang="es-ES" b="1" dirty="0" err="1">
+                <a:latin typeface="+mj-lt"/>
+              </a:rPr>
+              <a:t>for</a:t>
+            </a:r>
+            <a:r>
+              <a:rPr lang="es-ES" b="1" dirty="0">
+                <a:latin typeface="+mj-lt"/>
+              </a:rPr>
+              <a:t> </a:t>
+            </a:r>
+            <a:r>
+              <a:rPr lang="es-ES" b="1" dirty="0" err="1">
+                <a:latin typeface="+mj-lt"/>
+              </a:rPr>
+              <a:t>Music</a:t>
+            </a:r>
+            <a:r>
+              <a:rPr lang="es-ES" b="1" dirty="0">
+                <a:latin typeface="+mj-lt"/>
+              </a:rPr>
+              <a:t>”, Autores: Allen </a:t>
+            </a:r>
+            <a:r>
+              <a:rPr lang="es-ES" b="1" dirty="0" err="1">
+                <a:latin typeface="+mj-lt"/>
+              </a:rPr>
+              <a:t>Huang</a:t>
+            </a:r>
+            <a:r>
+              <a:rPr lang="es-ES" b="1" dirty="0">
+                <a:latin typeface="+mj-lt"/>
+              </a:rPr>
+              <a:t> y </a:t>
+            </a:r>
+            <a:r>
+              <a:rPr lang="es-ES" b="1" dirty="0" err="1">
+                <a:latin typeface="+mj-lt"/>
+              </a:rPr>
+              <a:t>Raymon</a:t>
+            </a:r>
+            <a:r>
+              <a:rPr lang="es-ES" b="1" dirty="0">
+                <a:latin typeface="+mj-lt"/>
+              </a:rPr>
+              <a:t> </a:t>
+            </a:r>
+            <a:r>
+              <a:rPr lang="es-ES" b="1" dirty="0" err="1">
+                <a:latin typeface="+mj-lt"/>
+              </a:rPr>
+              <a:t>Wu</a:t>
+            </a:r>
+            <a:endParaRPr lang="es-MX" b="1" dirty="0">
+              <a:latin typeface="+mj-lt"/>
+            </a:endParaRPr>
           </a:p>
           <a:p>
             <a:endParaRPr lang="es-ES_tradnl" dirty="0">
@@ -7094,136 +7795,10 @@
           </a:p>
         </p:txBody>
       </p:sp>
-      <p:pic>
-        <p:nvPicPr>
-          <p:cNvPr id="2" name="Imagen 1"/>
-          <p:cNvPicPr>
-            <a:picLocks noChangeAspect="1"/>
-          </p:cNvPicPr>
-          <p:nvPr/>
-        </p:nvPicPr>
-        <p:blipFill>
-          <a:blip r:embed="rId2"/>
-          <a:stretch>
-            <a:fillRect/>
-          </a:stretch>
-        </p:blipFill>
-        <p:spPr>
-          <a:xfrm>
-            <a:off x="457200" y="2048708"/>
-            <a:ext cx="3352800" cy="925178"/>
-          </a:xfrm>
-          <a:prstGeom prst="rect">
-            <a:avLst/>
-          </a:prstGeom>
-        </p:spPr>
-      </p:pic>
-      <p:sp>
-        <p:nvSpPr>
-          <p:cNvPr id="5" name="CuadroTexto 3">
-            <a:extLst>
-              <a:ext uri="{FF2B5EF4-FFF2-40B4-BE49-F238E27FC236}">
-                <a16:creationId xmlns:a16="http://schemas.microsoft.com/office/drawing/2014/main" id="{2C6F1E49-54A6-4552-AC09-D263F8B76677}"/>
-              </a:ext>
-            </a:extLst>
-          </p:cNvPr>
-          <p:cNvSpPr txBox="1"/>
-          <p:nvPr/>
-        </p:nvSpPr>
-        <p:spPr>
-          <a:xfrm>
-            <a:off x="5029200" y="1371600"/>
-            <a:ext cx="5715000" cy="677108"/>
-          </a:xfrm>
-          <a:prstGeom prst="rect">
-            <a:avLst/>
-          </a:prstGeom>
-          <a:noFill/>
-        </p:spPr>
-        <p:txBody>
-          <a:bodyPr wrap="square" rtlCol="0">
-            <a:spAutoFit/>
-          </a:bodyPr>
-          <a:lstStyle/>
-          <a:p>
-            <a:r>
-              <a:rPr lang="es-ES_tradnl" sz="2000" b="1" dirty="0">
-                <a:solidFill>
-                  <a:schemeClr val="accent2">
-                    <a:lumMod val="75000"/>
-                  </a:schemeClr>
-                </a:solidFill>
-                <a:latin typeface="Arial"/>
-                <a:cs typeface="Arial"/>
-              </a:rPr>
-              <a:t>LSTM</a:t>
-            </a:r>
-          </a:p>
-          <a:p>
-            <a:endParaRPr lang="es-ES_tradnl" dirty="0">
-              <a:solidFill>
-                <a:schemeClr val="tx1">
-                  <a:lumMod val="65000"/>
-                  <a:lumOff val="35000"/>
-                </a:schemeClr>
-              </a:solidFill>
-              <a:latin typeface="Arial"/>
-              <a:cs typeface="Arial"/>
-            </a:endParaRPr>
-          </a:p>
-        </p:txBody>
-      </p:sp>
-      <p:pic>
-        <p:nvPicPr>
-          <p:cNvPr id="1028" name="Picture 4" descr="Resultado de imagen para lstm">
-            <a:extLst>
-              <a:ext uri="{FF2B5EF4-FFF2-40B4-BE49-F238E27FC236}">
-                <a16:creationId xmlns:a16="http://schemas.microsoft.com/office/drawing/2014/main" id="{424E8126-E2B3-4776-910F-9E53B5CE7BCE}"/>
-              </a:ext>
-            </a:extLst>
-          </p:cNvPr>
-          <p:cNvPicPr>
-            <a:picLocks noChangeAspect="1" noChangeArrowheads="1"/>
-          </p:cNvPicPr>
-          <p:nvPr/>
-        </p:nvPicPr>
-        <p:blipFill>
-          <a:blip r:embed="rId3">
-            <a:extLst>
-              <a:ext uri="{28A0092B-C50C-407E-A947-70E740481C1C}">
-                <a14:useLocalDpi xmlns:a14="http://schemas.microsoft.com/office/drawing/2010/main" val="0"/>
-              </a:ext>
-            </a:extLst>
-          </a:blip>
-          <a:srcRect/>
-          <a:stretch>
-            <a:fillRect/>
-          </a:stretch>
-        </p:blipFill>
-        <p:spPr bwMode="auto">
-          <a:xfrm>
-            <a:off x="3810000" y="2002139"/>
-            <a:ext cx="5048250" cy="2828925"/>
-          </a:xfrm>
-          <a:prstGeom prst="rect">
-            <a:avLst/>
-          </a:prstGeom>
-          <a:noFill/>
-          <a:extLst>
-            <a:ext uri="{909E8E84-426E-40DD-AFC4-6F175D3DCCD1}">
-              <a14:hiddenFill xmlns:a14="http://schemas.microsoft.com/office/drawing/2010/main">
-                <a:solidFill>
-                  <a:srgbClr val="FFFFFF"/>
-                </a:solidFill>
-              </a14:hiddenFill>
-            </a:ext>
-          </a:extLst>
-        </p:spPr>
-      </p:pic>
     </p:spTree>
     <p:extLst>
       <p:ext uri="{BB962C8B-B14F-4D97-AF65-F5344CB8AC3E}">
-        <p14:creationId xmlns:p14="http://schemas.microsoft.com/office/powerpoint/2010/main" val="3250406316"/>
+        <p14:creationId xmlns:p14="http://schemas.microsoft.com/office/powerpoint/2010/main" val="3083035170"/>
       </p:ext>
     </p:extLst>
   </p:cSld>
@@ -7252,26 +7827,26 @@
       </p:grpSpPr>
       <p:sp>
         <p:nvSpPr>
-          <p:cNvPr id="7" name="CuadroTexto 6"/>
-          <p:cNvSpPr txBox="1"/>
-          <p:nvPr/>
+          <p:cNvPr id="2" name="Title 1">
+            <a:extLst>
+              <a:ext uri="{FF2B5EF4-FFF2-40B4-BE49-F238E27FC236}">
+                <a16:creationId xmlns:a16="http://schemas.microsoft.com/office/drawing/2014/main" id="{B693A2DD-1537-4020-A8EE-BFE90EA850FC}"/>
+              </a:ext>
+            </a:extLst>
+          </p:cNvPr>
+          <p:cNvSpPr>
+            <a:spLocks noGrp="1"/>
+          </p:cNvSpPr>
+          <p:nvPr>
+            <p:ph type="title"/>
+          </p:nvPr>
         </p:nvSpPr>
-        <p:spPr>
-          <a:xfrm>
-            <a:off x="304800" y="152400"/>
-            <a:ext cx="7239000" cy="553998"/>
-          </a:xfrm>
-          <a:prstGeom prst="rect">
-            <a:avLst/>
-          </a:prstGeom>
-          <a:noFill/>
-        </p:spPr>
+        <p:spPr/>
         <p:txBody>
-          <a:bodyPr wrap="square" rtlCol="0">
-            <a:spAutoFit/>
-          </a:bodyPr>
+          <a:bodyPr/>
           <a:lstStyle/>
           <a:p>
+            <a:pPr algn="l"/>
             <a:r>
               <a:rPr lang="es-ES_tradnl" sz="3000" b="1" dirty="0">
                 <a:solidFill>
@@ -7282,438 +7857,68 @@
                 <a:latin typeface="Arial"/>
                 <a:cs typeface="Arial"/>
               </a:rPr>
-              <a:t>Marco Teórico</a:t>
-            </a:r>
+              <a:t>Justificación</a:t>
+            </a:r>
+            <a:br>
+              <a:rPr lang="es-ES_tradnl" b="1" dirty="0">
+                <a:solidFill>
+                  <a:schemeClr val="accent6">
+                    <a:lumMod val="75000"/>
+                  </a:schemeClr>
+                </a:solidFill>
+                <a:latin typeface="Arial"/>
+                <a:cs typeface="Arial"/>
+              </a:rPr>
+            </a:br>
+            <a:endParaRPr lang="en-US" dirty="0"/>
           </a:p>
         </p:txBody>
       </p:sp>
       <p:sp>
         <p:nvSpPr>
-          <p:cNvPr id="4" name="CuadroTexto 3"/>
-          <p:cNvSpPr txBox="1"/>
-          <p:nvPr/>
-        </p:nvSpPr>
-        <p:spPr>
-          <a:xfrm>
-            <a:off x="457200" y="1371600"/>
-            <a:ext cx="7239000" cy="677108"/>
-          </a:xfrm>
-          <a:prstGeom prst="rect">
-            <a:avLst/>
-          </a:prstGeom>
-          <a:noFill/>
-        </p:spPr>
-        <p:txBody>
-          <a:bodyPr wrap="square" rtlCol="0">
-            <a:spAutoFit/>
-          </a:bodyPr>
-          <a:lstStyle/>
-          <a:p>
-            <a:r>
-              <a:rPr lang="es-ES_tradnl" sz="2000" b="1" dirty="0">
-                <a:solidFill>
-                  <a:schemeClr val="accent2">
-                    <a:lumMod val="75000"/>
-                  </a:schemeClr>
-                </a:solidFill>
-                <a:latin typeface="Arial"/>
-                <a:cs typeface="Arial"/>
-              </a:rPr>
-              <a:t>Optimizadores de Gradiente estocásticos de descenso</a:t>
-            </a:r>
-          </a:p>
-          <a:p>
-            <a:endParaRPr lang="es-ES_tradnl" dirty="0">
-              <a:solidFill>
-                <a:schemeClr val="tx1">
-                  <a:lumMod val="65000"/>
-                  <a:lumOff val="35000"/>
-                </a:schemeClr>
-              </a:solidFill>
-              <a:latin typeface="Arial"/>
-              <a:cs typeface="Arial"/>
-            </a:endParaRPr>
-          </a:p>
-        </p:txBody>
-      </p:sp>
-      <p:sp>
-        <p:nvSpPr>
-          <p:cNvPr id="8" name="CuadroTexto 3">
+          <p:cNvPr id="3" name="Content Placeholder 2">
             <a:extLst>
               <a:ext uri="{FF2B5EF4-FFF2-40B4-BE49-F238E27FC236}">
-                <a16:creationId xmlns:a16="http://schemas.microsoft.com/office/drawing/2014/main" id="{6A815BD4-32B8-4B38-8DD8-4ED6BA322AD4}"/>
+                <a16:creationId xmlns:a16="http://schemas.microsoft.com/office/drawing/2014/main" id="{22578587-B870-405A-A2EE-3ECFCEEC2125}"/>
               </a:ext>
             </a:extLst>
           </p:cNvPr>
-          <p:cNvSpPr txBox="1"/>
-          <p:nvPr/>
+          <p:cNvSpPr>
+            <a:spLocks noGrp="1"/>
+          </p:cNvSpPr>
+          <p:nvPr>
+            <p:ph idx="1"/>
+          </p:nvPr>
         </p:nvSpPr>
-        <p:spPr>
-          <a:xfrm>
-            <a:off x="457200" y="1862554"/>
-            <a:ext cx="5715000" cy="677108"/>
-          </a:xfrm>
-          <a:prstGeom prst="rect">
-            <a:avLst/>
-          </a:prstGeom>
-          <a:noFill/>
-        </p:spPr>
+        <p:spPr/>
         <p:txBody>
-          <a:bodyPr wrap="square" rtlCol="0">
-            <a:spAutoFit/>
-          </a:bodyPr>
+          <a:bodyPr/>
           <a:lstStyle/>
           <a:p>
-            <a:r>
-              <a:rPr lang="es-ES_tradnl" sz="2000" b="1" dirty="0" err="1">
-                <a:solidFill>
-                  <a:schemeClr val="accent2">
-                    <a:lumMod val="75000"/>
-                  </a:schemeClr>
-                </a:solidFill>
-                <a:latin typeface="Arial"/>
-                <a:cs typeface="Arial"/>
-              </a:rPr>
-              <a:t>RMSProp</a:t>
-            </a:r>
-            <a:endParaRPr lang="es-ES_tradnl" sz="2000" b="1" dirty="0">
-              <a:solidFill>
-                <a:schemeClr val="accent2">
-                  <a:lumMod val="75000"/>
-                </a:schemeClr>
-              </a:solidFill>
-              <a:latin typeface="Arial"/>
-              <a:cs typeface="Arial"/>
-            </a:endParaRPr>
-          </a:p>
-          <a:p>
-            <a:endParaRPr lang="es-ES_tradnl" dirty="0">
-              <a:solidFill>
-                <a:schemeClr val="tx1">
-                  <a:lumMod val="65000"/>
-                  <a:lumOff val="35000"/>
-                </a:schemeClr>
-              </a:solidFill>
-              <a:latin typeface="Arial"/>
-              <a:cs typeface="Arial"/>
-            </a:endParaRPr>
-          </a:p>
-        </p:txBody>
-      </p:sp>
-      <p:pic>
-        <p:nvPicPr>
-          <p:cNvPr id="3" name="Picture 2">
-            <a:extLst>
-              <a:ext uri="{FF2B5EF4-FFF2-40B4-BE49-F238E27FC236}">
-                <a16:creationId xmlns:a16="http://schemas.microsoft.com/office/drawing/2014/main" id="{188CB02D-4F7A-4941-9919-AD2C50731DE7}"/>
-              </a:ext>
-            </a:extLst>
-          </p:cNvPr>
-          <p:cNvPicPr>
-            <a:picLocks noChangeAspect="1"/>
-          </p:cNvPicPr>
-          <p:nvPr/>
-        </p:nvPicPr>
-        <p:blipFill>
-          <a:blip r:embed="rId2"/>
-          <a:stretch>
-            <a:fillRect/>
-          </a:stretch>
-        </p:blipFill>
-        <p:spPr>
-          <a:xfrm>
-            <a:off x="457201" y="2590800"/>
-            <a:ext cx="3276600" cy="1142446"/>
-          </a:xfrm>
-          <a:prstGeom prst="rect">
-            <a:avLst/>
-          </a:prstGeom>
-        </p:spPr>
-      </p:pic>
-      <p:sp>
-        <p:nvSpPr>
-          <p:cNvPr id="10" name="CuadroTexto 3">
-            <a:extLst>
-              <a:ext uri="{FF2B5EF4-FFF2-40B4-BE49-F238E27FC236}">
-                <a16:creationId xmlns:a16="http://schemas.microsoft.com/office/drawing/2014/main" id="{9DE8D0B2-94BA-4573-B8CC-2773142A78C8}"/>
-              </a:ext>
-            </a:extLst>
-          </p:cNvPr>
-          <p:cNvSpPr txBox="1"/>
-          <p:nvPr/>
-        </p:nvSpPr>
-        <p:spPr>
-          <a:xfrm>
-            <a:off x="457200" y="3995173"/>
-            <a:ext cx="3505200" cy="1200329"/>
-          </a:xfrm>
-          <a:prstGeom prst="rect">
-            <a:avLst/>
-          </a:prstGeom>
-          <a:noFill/>
-        </p:spPr>
-        <p:txBody>
-          <a:bodyPr wrap="square" rtlCol="0">
-            <a:spAutoFit/>
-          </a:bodyPr>
-          <a:lstStyle/>
-          <a:p>
-            <a:r>
-              <a:rPr lang="es-ES" dirty="0">
-                <a:solidFill>
-                  <a:schemeClr val="tx1">
-                    <a:lumMod val="65000"/>
-                    <a:lumOff val="35000"/>
-                  </a:schemeClr>
-                </a:solidFill>
-                <a:latin typeface="Arial"/>
-                <a:cs typeface="Arial"/>
-              </a:rPr>
-              <a:t>Divide la tasa de aprendizaje por un promedio decreciente exponencial de gradientes cuadrados.</a:t>
-            </a:r>
-            <a:endParaRPr lang="es-ES_tradnl" dirty="0">
-              <a:solidFill>
-                <a:schemeClr val="tx1">
-                  <a:lumMod val="65000"/>
-                  <a:lumOff val="35000"/>
-                </a:schemeClr>
-              </a:solidFill>
-              <a:latin typeface="Arial"/>
-              <a:cs typeface="Arial"/>
-            </a:endParaRPr>
-          </a:p>
-        </p:txBody>
-      </p:sp>
-      <p:sp>
-        <p:nvSpPr>
-          <p:cNvPr id="11" name="CuadroTexto 3">
-            <a:extLst>
-              <a:ext uri="{FF2B5EF4-FFF2-40B4-BE49-F238E27FC236}">
-                <a16:creationId xmlns:a16="http://schemas.microsoft.com/office/drawing/2014/main" id="{A772EEA1-1444-4242-B83A-DF0EBD5217E4}"/>
-              </a:ext>
-            </a:extLst>
-          </p:cNvPr>
-          <p:cNvSpPr txBox="1"/>
-          <p:nvPr/>
-        </p:nvSpPr>
-        <p:spPr>
-          <a:xfrm>
-            <a:off x="5181600" y="1888123"/>
-            <a:ext cx="3276600" cy="677108"/>
-          </a:xfrm>
-          <a:prstGeom prst="rect">
-            <a:avLst/>
-          </a:prstGeom>
-          <a:noFill/>
-        </p:spPr>
-        <p:txBody>
-          <a:bodyPr wrap="square" rtlCol="0">
-            <a:spAutoFit/>
-          </a:bodyPr>
-          <a:lstStyle/>
-          <a:p>
-            <a:r>
-              <a:rPr lang="es-ES_tradnl" sz="2000" b="1" dirty="0" err="1">
-                <a:solidFill>
-                  <a:schemeClr val="accent2">
-                    <a:lumMod val="75000"/>
-                  </a:schemeClr>
-                </a:solidFill>
-                <a:latin typeface="Arial"/>
-                <a:cs typeface="Arial"/>
-              </a:rPr>
-              <a:t>Nadam</a:t>
-            </a:r>
-            <a:endParaRPr lang="es-ES_tradnl" sz="2000" b="1" dirty="0">
-              <a:solidFill>
-                <a:schemeClr val="accent2">
-                  <a:lumMod val="75000"/>
-                </a:schemeClr>
-              </a:solidFill>
-              <a:latin typeface="Arial"/>
-              <a:cs typeface="Arial"/>
-            </a:endParaRPr>
-          </a:p>
-          <a:p>
-            <a:endParaRPr lang="es-ES_tradnl" dirty="0">
-              <a:solidFill>
-                <a:schemeClr val="tx1">
-                  <a:lumMod val="65000"/>
-                  <a:lumOff val="35000"/>
-                </a:schemeClr>
-              </a:solidFill>
-              <a:latin typeface="Arial"/>
-              <a:cs typeface="Arial"/>
-            </a:endParaRPr>
-          </a:p>
-        </p:txBody>
-      </p:sp>
-      <p:pic>
-        <p:nvPicPr>
-          <p:cNvPr id="6" name="Picture 5">
-            <a:extLst>
-              <a:ext uri="{FF2B5EF4-FFF2-40B4-BE49-F238E27FC236}">
-                <a16:creationId xmlns:a16="http://schemas.microsoft.com/office/drawing/2014/main" id="{08003B9C-9B46-400A-818B-F94BDC27C7B8}"/>
-              </a:ext>
-            </a:extLst>
-          </p:cNvPr>
-          <p:cNvPicPr>
-            <a:picLocks noChangeAspect="1"/>
-          </p:cNvPicPr>
-          <p:nvPr/>
-        </p:nvPicPr>
-        <p:blipFill>
-          <a:blip r:embed="rId3"/>
-          <a:stretch>
-            <a:fillRect/>
-          </a:stretch>
-        </p:blipFill>
-        <p:spPr>
-          <a:xfrm>
-            <a:off x="4455318" y="2671488"/>
-            <a:ext cx="3433764" cy="718255"/>
-          </a:xfrm>
-          <a:prstGeom prst="rect">
-            <a:avLst/>
-          </a:prstGeom>
-        </p:spPr>
-      </p:pic>
-      <p:sp>
-        <p:nvSpPr>
-          <p:cNvPr id="13" name="CuadroTexto 3">
-            <a:extLst>
-              <a:ext uri="{FF2B5EF4-FFF2-40B4-BE49-F238E27FC236}">
-                <a16:creationId xmlns:a16="http://schemas.microsoft.com/office/drawing/2014/main" id="{5A10D506-3E69-4C32-AAED-BA7626D73AD8}"/>
-              </a:ext>
-            </a:extLst>
-          </p:cNvPr>
-          <p:cNvSpPr txBox="1"/>
-          <p:nvPr/>
-        </p:nvSpPr>
-        <p:spPr>
-          <a:xfrm>
-            <a:off x="4453763" y="3995172"/>
-            <a:ext cx="3505200" cy="1477328"/>
-          </a:xfrm>
-          <a:prstGeom prst="rect">
-            <a:avLst/>
-          </a:prstGeom>
-          <a:noFill/>
-        </p:spPr>
-        <p:txBody>
-          <a:bodyPr wrap="square" rtlCol="0">
-            <a:spAutoFit/>
-          </a:bodyPr>
-          <a:lstStyle/>
-          <a:p>
-            <a:r>
-              <a:rPr lang="es-ES" dirty="0">
-                <a:solidFill>
-                  <a:schemeClr val="tx1">
-                    <a:lumMod val="65000"/>
-                    <a:lumOff val="35000"/>
-                  </a:schemeClr>
-                </a:solidFill>
-                <a:latin typeface="Arial"/>
-                <a:cs typeface="Arial"/>
-              </a:rPr>
-              <a:t>Es una combinación de </a:t>
-            </a:r>
-            <a:r>
-              <a:rPr lang="es-ES" dirty="0" err="1">
-                <a:solidFill>
-                  <a:schemeClr val="tx1">
-                    <a:lumMod val="65000"/>
-                    <a:lumOff val="35000"/>
-                  </a:schemeClr>
-                </a:solidFill>
-                <a:latin typeface="Arial"/>
-                <a:cs typeface="Arial"/>
-              </a:rPr>
-              <a:t>RMSProp</a:t>
-            </a:r>
-            <a:r>
-              <a:rPr lang="es-ES" dirty="0">
-                <a:solidFill>
-                  <a:schemeClr val="tx1">
-                    <a:lumMod val="65000"/>
-                    <a:lumOff val="35000"/>
-                  </a:schemeClr>
-                </a:solidFill>
-                <a:latin typeface="Arial"/>
-                <a:cs typeface="Arial"/>
-              </a:rPr>
-              <a:t>, </a:t>
-            </a:r>
-            <a:r>
-              <a:rPr lang="es-ES" dirty="0" err="1">
-                <a:solidFill>
-                  <a:schemeClr val="tx1">
-                    <a:lumMod val="65000"/>
-                    <a:lumOff val="35000"/>
-                  </a:schemeClr>
-                </a:solidFill>
-                <a:latin typeface="Arial"/>
-                <a:cs typeface="Arial"/>
-              </a:rPr>
-              <a:t>Momentum</a:t>
-            </a:r>
-            <a:r>
-              <a:rPr lang="es-ES" dirty="0">
-                <a:solidFill>
-                  <a:schemeClr val="tx1">
-                    <a:lumMod val="65000"/>
-                    <a:lumOff val="35000"/>
-                  </a:schemeClr>
-                </a:solidFill>
-                <a:latin typeface="Arial"/>
-                <a:cs typeface="Arial"/>
-              </a:rPr>
-              <a:t> y </a:t>
-            </a:r>
-            <a:r>
-              <a:rPr lang="es-ES" dirty="0" err="1">
-                <a:solidFill>
-                  <a:schemeClr val="tx1">
-                    <a:lumMod val="65000"/>
-                    <a:lumOff val="35000"/>
-                  </a:schemeClr>
-                </a:solidFill>
-                <a:latin typeface="Arial"/>
-                <a:cs typeface="Arial"/>
-              </a:rPr>
-              <a:t>Nesterov</a:t>
-            </a:r>
-            <a:r>
-              <a:rPr lang="es-ES" dirty="0">
-                <a:solidFill>
-                  <a:schemeClr val="tx1">
-                    <a:lumMod val="65000"/>
-                    <a:lumOff val="35000"/>
-                  </a:schemeClr>
-                </a:solidFill>
-                <a:latin typeface="Arial"/>
-                <a:cs typeface="Arial"/>
-              </a:rPr>
-              <a:t> el cual posee una estimación del momento adaptativo</a:t>
-            </a:r>
-            <a:endParaRPr lang="es-ES_tradnl" dirty="0">
-              <a:solidFill>
-                <a:schemeClr val="tx1">
-                  <a:lumMod val="65000"/>
-                  <a:lumOff val="35000"/>
-                </a:schemeClr>
-              </a:solidFill>
-              <a:latin typeface="Arial"/>
-              <a:cs typeface="Arial"/>
-            </a:endParaRPr>
+            <a:pPr marL="0" indent="0">
+              <a:buNone/>
+            </a:pPr>
+            <a:r>
+              <a:rPr lang="es-ES" sz="2800" dirty="0"/>
+              <a:t>La mayor parte de los trabajos en esta área están basados en melodías y armonías de piano, sin embargo es interesante experimentar con otros instrumentos, ya que cada uno cuenta con su propia manera de interpretar una pieza musical.</a:t>
+            </a:r>
+          </a:p>
+          <a:p>
+            <a:pPr marL="0" indent="0">
+              <a:buNone/>
+            </a:pPr>
+            <a:r>
+              <a:rPr lang="es-ES" sz="2800" dirty="0"/>
+              <a:t>Lo que se pretende en esta investigación es tener una manera fácil y rápida para la creación de nuevas composiciones musicales de guitarra y bajo.</a:t>
+            </a:r>
+            <a:endParaRPr lang="en-US" sz="2800" dirty="0"/>
           </a:p>
         </p:txBody>
       </p:sp>
     </p:spTree>
     <p:extLst>
       <p:ext uri="{BB962C8B-B14F-4D97-AF65-F5344CB8AC3E}">
-        <p14:creationId xmlns:p14="http://schemas.microsoft.com/office/powerpoint/2010/main" val="2815017795"/>
+        <p14:creationId xmlns:p14="http://schemas.microsoft.com/office/powerpoint/2010/main" val="4185791584"/>
       </p:ext>
     </p:extLst>
   </p:cSld>
@@ -7785,7 +7990,7 @@
         </p:nvSpPr>
         <p:spPr>
           <a:xfrm>
-            <a:off x="301690" y="1209869"/>
+            <a:off x="457200" y="1371600"/>
             <a:ext cx="5715000" cy="677108"/>
           </a:xfrm>
           <a:prstGeom prst="rect">
@@ -7809,7 +8014,7 @@
                 <a:latin typeface="Arial"/>
                 <a:cs typeface="Arial"/>
               </a:rPr>
-              <a:t>Tonalidades musicales</a:t>
+              <a:t>Redes Recurrentes</a:t>
             </a:r>
           </a:p>
           <a:p>
@@ -7826,57 +8031,125 @@
           </a:p>
         </p:txBody>
       </p:sp>
+      <p:sp>
+        <p:nvSpPr>
+          <p:cNvPr id="5" name="CuadroTexto 3">
+            <a:extLst>
+              <a:ext uri="{FF2B5EF4-FFF2-40B4-BE49-F238E27FC236}">
+                <a16:creationId xmlns:a16="http://schemas.microsoft.com/office/drawing/2014/main" id="{2C6F1E49-54A6-4552-AC09-D263F8B76677}"/>
+              </a:ext>
+            </a:extLst>
+          </p:cNvPr>
+          <p:cNvSpPr txBox="1"/>
+          <p:nvPr/>
+        </p:nvSpPr>
+        <p:spPr>
+          <a:xfrm>
+            <a:off x="5029200" y="1371600"/>
+            <a:ext cx="5715000" cy="677108"/>
+          </a:xfrm>
+          <a:prstGeom prst="rect">
+            <a:avLst/>
+          </a:prstGeom>
+          <a:noFill/>
+        </p:spPr>
+        <p:txBody>
+          <a:bodyPr wrap="square" rtlCol="0">
+            <a:spAutoFit/>
+          </a:bodyPr>
+          <a:lstStyle/>
+          <a:p>
+            <a:r>
+              <a:rPr lang="es-ES_tradnl" sz="2000" b="1" dirty="0">
+                <a:solidFill>
+                  <a:schemeClr val="accent2">
+                    <a:lumMod val="75000"/>
+                  </a:schemeClr>
+                </a:solidFill>
+                <a:latin typeface="Arial"/>
+                <a:cs typeface="Arial"/>
+              </a:rPr>
+              <a:t>LSTM</a:t>
+            </a:r>
+          </a:p>
+          <a:p>
+            <a:endParaRPr lang="es-ES_tradnl" dirty="0">
+              <a:solidFill>
+                <a:schemeClr val="tx1">
+                  <a:lumMod val="65000"/>
+                  <a:lumOff val="35000"/>
+                </a:schemeClr>
+              </a:solidFill>
+              <a:latin typeface="Arial"/>
+              <a:cs typeface="Arial"/>
+            </a:endParaRPr>
+          </a:p>
+        </p:txBody>
+      </p:sp>
       <p:pic>
         <p:nvPicPr>
-          <p:cNvPr id="2050" name="Picture 2" descr="Resultado de imagen para tonalidades musicales">
+          <p:cNvPr id="6" name="Picture 5">
             <a:extLst>
               <a:ext uri="{FF2B5EF4-FFF2-40B4-BE49-F238E27FC236}">
-                <a16:creationId xmlns:a16="http://schemas.microsoft.com/office/drawing/2014/main" id="{D04D4C85-BCAA-4D19-88C8-D34CC3564C1F}"/>
+                <a16:creationId xmlns:a16="http://schemas.microsoft.com/office/drawing/2014/main" id="{2E5E8650-A6C8-4C99-A9EA-6F76B252EA99}"/>
               </a:ext>
             </a:extLst>
           </p:cNvPr>
           <p:cNvPicPr>
-            <a:picLocks noChangeAspect="1" noChangeArrowheads="1"/>
+            <a:picLocks noChangeAspect="1"/>
           </p:cNvPicPr>
           <p:nvPr/>
         </p:nvPicPr>
         <p:blipFill>
-          <a:blip r:embed="rId2">
-            <a:extLst>
-              <a:ext uri="{28A0092B-C50C-407E-A947-70E740481C1C}">
-                <a14:useLocalDpi xmlns:a14="http://schemas.microsoft.com/office/drawing/2010/main" val="0"/>
-              </a:ext>
-            </a:extLst>
-          </a:blip>
-          <a:srcRect/>
+          <a:blip r:embed="rId2"/>
           <a:stretch>
             <a:fillRect/>
           </a:stretch>
         </p:blipFill>
-        <p:spPr bwMode="auto">
-          <a:xfrm>
-            <a:off x="2057400" y="1571750"/>
-            <a:ext cx="4710112" cy="4157355"/>
-          </a:xfrm>
-          <a:prstGeom prst="rect">
-            <a:avLst/>
-          </a:prstGeom>
-          <a:noFill/>
-          <a:extLst>
-            <a:ext uri="{909E8E84-426E-40DD-AFC4-6F175D3DCCD1}">
-              <a14:hiddenFill xmlns:a14="http://schemas.microsoft.com/office/drawing/2010/main">
-                <a:solidFill>
-                  <a:srgbClr val="FFFFFF"/>
-                </a:solidFill>
-              </a14:hiddenFill>
-            </a:ext>
-          </a:extLst>
+        <p:spPr>
+          <a:xfrm>
+            <a:off x="690733" y="1828800"/>
+            <a:ext cx="2052467" cy="3425355"/>
+          </a:xfrm>
+          <a:prstGeom prst="rect">
+            <a:avLst/>
+          </a:prstGeom>
+        </p:spPr>
+      </p:pic>
+      <p:pic>
+        <p:nvPicPr>
+          <p:cNvPr id="9" name="Picture 8">
+            <a:extLst>
+              <a:ext uri="{FF2B5EF4-FFF2-40B4-BE49-F238E27FC236}">
+                <a16:creationId xmlns:a16="http://schemas.microsoft.com/office/drawing/2014/main" id="{B1CCF33A-76CE-46F8-A76E-6924378E42F0}"/>
+              </a:ext>
+            </a:extLst>
+          </p:cNvPr>
+          <p:cNvPicPr>
+            <a:picLocks noChangeAspect="1"/>
+          </p:cNvPicPr>
+          <p:nvPr/>
+        </p:nvPicPr>
+        <p:blipFill>
+          <a:blip r:embed="rId3"/>
+          <a:stretch>
+            <a:fillRect/>
+          </a:stretch>
+        </p:blipFill>
+        <p:spPr>
+          <a:xfrm>
+            <a:off x="3124200" y="2209800"/>
+            <a:ext cx="5501978" cy="3202324"/>
+          </a:xfrm>
+          <a:prstGeom prst="rect">
+            <a:avLst/>
+          </a:prstGeom>
         </p:spPr>
       </p:pic>
     </p:spTree>
     <p:extLst>
       <p:ext uri="{BB962C8B-B14F-4D97-AF65-F5344CB8AC3E}">
-        <p14:creationId xmlns:p14="http://schemas.microsoft.com/office/powerpoint/2010/main" val="2201531895"/>
+        <p14:creationId xmlns:p14="http://schemas.microsoft.com/office/powerpoint/2010/main" val="3250406316"/>
       </p:ext>
     </p:extLst>
   </p:cSld>
@@ -7948,8 +8221,8 @@
         </p:nvSpPr>
         <p:spPr>
           <a:xfrm>
-            <a:off x="301690" y="1209869"/>
-            <a:ext cx="5715000" cy="677108"/>
+            <a:off x="457200" y="1371600"/>
+            <a:ext cx="7239000" cy="677108"/>
           </a:xfrm>
           <a:prstGeom prst="rect">
             <a:avLst/>
@@ -7972,29 +8245,8 @@
                 <a:latin typeface="Arial"/>
                 <a:cs typeface="Arial"/>
               </a:rPr>
-              <a:t>Algoritmo de </a:t>
-            </a:r>
-            <a:r>
-              <a:rPr lang="es-ES_tradnl" sz="2000" b="1" dirty="0" err="1">
-                <a:solidFill>
-                  <a:schemeClr val="accent2">
-                    <a:lumMod val="75000"/>
-                  </a:schemeClr>
-                </a:solidFill>
-                <a:latin typeface="Arial"/>
-                <a:cs typeface="Arial"/>
-              </a:rPr>
-              <a:t>Krumhansl-Schmuckler</a:t>
-            </a:r>
-            <a:endParaRPr lang="es-ES_tradnl" sz="2000" b="1" dirty="0">
-              <a:solidFill>
-                <a:schemeClr val="accent2">
-                  <a:lumMod val="75000"/>
-                </a:schemeClr>
-              </a:solidFill>
-              <a:latin typeface="Arial"/>
-              <a:cs typeface="Arial"/>
-            </a:endParaRPr>
+              <a:t>Optimizadores de Gradiente estocásticos de descenso</a:t>
+            </a:r>
           </a:p>
           <a:p>
             <a:endParaRPr lang="es-ES_tradnl" dirty="0">
@@ -8015,7 +8267,7 @@
           <p:cNvPr id="8" name="CuadroTexto 3">
             <a:extLst>
               <a:ext uri="{FF2B5EF4-FFF2-40B4-BE49-F238E27FC236}">
-                <a16:creationId xmlns:a16="http://schemas.microsoft.com/office/drawing/2014/main" id="{F857FDB5-5A18-45B5-A030-98C5919DD5B2}"/>
+                <a16:creationId xmlns:a16="http://schemas.microsoft.com/office/drawing/2014/main" id="{6A815BD4-32B8-4B38-8DD8-4ED6BA322AD4}"/>
               </a:ext>
             </a:extLst>
           </p:cNvPr>
@@ -8024,8 +8276,8 @@
         </p:nvSpPr>
         <p:spPr>
           <a:xfrm>
-            <a:off x="304800" y="1740934"/>
-            <a:ext cx="7772400" cy="646331"/>
+            <a:off x="457200" y="1862554"/>
+            <a:ext cx="5715000" cy="677108"/>
           </a:xfrm>
           <a:prstGeom prst="rect">
             <a:avLst/>
@@ -8039,18 +8291,228 @@
           <a:lstStyle/>
           <a:p>
             <a:r>
-              <a:rPr lang="es-ES_tradnl" dirty="0">
-                <a:solidFill>
-                  <a:schemeClr val="tx1">
-                    <a:lumMod val="65000"/>
-                    <a:lumOff val="35000"/>
-                  </a:schemeClr>
-                </a:solidFill>
-                <a:latin typeface="Arial"/>
-                <a:cs typeface="Arial"/>
-              </a:rPr>
-              <a:t>Este algoritmo me permite encontrar la tonalidad de una canción usando un coeficiente de correlación</a:t>
-            </a:r>
+              <a:rPr lang="es-ES_tradnl" sz="2000" b="1" dirty="0" err="1">
+                <a:solidFill>
+                  <a:schemeClr val="accent2">
+                    <a:lumMod val="75000"/>
+                  </a:schemeClr>
+                </a:solidFill>
+                <a:latin typeface="Arial"/>
+                <a:cs typeface="Arial"/>
+              </a:rPr>
+              <a:t>RMSProp</a:t>
+            </a:r>
+            <a:endParaRPr lang="es-ES_tradnl" sz="2000" b="1" dirty="0">
+              <a:solidFill>
+                <a:schemeClr val="accent2">
+                  <a:lumMod val="75000"/>
+                </a:schemeClr>
+              </a:solidFill>
+              <a:latin typeface="Arial"/>
+              <a:cs typeface="Arial"/>
+            </a:endParaRPr>
+          </a:p>
+          <a:p>
+            <a:endParaRPr lang="es-ES_tradnl" dirty="0">
+              <a:solidFill>
+                <a:schemeClr val="tx1">
+                  <a:lumMod val="65000"/>
+                  <a:lumOff val="35000"/>
+                </a:schemeClr>
+              </a:solidFill>
+              <a:latin typeface="Arial"/>
+              <a:cs typeface="Arial"/>
+            </a:endParaRPr>
+          </a:p>
+        </p:txBody>
+      </p:sp>
+      <p:sp>
+        <p:nvSpPr>
+          <p:cNvPr id="10" name="CuadroTexto 3">
+            <a:extLst>
+              <a:ext uri="{FF2B5EF4-FFF2-40B4-BE49-F238E27FC236}">
+                <a16:creationId xmlns:a16="http://schemas.microsoft.com/office/drawing/2014/main" id="{9DE8D0B2-94BA-4573-B8CC-2773142A78C8}"/>
+              </a:ext>
+            </a:extLst>
+          </p:cNvPr>
+          <p:cNvSpPr txBox="1"/>
+          <p:nvPr/>
+        </p:nvSpPr>
+        <p:spPr>
+          <a:xfrm>
+            <a:off x="457200" y="3995173"/>
+            <a:ext cx="3505200" cy="1200329"/>
+          </a:xfrm>
+          <a:prstGeom prst="rect">
+            <a:avLst/>
+          </a:prstGeom>
+          <a:noFill/>
+        </p:spPr>
+        <p:txBody>
+          <a:bodyPr wrap="square" rtlCol="0">
+            <a:spAutoFit/>
+          </a:bodyPr>
+          <a:lstStyle/>
+          <a:p>
+            <a:r>
+              <a:rPr lang="es-ES" dirty="0">
+                <a:latin typeface="Arial"/>
+                <a:cs typeface="Arial"/>
+              </a:rPr>
+              <a:t>Divide la tasa de aprendizaje por un promedio decreciente exponencial de gradientes cuadrados.</a:t>
+            </a:r>
+            <a:endParaRPr lang="es-ES_tradnl" dirty="0">
+              <a:latin typeface="Arial"/>
+              <a:cs typeface="Arial"/>
+            </a:endParaRPr>
+          </a:p>
+        </p:txBody>
+      </p:sp>
+      <p:sp>
+        <p:nvSpPr>
+          <p:cNvPr id="11" name="CuadroTexto 3">
+            <a:extLst>
+              <a:ext uri="{FF2B5EF4-FFF2-40B4-BE49-F238E27FC236}">
+                <a16:creationId xmlns:a16="http://schemas.microsoft.com/office/drawing/2014/main" id="{A772EEA1-1444-4242-B83A-DF0EBD5217E4}"/>
+              </a:ext>
+            </a:extLst>
+          </p:cNvPr>
+          <p:cNvSpPr txBox="1"/>
+          <p:nvPr/>
+        </p:nvSpPr>
+        <p:spPr>
+          <a:xfrm>
+            <a:off x="5181600" y="1888123"/>
+            <a:ext cx="3276600" cy="677108"/>
+          </a:xfrm>
+          <a:prstGeom prst="rect">
+            <a:avLst/>
+          </a:prstGeom>
+          <a:noFill/>
+        </p:spPr>
+        <p:txBody>
+          <a:bodyPr wrap="square" rtlCol="0">
+            <a:spAutoFit/>
+          </a:bodyPr>
+          <a:lstStyle/>
+          <a:p>
+            <a:r>
+              <a:rPr lang="es-ES_tradnl" sz="2000" b="1" dirty="0" err="1">
+                <a:solidFill>
+                  <a:schemeClr val="accent2">
+                    <a:lumMod val="75000"/>
+                  </a:schemeClr>
+                </a:solidFill>
+                <a:latin typeface="Arial"/>
+                <a:cs typeface="Arial"/>
+              </a:rPr>
+              <a:t>Nadam</a:t>
+            </a:r>
+            <a:endParaRPr lang="es-ES_tradnl" sz="2000" b="1" dirty="0">
+              <a:solidFill>
+                <a:schemeClr val="accent2">
+                  <a:lumMod val="75000"/>
+                </a:schemeClr>
+              </a:solidFill>
+              <a:latin typeface="Arial"/>
+              <a:cs typeface="Arial"/>
+            </a:endParaRPr>
+          </a:p>
+          <a:p>
+            <a:endParaRPr lang="es-ES_tradnl" dirty="0">
+              <a:solidFill>
+                <a:schemeClr val="tx1">
+                  <a:lumMod val="65000"/>
+                  <a:lumOff val="35000"/>
+                </a:schemeClr>
+              </a:solidFill>
+              <a:latin typeface="Arial"/>
+              <a:cs typeface="Arial"/>
+            </a:endParaRPr>
+          </a:p>
+        </p:txBody>
+      </p:sp>
+      <p:sp>
+        <p:nvSpPr>
+          <p:cNvPr id="13" name="CuadroTexto 3">
+            <a:extLst>
+              <a:ext uri="{FF2B5EF4-FFF2-40B4-BE49-F238E27FC236}">
+                <a16:creationId xmlns:a16="http://schemas.microsoft.com/office/drawing/2014/main" id="{5A10D506-3E69-4C32-AAED-BA7626D73AD8}"/>
+              </a:ext>
+            </a:extLst>
+          </p:cNvPr>
+          <p:cNvSpPr txBox="1"/>
+          <p:nvPr/>
+        </p:nvSpPr>
+        <p:spPr>
+          <a:xfrm>
+            <a:off x="4453762" y="3995172"/>
+            <a:ext cx="3852037" cy="1200329"/>
+          </a:xfrm>
+          <a:prstGeom prst="rect">
+            <a:avLst/>
+          </a:prstGeom>
+          <a:noFill/>
+        </p:spPr>
+        <p:txBody>
+          <a:bodyPr wrap="square" rtlCol="0">
+            <a:spAutoFit/>
+          </a:bodyPr>
+          <a:lstStyle/>
+          <a:p>
+            <a:r>
+              <a:rPr lang="es-ES" dirty="0">
+                <a:latin typeface="Arial"/>
+                <a:cs typeface="Arial"/>
+              </a:rPr>
+              <a:t>Es una combinación de </a:t>
+            </a:r>
+            <a:r>
+              <a:rPr lang="es-ES" dirty="0" err="1">
+                <a:latin typeface="Arial"/>
+                <a:cs typeface="Arial"/>
+              </a:rPr>
+              <a:t>RMSProp</a:t>
+            </a:r>
+            <a:r>
+              <a:rPr lang="es-ES" dirty="0">
+                <a:latin typeface="Arial"/>
+                <a:cs typeface="Arial"/>
+              </a:rPr>
+              <a:t>, </a:t>
+            </a:r>
+            <a:r>
+              <a:rPr lang="es-ES" dirty="0" err="1">
+                <a:latin typeface="Arial"/>
+                <a:cs typeface="Arial"/>
+              </a:rPr>
+              <a:t>Momentum</a:t>
+            </a:r>
+            <a:r>
+              <a:rPr lang="es-ES" dirty="0">
+                <a:latin typeface="Arial"/>
+                <a:cs typeface="Arial"/>
+              </a:rPr>
+              <a:t> y </a:t>
+            </a:r>
+            <a:r>
+              <a:rPr lang="es-ES" dirty="0" err="1">
+                <a:latin typeface="Arial"/>
+                <a:cs typeface="Arial"/>
+              </a:rPr>
+              <a:t>Nesterov</a:t>
+            </a:r>
+            <a:r>
+              <a:rPr lang="es-ES" dirty="0">
+                <a:latin typeface="Arial"/>
+                <a:cs typeface="Arial"/>
+              </a:rPr>
+              <a:t> el cual posee una estimación del momento adaptativo</a:t>
+            </a:r>
+            <a:endParaRPr lang="es-ES_tradnl" dirty="0">
+              <a:latin typeface="Arial"/>
+              <a:cs typeface="Arial"/>
+            </a:endParaRPr>
           </a:p>
         </p:txBody>
       </p:sp>
@@ -8059,7 +8521,7 @@
           <p:cNvPr id="2" name="Picture 1">
             <a:extLst>
               <a:ext uri="{FF2B5EF4-FFF2-40B4-BE49-F238E27FC236}">
-                <a16:creationId xmlns:a16="http://schemas.microsoft.com/office/drawing/2014/main" id="{A4441CAE-13F6-460E-B312-B58CB57C142C}"/>
+                <a16:creationId xmlns:a16="http://schemas.microsoft.com/office/drawing/2014/main" id="{C6E1E554-AA31-4FD4-B051-46D49F2F9A97}"/>
               </a:ext>
             </a:extLst>
           </p:cNvPr>
@@ -8076,8 +8538,8 @@
         </p:blipFill>
         <p:spPr>
           <a:xfrm>
-            <a:off x="466142" y="2743200"/>
-            <a:ext cx="3486150" cy="1581150"/>
+            <a:off x="468923" y="2527507"/>
+            <a:ext cx="2705100" cy="1283542"/>
           </a:xfrm>
           <a:prstGeom prst="rect">
             <a:avLst/>
@@ -8089,7 +8551,7 @@
           <p:cNvPr id="5" name="Picture 4">
             <a:extLst>
               <a:ext uri="{FF2B5EF4-FFF2-40B4-BE49-F238E27FC236}">
-                <a16:creationId xmlns:a16="http://schemas.microsoft.com/office/drawing/2014/main" id="{B520915B-7CB4-4C2D-8298-8E000F11C4A9}"/>
+                <a16:creationId xmlns:a16="http://schemas.microsoft.com/office/drawing/2014/main" id="{59871A4D-F5F0-4D38-8A04-C087726AFC3F}"/>
               </a:ext>
             </a:extLst>
           </p:cNvPr>
@@ -8106,8 +8568,8 @@
         </p:blipFill>
         <p:spPr>
           <a:xfrm>
-            <a:off x="4191000" y="3022957"/>
-            <a:ext cx="4114800" cy="797687"/>
+            <a:off x="4468691" y="2819949"/>
+            <a:ext cx="3989509" cy="644220"/>
           </a:xfrm>
           <a:prstGeom prst="rect">
             <a:avLst/>
@@ -8117,7 +8579,7 @@
     </p:spTree>
     <p:extLst>
       <p:ext uri="{BB962C8B-B14F-4D97-AF65-F5344CB8AC3E}">
-        <p14:creationId xmlns:p14="http://schemas.microsoft.com/office/powerpoint/2010/main" val="1145554890"/>
+        <p14:creationId xmlns:p14="http://schemas.microsoft.com/office/powerpoint/2010/main" val="2815017795"/>
       </p:ext>
     </p:extLst>
   </p:cSld>

--- a/documentos/Presentacion.pptx
+++ b/documentos/Presentacion.pptx
@@ -3494,7 +3494,7 @@
                 <a:latin typeface="Arial"/>
                 <a:cs typeface="Arial"/>
               </a:rPr>
-              <a:t>[10]</a:t>
+              <a:t>[12]</a:t>
             </a:r>
           </a:p>
           <a:p>
@@ -6147,7 +6147,7 @@
         <p:spPr>
           <a:xfrm>
             <a:off x="457200" y="1219200"/>
-            <a:ext cx="8153400" cy="5416868"/>
+            <a:ext cx="8153400" cy="4924425"/>
           </a:xfrm>
           <a:prstGeom prst="rect">
             <a:avLst/>
@@ -6189,306 +6189,306 @@
           </a:p>
           <a:p>
             <a:r>
-              <a:rPr lang="es-ES" i="1" dirty="0"/>
+              <a:rPr lang="es-ES" sz="1400" i="1" dirty="0"/>
               <a:t>[1] </a:t>
             </a:r>
             <a:r>
-              <a:rPr lang="es-ES" i="1" dirty="0" err="1"/>
+              <a:rPr lang="es-ES" sz="1400" i="1" dirty="0" err="1"/>
               <a:t>Mohamad</a:t>
             </a:r>
             <a:r>
-              <a:rPr lang="es-ES" i="1" dirty="0"/>
+              <a:rPr lang="es-ES" sz="1400" i="1" dirty="0"/>
               <a:t> H. </a:t>
             </a:r>
             <a:r>
-              <a:rPr lang="es-ES" i="1" dirty="0" err="1"/>
+              <a:rPr lang="es-ES" sz="1400" i="1" dirty="0" err="1"/>
               <a:t>Hassoun</a:t>
             </a:r>
             <a:r>
-              <a:rPr lang="es-ES" i="1" dirty="0"/>
+              <a:rPr lang="es-ES" sz="1400" i="1" dirty="0"/>
               <a:t> (1995), "Fundamentals of artificial neural </a:t>
             </a:r>
             <a:r>
-              <a:rPr lang="es-ES" i="1" dirty="0" err="1"/>
+              <a:rPr lang="es-ES" sz="1400" i="1" dirty="0" err="1"/>
               <a:t>networks</a:t>
             </a:r>
             <a:r>
-              <a:rPr lang="es-ES" i="1" dirty="0"/>
+              <a:rPr lang="es-ES" sz="1400" i="1" dirty="0"/>
               <a:t>"</a:t>
             </a:r>
-            <a:endParaRPr lang="es-MX" dirty="0"/>
-          </a:p>
-          <a:p>
-            <a:r>
-              <a:rPr lang="es-ES" i="1" dirty="0"/>
+            <a:endParaRPr lang="es-MX" sz="1400" dirty="0"/>
+          </a:p>
+          <a:p>
+            <a:r>
+              <a:rPr lang="es-ES" sz="1400" i="1" dirty="0"/>
               <a:t>[2] Kevin </a:t>
             </a:r>
             <a:r>
-              <a:rPr lang="es-ES" i="1" dirty="0" err="1"/>
+              <a:rPr lang="es-ES" sz="1400" i="1" dirty="0" err="1"/>
               <a:t>Gurney</a:t>
             </a:r>
             <a:r>
-              <a:rPr lang="es-ES" i="1" dirty="0"/>
+              <a:rPr lang="es-ES" sz="1400" i="1" dirty="0"/>
               <a:t> (1997), "</a:t>
             </a:r>
             <a:r>
-              <a:rPr lang="es-ES" i="1" dirty="0" err="1"/>
+              <a:rPr lang="es-ES" sz="1400" i="1" dirty="0" err="1"/>
               <a:t>An</a:t>
             </a:r>
             <a:r>
-              <a:rPr lang="es-ES" i="1" dirty="0"/>
+              <a:rPr lang="es-ES" sz="1400" i="1" dirty="0"/>
               <a:t> </a:t>
             </a:r>
             <a:r>
-              <a:rPr lang="es-ES" i="1" dirty="0" err="1"/>
+              <a:rPr lang="es-ES" sz="1400" i="1" dirty="0" err="1"/>
               <a:t>introduction</a:t>
             </a:r>
             <a:r>
-              <a:rPr lang="es-ES" i="1" dirty="0"/>
+              <a:rPr lang="es-ES" sz="1400" i="1" dirty="0"/>
               <a:t> to neural </a:t>
             </a:r>
             <a:r>
-              <a:rPr lang="es-ES" i="1" dirty="0" err="1"/>
+              <a:rPr lang="es-ES" sz="1400" i="1" dirty="0" err="1"/>
               <a:t>networks</a:t>
             </a:r>
             <a:r>
-              <a:rPr lang="es-ES" i="1" dirty="0"/>
+              <a:rPr lang="es-ES" sz="1400" i="1" dirty="0"/>
               <a:t>"</a:t>
             </a:r>
-            <a:endParaRPr lang="es-MX" dirty="0"/>
-          </a:p>
-          <a:p>
-            <a:r>
-              <a:rPr lang="es-ES" i="1" dirty="0"/>
+            <a:endParaRPr lang="es-MX" sz="1400" dirty="0"/>
+          </a:p>
+          <a:p>
+            <a:r>
+              <a:rPr lang="es-ES" sz="1400" i="1" dirty="0"/>
               <a:t>[3] </a:t>
             </a:r>
             <a:r>
-              <a:rPr lang="es-ES" i="1" dirty="0" err="1"/>
+              <a:rPr lang="es-ES" sz="1400" i="1" dirty="0" err="1"/>
               <a:t>Silas</a:t>
             </a:r>
             <a:r>
-              <a:rPr lang="es-ES" i="1" dirty="0"/>
+              <a:rPr lang="es-ES" sz="1400" i="1" dirty="0"/>
               <a:t> Franco dos Reis Alves (2016), "Artificial Neural Networks: A </a:t>
             </a:r>
             <a:r>
-              <a:rPr lang="es-ES" i="1" dirty="0" err="1"/>
+              <a:rPr lang="es-ES" sz="1400" i="1" dirty="0" err="1"/>
               <a:t>Practical</a:t>
             </a:r>
             <a:r>
-              <a:rPr lang="es-ES" i="1" dirty="0"/>
+              <a:rPr lang="es-ES" sz="1400" i="1" dirty="0"/>
               <a:t> </a:t>
             </a:r>
             <a:r>
-              <a:rPr lang="es-ES" i="1" dirty="0" err="1"/>
+              <a:rPr lang="es-ES" sz="1400" i="1" dirty="0" err="1"/>
               <a:t>Course</a:t>
             </a:r>
             <a:r>
-              <a:rPr lang="es-ES" i="1" dirty="0"/>
+              <a:rPr lang="es-ES" sz="1400" i="1" dirty="0"/>
               <a:t>"</a:t>
             </a:r>
-            <a:endParaRPr lang="es-MX" dirty="0"/>
-          </a:p>
-          <a:p>
-            <a:r>
-              <a:rPr lang="es-ES" i="1" dirty="0"/>
+            <a:endParaRPr lang="es-MX" sz="1400" dirty="0"/>
+          </a:p>
+          <a:p>
+            <a:r>
+              <a:rPr lang="es-ES" sz="1400" i="1" dirty="0"/>
               <a:t>[4] Enric Herrera (1984), "Teoría musical y armonía moderna"</a:t>
             </a:r>
-            <a:endParaRPr lang="es-MX" dirty="0"/>
-          </a:p>
-          <a:p>
-            <a:r>
-              <a:rPr lang="es-ES" i="1" dirty="0"/>
+            <a:endParaRPr lang="es-MX" sz="1400" dirty="0"/>
+          </a:p>
+          <a:p>
+            <a:r>
+              <a:rPr lang="es-ES" sz="1400" i="1" dirty="0"/>
               <a:t>[5] Eric Taylor (1989), "</a:t>
             </a:r>
             <a:r>
-              <a:rPr lang="es-ES" i="1" dirty="0" err="1"/>
+              <a:rPr lang="es-ES" sz="1400" i="1" dirty="0" err="1"/>
               <a:t>A.B.Guide</a:t>
             </a:r>
             <a:r>
-              <a:rPr lang="es-ES" i="1" dirty="0"/>
+              <a:rPr lang="es-ES" sz="1400" i="1" dirty="0"/>
               <a:t> to Music </a:t>
             </a:r>
             <a:r>
-              <a:rPr lang="es-ES" i="1" dirty="0" err="1"/>
+              <a:rPr lang="es-ES" sz="1400" i="1" dirty="0" err="1"/>
               <a:t>Theory</a:t>
             </a:r>
             <a:r>
-              <a:rPr lang="es-ES" i="1" dirty="0"/>
+              <a:rPr lang="es-ES" sz="1400" i="1" dirty="0"/>
               <a:t>“</a:t>
             </a:r>
           </a:p>
           <a:p>
             <a:r>
-              <a:rPr lang="es-MX" i="1" dirty="0"/>
+              <a:rPr lang="es-MX" sz="1400" i="1" dirty="0"/>
               <a:t>[6] </a:t>
             </a:r>
             <a:r>
-              <a:rPr lang="en-US" i="1" dirty="0"/>
+              <a:rPr lang="en-US" sz="1400" i="1" dirty="0"/>
               <a:t>Douglas Eck and </a:t>
             </a:r>
             <a:r>
-              <a:rPr lang="en-US" i="1" dirty="0" err="1"/>
+              <a:rPr lang="en-US" sz="1400" i="1" dirty="0" err="1"/>
               <a:t>Jurgen</a:t>
             </a:r>
             <a:r>
-              <a:rPr lang="en-US" i="1" dirty="0"/>
+              <a:rPr lang="en-US" sz="1400" i="1" dirty="0"/>
               <a:t> </a:t>
             </a:r>
             <a:r>
-              <a:rPr lang="en-US" i="1" dirty="0" err="1"/>
+              <a:rPr lang="en-US" sz="1400" i="1" dirty="0" err="1"/>
               <a:t>Schmidhuber</a:t>
             </a:r>
             <a:r>
-              <a:rPr lang="en-US" i="1" dirty="0"/>
+              <a:rPr lang="en-US" sz="1400" i="1" dirty="0"/>
               <a:t> (</a:t>
             </a:r>
             <a:r>
-              <a:rPr lang="es-MX" i="1" dirty="0"/>
+              <a:rPr lang="es-MX" sz="1400" i="1" dirty="0"/>
               <a:t>2002), “</a:t>
             </a:r>
             <a:r>
-              <a:rPr lang="en-US" i="1" dirty="0"/>
+              <a:rPr lang="en-US" sz="1400" i="1" dirty="0"/>
               <a:t>A first look at music composition using </a:t>
             </a:r>
             <a:r>
-              <a:rPr lang="en-US" i="1" dirty="0" err="1"/>
+              <a:rPr lang="en-US" sz="1400" i="1" dirty="0" err="1"/>
               <a:t>lstm</a:t>
             </a:r>
             <a:r>
-              <a:rPr lang="en-US" i="1" dirty="0"/>
+              <a:rPr lang="en-US" sz="1400" i="1" dirty="0"/>
               <a:t> recurrent neural networks. Technical Report No. IDSIA-07-</a:t>
             </a:r>
             <a:r>
-              <a:rPr lang="es-MX" i="1" dirty="0"/>
+              <a:rPr lang="es-MX" sz="1400" i="1" dirty="0"/>
               <a:t>02”</a:t>
             </a:r>
             <a:r>
-              <a:rPr lang="en-US" i="1" dirty="0"/>
+              <a:rPr lang="en-US" sz="1400" i="1" dirty="0"/>
               <a:t> </a:t>
             </a:r>
-            <a:endParaRPr lang="es-MX" i="1" dirty="0"/>
-          </a:p>
-          <a:p>
-            <a:r>
-              <a:rPr lang="es-ES" i="1" dirty="0"/>
+            <a:endParaRPr lang="es-MX" sz="1400" i="1" dirty="0"/>
+          </a:p>
+          <a:p>
+            <a:r>
+              <a:rPr lang="es-ES" sz="1400" i="1" dirty="0"/>
               <a:t>[7] </a:t>
             </a:r>
             <a:r>
-              <a:rPr lang="es-ES" i="1" dirty="0" err="1"/>
+              <a:rPr lang="es-ES" sz="1400" i="1" dirty="0" err="1"/>
               <a:t>Honglak</a:t>
             </a:r>
             <a:r>
-              <a:rPr lang="es-ES" i="1" dirty="0"/>
+              <a:rPr lang="es-ES" sz="1400" i="1" dirty="0"/>
               <a:t> Lee, Yan </a:t>
             </a:r>
             <a:r>
-              <a:rPr lang="es-ES" i="1" dirty="0" err="1"/>
+              <a:rPr lang="es-ES" sz="1400" i="1" dirty="0" err="1"/>
               <a:t>Largman</a:t>
             </a:r>
             <a:r>
-              <a:rPr lang="es-ES" i="1" dirty="0"/>
+              <a:rPr lang="es-ES" sz="1400" i="1" dirty="0"/>
               <a:t>, Peter </a:t>
             </a:r>
             <a:r>
-              <a:rPr lang="es-ES" i="1" dirty="0" err="1"/>
+              <a:rPr lang="es-ES" sz="1400" i="1" dirty="0" err="1"/>
               <a:t>Pham</a:t>
             </a:r>
             <a:r>
-              <a:rPr lang="es-ES" i="1" dirty="0"/>
+              <a:rPr lang="es-ES" sz="1400" i="1" dirty="0"/>
               <a:t>, Andrew Y. </a:t>
             </a:r>
             <a:r>
-              <a:rPr lang="es-ES" i="1" dirty="0" err="1"/>
+              <a:rPr lang="es-ES" sz="1400" i="1" dirty="0" err="1"/>
               <a:t>Ng</a:t>
             </a:r>
-            <a:endParaRPr lang="es-MX" i="1" dirty="0"/>
-          </a:p>
-          <a:p>
-            <a:r>
-              <a:rPr lang="es-ES" i="1" dirty="0"/>
+            <a:endParaRPr lang="es-MX" sz="1400" i="1" dirty="0"/>
+          </a:p>
+          <a:p>
+            <a:r>
+              <a:rPr lang="es-ES" sz="1400" i="1" dirty="0"/>
               <a:t>(2009), “</a:t>
             </a:r>
             <a:r>
-              <a:rPr lang="es-ES" i="1" dirty="0" err="1"/>
+              <a:rPr lang="es-ES" sz="1400" i="1" dirty="0" err="1"/>
               <a:t>Unsupervised</a:t>
             </a:r>
             <a:r>
-              <a:rPr lang="es-ES" i="1" dirty="0"/>
+              <a:rPr lang="es-ES" sz="1400" i="1" dirty="0"/>
               <a:t> </a:t>
             </a:r>
             <a:r>
-              <a:rPr lang="es-ES" i="1" dirty="0" err="1"/>
+              <a:rPr lang="es-ES" sz="1400" i="1" dirty="0" err="1"/>
               <a:t>feature</a:t>
             </a:r>
             <a:r>
-              <a:rPr lang="es-ES" i="1" dirty="0"/>
+              <a:rPr lang="es-ES" sz="1400" i="1" dirty="0"/>
               <a:t> </a:t>
             </a:r>
             <a:r>
-              <a:rPr lang="es-ES" i="1" dirty="0" err="1"/>
+              <a:rPr lang="es-ES" sz="1400" i="1" dirty="0" err="1"/>
               <a:t>learning</a:t>
             </a:r>
             <a:r>
-              <a:rPr lang="es-ES" i="1" dirty="0"/>
+              <a:rPr lang="es-ES" sz="1400" i="1" dirty="0"/>
               <a:t> </a:t>
             </a:r>
             <a:r>
-              <a:rPr lang="es-ES" i="1" dirty="0" err="1"/>
+              <a:rPr lang="es-ES" sz="1400" i="1" dirty="0" err="1"/>
               <a:t>for</a:t>
             </a:r>
             <a:r>
-              <a:rPr lang="es-ES" i="1" dirty="0"/>
+              <a:rPr lang="es-ES" sz="1400" i="1" dirty="0"/>
               <a:t> audio </a:t>
             </a:r>
             <a:r>
-              <a:rPr lang="es-ES" i="1" dirty="0" err="1"/>
+              <a:rPr lang="es-ES" sz="1400" i="1" dirty="0" err="1"/>
               <a:t>classification</a:t>
             </a:r>
             <a:r>
-              <a:rPr lang="es-ES" i="1" dirty="0"/>
+              <a:rPr lang="es-ES" sz="1400" i="1" dirty="0"/>
               <a:t> </a:t>
             </a:r>
             <a:r>
-              <a:rPr lang="es-ES" i="1" dirty="0" err="1"/>
+              <a:rPr lang="es-ES" sz="1400" i="1" dirty="0" err="1"/>
               <a:t>using</a:t>
             </a:r>
             <a:r>
-              <a:rPr lang="es-ES" i="1" dirty="0"/>
+              <a:rPr lang="es-ES" sz="1400" i="1" dirty="0"/>
               <a:t> </a:t>
             </a:r>
             <a:r>
-              <a:rPr lang="es-ES" i="1" dirty="0" err="1"/>
+              <a:rPr lang="es-ES" sz="1400" i="1" dirty="0" err="1"/>
               <a:t>convolutional</a:t>
             </a:r>
             <a:r>
-              <a:rPr lang="es-ES" i="1" dirty="0"/>
+              <a:rPr lang="es-ES" sz="1400" i="1" dirty="0"/>
               <a:t> </a:t>
             </a:r>
             <a:r>
-              <a:rPr lang="es-ES" i="1" dirty="0" err="1"/>
+              <a:rPr lang="es-ES" sz="1400" i="1" dirty="0" err="1"/>
               <a:t>deep</a:t>
             </a:r>
             <a:r>
-              <a:rPr lang="es-ES" i="1" dirty="0"/>
+              <a:rPr lang="es-ES" sz="1400" i="1" dirty="0"/>
               <a:t> </a:t>
             </a:r>
             <a:r>
-              <a:rPr lang="es-ES" i="1" dirty="0" err="1"/>
+              <a:rPr lang="es-ES" sz="1400" i="1" dirty="0" err="1"/>
               <a:t>belief</a:t>
             </a:r>
             <a:r>
-              <a:rPr lang="es-ES" i="1" dirty="0"/>
+              <a:rPr lang="es-ES" sz="1400" i="1" dirty="0"/>
               <a:t> </a:t>
             </a:r>
             <a:r>
-              <a:rPr lang="es-ES" i="1" dirty="0" err="1"/>
+              <a:rPr lang="es-ES" sz="1400" i="1" dirty="0" err="1"/>
               <a:t>networks</a:t>
             </a:r>
             <a:r>
-              <a:rPr lang="es-ES" i="1" dirty="0"/>
+              <a:rPr lang="es-ES" sz="1400" i="1" dirty="0"/>
               <a:t>”</a:t>
             </a:r>
-            <a:endParaRPr lang="es-ES_tradnl" i="1" dirty="0">
+            <a:endParaRPr lang="es-ES_tradnl" sz="1400" i="1" dirty="0">
               <a:solidFill>
                 <a:schemeClr val="tx1">
                   <a:lumMod val="65000"/>
@@ -6500,127 +6500,163 @@
           </a:p>
           <a:p>
             <a:r>
-              <a:rPr lang="es-ES" i="1" dirty="0"/>
+              <a:rPr lang="es-ES" sz="1400" i="1" dirty="0"/>
               <a:t>[8] </a:t>
             </a:r>
             <a:r>
-              <a:rPr lang="es-ES" i="1" dirty="0" err="1"/>
-              <a:t>Aggelos</a:t>
-            </a:r>
-            <a:r>
-              <a:rPr lang="es-ES" i="1" dirty="0"/>
+              <a:rPr lang="en-US" sz="1400" dirty="0"/>
+              <a:t>E. J. Humphrey, J. P. Bello, and Y. </a:t>
+            </a:r>
+            <a:r>
+              <a:rPr lang="en-US" sz="1400" dirty="0" err="1"/>
+              <a:t>Lecun</a:t>
+            </a:r>
+            <a:r>
+              <a:rPr lang="en-US" sz="1400" dirty="0"/>
+              <a:t>, </a:t>
+            </a:r>
+            <a:r>
+              <a:rPr lang="es-ES" sz="1400" i="1" dirty="0"/>
+              <a:t>(2013), "</a:t>
+            </a:r>
+            <a:r>
+              <a:rPr lang="en-US" sz="1400" dirty="0"/>
+              <a:t>Feature learning and deep architectures: New directions for music informatics</a:t>
+            </a:r>
+            <a:r>
+              <a:rPr lang="es-ES" sz="1400" i="1" dirty="0"/>
+              <a:t>"</a:t>
+            </a:r>
+            <a:endParaRPr lang="es-MX" sz="1400" i="1" dirty="0"/>
+          </a:p>
+          <a:p>
+            <a:r>
+              <a:rPr lang="es-ES" sz="1400" i="1" dirty="0"/>
+              <a:t>[9] Allen Huang y </a:t>
+            </a:r>
+            <a:r>
+              <a:rPr lang="es-ES" sz="1400" i="1" dirty="0" err="1"/>
+              <a:t>Raymon</a:t>
+            </a:r>
+            <a:r>
+              <a:rPr lang="es-ES" sz="1400" i="1" dirty="0"/>
+              <a:t> Wu</a:t>
+            </a:r>
+            <a:r>
+              <a:rPr lang="es-MX" sz="1400" i="1" dirty="0"/>
               <a:t> </a:t>
             </a:r>
             <a:r>
-              <a:rPr lang="es-ES" i="1" dirty="0" err="1"/>
-              <a:t>Pikrakis</a:t>
-            </a:r>
-            <a:r>
-              <a:rPr lang="es-ES" i="1" dirty="0"/>
-              <a:t> (2013), "A Deep </a:t>
-            </a:r>
-            <a:r>
-              <a:rPr lang="es-ES" i="1" dirty="0" err="1"/>
+              <a:rPr lang="es-ES" sz="1400" i="1" dirty="0"/>
+              <a:t>(2016), “Deep </a:t>
+            </a:r>
+            <a:r>
+              <a:rPr lang="es-ES" sz="1400" i="1" dirty="0" err="1"/>
               <a:t>Learning</a:t>
             </a:r>
             <a:r>
-              <a:rPr lang="es-ES" i="1" dirty="0"/>
+              <a:rPr lang="es-ES" sz="1400" i="1" dirty="0"/>
               <a:t> </a:t>
             </a:r>
             <a:r>
-              <a:rPr lang="es-ES" i="1" dirty="0" err="1"/>
-              <a:t>Approach</a:t>
-            </a:r>
-            <a:r>
-              <a:rPr lang="es-ES" i="1" dirty="0"/>
-              <a:t> to </a:t>
-            </a:r>
-            <a:r>
-              <a:rPr lang="es-ES" i="1" dirty="0" err="1"/>
-              <a:t>Rhythm</a:t>
-            </a:r>
-            <a:r>
-              <a:rPr lang="es-ES" i="1" dirty="0"/>
-              <a:t> </a:t>
-            </a:r>
-            <a:r>
-              <a:rPr lang="es-ES" i="1" dirty="0" err="1"/>
-              <a:t>Modelling</a:t>
-            </a:r>
-            <a:r>
-              <a:rPr lang="es-ES" i="1" dirty="0"/>
-              <a:t> </a:t>
-            </a:r>
-            <a:r>
-              <a:rPr lang="es-ES" i="1" dirty="0" err="1"/>
-              <a:t>with</a:t>
-            </a:r>
-            <a:r>
-              <a:rPr lang="es-ES" i="1" dirty="0"/>
-              <a:t> </a:t>
-            </a:r>
-            <a:r>
-              <a:rPr lang="es-ES" i="1" dirty="0" err="1"/>
-              <a:t>Applications</a:t>
-            </a:r>
-            <a:r>
-              <a:rPr lang="es-ES" i="1" dirty="0"/>
-              <a:t>"</a:t>
-            </a:r>
-            <a:endParaRPr lang="es-MX" i="1" dirty="0"/>
-          </a:p>
-          <a:p>
-            <a:r>
-              <a:rPr lang="es-ES" i="1" dirty="0"/>
-              <a:t>[9] Allen Huang y </a:t>
-            </a:r>
-            <a:r>
-              <a:rPr lang="es-ES" i="1" dirty="0" err="1"/>
-              <a:t>Raymon</a:t>
-            </a:r>
-            <a:r>
-              <a:rPr lang="es-ES" i="1" dirty="0"/>
-              <a:t> Wu</a:t>
-            </a:r>
-            <a:r>
-              <a:rPr lang="es-MX" i="1" dirty="0"/>
-              <a:t> </a:t>
-            </a:r>
-            <a:r>
-              <a:rPr lang="es-ES" i="1" dirty="0"/>
-              <a:t>(2016), “Deep </a:t>
-            </a:r>
-            <a:r>
-              <a:rPr lang="es-ES" i="1" dirty="0" err="1"/>
-              <a:t>Learning</a:t>
-            </a:r>
-            <a:r>
-              <a:rPr lang="es-ES" i="1" dirty="0"/>
-              <a:t> </a:t>
-            </a:r>
-            <a:r>
-              <a:rPr lang="es-ES" i="1" dirty="0" err="1"/>
+              <a:rPr lang="es-ES" sz="1400" i="1" dirty="0" err="1"/>
               <a:t>for</a:t>
             </a:r>
             <a:r>
-              <a:rPr lang="es-ES" i="1" dirty="0"/>
+              <a:rPr lang="es-ES" sz="1400" i="1" dirty="0"/>
               <a:t> Music”</a:t>
             </a:r>
           </a:p>
           <a:p>
             <a:r>
-              <a:rPr lang="en-US" i="1" dirty="0"/>
-              <a:t>[10] Colin </a:t>
-            </a:r>
-            <a:r>
-              <a:rPr lang="en-US" i="1" dirty="0" err="1"/>
+              <a:rPr lang="es-ES" sz="1400" i="1" dirty="0"/>
+              <a:t>[10] </a:t>
+            </a:r>
+            <a:r>
+              <a:rPr lang="en-US" sz="1400" dirty="0"/>
+              <a:t>J. Pons, O. Nieto, M. </a:t>
+            </a:r>
+            <a:r>
+              <a:rPr lang="en-US" sz="1400" dirty="0" err="1"/>
+              <a:t>Prockup</a:t>
+            </a:r>
+            <a:r>
+              <a:rPr lang="en-US" sz="1400" dirty="0"/>
+              <a:t>, E. M. Schmidt, A. F. Ehmann, X. Serra, </a:t>
+            </a:r>
+            <a:r>
+              <a:rPr lang="es-ES" sz="1400" i="1" dirty="0"/>
+              <a:t>(2017), “</a:t>
+            </a:r>
+            <a:r>
+              <a:rPr lang="en-US" sz="1400" dirty="0"/>
+              <a:t>End-to-end learning for music audio tagging at scale</a:t>
+            </a:r>
+            <a:r>
+              <a:rPr lang="es-ES" sz="1400" i="1" dirty="0"/>
+              <a:t>”</a:t>
+            </a:r>
+          </a:p>
+          <a:p>
+            <a:r>
+              <a:rPr lang="es-ES" sz="1400" i="1" dirty="0"/>
+              <a:t>[11] </a:t>
+            </a:r>
+            <a:r>
+              <a:rPr lang="en-US" sz="1400" dirty="0"/>
+              <a:t>J. </a:t>
+            </a:r>
+            <a:r>
+              <a:rPr lang="en-US" sz="1400" dirty="0" err="1"/>
+              <a:t>Briot</a:t>
+            </a:r>
+            <a:r>
+              <a:rPr lang="en-US" sz="1400" dirty="0"/>
+              <a:t>, G. </a:t>
+            </a:r>
+            <a:r>
+              <a:rPr lang="en-US" sz="1400" dirty="0" err="1"/>
+              <a:t>Hadjeres</a:t>
+            </a:r>
+            <a:r>
+              <a:rPr lang="en-US" sz="1400" dirty="0"/>
+              <a:t>, and F. </a:t>
+            </a:r>
+            <a:r>
+              <a:rPr lang="en-US" sz="1400" dirty="0" err="1"/>
+              <a:t>Pachet</a:t>
+            </a:r>
+            <a:r>
+              <a:rPr lang="en-US" sz="1400" dirty="0"/>
+              <a:t>, </a:t>
+            </a:r>
+            <a:r>
+              <a:rPr lang="es-ES" sz="1400" i="1" dirty="0"/>
+              <a:t>(2017), “</a:t>
+            </a:r>
+            <a:r>
+              <a:rPr lang="en-US" sz="1400" dirty="0"/>
+              <a:t>Deep learning techniques for music generation - A survey</a:t>
+            </a:r>
+            <a:r>
+              <a:rPr lang="es-ES" sz="1400" i="1" dirty="0"/>
+              <a:t>”</a:t>
+            </a:r>
+          </a:p>
+          <a:p>
+            <a:r>
+              <a:rPr lang="en-US" sz="1400" i="1" dirty="0"/>
+              <a:t>[12] Colin </a:t>
+            </a:r>
+            <a:r>
+              <a:rPr lang="en-US" sz="1400" i="1" dirty="0" err="1"/>
               <a:t>Raffel</a:t>
             </a:r>
             <a:r>
-              <a:rPr lang="en-US" i="1" dirty="0"/>
+              <a:rPr lang="en-US" sz="1400" i="1" dirty="0"/>
               <a:t> (2016). "Learning-Based Methods for Comparing Sequences, with Applications to Audio-to-MIDI Alignment and Matching". PhD Thesis.</a:t>
             </a:r>
-            <a:endParaRPr lang="es-ES" i="1" dirty="0"/>
+            <a:endParaRPr lang="es-ES" sz="1400" i="1" dirty="0"/>
           </a:p>
           <a:p>
             <a:endParaRPr lang="es-MX" i="1" dirty="0"/>
@@ -7312,7 +7348,7 @@
         <p:spPr>
           <a:xfrm>
             <a:off x="457200" y="1371600"/>
-            <a:ext cx="5715000" cy="4247317"/>
+            <a:ext cx="7467600" cy="4247317"/>
           </a:xfrm>
           <a:prstGeom prst="rect">
             <a:avLst/>
@@ -7326,76 +7362,6 @@
           <a:lstStyle/>
           <a:p>
             <a:r>
-              <a:rPr lang="es-MX" b="1" dirty="0">
-                <a:latin typeface="+mj-lt"/>
-              </a:rPr>
-              <a:t>2002. “</a:t>
-            </a:r>
-            <a:r>
-              <a:rPr lang="en-US" b="1" dirty="0">
-                <a:latin typeface="+mj-lt"/>
-              </a:rPr>
-              <a:t>A first look at music composition using </a:t>
-            </a:r>
-            <a:r>
-              <a:rPr lang="en-US" b="1" dirty="0" err="1">
-                <a:latin typeface="+mj-lt"/>
-              </a:rPr>
-              <a:t>lstm</a:t>
-            </a:r>
-            <a:r>
-              <a:rPr lang="en-US" b="1" dirty="0">
-                <a:latin typeface="+mj-lt"/>
-              </a:rPr>
-              <a:t> recurrent neural networks. Technical Report No. IDSIA-07-</a:t>
-            </a:r>
-            <a:r>
-              <a:rPr lang="es-MX" b="1" dirty="0">
-                <a:latin typeface="+mj-lt"/>
-              </a:rPr>
-              <a:t>02”, Autores: </a:t>
-            </a:r>
-            <a:r>
-              <a:rPr lang="en-US" b="1" dirty="0">
-                <a:latin typeface="+mj-lt"/>
-              </a:rPr>
-              <a:t>Douglas Eck and </a:t>
-            </a:r>
-            <a:r>
-              <a:rPr lang="en-US" b="1" dirty="0" err="1">
-                <a:latin typeface="+mj-lt"/>
-              </a:rPr>
-              <a:t>Jurgen</a:t>
-            </a:r>
-            <a:r>
-              <a:rPr lang="en-US" b="1" dirty="0">
-                <a:latin typeface="+mj-lt"/>
-              </a:rPr>
-              <a:t> </a:t>
-            </a:r>
-            <a:r>
-              <a:rPr lang="en-US" b="1" dirty="0" err="1">
-                <a:latin typeface="+mj-lt"/>
-              </a:rPr>
-              <a:t>Schmidhuber</a:t>
-            </a:r>
-            <a:r>
-              <a:rPr lang="en-US" b="1" dirty="0">
-                <a:latin typeface="+mj-lt"/>
-              </a:rPr>
-              <a:t>. </a:t>
-            </a:r>
-            <a:endParaRPr lang="es-MX" b="1" dirty="0">
-              <a:latin typeface="+mj-lt"/>
-            </a:endParaRPr>
-          </a:p>
-          <a:p>
-            <a:endParaRPr lang="es-ES" b="1" dirty="0">
-              <a:latin typeface="+mj-lt"/>
-            </a:endParaRPr>
-          </a:p>
-          <a:p>
-            <a:r>
               <a:rPr lang="es-ES" b="1" dirty="0">
                 <a:latin typeface="+mj-lt"/>
               </a:rPr>
@@ -7531,19 +7497,7 @@
               <a:rPr lang="es-ES" b="1" dirty="0">
                 <a:latin typeface="+mj-lt"/>
               </a:rPr>
-              <a:t> Lee, </a:t>
-            </a:r>
-            <a:r>
-              <a:rPr lang="es-ES" b="1" dirty="0" err="1">
-                <a:latin typeface="+mj-lt"/>
-              </a:rPr>
-              <a:t>Yan</a:t>
-            </a:r>
-            <a:r>
-              <a:rPr lang="es-ES" b="1" dirty="0">
-                <a:latin typeface="+mj-lt"/>
-              </a:rPr>
-              <a:t> </a:t>
+              <a:t> Lee, Yan </a:t>
             </a:r>
             <a:r>
               <a:rPr lang="es-ES" b="1" dirty="0" err="1">
@@ -7596,99 +7550,39 @@
               <a:rPr lang="es-ES" b="1" dirty="0">
                 <a:latin typeface="+mj-lt"/>
               </a:rPr>
-              <a:t>2013, "A Deep </a:t>
-            </a:r>
-            <a:r>
-              <a:rPr lang="es-ES" b="1" dirty="0" err="1">
+              <a:t>2013, “</a:t>
+            </a:r>
+            <a:r>
+              <a:rPr lang="en-US" b="1" dirty="0">
                 <a:latin typeface="+mj-lt"/>
               </a:rPr>
-              <a:t>Learning</a:t>
-            </a:r>
-            <a:r>
-              <a:rPr lang="es-ES" b="1" dirty="0">
+              <a:t>Feature Learning and Deep Architectures: New Directions for Music Informatics”, </a:t>
+            </a:r>
+            <a:r>
+              <a:rPr lang="en-US" b="1" dirty="0" err="1">
                 <a:latin typeface="+mj-lt"/>
               </a:rPr>
-              <a:t> </a:t>
-            </a:r>
-            <a:r>
-              <a:rPr lang="es-ES" b="1" dirty="0" err="1">
+              <a:t>Autores</a:t>
+            </a:r>
+            <a:r>
+              <a:rPr lang="en-US" b="1" dirty="0">
                 <a:latin typeface="+mj-lt"/>
               </a:rPr>
-              <a:t>Approach</a:t>
-            </a:r>
-            <a:r>
-              <a:rPr lang="es-ES" b="1" dirty="0">
-                <a:latin typeface="+mj-lt"/>
-              </a:rPr>
-              <a:t> to </a:t>
-            </a:r>
-            <a:r>
-              <a:rPr lang="es-ES" b="1" dirty="0" err="1">
-                <a:latin typeface="+mj-lt"/>
-              </a:rPr>
-              <a:t>Rhythm</a:t>
-            </a:r>
-            <a:r>
-              <a:rPr lang="es-ES" b="1" dirty="0">
-                <a:latin typeface="+mj-lt"/>
-              </a:rPr>
-              <a:t> </a:t>
-            </a:r>
-            <a:r>
-              <a:rPr lang="es-ES" b="1" dirty="0" err="1">
-                <a:latin typeface="+mj-lt"/>
-              </a:rPr>
-              <a:t>Modelling</a:t>
-            </a:r>
-            <a:r>
-              <a:rPr lang="es-ES" b="1" dirty="0">
-                <a:latin typeface="+mj-lt"/>
-              </a:rPr>
-              <a:t> </a:t>
-            </a:r>
-            <a:r>
-              <a:rPr lang="es-ES" b="1" dirty="0" err="1">
-                <a:latin typeface="+mj-lt"/>
-              </a:rPr>
-              <a:t>with</a:t>
-            </a:r>
-            <a:r>
-              <a:rPr lang="es-ES" b="1" dirty="0">
-                <a:latin typeface="+mj-lt"/>
-              </a:rPr>
-              <a:t> </a:t>
-            </a:r>
-            <a:r>
-              <a:rPr lang="es-ES" b="1" dirty="0" err="1">
-                <a:latin typeface="+mj-lt"/>
-              </a:rPr>
-              <a:t>Applications</a:t>
-            </a:r>
-            <a:r>
-              <a:rPr lang="es-ES" b="1" dirty="0">
-                <a:latin typeface="+mj-lt"/>
-              </a:rPr>
-              <a:t>" Autor: </a:t>
-            </a:r>
-            <a:r>
-              <a:rPr lang="es-ES" b="1" dirty="0" err="1">
-                <a:latin typeface="+mj-lt"/>
-              </a:rPr>
-              <a:t>Aggelos</a:t>
-            </a:r>
-            <a:r>
-              <a:rPr lang="es-ES" b="1" dirty="0">
-                <a:latin typeface="+mj-lt"/>
-              </a:rPr>
-              <a:t> </a:t>
-            </a:r>
-            <a:r>
-              <a:rPr lang="es-ES" b="1" dirty="0" err="1">
-                <a:latin typeface="+mj-lt"/>
-              </a:rPr>
-              <a:t>Pikrakis</a:t>
-            </a:r>
-            <a:endParaRPr lang="es-MX" b="1" dirty="0">
+              <a:t>: </a:t>
+            </a:r>
+            <a:r>
+              <a:rPr lang="en-US" b="1" dirty="0"/>
+              <a:t>E. J. Humphrey, J. P. Bello, and Y. </a:t>
+            </a:r>
+            <a:r>
+              <a:rPr lang="en-US" b="1" dirty="0" err="1"/>
+              <a:t>Lecun</a:t>
+            </a:r>
+            <a:r>
+              <a:rPr lang="en-US" b="1" dirty="0"/>
+              <a:t>.</a:t>
+            </a:r>
+            <a:endParaRPr lang="en-US" b="1" dirty="0">
               <a:latin typeface="+mj-lt"/>
             </a:endParaRPr>
           </a:p>
@@ -7733,49 +7627,108 @@
               <a:rPr lang="es-ES" b="1" dirty="0">
                 <a:latin typeface="+mj-lt"/>
               </a:rPr>
-              <a:t> </a:t>
+              <a:t> Music”, Autores: Allen Huang y </a:t>
             </a:r>
             <a:r>
               <a:rPr lang="es-ES" b="1" dirty="0" err="1">
                 <a:latin typeface="+mj-lt"/>
               </a:rPr>
-              <a:t>Music</a:t>
+              <a:t>Raymon</a:t>
             </a:r>
             <a:r>
               <a:rPr lang="es-ES" b="1" dirty="0">
                 <a:latin typeface="+mj-lt"/>
               </a:rPr>
-              <a:t>”, Autores: Allen </a:t>
-            </a:r>
-            <a:r>
-              <a:rPr lang="es-ES" b="1" dirty="0" err="1">
-                <a:latin typeface="+mj-lt"/>
-              </a:rPr>
-              <a:t>Huang</a:t>
-            </a:r>
-            <a:r>
-              <a:rPr lang="es-ES" b="1" dirty="0">
-                <a:latin typeface="+mj-lt"/>
-              </a:rPr>
-              <a:t> y </a:t>
-            </a:r>
-            <a:r>
-              <a:rPr lang="es-ES" b="1" dirty="0" err="1">
-                <a:latin typeface="+mj-lt"/>
-              </a:rPr>
-              <a:t>Raymon</a:t>
-            </a:r>
-            <a:r>
-              <a:rPr lang="es-ES" b="1" dirty="0">
-                <a:latin typeface="+mj-lt"/>
-              </a:rPr>
-              <a:t> </a:t>
-            </a:r>
-            <a:r>
-              <a:rPr lang="es-ES" b="1" dirty="0" err="1">
-                <a:latin typeface="+mj-lt"/>
-              </a:rPr>
-              <a:t>Wu</a:t>
+              <a:t> Wu</a:t>
+            </a:r>
+          </a:p>
+          <a:p>
+            <a:endParaRPr lang="es-ES" b="1" dirty="0">
+              <a:latin typeface="+mj-lt"/>
+            </a:endParaRPr>
+          </a:p>
+          <a:p>
+            <a:r>
+              <a:rPr lang="en-US" b="1" dirty="0">
+                <a:cs typeface="Arial"/>
+              </a:rPr>
+              <a:t>2017, “End-to-end learning for music audio tagging at scale”, </a:t>
+            </a:r>
+            <a:r>
+              <a:rPr lang="en-US" b="1" dirty="0" err="1">
+                <a:cs typeface="Arial"/>
+              </a:rPr>
+              <a:t>Autores</a:t>
+            </a:r>
+            <a:r>
+              <a:rPr lang="en-US" b="1" dirty="0">
+                <a:cs typeface="Arial"/>
+              </a:rPr>
+              <a:t>: </a:t>
+            </a:r>
+            <a:r>
+              <a:rPr lang="en-US" b="1" dirty="0"/>
+              <a:t>J. Pons, O. Nieto, M. </a:t>
+            </a:r>
+            <a:r>
+              <a:rPr lang="en-US" b="1" dirty="0" err="1"/>
+              <a:t>Prockup</a:t>
+            </a:r>
+            <a:r>
+              <a:rPr lang="en-US" b="1" dirty="0"/>
+              <a:t>, E. M. Schmidt, A. F. Ehmann, X. Serra,</a:t>
+            </a:r>
+            <a:endParaRPr lang="en-US" b="1" dirty="0">
+              <a:cs typeface="Arial"/>
+            </a:endParaRPr>
+          </a:p>
+          <a:p>
+            <a:endParaRPr lang="es-ES" b="1" dirty="0">
+              <a:latin typeface="+mj-lt"/>
+            </a:endParaRPr>
+          </a:p>
+          <a:p>
+            <a:r>
+              <a:rPr lang="en-US" b="1" dirty="0"/>
+              <a:t>2017, “Deep Learning Techniques for Music Generation - A</a:t>
+            </a:r>
+          </a:p>
+          <a:p>
+            <a:r>
+              <a:rPr lang="en-US" b="1" dirty="0"/>
+              <a:t>Survey”, </a:t>
+            </a:r>
+            <a:r>
+              <a:rPr lang="en-US" b="1" dirty="0" err="1"/>
+              <a:t>Autores</a:t>
+            </a:r>
+            <a:r>
+              <a:rPr lang="en-US" b="1" dirty="0"/>
+              <a:t>: J. </a:t>
+            </a:r>
+            <a:r>
+              <a:rPr lang="en-US" b="1" dirty="0" err="1"/>
+              <a:t>Briot</a:t>
+            </a:r>
+            <a:r>
+              <a:rPr lang="en-US" b="1" dirty="0"/>
+              <a:t>, G. </a:t>
+            </a:r>
+            <a:r>
+              <a:rPr lang="en-US" b="1" dirty="0" err="1"/>
+              <a:t>Hadjeres</a:t>
+            </a:r>
+            <a:r>
+              <a:rPr lang="en-US" b="1" dirty="0"/>
+              <a:t>, F. </a:t>
+            </a:r>
+            <a:r>
+              <a:rPr lang="en-US" b="1" dirty="0" err="1"/>
+              <a:t>Pachet</a:t>
+            </a:r>
+            <a:r>
+              <a:rPr lang="en-US" b="1" dirty="0"/>
+              <a:t>.</a:t>
             </a:r>
             <a:endParaRPr lang="es-MX" b="1" dirty="0">
               <a:latin typeface="+mj-lt"/>

--- a/documentos/Presentacion.pptx
+++ b/documentos/Presentacion.pptx
@@ -2427,7 +2427,7 @@
           <a:p>
             <a:pPr algn="ctr"/>
             <a:r>
-              <a:rPr lang="es-ES_tradnl" sz="2800" b="1" dirty="0">
+              <a:rPr lang="en-US" sz="2800" b="1" dirty="0" err="1">
                 <a:solidFill>
                   <a:schemeClr val="tx1">
                     <a:lumMod val="65000"/>
@@ -2437,10 +2437,10 @@
                 <a:latin typeface="Arial"/>
                 <a:cs typeface="Arial"/>
               </a:rPr>
-              <a:t>Uso de Deep </a:t>
-            </a:r>
-            <a:r>
-              <a:rPr lang="es-ES_tradnl" sz="2800" b="1" dirty="0" err="1">
+              <a:t>Composición</a:t>
+            </a:r>
+            <a:r>
+              <a:rPr lang="en-US" sz="2800" b="1" dirty="0">
                 <a:solidFill>
                   <a:schemeClr val="tx1">
                     <a:lumMod val="65000"/>
@@ -2450,10 +2450,10 @@
                 <a:latin typeface="Arial"/>
                 <a:cs typeface="Arial"/>
               </a:rPr>
-              <a:t>Learning</a:t>
-            </a:r>
-            <a:r>
-              <a:rPr lang="es-ES_tradnl" sz="2800" b="1" dirty="0">
+              <a:t> Musical </a:t>
+            </a:r>
+            <a:r>
+              <a:rPr lang="en-US" sz="2800" b="1" dirty="0" err="1">
                 <a:solidFill>
                   <a:schemeClr val="tx1">
                     <a:lumMod val="65000"/>
@@ -2463,7 +2463,20 @@
                 <a:latin typeface="Arial"/>
                 <a:cs typeface="Arial"/>
               </a:rPr>
-              <a:t> para composición musical </a:t>
+              <a:t>utilizando</a:t>
+            </a:r>
+            <a:r>
+              <a:rPr lang="en-US" sz="2800" b="1" dirty="0">
+                <a:solidFill>
+                  <a:schemeClr val="tx1">
+                    <a:lumMod val="65000"/>
+                    <a:lumOff val="35000"/>
+                  </a:schemeClr>
+                </a:solidFill>
+                <a:latin typeface="Arial"/>
+                <a:cs typeface="Arial"/>
+              </a:rPr>
+              <a:t> redes de Deep Learning Long Short Term Memory</a:t>
             </a:r>
           </a:p>
           <a:p>

--- a/documentos/Presentacion.pptx
+++ b/documentos/Presentacion.pptx
@@ -22,16 +22,17 @@
     <p:sldId id="288" r:id="rId16"/>
     <p:sldId id="279" r:id="rId17"/>
     <p:sldId id="301" r:id="rId18"/>
-    <p:sldId id="298" r:id="rId19"/>
-    <p:sldId id="280" r:id="rId20"/>
-    <p:sldId id="294" r:id="rId21"/>
-    <p:sldId id="295" r:id="rId22"/>
-    <p:sldId id="296" r:id="rId23"/>
-    <p:sldId id="297" r:id="rId24"/>
-    <p:sldId id="289" r:id="rId25"/>
-    <p:sldId id="281" r:id="rId26"/>
-    <p:sldId id="282" r:id="rId27"/>
-    <p:sldId id="271" r:id="rId28"/>
+    <p:sldId id="280" r:id="rId19"/>
+    <p:sldId id="294" r:id="rId20"/>
+    <p:sldId id="295" r:id="rId21"/>
+    <p:sldId id="296" r:id="rId22"/>
+    <p:sldId id="297" r:id="rId23"/>
+    <p:sldId id="289" r:id="rId24"/>
+    <p:sldId id="281" r:id="rId25"/>
+    <p:sldId id="282" r:id="rId26"/>
+    <p:sldId id="302" r:id="rId27"/>
+    <p:sldId id="298" r:id="rId28"/>
+    <p:sldId id="271" r:id="rId29"/>
   </p:sldIdLst>
   <p:sldSz cx="9144000" cy="6858000" type="screen4x3"/>
   <p:notesSz cx="6858000" cy="9144000"/>
@@ -1870,7 +1871,7 @@
             </a:lvl9pPr>
           </a:lstStyle>
           <a:p>
-            <a:endParaRPr lang="es-ES_tradnl"/>
+            <a:endParaRPr lang="es-ES_tradnl" dirty="0"/>
           </a:p>
         </p:txBody>
       </p:sp>
@@ -2280,7 +2281,7 @@
           <a:bodyPr/>
           <a:lstStyle/>
           <a:p>
-            <a:endParaRPr lang="es-ES_tradnl"/>
+            <a:endParaRPr lang="es-ES_tradnl" dirty="0"/>
           </a:p>
         </p:txBody>
       </p:sp>
@@ -2299,7 +2300,7 @@
           <a:bodyPr/>
           <a:lstStyle/>
           <a:p>
-            <a:endParaRPr lang="es-ES_tradnl"/>
+            <a:endParaRPr lang="es-ES_tradnl" dirty="0"/>
           </a:p>
         </p:txBody>
       </p:sp>
@@ -2402,7 +2403,7 @@
           <p:cNvPr id="7" name="CuadroTexto 6">
             <a:extLst>
               <a:ext uri="{FF2B5EF4-FFF2-40B4-BE49-F238E27FC236}">
-                <a16:creationId xmlns:a16="http://schemas.microsoft.com/office/drawing/2014/main" id="{8E8A2F3C-924F-4B61-BD56-B083494DB9BE}"/>
+                <a16:creationId xmlns="" xmlns:a16="http://schemas.microsoft.com/office/drawing/2014/main" id="{8E8A2F3C-924F-4B61-BD56-B083494DB9BE}"/>
               </a:ext>
             </a:extLst>
           </p:cNvPr>
@@ -2427,7 +2428,7 @@
           <a:p>
             <a:pPr algn="ctr"/>
             <a:r>
-              <a:rPr lang="en-US" sz="2800" b="1" dirty="0" err="1">
+              <a:rPr lang="es-MX" sz="2800" b="1" dirty="0" smtClean="0">
                 <a:solidFill>
                   <a:schemeClr val="tx1">
                     <a:lumMod val="65000"/>
@@ -2440,7 +2441,7 @@
               <a:t>Composición</a:t>
             </a:r>
             <a:r>
-              <a:rPr lang="en-US" sz="2800" b="1" dirty="0">
+              <a:rPr lang="en-US" sz="2800" b="1" dirty="0" smtClean="0">
                 <a:solidFill>
                   <a:schemeClr val="tx1">
                     <a:lumMod val="65000"/>
@@ -2450,10 +2451,10 @@
                 <a:latin typeface="Arial"/>
                 <a:cs typeface="Arial"/>
               </a:rPr>
-              <a:t> Musical </a:t>
-            </a:r>
-            <a:r>
-              <a:rPr lang="en-US" sz="2800" b="1" dirty="0" err="1">
+              <a:t> </a:t>
+            </a:r>
+            <a:r>
+              <a:rPr lang="en-US" sz="2800" b="1" dirty="0">
                 <a:solidFill>
                   <a:schemeClr val="tx1">
                     <a:lumMod val="65000"/>
@@ -2463,10 +2464,10 @@
                 <a:latin typeface="Arial"/>
                 <a:cs typeface="Arial"/>
               </a:rPr>
-              <a:t>utilizando</a:t>
-            </a:r>
-            <a:r>
-              <a:rPr lang="en-US" sz="2800" b="1" dirty="0">
+              <a:t>Musical </a:t>
+            </a:r>
+            <a:r>
+              <a:rPr lang="es-MX" sz="2800" b="1" dirty="0" smtClean="0">
                 <a:solidFill>
                   <a:schemeClr val="tx1">
                     <a:lumMod val="65000"/>
@@ -2476,7 +2477,33 @@
                 <a:latin typeface="Arial"/>
                 <a:cs typeface="Arial"/>
               </a:rPr>
-              <a:t> redes de Deep Learning Long Short Term Memory</a:t>
+              <a:t>utilizando</a:t>
+            </a:r>
+            <a:r>
+              <a:rPr lang="en-US" sz="2800" b="1" dirty="0" smtClean="0">
+                <a:solidFill>
+                  <a:schemeClr val="tx1">
+                    <a:lumMod val="65000"/>
+                    <a:lumOff val="35000"/>
+                  </a:schemeClr>
+                </a:solidFill>
+                <a:latin typeface="Arial"/>
+                <a:cs typeface="Arial"/>
+              </a:rPr>
+              <a:t> </a:t>
+            </a:r>
+            <a:r>
+              <a:rPr lang="en-US" sz="2800" b="1" dirty="0">
+                <a:solidFill>
+                  <a:schemeClr val="tx1">
+                    <a:lumMod val="65000"/>
+                    <a:lumOff val="35000"/>
+                  </a:schemeClr>
+                </a:solidFill>
+                <a:latin typeface="Arial"/>
+                <a:cs typeface="Arial"/>
+              </a:rPr>
+              <a:t>redes de Deep Learning Long Short Term Memory</a:t>
             </a:r>
           </a:p>
           <a:p>
@@ -2612,7 +2639,7 @@
           <p:cNvPr id="3" name="Picture 2">
             <a:extLst>
               <a:ext uri="{FF2B5EF4-FFF2-40B4-BE49-F238E27FC236}">
-                <a16:creationId xmlns:a16="http://schemas.microsoft.com/office/drawing/2014/main" id="{10FBC7A3-C69A-4F97-9FF0-DBFC31A21EA8}"/>
+                <a16:creationId xmlns="" xmlns:a16="http://schemas.microsoft.com/office/drawing/2014/main" id="{10FBC7A3-C69A-4F97-9FF0-DBFC31A21EA8}"/>
               </a:ext>
             </a:extLst>
           </p:cNvPr>
@@ -2736,29 +2763,8 @@
                 <a:latin typeface="Arial"/>
                 <a:cs typeface="Arial"/>
               </a:rPr>
-              <a:t>Algoritmo de </a:t>
-            </a:r>
-            <a:r>
-              <a:rPr lang="es-ES_tradnl" sz="2000" b="1" dirty="0" err="1">
-                <a:solidFill>
-                  <a:schemeClr val="accent2">
-                    <a:lumMod val="75000"/>
-                  </a:schemeClr>
-                </a:solidFill>
-                <a:latin typeface="Arial"/>
-                <a:cs typeface="Arial"/>
-              </a:rPr>
-              <a:t>Krumhansl-Schmuckler</a:t>
-            </a:r>
-            <a:endParaRPr lang="es-ES_tradnl" sz="2000" b="1" dirty="0">
-              <a:solidFill>
-                <a:schemeClr val="accent2">
-                  <a:lumMod val="75000"/>
-                </a:schemeClr>
-              </a:solidFill>
-              <a:latin typeface="Arial"/>
-              <a:cs typeface="Arial"/>
-            </a:endParaRPr>
+              <a:t>Algoritmo de Krumhansl-Schmuckler</a:t>
+            </a:r>
           </a:p>
           <a:p>
             <a:endParaRPr lang="es-ES_tradnl" dirty="0">
@@ -2779,7 +2785,7 @@
           <p:cNvPr id="8" name="CuadroTexto 3">
             <a:extLst>
               <a:ext uri="{FF2B5EF4-FFF2-40B4-BE49-F238E27FC236}">
-                <a16:creationId xmlns:a16="http://schemas.microsoft.com/office/drawing/2014/main" id="{F857FDB5-5A18-45B5-A030-98C5919DD5B2}"/>
+                <a16:creationId xmlns="" xmlns:a16="http://schemas.microsoft.com/office/drawing/2014/main" id="{F857FDB5-5A18-45B5-A030-98C5919DD5B2}"/>
               </a:ext>
             </a:extLst>
           </p:cNvPr>
@@ -2823,7 +2829,7 @@
           <p:cNvPr id="2" name="Picture 1">
             <a:extLst>
               <a:ext uri="{FF2B5EF4-FFF2-40B4-BE49-F238E27FC236}">
-                <a16:creationId xmlns:a16="http://schemas.microsoft.com/office/drawing/2014/main" id="{A4441CAE-13F6-460E-B312-B58CB57C142C}"/>
+                <a16:creationId xmlns="" xmlns:a16="http://schemas.microsoft.com/office/drawing/2014/main" id="{A4441CAE-13F6-460E-B312-B58CB57C142C}"/>
               </a:ext>
             </a:extLst>
           </p:cNvPr>
@@ -2853,7 +2859,7 @@
           <p:cNvPr id="5" name="Picture 4">
             <a:extLst>
               <a:ext uri="{FF2B5EF4-FFF2-40B4-BE49-F238E27FC236}">
-                <a16:creationId xmlns:a16="http://schemas.microsoft.com/office/drawing/2014/main" id="{B520915B-7CB4-4C2D-8298-8E000F11C4A9}"/>
+                <a16:creationId xmlns="" xmlns:a16="http://schemas.microsoft.com/office/drawing/2014/main" id="{B520915B-7CB4-4C2D-8298-8E000F11C4A9}"/>
               </a:ext>
             </a:extLst>
           </p:cNvPr>
@@ -3073,7 +3079,7 @@
           <p:cNvPr id="5" name="Picture 4">
             <a:extLst>
               <a:ext uri="{FF2B5EF4-FFF2-40B4-BE49-F238E27FC236}">
-                <a16:creationId xmlns:a16="http://schemas.microsoft.com/office/drawing/2014/main" id="{EE11DA68-4536-4089-A68C-374F9520D9DF}"/>
+                <a16:creationId xmlns="" xmlns:a16="http://schemas.microsoft.com/office/drawing/2014/main" id="{EE11DA68-4536-4089-A68C-374F9520D9DF}"/>
               </a:ext>
             </a:extLst>
           </p:cNvPr>
@@ -3170,7 +3176,7 @@
           <p:cNvPr id="3" name="Picture 2">
             <a:extLst>
               <a:ext uri="{FF2B5EF4-FFF2-40B4-BE49-F238E27FC236}">
-                <a16:creationId xmlns:a16="http://schemas.microsoft.com/office/drawing/2014/main" id="{82887434-D1AC-4D0D-B548-26F4BFAF9E8F}"/>
+                <a16:creationId xmlns="" xmlns:a16="http://schemas.microsoft.com/office/drawing/2014/main" id="{82887434-D1AC-4D0D-B548-26F4BFAF9E8F}"/>
               </a:ext>
             </a:extLst>
           </p:cNvPr>
@@ -3317,7 +3323,7 @@
           <p:cNvPr id="4" name="Picture 3">
             <a:extLst>
               <a:ext uri="{FF2B5EF4-FFF2-40B4-BE49-F238E27FC236}">
-                <a16:creationId xmlns:a16="http://schemas.microsoft.com/office/drawing/2014/main" id="{0824EAFE-448B-497F-B14E-735A05B5363C}"/>
+                <a16:creationId xmlns="" xmlns:a16="http://schemas.microsoft.com/office/drawing/2014/main" id="{0824EAFE-448B-497F-B14E-735A05B5363C}"/>
               </a:ext>
             </a:extLst>
           </p:cNvPr>
@@ -3436,21 +3442,7 @@
                 <a:latin typeface="Arial"/>
                 <a:cs typeface="Arial"/>
               </a:rPr>
-              <a:t>El </a:t>
-            </a:r>
-            <a:r>
-              <a:rPr lang="es-ES_tradnl" dirty="0" err="1">
-                <a:latin typeface="Arial"/>
-                <a:cs typeface="Arial"/>
-              </a:rPr>
-              <a:t>dataset</a:t>
-            </a:r>
-            <a:r>
-              <a:rPr lang="es-ES_tradnl" dirty="0">
-                <a:latin typeface="Arial"/>
-                <a:cs typeface="Arial"/>
-              </a:rPr>
-              <a:t> usado en este proyecto se llama:</a:t>
+              <a:t>El dataset usado en este proyecto se llama:</a:t>
             </a:r>
           </a:p>
           <a:p>
@@ -3459,23 +3451,7 @@
           <a:p>
             <a:r>
               <a:rPr lang="es-MX" dirty="0"/>
-              <a:t>“</a:t>
-            </a:r>
-            <a:r>
-              <a:rPr lang="es-MX" dirty="0" err="1"/>
-              <a:t>Clean</a:t>
-            </a:r>
-            <a:r>
-              <a:rPr lang="es-MX" dirty="0"/>
-              <a:t> MIDI </a:t>
-            </a:r>
-            <a:r>
-              <a:rPr lang="es-MX" dirty="0" err="1"/>
-              <a:t>subset</a:t>
-            </a:r>
-            <a:r>
-              <a:rPr lang="es-MX" dirty="0"/>
-              <a:t>”</a:t>
+              <a:t>“Clean MIDI subset”</a:t>
             </a:r>
           </a:p>
           <a:p>
@@ -3594,7 +3570,7 @@
           <p:cNvPr id="5" name="CuadroTexto 3">
             <a:extLst>
               <a:ext uri="{FF2B5EF4-FFF2-40B4-BE49-F238E27FC236}">
-                <a16:creationId xmlns:a16="http://schemas.microsoft.com/office/drawing/2014/main" id="{9EE19F5F-8855-4511-9860-BE0D2422F115}"/>
+                <a16:creationId xmlns="" xmlns:a16="http://schemas.microsoft.com/office/drawing/2014/main" id="{9EE19F5F-8855-4511-9860-BE0D2422F115}"/>
               </a:ext>
             </a:extLst>
           </p:cNvPr>
@@ -3618,7 +3594,7 @@
           <a:lstStyle/>
           <a:p>
             <a:r>
-              <a:rPr lang="es-ES_tradnl" sz="2000" b="1" dirty="0" err="1">
+              <a:rPr lang="es-ES_tradnl" sz="2000" b="1" dirty="0">
                 <a:solidFill>
                   <a:schemeClr val="accent2">
                     <a:lumMod val="75000"/>
@@ -3629,15 +3605,6 @@
               </a:rPr>
               <a:t>Dataset</a:t>
             </a:r>
-            <a:endParaRPr lang="es-ES_tradnl" sz="2000" b="1" dirty="0">
-              <a:solidFill>
-                <a:schemeClr val="accent2">
-                  <a:lumMod val="75000"/>
-                </a:schemeClr>
-              </a:solidFill>
-              <a:latin typeface="Arial"/>
-              <a:cs typeface="Arial"/>
-            </a:endParaRPr>
           </a:p>
           <a:p>
             <a:endParaRPr lang="es-ES_tradnl" dirty="0">
@@ -3725,7 +3692,7 @@
           <p:cNvPr id="2" name="Picture 1">
             <a:extLst>
               <a:ext uri="{FF2B5EF4-FFF2-40B4-BE49-F238E27FC236}">
-                <a16:creationId xmlns:a16="http://schemas.microsoft.com/office/drawing/2014/main" id="{7F2A39D2-55C6-4546-925A-C78FD89E80B6}"/>
+                <a16:creationId xmlns="" xmlns:a16="http://schemas.microsoft.com/office/drawing/2014/main" id="{7F2A39D2-55C6-4546-925A-C78FD89E80B6}"/>
               </a:ext>
             </a:extLst>
           </p:cNvPr>
@@ -3755,7 +3722,7 @@
           <p:cNvPr id="3" name="Picture 2">
             <a:extLst>
               <a:ext uri="{FF2B5EF4-FFF2-40B4-BE49-F238E27FC236}">
-                <a16:creationId xmlns:a16="http://schemas.microsoft.com/office/drawing/2014/main" id="{F5AB56C1-915B-4E50-9258-F2E124001A1D}"/>
+                <a16:creationId xmlns="" xmlns:a16="http://schemas.microsoft.com/office/drawing/2014/main" id="{F5AB56C1-915B-4E50-9258-F2E124001A1D}"/>
               </a:ext>
             </a:extLst>
           </p:cNvPr>
@@ -3815,7 +3782,7 @@
           <p:cNvPr id="2" name="Title 1">
             <a:extLst>
               <a:ext uri="{FF2B5EF4-FFF2-40B4-BE49-F238E27FC236}">
-                <a16:creationId xmlns:a16="http://schemas.microsoft.com/office/drawing/2014/main" id="{47AFA94F-B6CB-49C1-98C2-503B2DF8D1BF}"/>
+                <a16:creationId xmlns="" xmlns:a16="http://schemas.microsoft.com/office/drawing/2014/main" id="{47AFA94F-B6CB-49C1-98C2-503B2DF8D1BF}"/>
               </a:ext>
             </a:extLst>
           </p:cNvPr>
@@ -3857,7 +3824,7 @@
           <p:cNvPr id="1026" name="Picture 2" descr="Resultado de imagen para aws">
             <a:extLst>
               <a:ext uri="{FF2B5EF4-FFF2-40B4-BE49-F238E27FC236}">
-                <a16:creationId xmlns:a16="http://schemas.microsoft.com/office/drawing/2014/main" id="{D3C7A734-3EFF-4ED9-A490-0E37605D7ACB}"/>
+                <a16:creationId xmlns="" xmlns:a16="http://schemas.microsoft.com/office/drawing/2014/main" id="{D3C7A734-3EFF-4ED9-A490-0E37605D7ACB}"/>
               </a:ext>
             </a:extLst>
           </p:cNvPr>
@@ -3906,7 +3873,7 @@
           <p:cNvPr id="1028" name="Picture 4" descr="Resultado de imagen para aws">
             <a:extLst>
               <a:ext uri="{FF2B5EF4-FFF2-40B4-BE49-F238E27FC236}">
-                <a16:creationId xmlns:a16="http://schemas.microsoft.com/office/drawing/2014/main" id="{306E378A-B74C-41EF-82D2-C152335F4295}"/>
+                <a16:creationId xmlns="" xmlns:a16="http://schemas.microsoft.com/office/drawing/2014/main" id="{306E378A-B74C-41EF-82D2-C152335F4295}"/>
               </a:ext>
             </a:extLst>
           </p:cNvPr>
@@ -3953,7 +3920,7 @@
           <p:cNvPr id="1030" name="Picture 6" descr="Resultado de imagen para nvidia">
             <a:extLst>
               <a:ext uri="{FF2B5EF4-FFF2-40B4-BE49-F238E27FC236}">
-                <a16:creationId xmlns:a16="http://schemas.microsoft.com/office/drawing/2014/main" id="{5B56F547-63E5-4D6C-9AD2-5CD7BA8D9190}"/>
+                <a16:creationId xmlns="" xmlns:a16="http://schemas.microsoft.com/office/drawing/2014/main" id="{5B56F547-63E5-4D6C-9AD2-5CD7BA8D9190}"/>
               </a:ext>
             </a:extLst>
           </p:cNvPr>
@@ -4000,7 +3967,7 @@
           <p:cNvPr id="4" name="TextBox 3">
             <a:extLst>
               <a:ext uri="{FF2B5EF4-FFF2-40B4-BE49-F238E27FC236}">
-                <a16:creationId xmlns:a16="http://schemas.microsoft.com/office/drawing/2014/main" id="{48D57277-BF1D-456B-8163-D98544B10F93}"/>
+                <a16:creationId xmlns="" xmlns:a16="http://schemas.microsoft.com/office/drawing/2014/main" id="{48D57277-BF1D-456B-8163-D98544B10F93}"/>
               </a:ext>
             </a:extLst>
           </p:cNvPr>
@@ -4036,7 +4003,7 @@
           <p:cNvPr id="8" name="Picture 2" descr="Resultado de imagen para keras and tensorflow">
             <a:extLst>
               <a:ext uri="{FF2B5EF4-FFF2-40B4-BE49-F238E27FC236}">
-                <a16:creationId xmlns:a16="http://schemas.microsoft.com/office/drawing/2014/main" id="{58B696DD-B85A-43CB-ACF8-30DB1DCC93C7}"/>
+                <a16:creationId xmlns="" xmlns:a16="http://schemas.microsoft.com/office/drawing/2014/main" id="{58B696DD-B85A-43CB-ACF8-30DB1DCC93C7}"/>
               </a:ext>
             </a:extLst>
           </p:cNvPr>
@@ -4095,57 +4062,220 @@
       </p:grpSpPr>
       <p:sp>
         <p:nvSpPr>
-          <p:cNvPr id="3" name="Content Placeholder 2">
+          <p:cNvPr id="7" name="CuadroTexto 6"/>
+          <p:cNvSpPr txBox="1"/>
+          <p:nvPr/>
+        </p:nvSpPr>
+        <p:spPr>
+          <a:xfrm>
+            <a:off x="304800" y="152400"/>
+            <a:ext cx="7239000" cy="553998"/>
+          </a:xfrm>
+          <a:prstGeom prst="rect">
+            <a:avLst/>
+          </a:prstGeom>
+          <a:noFill/>
+        </p:spPr>
+        <p:txBody>
+          <a:bodyPr wrap="square" rtlCol="0">
+            <a:spAutoFit/>
+          </a:bodyPr>
+          <a:lstStyle/>
+          <a:p>
+            <a:r>
+              <a:rPr lang="es-ES_tradnl" sz="3000" b="1" dirty="0">
+                <a:solidFill>
+                  <a:schemeClr val="accent6">
+                    <a:lumMod val="75000"/>
+                  </a:schemeClr>
+                </a:solidFill>
+                <a:latin typeface="Arial"/>
+                <a:cs typeface="Arial"/>
+              </a:rPr>
+              <a:t>Resultados</a:t>
+            </a:r>
+          </a:p>
+        </p:txBody>
+      </p:sp>
+      <p:sp>
+        <p:nvSpPr>
+          <p:cNvPr id="4" name="CuadroTexto 3">
             <a:extLst>
               <a:ext uri="{FF2B5EF4-FFF2-40B4-BE49-F238E27FC236}">
-                <a16:creationId xmlns:a16="http://schemas.microsoft.com/office/drawing/2014/main" id="{A31C01AB-94B2-4A10-BE15-E270120C89C2}"/>
+                <a16:creationId xmlns="" xmlns:a16="http://schemas.microsoft.com/office/drawing/2014/main" id="{5B9FAA7F-95C4-4820-8591-6D4817F3F094}"/>
               </a:ext>
             </a:extLst>
           </p:cNvPr>
-          <p:cNvSpPr>
-            <a:spLocks noGrp="1"/>
-          </p:cNvSpPr>
-          <p:nvPr>
-            <p:ph idx="1"/>
-          </p:nvPr>
-        </p:nvSpPr>
-        <p:spPr>
-          <a:xfrm>
-            <a:off x="2667000" y="2667000"/>
-            <a:ext cx="3810000" cy="1828800"/>
-          </a:xfrm>
-        </p:spPr>
-        <p:txBody>
-          <a:bodyPr/>
+          <p:cNvSpPr txBox="1"/>
+          <p:nvPr/>
+        </p:nvSpPr>
+        <p:spPr>
+          <a:xfrm>
+            <a:off x="297024" y="1033046"/>
+            <a:ext cx="5715000" cy="677108"/>
+          </a:xfrm>
+          <a:prstGeom prst="rect">
+            <a:avLst/>
+          </a:prstGeom>
+          <a:noFill/>
+        </p:spPr>
+        <p:txBody>
+          <a:bodyPr wrap="square" rtlCol="0">
+            <a:spAutoFit/>
+          </a:bodyPr>
           <a:lstStyle/>
           <a:p>
-            <a:pPr marL="0" indent="0">
-              <a:buNone/>
-            </a:pPr>
-            <a:r>
-              <a:rPr lang="es-MX" sz="9600" dirty="0">
-                <a:solidFill>
-                  <a:schemeClr val="accent6">
+            <a:r>
+              <a:rPr lang="es-ES_tradnl" sz="2000" b="1" dirty="0">
+                <a:solidFill>
+                  <a:schemeClr val="accent2">
                     <a:lumMod val="75000"/>
                   </a:schemeClr>
                 </a:solidFill>
-              </a:rPr>
-              <a:t>Demo</a:t>
-            </a:r>
-            <a:endParaRPr lang="en-US" sz="9600" dirty="0">
+                <a:latin typeface="Arial"/>
+                <a:cs typeface="Arial"/>
+              </a:rPr>
+              <a:t>Accurancy Guitarra</a:t>
+            </a:r>
+          </a:p>
+          <a:p>
+            <a:endParaRPr lang="es-ES_tradnl" dirty="0">
               <a:solidFill>
-                <a:schemeClr val="accent6">
-                  <a:lumMod val="75000"/>
+                <a:schemeClr val="tx1">
+                  <a:lumMod val="65000"/>
+                  <a:lumOff val="35000"/>
                 </a:schemeClr>
               </a:solidFill>
+              <a:latin typeface="Arial"/>
+              <a:cs typeface="Arial"/>
             </a:endParaRPr>
           </a:p>
         </p:txBody>
       </p:sp>
+      <p:pic>
+        <p:nvPicPr>
+          <p:cNvPr id="3" name="Picture 2">
+            <a:extLst>
+              <a:ext uri="{FF2B5EF4-FFF2-40B4-BE49-F238E27FC236}">
+                <a16:creationId xmlns="" xmlns:a16="http://schemas.microsoft.com/office/drawing/2014/main" id="{C01B7B52-553F-413B-B498-442660444903}"/>
+              </a:ext>
+            </a:extLst>
+          </p:cNvPr>
+          <p:cNvPicPr>
+            <a:picLocks noChangeAspect="1"/>
+          </p:cNvPicPr>
+          <p:nvPr/>
+        </p:nvPicPr>
+        <p:blipFill>
+          <a:blip r:embed="rId2"/>
+          <a:stretch>
+            <a:fillRect/>
+          </a:stretch>
+        </p:blipFill>
+        <p:spPr>
+          <a:xfrm>
+            <a:off x="290804" y="1449589"/>
+            <a:ext cx="2944239" cy="2265985"/>
+          </a:xfrm>
+          <a:prstGeom prst="rect">
+            <a:avLst/>
+          </a:prstGeom>
+        </p:spPr>
+      </p:pic>
+      <p:pic>
+        <p:nvPicPr>
+          <p:cNvPr id="5" name="Picture 4">
+            <a:extLst>
+              <a:ext uri="{FF2B5EF4-FFF2-40B4-BE49-F238E27FC236}">
+                <a16:creationId xmlns="" xmlns:a16="http://schemas.microsoft.com/office/drawing/2014/main" id="{5D3E8D0C-EBE4-4B16-B645-CD2C3A15B673}"/>
+              </a:ext>
+            </a:extLst>
+          </p:cNvPr>
+          <p:cNvPicPr>
+            <a:picLocks noChangeAspect="1"/>
+          </p:cNvPicPr>
+          <p:nvPr/>
+        </p:nvPicPr>
+        <p:blipFill>
+          <a:blip r:embed="rId3"/>
+          <a:stretch>
+            <a:fillRect/>
+          </a:stretch>
+        </p:blipFill>
+        <p:spPr>
+          <a:xfrm>
+            <a:off x="4026696" y="1413641"/>
+            <a:ext cx="2944239" cy="2367965"/>
+          </a:xfrm>
+          <a:prstGeom prst="rect">
+            <a:avLst/>
+          </a:prstGeom>
+        </p:spPr>
+      </p:pic>
+      <p:pic>
+        <p:nvPicPr>
+          <p:cNvPr id="6" name="Picture 5">
+            <a:extLst>
+              <a:ext uri="{FF2B5EF4-FFF2-40B4-BE49-F238E27FC236}">
+                <a16:creationId xmlns="" xmlns:a16="http://schemas.microsoft.com/office/drawing/2014/main" id="{051E09FA-7A81-4DA8-981F-EA8757390436}"/>
+              </a:ext>
+            </a:extLst>
+          </p:cNvPr>
+          <p:cNvPicPr>
+            <a:picLocks noChangeAspect="1"/>
+          </p:cNvPicPr>
+          <p:nvPr/>
+        </p:nvPicPr>
+        <p:blipFill>
+          <a:blip r:embed="rId4"/>
+          <a:stretch>
+            <a:fillRect/>
+          </a:stretch>
+        </p:blipFill>
+        <p:spPr>
+          <a:xfrm>
+            <a:off x="290804" y="3728015"/>
+            <a:ext cx="2944239" cy="2242742"/>
+          </a:xfrm>
+          <a:prstGeom prst="rect">
+            <a:avLst/>
+          </a:prstGeom>
+        </p:spPr>
+      </p:pic>
+      <p:pic>
+        <p:nvPicPr>
+          <p:cNvPr id="8" name="Picture 7">
+            <a:extLst>
+              <a:ext uri="{FF2B5EF4-FFF2-40B4-BE49-F238E27FC236}">
+                <a16:creationId xmlns="" xmlns:a16="http://schemas.microsoft.com/office/drawing/2014/main" id="{2EB840D4-7CF3-4E39-9F26-409BDC972AA4}"/>
+              </a:ext>
+            </a:extLst>
+          </p:cNvPr>
+          <p:cNvPicPr>
+            <a:picLocks noChangeAspect="1"/>
+          </p:cNvPicPr>
+          <p:nvPr/>
+        </p:nvPicPr>
+        <p:blipFill>
+          <a:blip r:embed="rId5"/>
+          <a:stretch>
+            <a:fillRect/>
+          </a:stretch>
+        </p:blipFill>
+        <p:spPr>
+          <a:xfrm>
+            <a:off x="3352800" y="4044523"/>
+            <a:ext cx="5686425" cy="1609725"/>
+          </a:xfrm>
+          <a:prstGeom prst="rect">
+            <a:avLst/>
+          </a:prstGeom>
+        </p:spPr>
+      </p:pic>
     </p:spTree>
     <p:extLst>
       <p:ext uri="{BB962C8B-B14F-4D97-AF65-F5344CB8AC3E}">
-        <p14:creationId xmlns:p14="http://schemas.microsoft.com/office/powerpoint/2010/main" val="1341716479"/>
+        <p14:creationId xmlns:p14="http://schemas.microsoft.com/office/powerpoint/2010/main" val="2927349331"/>
       </p:ext>
     </p:extLst>
   </p:cSld>
@@ -4214,7 +4344,7 @@
           <p:cNvPr id="4" name="CuadroTexto 3">
             <a:extLst>
               <a:ext uri="{FF2B5EF4-FFF2-40B4-BE49-F238E27FC236}">
-                <a16:creationId xmlns:a16="http://schemas.microsoft.com/office/drawing/2014/main" id="{5B9FAA7F-95C4-4820-8591-6D4817F3F094}"/>
+                <a16:creationId xmlns="" xmlns:a16="http://schemas.microsoft.com/office/drawing/2014/main" id="{5B9FAA7F-95C4-4820-8591-6D4817F3F094}"/>
               </a:ext>
             </a:extLst>
           </p:cNvPr>
@@ -4238,7 +4368,7 @@
           <a:lstStyle/>
           <a:p>
             <a:r>
-              <a:rPr lang="es-ES_tradnl" sz="2000" b="1" dirty="0" err="1">
+              <a:rPr lang="es-ES_tradnl" sz="2000" b="1" dirty="0">
                 <a:solidFill>
                   <a:schemeClr val="accent2">
                     <a:lumMod val="75000"/>
@@ -4247,19 +4377,7 @@
                 <a:latin typeface="Arial"/>
                 <a:cs typeface="Arial"/>
               </a:rPr>
-              <a:t>Accurancy</a:t>
-            </a:r>
-            <a:r>
-              <a:rPr lang="es-ES_tradnl" sz="2000" b="1" dirty="0">
-                <a:solidFill>
-                  <a:schemeClr val="accent2">
-                    <a:lumMod val="75000"/>
-                  </a:schemeClr>
-                </a:solidFill>
-                <a:latin typeface="Arial"/>
-                <a:cs typeface="Arial"/>
-              </a:rPr>
-              <a:t> Guitarra</a:t>
+              <a:t>Accurancy Bajo</a:t>
             </a:r>
           </a:p>
           <a:p>
@@ -4278,10 +4396,10 @@
       </p:sp>
       <p:pic>
         <p:nvPicPr>
-          <p:cNvPr id="3" name="Picture 2">
+          <p:cNvPr id="2" name="Picture 1">
             <a:extLst>
               <a:ext uri="{FF2B5EF4-FFF2-40B4-BE49-F238E27FC236}">
-                <a16:creationId xmlns:a16="http://schemas.microsoft.com/office/drawing/2014/main" id="{C01B7B52-553F-413B-B498-442660444903}"/>
+                <a16:creationId xmlns="" xmlns:a16="http://schemas.microsoft.com/office/drawing/2014/main" id="{92E926E5-D2A8-4ED5-91D3-4581871041BE}"/>
               </a:ext>
             </a:extLst>
           </p:cNvPr>
@@ -4298,8 +4416,8 @@
         </p:blipFill>
         <p:spPr>
           <a:xfrm>
-            <a:off x="290804" y="1449589"/>
-            <a:ext cx="2944239" cy="2265985"/>
+            <a:off x="304801" y="1524001"/>
+            <a:ext cx="2903376" cy="2317470"/>
           </a:xfrm>
           <a:prstGeom prst="rect">
             <a:avLst/>
@@ -4308,10 +4426,10 @@
       </p:pic>
       <p:pic>
         <p:nvPicPr>
-          <p:cNvPr id="5" name="Picture 4">
+          <p:cNvPr id="3" name="Picture 2">
             <a:extLst>
               <a:ext uri="{FF2B5EF4-FFF2-40B4-BE49-F238E27FC236}">
-                <a16:creationId xmlns:a16="http://schemas.microsoft.com/office/drawing/2014/main" id="{5D3E8D0C-EBE4-4B16-B645-CD2C3A15B673}"/>
+                <a16:creationId xmlns="" xmlns:a16="http://schemas.microsoft.com/office/drawing/2014/main" id="{0CDD0228-C983-4B55-B834-BF81DB68EB7D}"/>
               </a:ext>
             </a:extLst>
           </p:cNvPr>
@@ -4328,8 +4446,8 @@
         </p:blipFill>
         <p:spPr>
           <a:xfrm>
-            <a:off x="4026696" y="1413641"/>
-            <a:ext cx="2944239" cy="2367965"/>
+            <a:off x="3962400" y="1501163"/>
+            <a:ext cx="2903376" cy="2327980"/>
           </a:xfrm>
           <a:prstGeom prst="rect">
             <a:avLst/>
@@ -4338,10 +4456,10 @@
       </p:pic>
       <p:pic>
         <p:nvPicPr>
-          <p:cNvPr id="6" name="Picture 5">
+          <p:cNvPr id="5" name="Picture 4">
             <a:extLst>
               <a:ext uri="{FF2B5EF4-FFF2-40B4-BE49-F238E27FC236}">
-                <a16:creationId xmlns:a16="http://schemas.microsoft.com/office/drawing/2014/main" id="{051E09FA-7A81-4DA8-981F-EA8757390436}"/>
+                <a16:creationId xmlns="" xmlns:a16="http://schemas.microsoft.com/office/drawing/2014/main" id="{0256515B-68BC-491A-BE80-179BD06BCA32}"/>
               </a:ext>
             </a:extLst>
           </p:cNvPr>
@@ -4358,8 +4476,8 @@
         </p:blipFill>
         <p:spPr>
           <a:xfrm>
-            <a:off x="290804" y="3728015"/>
-            <a:ext cx="2944239" cy="2242742"/>
+            <a:off x="304801" y="3850802"/>
+            <a:ext cx="2903376" cy="2245344"/>
           </a:xfrm>
           <a:prstGeom prst="rect">
             <a:avLst/>
@@ -4371,7 +4489,7 @@
           <p:cNvPr id="8" name="Picture 7">
             <a:extLst>
               <a:ext uri="{FF2B5EF4-FFF2-40B4-BE49-F238E27FC236}">
-                <a16:creationId xmlns:a16="http://schemas.microsoft.com/office/drawing/2014/main" id="{2EB840D4-7CF3-4E39-9F26-409BDC972AA4}"/>
+                <a16:creationId xmlns="" xmlns:a16="http://schemas.microsoft.com/office/drawing/2014/main" id="{8B754F51-70E6-466C-A2F7-63C16924EF20}"/>
               </a:ext>
             </a:extLst>
           </p:cNvPr>
@@ -4388,8 +4506,8 @@
         </p:blipFill>
         <p:spPr>
           <a:xfrm>
-            <a:off x="3352800" y="4044523"/>
-            <a:ext cx="5686425" cy="1609725"/>
+            <a:off x="3327139" y="4163716"/>
+            <a:ext cx="5524500" cy="1619250"/>
           </a:xfrm>
           <a:prstGeom prst="rect">
             <a:avLst/>
@@ -4399,7 +4517,7 @@
     </p:spTree>
     <p:extLst>
       <p:ext uri="{BB962C8B-B14F-4D97-AF65-F5344CB8AC3E}">
-        <p14:creationId xmlns:p14="http://schemas.microsoft.com/office/powerpoint/2010/main" val="2927349331"/>
+        <p14:creationId xmlns:p14="http://schemas.microsoft.com/office/powerpoint/2010/main" val="1483245971"/>
       </p:ext>
     </p:extLst>
   </p:cSld>
@@ -4604,7 +4722,7 @@
           <p:cNvPr id="4" name="CuadroTexto 3">
             <a:extLst>
               <a:ext uri="{FF2B5EF4-FFF2-40B4-BE49-F238E27FC236}">
-                <a16:creationId xmlns:a16="http://schemas.microsoft.com/office/drawing/2014/main" id="{5B9FAA7F-95C4-4820-8591-6D4817F3F094}"/>
+                <a16:creationId xmlns="" xmlns:a16="http://schemas.microsoft.com/office/drawing/2014/main" id="{5B9FAA7F-95C4-4820-8591-6D4817F3F094}"/>
               </a:ext>
             </a:extLst>
           </p:cNvPr>
@@ -4628,7 +4746,7 @@
           <a:lstStyle/>
           <a:p>
             <a:r>
-              <a:rPr lang="es-ES_tradnl" sz="2000" b="1" dirty="0" err="1">
+              <a:rPr lang="es-ES_tradnl" sz="2000" b="1" dirty="0">
                 <a:solidFill>
                   <a:schemeClr val="accent2">
                     <a:lumMod val="75000"/>
@@ -4637,19 +4755,7 @@
                 <a:latin typeface="Arial"/>
                 <a:cs typeface="Arial"/>
               </a:rPr>
-              <a:t>Accurancy</a:t>
-            </a:r>
-            <a:r>
-              <a:rPr lang="es-ES_tradnl" sz="2000" b="1" dirty="0">
-                <a:solidFill>
-                  <a:schemeClr val="accent2">
-                    <a:lumMod val="75000"/>
-                  </a:schemeClr>
-                </a:solidFill>
-                <a:latin typeface="Arial"/>
-                <a:cs typeface="Arial"/>
-              </a:rPr>
-              <a:t> Bajo</a:t>
+              <a:t>Error Guitarra</a:t>
             </a:r>
           </a:p>
           <a:p>
@@ -4671,7 +4777,7 @@
           <p:cNvPr id="2" name="Picture 1">
             <a:extLst>
               <a:ext uri="{FF2B5EF4-FFF2-40B4-BE49-F238E27FC236}">
-                <a16:creationId xmlns:a16="http://schemas.microsoft.com/office/drawing/2014/main" id="{92E926E5-D2A8-4ED5-91D3-4581871041BE}"/>
+                <a16:creationId xmlns="" xmlns:a16="http://schemas.microsoft.com/office/drawing/2014/main" id="{9BF0037F-B3EC-4818-898A-2E623D46B44A}"/>
               </a:ext>
             </a:extLst>
           </p:cNvPr>
@@ -4688,8 +4794,8 @@
         </p:blipFill>
         <p:spPr>
           <a:xfrm>
-            <a:off x="304801" y="1524001"/>
-            <a:ext cx="2903376" cy="2317470"/>
+            <a:off x="297024" y="1371600"/>
+            <a:ext cx="3055776" cy="2442410"/>
           </a:xfrm>
           <a:prstGeom prst="rect">
             <a:avLst/>
@@ -4698,10 +4804,10 @@
       </p:pic>
       <p:pic>
         <p:nvPicPr>
-          <p:cNvPr id="3" name="Picture 2">
+          <p:cNvPr id="5" name="Picture 4">
             <a:extLst>
               <a:ext uri="{FF2B5EF4-FFF2-40B4-BE49-F238E27FC236}">
-                <a16:creationId xmlns:a16="http://schemas.microsoft.com/office/drawing/2014/main" id="{0CDD0228-C983-4B55-B834-BF81DB68EB7D}"/>
+                <a16:creationId xmlns="" xmlns:a16="http://schemas.microsoft.com/office/drawing/2014/main" id="{5BE79044-B6AA-4E69-8884-D8BC6955F200}"/>
               </a:ext>
             </a:extLst>
           </p:cNvPr>
@@ -4718,8 +4824,8 @@
         </p:blipFill>
         <p:spPr>
           <a:xfrm>
-            <a:off x="3962400" y="1501163"/>
-            <a:ext cx="2903376" cy="2327980"/>
+            <a:off x="3924300" y="1351156"/>
+            <a:ext cx="3075016" cy="2442410"/>
           </a:xfrm>
           <a:prstGeom prst="rect">
             <a:avLst/>
@@ -4728,10 +4834,10 @@
       </p:pic>
       <p:pic>
         <p:nvPicPr>
-          <p:cNvPr id="5" name="Picture 4">
+          <p:cNvPr id="6" name="Picture 5">
             <a:extLst>
               <a:ext uri="{FF2B5EF4-FFF2-40B4-BE49-F238E27FC236}">
-                <a16:creationId xmlns:a16="http://schemas.microsoft.com/office/drawing/2014/main" id="{0256515B-68BC-491A-BE80-179BD06BCA32}"/>
+                <a16:creationId xmlns="" xmlns:a16="http://schemas.microsoft.com/office/drawing/2014/main" id="{E1FEE1DD-4E61-43E1-8AB9-F1BF3CDF173F}"/>
               </a:ext>
             </a:extLst>
           </p:cNvPr>
@@ -4748,8 +4854,8 @@
         </p:blipFill>
         <p:spPr>
           <a:xfrm>
-            <a:off x="304801" y="3850802"/>
-            <a:ext cx="2903376" cy="2245344"/>
+            <a:off x="228600" y="3814010"/>
+            <a:ext cx="3093571" cy="2275308"/>
           </a:xfrm>
           <a:prstGeom prst="rect">
             <a:avLst/>
@@ -4761,7 +4867,7 @@
           <p:cNvPr id="8" name="Picture 7">
             <a:extLst>
               <a:ext uri="{FF2B5EF4-FFF2-40B4-BE49-F238E27FC236}">
-                <a16:creationId xmlns:a16="http://schemas.microsoft.com/office/drawing/2014/main" id="{8B754F51-70E6-466C-A2F7-63C16924EF20}"/>
+                <a16:creationId xmlns="" xmlns:a16="http://schemas.microsoft.com/office/drawing/2014/main" id="{020399CC-5B8D-4842-9978-1F9EDBF57CD4}"/>
               </a:ext>
             </a:extLst>
           </p:cNvPr>
@@ -4778,8 +4884,8 @@
         </p:blipFill>
         <p:spPr>
           <a:xfrm>
-            <a:off x="3327139" y="4163716"/>
-            <a:ext cx="5524500" cy="1619250"/>
+            <a:off x="3390122" y="4038600"/>
+            <a:ext cx="5695950" cy="1638300"/>
           </a:xfrm>
           <a:prstGeom prst="rect">
             <a:avLst/>
@@ -4789,7 +4895,7 @@
     </p:spTree>
     <p:extLst>
       <p:ext uri="{BB962C8B-B14F-4D97-AF65-F5344CB8AC3E}">
-        <p14:creationId xmlns:p14="http://schemas.microsoft.com/office/powerpoint/2010/main" val="1483245971"/>
+        <p14:creationId xmlns:p14="http://schemas.microsoft.com/office/powerpoint/2010/main" val="3534945709"/>
       </p:ext>
     </p:extLst>
   </p:cSld>
@@ -4858,7 +4964,7 @@
           <p:cNvPr id="4" name="CuadroTexto 3">
             <a:extLst>
               <a:ext uri="{FF2B5EF4-FFF2-40B4-BE49-F238E27FC236}">
-                <a16:creationId xmlns:a16="http://schemas.microsoft.com/office/drawing/2014/main" id="{5B9FAA7F-95C4-4820-8591-6D4817F3F094}"/>
+                <a16:creationId xmlns="" xmlns:a16="http://schemas.microsoft.com/office/drawing/2014/main" id="{5B9FAA7F-95C4-4820-8591-6D4817F3F094}"/>
               </a:ext>
             </a:extLst>
           </p:cNvPr>
@@ -4891,7 +4997,7 @@
                 <a:latin typeface="Arial"/>
                 <a:cs typeface="Arial"/>
               </a:rPr>
-              <a:t>Error Guitarra</a:t>
+              <a:t>Error Bajo</a:t>
             </a:r>
           </a:p>
           <a:p>
@@ -4913,7 +5019,7 @@
           <p:cNvPr id="2" name="Picture 1">
             <a:extLst>
               <a:ext uri="{FF2B5EF4-FFF2-40B4-BE49-F238E27FC236}">
-                <a16:creationId xmlns:a16="http://schemas.microsoft.com/office/drawing/2014/main" id="{9BF0037F-B3EC-4818-898A-2E623D46B44A}"/>
+                <a16:creationId xmlns="" xmlns:a16="http://schemas.microsoft.com/office/drawing/2014/main" id="{E8C04A3F-875B-41F3-9820-55B2D963BBF3}"/>
               </a:ext>
             </a:extLst>
           </p:cNvPr>
@@ -4930,8 +5036,8 @@
         </p:blipFill>
         <p:spPr>
           <a:xfrm>
-            <a:off x="297024" y="1371600"/>
-            <a:ext cx="3055776" cy="2442410"/>
+            <a:off x="297024" y="1455167"/>
+            <a:ext cx="2903376" cy="2286409"/>
           </a:xfrm>
           <a:prstGeom prst="rect">
             <a:avLst/>
@@ -4940,10 +5046,10 @@
       </p:pic>
       <p:pic>
         <p:nvPicPr>
-          <p:cNvPr id="5" name="Picture 4">
+          <p:cNvPr id="3" name="Picture 2">
             <a:extLst>
               <a:ext uri="{FF2B5EF4-FFF2-40B4-BE49-F238E27FC236}">
-                <a16:creationId xmlns:a16="http://schemas.microsoft.com/office/drawing/2014/main" id="{5BE79044-B6AA-4E69-8884-D8BC6955F200}"/>
+                <a16:creationId xmlns="" xmlns:a16="http://schemas.microsoft.com/office/drawing/2014/main" id="{3F119AE0-88D0-4FC2-BA27-B10274F20639}"/>
               </a:ext>
             </a:extLst>
           </p:cNvPr>
@@ -4960,8 +5066,8 @@
         </p:blipFill>
         <p:spPr>
           <a:xfrm>
-            <a:off x="3924300" y="1351156"/>
-            <a:ext cx="3075016" cy="2442410"/>
+            <a:off x="3733800" y="1371600"/>
+            <a:ext cx="3048000" cy="2445038"/>
           </a:xfrm>
           <a:prstGeom prst="rect">
             <a:avLst/>
@@ -4970,10 +5076,10 @@
       </p:pic>
       <p:pic>
         <p:nvPicPr>
-          <p:cNvPr id="6" name="Picture 5">
+          <p:cNvPr id="5" name="Picture 4">
             <a:extLst>
               <a:ext uri="{FF2B5EF4-FFF2-40B4-BE49-F238E27FC236}">
-                <a16:creationId xmlns:a16="http://schemas.microsoft.com/office/drawing/2014/main" id="{E1FEE1DD-4E61-43E1-8AB9-F1BF3CDF173F}"/>
+                <a16:creationId xmlns="" xmlns:a16="http://schemas.microsoft.com/office/drawing/2014/main" id="{FEE8F7BA-601C-4897-B779-B89456334EB6}"/>
               </a:ext>
             </a:extLst>
           </p:cNvPr>
@@ -4990,8 +5096,8 @@
         </p:blipFill>
         <p:spPr>
           <a:xfrm>
-            <a:off x="228600" y="3814010"/>
-            <a:ext cx="3093571" cy="2275308"/>
+            <a:off x="304800" y="3816638"/>
+            <a:ext cx="2895600" cy="2133600"/>
           </a:xfrm>
           <a:prstGeom prst="rect">
             <a:avLst/>
@@ -5003,7 +5109,7 @@
           <p:cNvPr id="8" name="Picture 7">
             <a:extLst>
               <a:ext uri="{FF2B5EF4-FFF2-40B4-BE49-F238E27FC236}">
-                <a16:creationId xmlns:a16="http://schemas.microsoft.com/office/drawing/2014/main" id="{020399CC-5B8D-4842-9978-1F9EDBF57CD4}"/>
+                <a16:creationId xmlns="" xmlns:a16="http://schemas.microsoft.com/office/drawing/2014/main" id="{5FA46A26-6378-4212-A803-AF9CE0B54AAA}"/>
               </a:ext>
             </a:extLst>
           </p:cNvPr>
@@ -5020,8 +5126,8 @@
         </p:blipFill>
         <p:spPr>
           <a:xfrm>
-            <a:off x="3390122" y="4038600"/>
-            <a:ext cx="5695950" cy="1638300"/>
+            <a:off x="3429000" y="4073813"/>
+            <a:ext cx="5543550" cy="1619250"/>
           </a:xfrm>
           <a:prstGeom prst="rect">
             <a:avLst/>
@@ -5031,7 +5137,7 @@
     </p:spTree>
     <p:extLst>
       <p:ext uri="{BB962C8B-B14F-4D97-AF65-F5344CB8AC3E}">
-        <p14:creationId xmlns:p14="http://schemas.microsoft.com/office/powerpoint/2010/main" val="3534945709"/>
+        <p14:creationId xmlns:p14="http://schemas.microsoft.com/office/powerpoint/2010/main" val="2126893129"/>
       </p:ext>
     </p:extLst>
   </p:cSld>
@@ -5100,7 +5206,7 @@
           <p:cNvPr id="4" name="CuadroTexto 3">
             <a:extLst>
               <a:ext uri="{FF2B5EF4-FFF2-40B4-BE49-F238E27FC236}">
-                <a16:creationId xmlns:a16="http://schemas.microsoft.com/office/drawing/2014/main" id="{5B9FAA7F-95C4-4820-8591-6D4817F3F094}"/>
+                <a16:creationId xmlns="" xmlns:a16="http://schemas.microsoft.com/office/drawing/2014/main" id="{5B9FAA7F-95C4-4820-8591-6D4817F3F094}"/>
               </a:ext>
             </a:extLst>
           </p:cNvPr>
@@ -5110,7 +5216,7 @@
         <p:spPr>
           <a:xfrm>
             <a:off x="297024" y="1033046"/>
-            <a:ext cx="5715000" cy="677108"/>
+            <a:ext cx="8999376" cy="984885"/>
           </a:xfrm>
           <a:prstGeom prst="rect">
             <a:avLst/>
@@ -5133,7 +5239,21 @@
                 <a:latin typeface="Arial"/>
                 <a:cs typeface="Arial"/>
               </a:rPr>
-              <a:t>Error Bajo</a:t>
+              <a:t>Validación de la tonalidad (Algoritmo de Krumhansl-Schmuckler)</a:t>
+            </a:r>
+          </a:p>
+          <a:p>
+            <a:r>
+              <a:rPr lang="es-ES_tradnl" sz="2000" b="1" dirty="0">
+                <a:solidFill>
+                  <a:schemeClr val="accent2">
+                    <a:lumMod val="75000"/>
+                  </a:schemeClr>
+                </a:solidFill>
+                <a:latin typeface="Arial"/>
+                <a:cs typeface="Arial"/>
+              </a:rPr>
+              <a:t>)</a:t>
             </a:r>
           </a:p>
           <a:p>
@@ -5152,10 +5272,10 @@
       </p:sp>
       <p:pic>
         <p:nvPicPr>
-          <p:cNvPr id="2" name="Picture 1">
+          <p:cNvPr id="6" name="Picture 5">
             <a:extLst>
               <a:ext uri="{FF2B5EF4-FFF2-40B4-BE49-F238E27FC236}">
-                <a16:creationId xmlns:a16="http://schemas.microsoft.com/office/drawing/2014/main" id="{E8C04A3F-875B-41F3-9820-55B2D963BBF3}"/>
+                <a16:creationId xmlns="" xmlns:a16="http://schemas.microsoft.com/office/drawing/2014/main" id="{8ED60CD6-5BA1-4DEC-92A3-B3FE4F4D9EAD}"/>
               </a:ext>
             </a:extLst>
           </p:cNvPr>
@@ -5172,8 +5292,8 @@
         </p:blipFill>
         <p:spPr>
           <a:xfrm>
-            <a:off x="297024" y="1455167"/>
-            <a:ext cx="2903376" cy="2286409"/>
+            <a:off x="178814" y="1401147"/>
+            <a:ext cx="4164586" cy="3246467"/>
           </a:xfrm>
           <a:prstGeom prst="rect">
             <a:avLst/>
@@ -5182,10 +5302,10 @@
       </p:pic>
       <p:pic>
         <p:nvPicPr>
-          <p:cNvPr id="3" name="Picture 2">
+          <p:cNvPr id="9" name="Picture 8">
             <a:extLst>
               <a:ext uri="{FF2B5EF4-FFF2-40B4-BE49-F238E27FC236}">
-                <a16:creationId xmlns:a16="http://schemas.microsoft.com/office/drawing/2014/main" id="{3F119AE0-88D0-4FC2-BA27-B10274F20639}"/>
+                <a16:creationId xmlns="" xmlns:a16="http://schemas.microsoft.com/office/drawing/2014/main" id="{449D0C0D-655D-4F8E-BCEF-9DC8F3916235}"/>
               </a:ext>
             </a:extLst>
           </p:cNvPr>
@@ -5202,8 +5322,8 @@
         </p:blipFill>
         <p:spPr>
           <a:xfrm>
-            <a:off x="3733800" y="1371600"/>
-            <a:ext cx="3048000" cy="2445038"/>
+            <a:off x="4461610" y="1433061"/>
+            <a:ext cx="4072790" cy="3168530"/>
           </a:xfrm>
           <a:prstGeom prst="rect">
             <a:avLst/>
@@ -5212,10 +5332,10 @@
       </p:pic>
       <p:pic>
         <p:nvPicPr>
-          <p:cNvPr id="5" name="Picture 4">
+          <p:cNvPr id="10" name="Picture 9">
             <a:extLst>
               <a:ext uri="{FF2B5EF4-FFF2-40B4-BE49-F238E27FC236}">
-                <a16:creationId xmlns:a16="http://schemas.microsoft.com/office/drawing/2014/main" id="{FEE8F7BA-601C-4897-B779-B89456334EB6}"/>
+                <a16:creationId xmlns="" xmlns:a16="http://schemas.microsoft.com/office/drawing/2014/main" id="{9114AD6D-1460-4CCD-A1DA-C4BE9A8D3E2B}"/>
               </a:ext>
             </a:extLst>
           </p:cNvPr>
@@ -5232,38 +5352,8 @@
         </p:blipFill>
         <p:spPr>
           <a:xfrm>
-            <a:off x="304800" y="3816638"/>
-            <a:ext cx="2895600" cy="2133600"/>
-          </a:xfrm>
-          <a:prstGeom prst="rect">
-            <a:avLst/>
-          </a:prstGeom>
-        </p:spPr>
-      </p:pic>
-      <p:pic>
-        <p:nvPicPr>
-          <p:cNvPr id="8" name="Picture 7">
-            <a:extLst>
-              <a:ext uri="{FF2B5EF4-FFF2-40B4-BE49-F238E27FC236}">
-                <a16:creationId xmlns:a16="http://schemas.microsoft.com/office/drawing/2014/main" id="{5FA46A26-6378-4212-A803-AF9CE0B54AAA}"/>
-              </a:ext>
-            </a:extLst>
-          </p:cNvPr>
-          <p:cNvPicPr>
-            <a:picLocks noChangeAspect="1"/>
-          </p:cNvPicPr>
-          <p:nvPr/>
-        </p:nvPicPr>
-        <p:blipFill>
-          <a:blip r:embed="rId5"/>
-          <a:stretch>
-            <a:fillRect/>
-          </a:stretch>
-        </p:blipFill>
-        <p:spPr>
-          <a:xfrm>
-            <a:off x="3429000" y="4073813"/>
-            <a:ext cx="5543550" cy="1619250"/>
+            <a:off x="1858103" y="4495302"/>
+            <a:ext cx="5427793" cy="1545603"/>
           </a:xfrm>
           <a:prstGeom prst="rect">
             <a:avLst/>
@@ -5273,7 +5363,7 @@
     </p:spTree>
     <p:extLst>
       <p:ext uri="{BB962C8B-B14F-4D97-AF65-F5344CB8AC3E}">
-        <p14:creationId xmlns:p14="http://schemas.microsoft.com/office/powerpoint/2010/main" val="2126893129"/>
+        <p14:creationId xmlns:p14="http://schemas.microsoft.com/office/powerpoint/2010/main" val="1061821081"/>
       </p:ext>
     </p:extLst>
   </p:cSld>
@@ -5339,20 +5429,14 @@
       </p:sp>
       <p:sp>
         <p:nvSpPr>
-          <p:cNvPr id="4" name="CuadroTexto 3">
-            <a:extLst>
-              <a:ext uri="{FF2B5EF4-FFF2-40B4-BE49-F238E27FC236}">
-                <a16:creationId xmlns:a16="http://schemas.microsoft.com/office/drawing/2014/main" id="{5B9FAA7F-95C4-4820-8591-6D4817F3F094}"/>
-              </a:ext>
-            </a:extLst>
-          </p:cNvPr>
+          <p:cNvPr id="6" name="CuadroTexto 5"/>
           <p:cNvSpPr txBox="1"/>
           <p:nvPr/>
         </p:nvSpPr>
         <p:spPr>
           <a:xfrm>
-            <a:off x="297024" y="1033046"/>
-            <a:ext cx="8999376" cy="984885"/>
+            <a:off x="459941" y="1279267"/>
+            <a:ext cx="2209800" cy="369332"/>
           </a:xfrm>
           <a:prstGeom prst="rect">
             <a:avLst/>
@@ -5366,76 +5450,47 @@
           <a:lstStyle/>
           <a:p>
             <a:r>
-              <a:rPr lang="es-ES_tradnl" sz="2000" b="1" dirty="0">
-                <a:solidFill>
-                  <a:schemeClr val="accent2">
-                    <a:lumMod val="75000"/>
-                  </a:schemeClr>
-                </a:solidFill>
-                <a:latin typeface="Arial"/>
-                <a:cs typeface="Arial"/>
-              </a:rPr>
-              <a:t>Validación de la tonalidad (Algoritmo de </a:t>
-            </a:r>
-            <a:r>
-              <a:rPr lang="es-ES_tradnl" sz="2000" b="1" dirty="0" err="1">
-                <a:solidFill>
-                  <a:schemeClr val="accent2">
-                    <a:lumMod val="75000"/>
-                  </a:schemeClr>
-                </a:solidFill>
-                <a:latin typeface="Arial"/>
-                <a:cs typeface="Arial"/>
-              </a:rPr>
-              <a:t>Krumhansl-Schmuckler</a:t>
-            </a:r>
-            <a:r>
-              <a:rPr lang="es-ES_tradnl" sz="2000" b="1" dirty="0">
-                <a:solidFill>
-                  <a:schemeClr val="accent2">
-                    <a:lumMod val="75000"/>
-                  </a:schemeClr>
-                </a:solidFill>
-                <a:latin typeface="Arial"/>
-                <a:cs typeface="Arial"/>
-              </a:rPr>
-              <a:t>)</a:t>
-            </a:r>
-          </a:p>
-          <a:p>
-            <a:r>
-              <a:rPr lang="es-ES_tradnl" sz="2000" b="1" dirty="0">
-                <a:solidFill>
-                  <a:schemeClr val="accent2">
-                    <a:lumMod val="75000"/>
-                  </a:schemeClr>
-                </a:solidFill>
-                <a:latin typeface="Arial"/>
-                <a:cs typeface="Arial"/>
-              </a:rPr>
-              <a:t>)</a:t>
-            </a:r>
-          </a:p>
-          <a:p>
-            <a:endParaRPr lang="es-ES_tradnl" dirty="0">
-              <a:solidFill>
-                <a:schemeClr val="tx1">
-                  <a:lumMod val="65000"/>
-                  <a:lumOff val="35000"/>
-                </a:schemeClr>
-              </a:solidFill>
-              <a:latin typeface="Arial"/>
-              <a:cs typeface="Arial"/>
-            </a:endParaRPr>
+              <a:rPr lang="es-MX" dirty="0"/>
+              <a:t>Salida de Guitarra:</a:t>
+            </a:r>
+          </a:p>
+        </p:txBody>
+      </p:sp>
+      <p:sp>
+        <p:nvSpPr>
+          <p:cNvPr id="8" name="CuadroTexto 7"/>
+          <p:cNvSpPr txBox="1"/>
+          <p:nvPr/>
+        </p:nvSpPr>
+        <p:spPr>
+          <a:xfrm>
+            <a:off x="524984" y="3266139"/>
+            <a:ext cx="2209800" cy="369332"/>
+          </a:xfrm>
+          <a:prstGeom prst="rect">
+            <a:avLst/>
+          </a:prstGeom>
+          <a:noFill/>
+        </p:spPr>
+        <p:txBody>
+          <a:bodyPr wrap="square" rtlCol="0">
+            <a:spAutoFit/>
+          </a:bodyPr>
+          <a:lstStyle/>
+          <a:p>
+            <a:r>
+              <a:rPr lang="es-MX" dirty="0"/>
+              <a:t>Salida de Bajo:</a:t>
+            </a:r>
           </a:p>
         </p:txBody>
       </p:sp>
       <p:pic>
         <p:nvPicPr>
-          <p:cNvPr id="6" name="Picture 5">
+          <p:cNvPr id="2" name="Picture 1">
             <a:extLst>
               <a:ext uri="{FF2B5EF4-FFF2-40B4-BE49-F238E27FC236}">
-                <a16:creationId xmlns:a16="http://schemas.microsoft.com/office/drawing/2014/main" id="{8ED60CD6-5BA1-4DEC-92A3-B3FE4F4D9EAD}"/>
+                <a16:creationId xmlns="" xmlns:a16="http://schemas.microsoft.com/office/drawing/2014/main" id="{254963AA-D079-4515-B845-EE42D1A81FDF}"/>
               </a:ext>
             </a:extLst>
           </p:cNvPr>
@@ -5452,8 +5507,8 @@
         </p:blipFill>
         <p:spPr>
           <a:xfrm>
-            <a:off x="178814" y="1401147"/>
-            <a:ext cx="4164586" cy="3246467"/>
+            <a:off x="304800" y="1735980"/>
+            <a:ext cx="7010400" cy="1039759"/>
           </a:xfrm>
           <a:prstGeom prst="rect">
             <a:avLst/>
@@ -5462,10 +5517,10 @@
       </p:pic>
       <p:pic>
         <p:nvPicPr>
-          <p:cNvPr id="9" name="Picture 8">
+          <p:cNvPr id="5" name="Picture 4">
             <a:extLst>
               <a:ext uri="{FF2B5EF4-FFF2-40B4-BE49-F238E27FC236}">
-                <a16:creationId xmlns:a16="http://schemas.microsoft.com/office/drawing/2014/main" id="{449D0C0D-655D-4F8E-BCEF-9DC8F3916235}"/>
+                <a16:creationId xmlns="" xmlns:a16="http://schemas.microsoft.com/office/drawing/2014/main" id="{FD8BCCD0-7941-4278-8716-B1213EDB71F8}"/>
               </a:ext>
             </a:extLst>
           </p:cNvPr>
@@ -5482,38 +5537,8 @@
         </p:blipFill>
         <p:spPr>
           <a:xfrm>
-            <a:off x="4461610" y="1433061"/>
-            <a:ext cx="4072790" cy="3168530"/>
-          </a:xfrm>
-          <a:prstGeom prst="rect">
-            <a:avLst/>
-          </a:prstGeom>
-        </p:spPr>
-      </p:pic>
-      <p:pic>
-        <p:nvPicPr>
-          <p:cNvPr id="10" name="Picture 9">
-            <a:extLst>
-              <a:ext uri="{FF2B5EF4-FFF2-40B4-BE49-F238E27FC236}">
-                <a16:creationId xmlns:a16="http://schemas.microsoft.com/office/drawing/2014/main" id="{9114AD6D-1460-4CCD-A1DA-C4BE9A8D3E2B}"/>
-              </a:ext>
-            </a:extLst>
-          </p:cNvPr>
-          <p:cNvPicPr>
-            <a:picLocks noChangeAspect="1"/>
-          </p:cNvPicPr>
-          <p:nvPr/>
-        </p:nvPicPr>
-        <p:blipFill>
-          <a:blip r:embed="rId4"/>
-          <a:stretch>
-            <a:fillRect/>
-          </a:stretch>
-        </p:blipFill>
-        <p:spPr>
-          <a:xfrm>
-            <a:off x="1858103" y="4495302"/>
-            <a:ext cx="5427793" cy="1545603"/>
+            <a:off x="304800" y="3886200"/>
+            <a:ext cx="7010400" cy="958303"/>
           </a:xfrm>
           <a:prstGeom prst="rect">
             <a:avLst/>
@@ -5523,7 +5548,7 @@
     </p:spTree>
     <p:extLst>
       <p:ext uri="{BB962C8B-B14F-4D97-AF65-F5344CB8AC3E}">
-        <p14:creationId xmlns:p14="http://schemas.microsoft.com/office/powerpoint/2010/main" val="1061821081"/>
+        <p14:creationId xmlns:p14="http://schemas.microsoft.com/office/powerpoint/2010/main" val="3141686425"/>
       </p:ext>
     </p:extLst>
   </p:cSld>
@@ -5582,21 +5607,21 @@
                 <a:latin typeface="Arial"/>
                 <a:cs typeface="Arial"/>
               </a:rPr>
-              <a:t>Resultados</a:t>
-            </a:r>
-          </a:p>
-        </p:txBody>
-      </p:sp>
-      <p:sp>
-        <p:nvSpPr>
-          <p:cNvPr id="6" name="CuadroTexto 5"/>
+              <a:t>Conclusiones</a:t>
+            </a:r>
+          </a:p>
+        </p:txBody>
+      </p:sp>
+      <p:sp>
+        <p:nvSpPr>
+          <p:cNvPr id="4" name="CuadroTexto 3"/>
           <p:cNvSpPr txBox="1"/>
           <p:nvPr/>
         </p:nvSpPr>
         <p:spPr>
           <a:xfrm>
-            <a:off x="459941" y="1279267"/>
-            <a:ext cx="2209800" cy="369332"/>
+            <a:off x="457200" y="1371600"/>
+            <a:ext cx="7772400" cy="2031325"/>
           </a:xfrm>
           <a:prstGeom prst="rect">
             <a:avLst/>
@@ -5609,106 +5634,193 @@
           </a:bodyPr>
           <a:lstStyle/>
           <a:p>
-            <a:r>
-              <a:rPr lang="es-MX" dirty="0"/>
-              <a:t>Salida de Guitarra:</a:t>
-            </a:r>
-          </a:p>
-        </p:txBody>
-      </p:sp>
-      <p:sp>
-        <p:nvSpPr>
-          <p:cNvPr id="8" name="CuadroTexto 7"/>
-          <p:cNvSpPr txBox="1"/>
-          <p:nvPr/>
-        </p:nvSpPr>
-        <p:spPr>
-          <a:xfrm>
-            <a:off x="524984" y="3266139"/>
-            <a:ext cx="2209800" cy="369332"/>
-          </a:xfrm>
-          <a:prstGeom prst="rect">
-            <a:avLst/>
-          </a:prstGeom>
-          <a:noFill/>
-        </p:spPr>
-        <p:txBody>
-          <a:bodyPr wrap="square" rtlCol="0">
-            <a:spAutoFit/>
-          </a:bodyPr>
-          <a:lstStyle/>
-          <a:p>
-            <a:r>
-              <a:rPr lang="es-MX" dirty="0"/>
-              <a:t>Salida de Bajo:</a:t>
-            </a:r>
-          </a:p>
-        </p:txBody>
-      </p:sp>
-      <p:pic>
-        <p:nvPicPr>
-          <p:cNvPr id="2" name="Picture 1">
-            <a:extLst>
-              <a:ext uri="{FF2B5EF4-FFF2-40B4-BE49-F238E27FC236}">
-                <a16:creationId xmlns:a16="http://schemas.microsoft.com/office/drawing/2014/main" id="{254963AA-D079-4515-B845-EE42D1A81FDF}"/>
-              </a:ext>
-            </a:extLst>
-          </p:cNvPr>
-          <p:cNvPicPr>
-            <a:picLocks noChangeAspect="1"/>
-          </p:cNvPicPr>
-          <p:nvPr/>
-        </p:nvPicPr>
-        <p:blipFill>
-          <a:blip r:embed="rId2"/>
-          <a:stretch>
-            <a:fillRect/>
-          </a:stretch>
-        </p:blipFill>
-        <p:spPr>
-          <a:xfrm>
-            <a:off x="304800" y="1735980"/>
-            <a:ext cx="7010400" cy="1039759"/>
-          </a:xfrm>
-          <a:prstGeom prst="rect">
-            <a:avLst/>
-          </a:prstGeom>
-        </p:spPr>
-      </p:pic>
-      <p:pic>
-        <p:nvPicPr>
-          <p:cNvPr id="5" name="Picture 4">
-            <a:extLst>
-              <a:ext uri="{FF2B5EF4-FFF2-40B4-BE49-F238E27FC236}">
-                <a16:creationId xmlns:a16="http://schemas.microsoft.com/office/drawing/2014/main" id="{FD8BCCD0-7941-4278-8716-B1213EDB71F8}"/>
-              </a:ext>
-            </a:extLst>
-          </p:cNvPr>
-          <p:cNvPicPr>
-            <a:picLocks noChangeAspect="1"/>
-          </p:cNvPicPr>
-          <p:nvPr/>
-        </p:nvPicPr>
-        <p:blipFill>
-          <a:blip r:embed="rId3"/>
-          <a:stretch>
-            <a:fillRect/>
-          </a:stretch>
-        </p:blipFill>
-        <p:spPr>
-          <a:xfrm>
-            <a:off x="304800" y="3886200"/>
-            <a:ext cx="7010400" cy="958303"/>
-          </a:xfrm>
-          <a:prstGeom prst="rect">
-            <a:avLst/>
-          </a:prstGeom>
-        </p:spPr>
-      </p:pic>
+            <a:pPr marL="285750" indent="-285750">
+              <a:buFont typeface="Arial" panose="020B0604020202020204" pitchFamily="34" charset="0"/>
+              <a:buChar char="•"/>
+            </a:pPr>
+            <a:r>
+              <a:rPr lang="es-ES_tradnl" dirty="0" smtClean="0">
+                <a:solidFill>
+                  <a:schemeClr val="tx1">
+                    <a:lumMod val="65000"/>
+                    <a:lumOff val="35000"/>
+                  </a:schemeClr>
+                </a:solidFill>
+                <a:latin typeface="Arial"/>
+                <a:cs typeface="Arial"/>
+              </a:rPr>
+              <a:t>Se logro generar armonías y melodías para </a:t>
+            </a:r>
+            <a:r>
+              <a:rPr lang="es-ES_tradnl" dirty="0" smtClean="0">
+                <a:solidFill>
+                  <a:schemeClr val="tx1">
+                    <a:lumMod val="65000"/>
+                    <a:lumOff val="35000"/>
+                  </a:schemeClr>
+                </a:solidFill>
+                <a:latin typeface="Arial"/>
+                <a:cs typeface="Arial"/>
+              </a:rPr>
+              <a:t>guitarra y </a:t>
+            </a:r>
+            <a:r>
+              <a:rPr lang="es-ES_tradnl" dirty="0" smtClean="0">
+                <a:solidFill>
+                  <a:schemeClr val="tx1">
+                    <a:lumMod val="65000"/>
+                    <a:lumOff val="35000"/>
+                  </a:schemeClr>
+                </a:solidFill>
+                <a:latin typeface="Arial"/>
+                <a:cs typeface="Arial"/>
+              </a:rPr>
+              <a:t>melodías de bajo</a:t>
+            </a:r>
+            <a:r>
+              <a:rPr lang="es-ES_tradnl" dirty="0" smtClean="0">
+                <a:solidFill>
+                  <a:schemeClr val="tx1">
+                    <a:lumMod val="65000"/>
+                    <a:lumOff val="35000"/>
+                  </a:schemeClr>
+                </a:solidFill>
+                <a:latin typeface="Arial"/>
+                <a:cs typeface="Arial"/>
+              </a:rPr>
+              <a:t>.</a:t>
+            </a:r>
+          </a:p>
+          <a:p>
+            <a:endParaRPr lang="es-ES_tradnl" dirty="0" smtClean="0">
+              <a:solidFill>
+                <a:schemeClr val="tx1">
+                  <a:lumMod val="65000"/>
+                  <a:lumOff val="35000"/>
+                </a:schemeClr>
+              </a:solidFill>
+              <a:latin typeface="Arial"/>
+              <a:cs typeface="Arial"/>
+            </a:endParaRPr>
+          </a:p>
+          <a:p>
+            <a:pPr marL="285750" indent="-285750">
+              <a:buFont typeface="Arial" panose="020B0604020202020204" pitchFamily="34" charset="0"/>
+              <a:buChar char="•"/>
+            </a:pPr>
+            <a:r>
+              <a:rPr lang="es-ES_tradnl" dirty="0" smtClean="0">
+                <a:solidFill>
+                  <a:schemeClr val="tx1">
+                    <a:lumMod val="65000"/>
+                    <a:lumOff val="35000"/>
+                  </a:schemeClr>
+                </a:solidFill>
+                <a:latin typeface="Arial"/>
+                <a:cs typeface="Arial"/>
+              </a:rPr>
+              <a:t>Se utilizo un método cuantitativo para </a:t>
+            </a:r>
+            <a:r>
+              <a:rPr lang="es-ES_tradnl" dirty="0" smtClean="0">
+                <a:solidFill>
+                  <a:schemeClr val="tx1">
+                    <a:lumMod val="65000"/>
+                    <a:lumOff val="35000"/>
+                  </a:schemeClr>
+                </a:solidFill>
+                <a:latin typeface="Arial"/>
+                <a:cs typeface="Arial"/>
+              </a:rPr>
+              <a:t>validar la </a:t>
+            </a:r>
+            <a:r>
+              <a:rPr lang="es-ES_tradnl" dirty="0" smtClean="0">
+                <a:solidFill>
+                  <a:schemeClr val="tx1">
+                    <a:lumMod val="65000"/>
+                    <a:lumOff val="35000"/>
+                  </a:schemeClr>
+                </a:solidFill>
+                <a:latin typeface="Arial"/>
+                <a:cs typeface="Arial"/>
+              </a:rPr>
+              <a:t>tonalidad de las canciones generadas</a:t>
+            </a:r>
+            <a:r>
+              <a:rPr lang="es-ES_tradnl" dirty="0" smtClean="0">
+                <a:solidFill>
+                  <a:schemeClr val="tx1">
+                    <a:lumMod val="65000"/>
+                    <a:lumOff val="35000"/>
+                  </a:schemeClr>
+                </a:solidFill>
+                <a:latin typeface="Arial"/>
+                <a:cs typeface="Arial"/>
+              </a:rPr>
+              <a:t>.</a:t>
+            </a:r>
+          </a:p>
+          <a:p>
+            <a:endParaRPr lang="es-ES_tradnl" dirty="0" smtClean="0">
+              <a:solidFill>
+                <a:schemeClr val="tx1">
+                  <a:lumMod val="65000"/>
+                  <a:lumOff val="35000"/>
+                </a:schemeClr>
+              </a:solidFill>
+              <a:latin typeface="Arial"/>
+              <a:cs typeface="Arial"/>
+            </a:endParaRPr>
+          </a:p>
+          <a:p>
+            <a:pPr marL="285750" indent="-285750">
+              <a:buFont typeface="Arial" panose="020B0604020202020204" pitchFamily="34" charset="0"/>
+              <a:buChar char="•"/>
+            </a:pPr>
+            <a:r>
+              <a:rPr lang="es-ES_tradnl" dirty="0" smtClean="0">
+                <a:solidFill>
+                  <a:schemeClr val="tx1">
+                    <a:lumMod val="65000"/>
+                    <a:lumOff val="35000"/>
+                  </a:schemeClr>
+                </a:solidFill>
+                <a:latin typeface="Arial"/>
+                <a:cs typeface="Arial"/>
+              </a:rPr>
+              <a:t>Se compararon diferentes arquitecturas y optimizadores, de los cuales se determino que la arquitectura 1 tuvo los mejores </a:t>
+            </a:r>
+            <a:r>
+              <a:rPr lang="es-ES_tradnl" dirty="0" smtClean="0">
+                <a:solidFill>
+                  <a:schemeClr val="tx1">
+                    <a:lumMod val="65000"/>
+                    <a:lumOff val="35000"/>
+                  </a:schemeClr>
+                </a:solidFill>
+                <a:latin typeface="Arial"/>
+                <a:cs typeface="Arial"/>
+              </a:rPr>
+              <a:t>resultados.</a:t>
+            </a:r>
+            <a:endParaRPr lang="es-ES_tradnl" dirty="0">
+              <a:solidFill>
+                <a:schemeClr val="tx1">
+                  <a:lumMod val="65000"/>
+                  <a:lumOff val="35000"/>
+                </a:schemeClr>
+              </a:solidFill>
+              <a:latin typeface="Arial"/>
+              <a:cs typeface="Arial"/>
+            </a:endParaRPr>
+          </a:p>
+        </p:txBody>
+      </p:sp>
     </p:spTree>
     <p:extLst>
       <p:ext uri="{BB962C8B-B14F-4D97-AF65-F5344CB8AC3E}">
-        <p14:creationId xmlns:p14="http://schemas.microsoft.com/office/powerpoint/2010/main" val="3141686425"/>
+        <p14:creationId xmlns:p14="http://schemas.microsoft.com/office/powerpoint/2010/main" val="2630158223"/>
       </p:ext>
     </p:extLst>
   </p:cSld>
@@ -5767,7 +5879,7 @@
                 <a:latin typeface="Arial"/>
                 <a:cs typeface="Arial"/>
               </a:rPr>
-              <a:t>Conclusiones</a:t>
+              <a:t>Referencias Bibliográficas</a:t>
             </a:r>
           </a:p>
         </p:txBody>
@@ -5780,8 +5892,8 @@
         </p:nvSpPr>
         <p:spPr>
           <a:xfrm>
-            <a:off x="457200" y="1371600"/>
-            <a:ext cx="7772400" cy="4524315"/>
+            <a:off x="457200" y="1219200"/>
+            <a:ext cx="8153400" cy="4924425"/>
           </a:xfrm>
           <a:prstGeom prst="rect">
             <a:avLst/>
@@ -5794,300 +5906,225 @@
           </a:bodyPr>
           <a:lstStyle/>
           <a:p>
-            <a:pPr marL="285750" indent="-285750">
-              <a:buFont typeface="Arial" panose="020B0604020202020204" pitchFamily="34" charset="0"/>
-              <a:buChar char="•"/>
-            </a:pPr>
-            <a:r>
-              <a:rPr lang="es-ES_tradnl" dirty="0">
-                <a:solidFill>
-                  <a:schemeClr val="tx1">
-                    <a:lumMod val="65000"/>
-                    <a:lumOff val="35000"/>
+            <a:r>
+              <a:rPr lang="es-ES_tradnl" sz="2000" b="1" dirty="0">
+                <a:solidFill>
+                  <a:schemeClr val="accent2">
+                    <a:lumMod val="75000"/>
                   </a:schemeClr>
                 </a:solidFill>
                 <a:latin typeface="Arial"/>
                 <a:cs typeface="Arial"/>
               </a:rPr>
-              <a:t>Las redes fueron capaces de aprender y generar música a partir de secuencias de entradas.</a:t>
-            </a:r>
-          </a:p>
-          <a:p>
-            <a:pPr marL="285750" indent="-285750">
-              <a:buFont typeface="Arial" panose="020B0604020202020204" pitchFamily="34" charset="0"/>
-              <a:buChar char="•"/>
-            </a:pPr>
-            <a:r>
-              <a:rPr lang="es-ES_tradnl" dirty="0">
-                <a:solidFill>
-                  <a:schemeClr val="tx1">
-                    <a:lumMod val="65000"/>
-                    <a:lumOff val="35000"/>
+              <a:t>Referencias</a:t>
+            </a:r>
+          </a:p>
+          <a:p>
+            <a:r>
+              <a:rPr lang="es-ES_tradnl" sz="2000" b="1" dirty="0">
+                <a:solidFill>
+                  <a:schemeClr val="accent2">
+                    <a:lumMod val="75000"/>
                   </a:schemeClr>
                 </a:solidFill>
                 <a:latin typeface="Arial"/>
                 <a:cs typeface="Arial"/>
               </a:rPr>
-              <a:t>La red que tuvo un mejor desempeño fue la arquitectura numero 1, la cual cuenta con capas de </a:t>
-            </a:r>
-            <a:r>
-              <a:rPr lang="es-ES_tradnl" dirty="0" err="1">
-                <a:solidFill>
-                  <a:schemeClr val="tx1">
-                    <a:lumMod val="65000"/>
-                    <a:lumOff val="35000"/>
-                  </a:schemeClr>
-                </a:solidFill>
-                <a:latin typeface="Arial"/>
-                <a:cs typeface="Arial"/>
-              </a:rPr>
-              <a:t>Dropout</a:t>
-            </a:r>
-            <a:r>
-              <a:rPr lang="es-ES_tradnl" dirty="0">
-                <a:solidFill>
-                  <a:schemeClr val="tx1">
-                    <a:lumMod val="65000"/>
-                    <a:lumOff val="35000"/>
-                  </a:schemeClr>
-                </a:solidFill>
-                <a:latin typeface="Arial"/>
-                <a:cs typeface="Arial"/>
-              </a:rPr>
-              <a:t> intermedias, </a:t>
-            </a:r>
-            <a:r>
-              <a:rPr lang="es-ES_tradnl" dirty="0" err="1">
-                <a:solidFill>
-                  <a:schemeClr val="tx1">
-                    <a:lumMod val="65000"/>
-                    <a:lumOff val="35000"/>
-                  </a:schemeClr>
-                </a:solidFill>
-                <a:latin typeface="Arial"/>
-                <a:cs typeface="Arial"/>
-              </a:rPr>
-              <a:t>asi</a:t>
-            </a:r>
-            <a:r>
-              <a:rPr lang="es-ES_tradnl" dirty="0">
-                <a:solidFill>
-                  <a:schemeClr val="tx1">
-                    <a:lumMod val="65000"/>
-                    <a:lumOff val="35000"/>
-                  </a:schemeClr>
-                </a:solidFill>
-                <a:latin typeface="Arial"/>
-                <a:cs typeface="Arial"/>
-              </a:rPr>
-              <a:t> como un optimizador </a:t>
-            </a:r>
-            <a:r>
-              <a:rPr lang="es-ES_tradnl" dirty="0" err="1">
-                <a:solidFill>
-                  <a:schemeClr val="tx1">
-                    <a:lumMod val="65000"/>
-                    <a:lumOff val="35000"/>
-                  </a:schemeClr>
-                </a:solidFill>
-                <a:latin typeface="Arial"/>
-                <a:cs typeface="Arial"/>
-              </a:rPr>
-              <a:t>RMSProp</a:t>
-            </a:r>
-            <a:r>
-              <a:rPr lang="es-ES_tradnl" dirty="0">
-                <a:solidFill>
-                  <a:schemeClr val="tx1">
-                    <a:lumMod val="65000"/>
-                    <a:lumOff val="35000"/>
-                  </a:schemeClr>
-                </a:solidFill>
-                <a:latin typeface="Arial"/>
-                <a:cs typeface="Arial"/>
-              </a:rPr>
-              <a:t>.</a:t>
-            </a:r>
-          </a:p>
-          <a:p>
-            <a:pPr marL="285750" indent="-285750">
-              <a:buFont typeface="Arial" panose="020B0604020202020204" pitchFamily="34" charset="0"/>
-              <a:buChar char="•"/>
-            </a:pPr>
-            <a:r>
-              <a:rPr lang="es-ES_tradnl" dirty="0">
-                <a:solidFill>
-                  <a:schemeClr val="tx1">
-                    <a:lumMod val="65000"/>
-                    <a:lumOff val="35000"/>
-                  </a:schemeClr>
-                </a:solidFill>
-                <a:latin typeface="Arial"/>
-                <a:cs typeface="Arial"/>
-              </a:rPr>
-              <a:t>A pesar de que la red con el optimizador </a:t>
-            </a:r>
-            <a:r>
-              <a:rPr lang="es-ES_tradnl" dirty="0" err="1">
-                <a:solidFill>
-                  <a:schemeClr val="tx1">
-                    <a:lumMod val="65000"/>
-                    <a:lumOff val="35000"/>
-                  </a:schemeClr>
-                </a:solidFill>
-                <a:latin typeface="Arial"/>
-                <a:cs typeface="Arial"/>
-              </a:rPr>
-              <a:t>Nadam</a:t>
-            </a:r>
-            <a:r>
-              <a:rPr lang="es-ES_tradnl" dirty="0">
-                <a:solidFill>
-                  <a:schemeClr val="tx1">
-                    <a:lumMod val="65000"/>
-                    <a:lumOff val="35000"/>
-                  </a:schemeClr>
-                </a:solidFill>
-                <a:latin typeface="Arial"/>
-                <a:cs typeface="Arial"/>
-              </a:rPr>
-              <a:t> no fue la mejor, presento excelentes resultados.</a:t>
-            </a:r>
-          </a:p>
-          <a:p>
-            <a:pPr marL="285750" indent="-285750">
-              <a:buFont typeface="Arial" panose="020B0604020202020204" pitchFamily="34" charset="0"/>
-              <a:buChar char="•"/>
-            </a:pPr>
-            <a:r>
-              <a:rPr lang="es-ES_tradnl" dirty="0">
-                <a:solidFill>
-                  <a:schemeClr val="tx1">
-                    <a:lumMod val="65000"/>
-                    <a:lumOff val="35000"/>
-                  </a:schemeClr>
-                </a:solidFill>
-                <a:latin typeface="Arial"/>
-                <a:cs typeface="Arial"/>
-              </a:rPr>
-              <a:t>Para trabajos futuros seria bueno experimentar con otras arquitecturas de redes LSTM.</a:t>
-            </a:r>
-          </a:p>
-          <a:p>
-            <a:pPr marL="285750" indent="-285750">
-              <a:buFont typeface="Arial" panose="020B0604020202020204" pitchFamily="34" charset="0"/>
-              <a:buChar char="•"/>
-            </a:pPr>
-            <a:r>
-              <a:rPr lang="es-ES_tradnl" dirty="0">
-                <a:solidFill>
-                  <a:schemeClr val="tx1">
-                    <a:lumMod val="65000"/>
-                    <a:lumOff val="35000"/>
-                  </a:schemeClr>
-                </a:solidFill>
-                <a:latin typeface="Arial"/>
-                <a:cs typeface="Arial"/>
-              </a:rPr>
-              <a:t>Las secuencias de salida generadas por la red, contiene tanto notas musicales como también silencios.</a:t>
-            </a:r>
-          </a:p>
-          <a:p>
-            <a:pPr marL="285750" indent="-285750">
-              <a:buFont typeface="Arial" panose="020B0604020202020204" pitchFamily="34" charset="0"/>
-              <a:buChar char="•"/>
-            </a:pPr>
-            <a:r>
-              <a:rPr lang="es-ES_tradnl" dirty="0">
-                <a:solidFill>
-                  <a:schemeClr val="tx1">
-                    <a:lumMod val="65000"/>
-                    <a:lumOff val="35000"/>
-                  </a:schemeClr>
-                </a:solidFill>
-                <a:latin typeface="Arial"/>
-                <a:cs typeface="Arial"/>
-              </a:rPr>
-              <a:t>El algoritmo de </a:t>
-            </a:r>
-            <a:r>
-              <a:rPr lang="es-ES_tradnl" dirty="0" err="1">
-                <a:solidFill>
-                  <a:schemeClr val="tx1">
-                    <a:lumMod val="65000"/>
-                    <a:lumOff val="35000"/>
-                  </a:schemeClr>
-                </a:solidFill>
-                <a:latin typeface="Arial"/>
-                <a:cs typeface="Arial"/>
-              </a:rPr>
-              <a:t>Krumhansl-Schmuckler</a:t>
-            </a:r>
-            <a:r>
-              <a:rPr lang="es-ES_tradnl" dirty="0">
-                <a:solidFill>
-                  <a:schemeClr val="tx1">
-                    <a:lumMod val="65000"/>
-                    <a:lumOff val="35000"/>
-                  </a:schemeClr>
-                </a:solidFill>
-                <a:latin typeface="Arial"/>
-                <a:cs typeface="Arial"/>
-              </a:rPr>
-              <a:t> sirvió bastante bien para la validación del proyecto.</a:t>
-            </a:r>
-          </a:p>
-          <a:p>
-            <a:pPr marL="285750" indent="-285750">
-              <a:buFont typeface="Arial" panose="020B0604020202020204" pitchFamily="34" charset="0"/>
-              <a:buChar char="•"/>
-            </a:pPr>
-            <a:r>
-              <a:rPr lang="es-ES_tradnl" dirty="0">
-                <a:solidFill>
-                  <a:schemeClr val="tx1">
-                    <a:lumMod val="65000"/>
-                    <a:lumOff val="35000"/>
-                  </a:schemeClr>
-                </a:solidFill>
-                <a:latin typeface="Arial"/>
-                <a:cs typeface="Arial"/>
-              </a:rPr>
-              <a:t>El tiempo de entrenamiento de esta red con todo el </a:t>
-            </a:r>
-            <a:r>
-              <a:rPr lang="es-ES_tradnl" dirty="0" err="1">
-                <a:solidFill>
-                  <a:schemeClr val="tx1">
-                    <a:lumMod val="65000"/>
-                    <a:lumOff val="35000"/>
-                  </a:schemeClr>
-                </a:solidFill>
-                <a:latin typeface="Arial"/>
-                <a:cs typeface="Arial"/>
-              </a:rPr>
-              <a:t>dataset</a:t>
-            </a:r>
-            <a:r>
-              <a:rPr lang="es-ES_tradnl" dirty="0">
-                <a:solidFill>
-                  <a:schemeClr val="tx1">
-                    <a:lumMod val="65000"/>
-                    <a:lumOff val="35000"/>
-                  </a:schemeClr>
-                </a:solidFill>
-                <a:latin typeface="Arial"/>
-                <a:cs typeface="Arial"/>
-              </a:rPr>
-              <a:t> es bastante grande, quizá en un futuro con mejor hardware se puedan correr mas épocas y ver si la red sigue evolucionando.</a:t>
-            </a:r>
+              <a:t>  </a:t>
+            </a:r>
+          </a:p>
+          <a:p>
+            <a:r>
+              <a:rPr lang="es-ES" sz="1400" i="1" dirty="0"/>
+              <a:t>[1] Mohamad H. Hassoun (1995), "Fundamentals of artificial neural networks"</a:t>
+            </a:r>
+            <a:endParaRPr lang="es-MX" sz="1400" dirty="0"/>
+          </a:p>
+          <a:p>
+            <a:r>
+              <a:rPr lang="es-ES" sz="1400" i="1" dirty="0"/>
+              <a:t>[2] Kevin Gurney (1997), "An introduction to neural networks"</a:t>
+            </a:r>
+            <a:endParaRPr lang="es-MX" sz="1400" dirty="0"/>
+          </a:p>
+          <a:p>
+            <a:r>
+              <a:rPr lang="es-ES" sz="1400" i="1" dirty="0"/>
+              <a:t>[3] Silas Franco dos Reis Alves (2016), "Artificial Neural Networks: A Practical Course"</a:t>
+            </a:r>
+            <a:endParaRPr lang="es-MX" sz="1400" dirty="0"/>
+          </a:p>
+          <a:p>
+            <a:r>
+              <a:rPr lang="es-ES" sz="1400" i="1" dirty="0"/>
+              <a:t>[4] Enric Herrera (1984), "Teoría musical y armonía moderna"</a:t>
+            </a:r>
+            <a:endParaRPr lang="es-MX" sz="1400" dirty="0"/>
+          </a:p>
+          <a:p>
+            <a:r>
+              <a:rPr lang="es-ES" sz="1400" i="1" dirty="0"/>
+              <a:t>[5] Eric Taylor (1989), "A.B.Guide to Music Theory“</a:t>
+            </a:r>
+          </a:p>
+          <a:p>
+            <a:r>
+              <a:rPr lang="es-MX" sz="1400" i="1" dirty="0"/>
+              <a:t>[6] </a:t>
+            </a:r>
+            <a:r>
+              <a:rPr lang="en-US" sz="1400" i="1" dirty="0"/>
+              <a:t>Douglas Eck and Jurgen Schmidhuber (</a:t>
+            </a:r>
+            <a:r>
+              <a:rPr lang="es-MX" sz="1400" i="1" dirty="0"/>
+              <a:t>2002), “</a:t>
+            </a:r>
+            <a:r>
+              <a:rPr lang="en-US" sz="1400" i="1" dirty="0"/>
+              <a:t>A first look at music composition using lstm recurrent neural networks. Technical Report No. IDSIA-07-</a:t>
+            </a:r>
+            <a:r>
+              <a:rPr lang="es-MX" sz="1400" i="1" dirty="0"/>
+              <a:t>02”</a:t>
+            </a:r>
+            <a:r>
+              <a:rPr lang="en-US" sz="1400" i="1" dirty="0"/>
+              <a:t> </a:t>
+            </a:r>
+            <a:endParaRPr lang="es-MX" sz="1400" i="1" dirty="0"/>
+          </a:p>
+          <a:p>
+            <a:r>
+              <a:rPr lang="es-ES" sz="1400" i="1" dirty="0"/>
+              <a:t>[7] Honglak Lee, Yan Largman, Peter Pham, Andrew Y. Ng</a:t>
+            </a:r>
+            <a:endParaRPr lang="es-MX" sz="1400" i="1" dirty="0"/>
+          </a:p>
+          <a:p>
+            <a:r>
+              <a:rPr lang="es-ES" sz="1400" i="1" dirty="0"/>
+              <a:t>(2009), “Unsupervised feature learning for audio classification using convolutional deep belief networks”</a:t>
+            </a:r>
+            <a:endParaRPr lang="es-ES_tradnl" sz="1400" i="1" dirty="0">
+              <a:solidFill>
+                <a:schemeClr val="tx1">
+                  <a:lumMod val="65000"/>
+                  <a:lumOff val="35000"/>
+                </a:schemeClr>
+              </a:solidFill>
+              <a:cs typeface="Arial"/>
+            </a:endParaRPr>
+          </a:p>
+          <a:p>
+            <a:r>
+              <a:rPr lang="es-ES" sz="1400" i="1" dirty="0"/>
+              <a:t>[8] </a:t>
+            </a:r>
+            <a:r>
+              <a:rPr lang="en-US" sz="1400" dirty="0"/>
+              <a:t>E. J. Humphrey, J. P. Bello, and Y. Lecun, </a:t>
+            </a:r>
+            <a:r>
+              <a:rPr lang="es-ES" sz="1400" i="1" dirty="0"/>
+              <a:t>(2013), "</a:t>
+            </a:r>
+            <a:r>
+              <a:rPr lang="en-US" sz="1400" dirty="0"/>
+              <a:t>Feature learning and deep architectures: New directions for music informatics</a:t>
+            </a:r>
+            <a:r>
+              <a:rPr lang="es-ES" sz="1400" i="1" dirty="0"/>
+              <a:t>"</a:t>
+            </a:r>
+            <a:endParaRPr lang="es-MX" sz="1400" i="1" dirty="0"/>
+          </a:p>
+          <a:p>
+            <a:r>
+              <a:rPr lang="es-ES" sz="1400" i="1" dirty="0"/>
+              <a:t>[9] Allen Huang y Raymon Wu</a:t>
+            </a:r>
+            <a:r>
+              <a:rPr lang="es-MX" sz="1400" i="1" dirty="0"/>
+              <a:t> </a:t>
+            </a:r>
+            <a:r>
+              <a:rPr lang="es-ES" sz="1400" i="1" dirty="0"/>
+              <a:t>(2016), “Deep Learning for Music”</a:t>
+            </a:r>
+          </a:p>
+          <a:p>
+            <a:r>
+              <a:rPr lang="es-ES" sz="1400" i="1" dirty="0"/>
+              <a:t>[10] </a:t>
+            </a:r>
+            <a:r>
+              <a:rPr lang="en-US" sz="1400" dirty="0"/>
+              <a:t>J. Pons, O. Nieto, M. Prockup, E. M. Schmidt, A. F. Ehmann, X. Serra, </a:t>
+            </a:r>
+            <a:r>
+              <a:rPr lang="es-ES" sz="1400" i="1" dirty="0"/>
+              <a:t>(2017), “</a:t>
+            </a:r>
+            <a:r>
+              <a:rPr lang="en-US" sz="1400" dirty="0"/>
+              <a:t>End-to-end learning for music audio tagging at scale</a:t>
+            </a:r>
+            <a:r>
+              <a:rPr lang="es-ES" sz="1400" i="1" dirty="0"/>
+              <a:t>”</a:t>
+            </a:r>
+          </a:p>
+          <a:p>
+            <a:r>
+              <a:rPr lang="es-ES" sz="1400" i="1" dirty="0"/>
+              <a:t>[11] </a:t>
+            </a:r>
+            <a:r>
+              <a:rPr lang="en-US" sz="1400" dirty="0"/>
+              <a:t>J. Briot, G. Hadjeres, and F. Pachet, </a:t>
+            </a:r>
+            <a:r>
+              <a:rPr lang="es-ES" sz="1400" i="1" dirty="0"/>
+              <a:t>(2017), “</a:t>
+            </a:r>
+            <a:r>
+              <a:rPr lang="en-US" sz="1400" dirty="0"/>
+              <a:t>Deep learning techniques for music generation - A survey</a:t>
+            </a:r>
+            <a:r>
+              <a:rPr lang="es-ES" sz="1400" i="1" dirty="0"/>
+              <a:t>”</a:t>
+            </a:r>
+          </a:p>
+          <a:p>
+            <a:r>
+              <a:rPr lang="en-US" sz="1400" i="1" dirty="0"/>
+              <a:t>[12] Colin Raffel (2016). "Learning-Based Methods for Comparing Sequences, with Applications to Audio-to-MIDI Alignment and Matching". PhD Thesis.</a:t>
+            </a:r>
+            <a:endParaRPr lang="es-ES" sz="1400" i="1" dirty="0"/>
+          </a:p>
+          <a:p>
+            <a:endParaRPr lang="es-MX" i="1" dirty="0"/>
+          </a:p>
+          <a:p>
+            <a:endParaRPr lang="es-ES_tradnl" dirty="0">
+              <a:solidFill>
+                <a:schemeClr val="tx1">
+                  <a:lumMod val="65000"/>
+                  <a:lumOff val="35000"/>
+                </a:schemeClr>
+              </a:solidFill>
+              <a:latin typeface="Arial"/>
+              <a:cs typeface="Arial"/>
+            </a:endParaRPr>
           </a:p>
         </p:txBody>
       </p:sp>
     </p:spTree>
     <p:extLst>
       <p:ext uri="{BB962C8B-B14F-4D97-AF65-F5344CB8AC3E}">
-        <p14:creationId xmlns:p14="http://schemas.microsoft.com/office/powerpoint/2010/main" val="2630158223"/>
+        <p14:creationId xmlns:p14="http://schemas.microsoft.com/office/powerpoint/2010/main" val="209157691"/>
       </p:ext>
     </p:extLst>
   </p:cSld>
@@ -6116,574 +6153,49 @@
       </p:grpSpPr>
       <p:sp>
         <p:nvSpPr>
-          <p:cNvPr id="7" name="CuadroTexto 6"/>
-          <p:cNvSpPr txBox="1"/>
-          <p:nvPr/>
-        </p:nvSpPr>
-        <p:spPr>
-          <a:xfrm>
-            <a:off x="304800" y="152400"/>
-            <a:ext cx="7239000" cy="553998"/>
-          </a:xfrm>
-          <a:prstGeom prst="rect">
-            <a:avLst/>
-          </a:prstGeom>
-          <a:noFill/>
-        </p:spPr>
-        <p:txBody>
-          <a:bodyPr wrap="square" rtlCol="0">
-            <a:spAutoFit/>
-          </a:bodyPr>
+          <p:cNvPr id="3" name="Content Placeholder 2">
+            <a:extLst>
+              <a:ext uri="{FF2B5EF4-FFF2-40B4-BE49-F238E27FC236}">
+                <a16:creationId xmlns="" xmlns:a16="http://schemas.microsoft.com/office/drawing/2014/main" id="{A31C01AB-94B2-4A10-BE15-E270120C89C2}"/>
+              </a:ext>
+            </a:extLst>
+          </p:cNvPr>
+          <p:cNvSpPr>
+            <a:spLocks noGrp="1"/>
+          </p:cNvSpPr>
+          <p:nvPr>
+            <p:ph idx="1"/>
+          </p:nvPr>
+        </p:nvSpPr>
+        <p:spPr>
+          <a:xfrm>
+            <a:off x="2133600" y="2677886"/>
+            <a:ext cx="5334000" cy="1828800"/>
+          </a:xfrm>
+        </p:spPr>
+        <p:txBody>
+          <a:bodyPr/>
           <a:lstStyle/>
           <a:p>
-            <a:r>
-              <a:rPr lang="es-ES_tradnl" sz="3000" b="1" dirty="0">
+            <a:pPr marL="0" indent="0">
+              <a:buNone/>
+            </a:pPr>
+            <a:r>
+              <a:rPr lang="es-MX" sz="9600" dirty="0" smtClean="0">
                 <a:solidFill>
                   <a:schemeClr val="accent6">
                     <a:lumMod val="75000"/>
                   </a:schemeClr>
                 </a:solidFill>
-                <a:latin typeface="Arial"/>
-                <a:cs typeface="Arial"/>
-              </a:rPr>
-              <a:t>Referencias Bibliográficas</a:t>
-            </a:r>
-          </a:p>
-        </p:txBody>
-      </p:sp>
-      <p:sp>
-        <p:nvSpPr>
-          <p:cNvPr id="4" name="CuadroTexto 3"/>
-          <p:cNvSpPr txBox="1"/>
-          <p:nvPr/>
-        </p:nvSpPr>
-        <p:spPr>
-          <a:xfrm>
-            <a:off x="457200" y="1219200"/>
-            <a:ext cx="8153400" cy="4924425"/>
-          </a:xfrm>
-          <a:prstGeom prst="rect">
-            <a:avLst/>
-          </a:prstGeom>
-          <a:noFill/>
-        </p:spPr>
-        <p:txBody>
-          <a:bodyPr wrap="square" rtlCol="0">
-            <a:spAutoFit/>
-          </a:bodyPr>
-          <a:lstStyle/>
-          <a:p>
-            <a:r>
-              <a:rPr lang="es-ES_tradnl" sz="2000" b="1" dirty="0">
-                <a:solidFill>
-                  <a:schemeClr val="accent2">
-                    <a:lumMod val="75000"/>
-                  </a:schemeClr>
-                </a:solidFill>
-                <a:latin typeface="Arial"/>
-                <a:cs typeface="Arial"/>
-              </a:rPr>
-              <a:t>Referencias</a:t>
-            </a:r>
-          </a:p>
-          <a:p>
-            <a:r>
-              <a:rPr lang="es-ES_tradnl" sz="2000" b="1" dirty="0">
-                <a:solidFill>
-                  <a:schemeClr val="accent2">
-                    <a:lumMod val="75000"/>
-                  </a:schemeClr>
-                </a:solidFill>
-                <a:latin typeface="Arial"/>
-                <a:cs typeface="Arial"/>
-              </a:rPr>
-              <a:t>  </a:t>
-            </a:r>
-          </a:p>
-          <a:p>
-            <a:r>
-              <a:rPr lang="es-ES" sz="1400" i="1" dirty="0"/>
-              <a:t>[1] </a:t>
-            </a:r>
-            <a:r>
-              <a:rPr lang="es-ES" sz="1400" i="1" dirty="0" err="1"/>
-              <a:t>Mohamad</a:t>
-            </a:r>
-            <a:r>
-              <a:rPr lang="es-ES" sz="1400" i="1" dirty="0"/>
-              <a:t> H. </a:t>
-            </a:r>
-            <a:r>
-              <a:rPr lang="es-ES" sz="1400" i="1" dirty="0" err="1"/>
-              <a:t>Hassoun</a:t>
-            </a:r>
-            <a:r>
-              <a:rPr lang="es-ES" sz="1400" i="1" dirty="0"/>
-              <a:t> (1995), "Fundamentals of artificial neural </a:t>
-            </a:r>
-            <a:r>
-              <a:rPr lang="es-ES" sz="1400" i="1" dirty="0" err="1"/>
-              <a:t>networks</a:t>
-            </a:r>
-            <a:r>
-              <a:rPr lang="es-ES" sz="1400" i="1" dirty="0"/>
-              <a:t>"</a:t>
-            </a:r>
-            <a:endParaRPr lang="es-MX" sz="1400" dirty="0"/>
-          </a:p>
-          <a:p>
-            <a:r>
-              <a:rPr lang="es-ES" sz="1400" i="1" dirty="0"/>
-              <a:t>[2] Kevin </a:t>
-            </a:r>
-            <a:r>
-              <a:rPr lang="es-ES" sz="1400" i="1" dirty="0" err="1"/>
-              <a:t>Gurney</a:t>
-            </a:r>
-            <a:r>
-              <a:rPr lang="es-ES" sz="1400" i="1" dirty="0"/>
-              <a:t> (1997), "</a:t>
-            </a:r>
-            <a:r>
-              <a:rPr lang="es-ES" sz="1400" i="1" dirty="0" err="1"/>
-              <a:t>An</a:t>
-            </a:r>
-            <a:r>
-              <a:rPr lang="es-ES" sz="1400" i="1" dirty="0"/>
-              <a:t> </a:t>
-            </a:r>
-            <a:r>
-              <a:rPr lang="es-ES" sz="1400" i="1" dirty="0" err="1"/>
-              <a:t>introduction</a:t>
-            </a:r>
-            <a:r>
-              <a:rPr lang="es-ES" sz="1400" i="1" dirty="0"/>
-              <a:t> to neural </a:t>
-            </a:r>
-            <a:r>
-              <a:rPr lang="es-ES" sz="1400" i="1" dirty="0" err="1"/>
-              <a:t>networks</a:t>
-            </a:r>
-            <a:r>
-              <a:rPr lang="es-ES" sz="1400" i="1" dirty="0"/>
-              <a:t>"</a:t>
-            </a:r>
-            <a:endParaRPr lang="es-MX" sz="1400" dirty="0"/>
-          </a:p>
-          <a:p>
-            <a:r>
-              <a:rPr lang="es-ES" sz="1400" i="1" dirty="0"/>
-              <a:t>[3] </a:t>
-            </a:r>
-            <a:r>
-              <a:rPr lang="es-ES" sz="1400" i="1" dirty="0" err="1"/>
-              <a:t>Silas</a:t>
-            </a:r>
-            <a:r>
-              <a:rPr lang="es-ES" sz="1400" i="1" dirty="0"/>
-              <a:t> Franco dos Reis Alves (2016), "Artificial Neural Networks: A </a:t>
-            </a:r>
-            <a:r>
-              <a:rPr lang="es-ES" sz="1400" i="1" dirty="0" err="1"/>
-              <a:t>Practical</a:t>
-            </a:r>
-            <a:r>
-              <a:rPr lang="es-ES" sz="1400" i="1" dirty="0"/>
-              <a:t> </a:t>
-            </a:r>
-            <a:r>
-              <a:rPr lang="es-ES" sz="1400" i="1" dirty="0" err="1"/>
-              <a:t>Course</a:t>
-            </a:r>
-            <a:r>
-              <a:rPr lang="es-ES" sz="1400" i="1" dirty="0"/>
-              <a:t>"</a:t>
-            </a:r>
-            <a:endParaRPr lang="es-MX" sz="1400" dirty="0"/>
-          </a:p>
-          <a:p>
-            <a:r>
-              <a:rPr lang="es-ES" sz="1400" i="1" dirty="0"/>
-              <a:t>[4] Enric Herrera (1984), "Teoría musical y armonía moderna"</a:t>
-            </a:r>
-            <a:endParaRPr lang="es-MX" sz="1400" dirty="0"/>
-          </a:p>
-          <a:p>
-            <a:r>
-              <a:rPr lang="es-ES" sz="1400" i="1" dirty="0"/>
-              <a:t>[5] Eric Taylor (1989), "</a:t>
-            </a:r>
-            <a:r>
-              <a:rPr lang="es-ES" sz="1400" i="1" dirty="0" err="1"/>
-              <a:t>A.B.Guide</a:t>
-            </a:r>
-            <a:r>
-              <a:rPr lang="es-ES" sz="1400" i="1" dirty="0"/>
-              <a:t> to Music </a:t>
-            </a:r>
-            <a:r>
-              <a:rPr lang="es-ES" sz="1400" i="1" dirty="0" err="1"/>
-              <a:t>Theory</a:t>
-            </a:r>
-            <a:r>
-              <a:rPr lang="es-ES" sz="1400" i="1" dirty="0"/>
-              <a:t>“</a:t>
-            </a:r>
-          </a:p>
-          <a:p>
-            <a:r>
-              <a:rPr lang="es-MX" sz="1400" i="1" dirty="0"/>
-              <a:t>[6] </a:t>
-            </a:r>
-            <a:r>
-              <a:rPr lang="en-US" sz="1400" i="1" dirty="0"/>
-              <a:t>Douglas Eck and </a:t>
-            </a:r>
-            <a:r>
-              <a:rPr lang="en-US" sz="1400" i="1" dirty="0" err="1"/>
-              <a:t>Jurgen</a:t>
-            </a:r>
-            <a:r>
-              <a:rPr lang="en-US" sz="1400" i="1" dirty="0"/>
-              <a:t> </a:t>
-            </a:r>
-            <a:r>
-              <a:rPr lang="en-US" sz="1400" i="1" dirty="0" err="1"/>
-              <a:t>Schmidhuber</a:t>
-            </a:r>
-            <a:r>
-              <a:rPr lang="en-US" sz="1400" i="1" dirty="0"/>
-              <a:t> (</a:t>
-            </a:r>
-            <a:r>
-              <a:rPr lang="es-MX" sz="1400" i="1" dirty="0"/>
-              <a:t>2002), “</a:t>
-            </a:r>
-            <a:r>
-              <a:rPr lang="en-US" sz="1400" i="1" dirty="0"/>
-              <a:t>A first look at music composition using </a:t>
-            </a:r>
-            <a:r>
-              <a:rPr lang="en-US" sz="1400" i="1" dirty="0" err="1"/>
-              <a:t>lstm</a:t>
-            </a:r>
-            <a:r>
-              <a:rPr lang="en-US" sz="1400" i="1" dirty="0"/>
-              <a:t> recurrent neural networks. Technical Report No. IDSIA-07-</a:t>
-            </a:r>
-            <a:r>
-              <a:rPr lang="es-MX" sz="1400" i="1" dirty="0"/>
-              <a:t>02”</a:t>
-            </a:r>
-            <a:r>
-              <a:rPr lang="en-US" sz="1400" i="1" dirty="0"/>
-              <a:t> </a:t>
-            </a:r>
-            <a:endParaRPr lang="es-MX" sz="1400" i="1" dirty="0"/>
-          </a:p>
-          <a:p>
-            <a:r>
-              <a:rPr lang="es-ES" sz="1400" i="1" dirty="0"/>
-              <a:t>[7] </a:t>
-            </a:r>
-            <a:r>
-              <a:rPr lang="es-ES" sz="1400" i="1" dirty="0" err="1"/>
-              <a:t>Honglak</a:t>
-            </a:r>
-            <a:r>
-              <a:rPr lang="es-ES" sz="1400" i="1" dirty="0"/>
-              <a:t> Lee, Yan </a:t>
-            </a:r>
-            <a:r>
-              <a:rPr lang="es-ES" sz="1400" i="1" dirty="0" err="1"/>
-              <a:t>Largman</a:t>
-            </a:r>
-            <a:r>
-              <a:rPr lang="es-ES" sz="1400" i="1" dirty="0"/>
-              <a:t>, Peter </a:t>
-            </a:r>
-            <a:r>
-              <a:rPr lang="es-ES" sz="1400" i="1" dirty="0" err="1"/>
-              <a:t>Pham</a:t>
-            </a:r>
-            <a:r>
-              <a:rPr lang="es-ES" sz="1400" i="1" dirty="0"/>
-              <a:t>, Andrew Y. </a:t>
-            </a:r>
-            <a:r>
-              <a:rPr lang="es-ES" sz="1400" i="1" dirty="0" err="1"/>
-              <a:t>Ng</a:t>
-            </a:r>
-            <a:endParaRPr lang="es-MX" sz="1400" i="1" dirty="0"/>
-          </a:p>
-          <a:p>
-            <a:r>
-              <a:rPr lang="es-ES" sz="1400" i="1" dirty="0"/>
-              <a:t>(2009), “</a:t>
-            </a:r>
-            <a:r>
-              <a:rPr lang="es-ES" sz="1400" i="1" dirty="0" err="1"/>
-              <a:t>Unsupervised</a:t>
-            </a:r>
-            <a:r>
-              <a:rPr lang="es-ES" sz="1400" i="1" dirty="0"/>
-              <a:t> </a:t>
-            </a:r>
-            <a:r>
-              <a:rPr lang="es-ES" sz="1400" i="1" dirty="0" err="1"/>
-              <a:t>feature</a:t>
-            </a:r>
-            <a:r>
-              <a:rPr lang="es-ES" sz="1400" i="1" dirty="0"/>
-              <a:t> </a:t>
-            </a:r>
-            <a:r>
-              <a:rPr lang="es-ES" sz="1400" i="1" dirty="0" err="1"/>
-              <a:t>learning</a:t>
-            </a:r>
-            <a:r>
-              <a:rPr lang="es-ES" sz="1400" i="1" dirty="0"/>
-              <a:t> </a:t>
-            </a:r>
-            <a:r>
-              <a:rPr lang="es-ES" sz="1400" i="1" dirty="0" err="1"/>
-              <a:t>for</a:t>
-            </a:r>
-            <a:r>
-              <a:rPr lang="es-ES" sz="1400" i="1" dirty="0"/>
-              <a:t> audio </a:t>
-            </a:r>
-            <a:r>
-              <a:rPr lang="es-ES" sz="1400" i="1" dirty="0" err="1"/>
-              <a:t>classification</a:t>
-            </a:r>
-            <a:r>
-              <a:rPr lang="es-ES" sz="1400" i="1" dirty="0"/>
-              <a:t> </a:t>
-            </a:r>
-            <a:r>
-              <a:rPr lang="es-ES" sz="1400" i="1" dirty="0" err="1"/>
-              <a:t>using</a:t>
-            </a:r>
-            <a:r>
-              <a:rPr lang="es-ES" sz="1400" i="1" dirty="0"/>
-              <a:t> </a:t>
-            </a:r>
-            <a:r>
-              <a:rPr lang="es-ES" sz="1400" i="1" dirty="0" err="1"/>
-              <a:t>convolutional</a:t>
-            </a:r>
-            <a:r>
-              <a:rPr lang="es-ES" sz="1400" i="1" dirty="0"/>
-              <a:t> </a:t>
-            </a:r>
-            <a:r>
-              <a:rPr lang="es-ES" sz="1400" i="1" dirty="0" err="1"/>
-              <a:t>deep</a:t>
-            </a:r>
-            <a:r>
-              <a:rPr lang="es-ES" sz="1400" i="1" dirty="0"/>
-              <a:t> </a:t>
-            </a:r>
-            <a:r>
-              <a:rPr lang="es-ES" sz="1400" i="1" dirty="0" err="1"/>
-              <a:t>belief</a:t>
-            </a:r>
-            <a:r>
-              <a:rPr lang="es-ES" sz="1400" i="1" dirty="0"/>
-              <a:t> </a:t>
-            </a:r>
-            <a:r>
-              <a:rPr lang="es-ES" sz="1400" i="1" dirty="0" err="1"/>
-              <a:t>networks</a:t>
-            </a:r>
-            <a:r>
-              <a:rPr lang="es-ES" sz="1400" i="1" dirty="0"/>
-              <a:t>”</a:t>
-            </a:r>
-            <a:endParaRPr lang="es-ES_tradnl" sz="1400" i="1" dirty="0">
+              </a:rPr>
+              <a:t>Preguntas</a:t>
+            </a:r>
+            <a:endParaRPr lang="en-US" sz="9600" dirty="0">
               <a:solidFill>
-                <a:schemeClr val="tx1">
-                  <a:lumMod val="65000"/>
-                  <a:lumOff val="35000"/>
+                <a:schemeClr val="accent6">
+                  <a:lumMod val="75000"/>
                 </a:schemeClr>
               </a:solidFill>
-              <a:cs typeface="Arial"/>
-            </a:endParaRPr>
-          </a:p>
-          <a:p>
-            <a:r>
-              <a:rPr lang="es-ES" sz="1400" i="1" dirty="0"/>
-              <a:t>[8] </a:t>
-            </a:r>
-            <a:r>
-              <a:rPr lang="en-US" sz="1400" dirty="0"/>
-              <a:t>E. J. Humphrey, J. P. Bello, and Y. </a:t>
-            </a:r>
-            <a:r>
-              <a:rPr lang="en-US" sz="1400" dirty="0" err="1"/>
-              <a:t>Lecun</a:t>
-            </a:r>
-            <a:r>
-              <a:rPr lang="en-US" sz="1400" dirty="0"/>
-              <a:t>, </a:t>
-            </a:r>
-            <a:r>
-              <a:rPr lang="es-ES" sz="1400" i="1" dirty="0"/>
-              <a:t>(2013), "</a:t>
-            </a:r>
-            <a:r>
-              <a:rPr lang="en-US" sz="1400" dirty="0"/>
-              <a:t>Feature learning and deep architectures: New directions for music informatics</a:t>
-            </a:r>
-            <a:r>
-              <a:rPr lang="es-ES" sz="1400" i="1" dirty="0"/>
-              <a:t>"</a:t>
-            </a:r>
-            <a:endParaRPr lang="es-MX" sz="1400" i="1" dirty="0"/>
-          </a:p>
-          <a:p>
-            <a:r>
-              <a:rPr lang="es-ES" sz="1400" i="1" dirty="0"/>
-              <a:t>[9] Allen Huang y </a:t>
-            </a:r>
-            <a:r>
-              <a:rPr lang="es-ES" sz="1400" i="1" dirty="0" err="1"/>
-              <a:t>Raymon</a:t>
-            </a:r>
-            <a:r>
-              <a:rPr lang="es-ES" sz="1400" i="1" dirty="0"/>
-              <a:t> Wu</a:t>
-            </a:r>
-            <a:r>
-              <a:rPr lang="es-MX" sz="1400" i="1" dirty="0"/>
-              <a:t> </a:t>
-            </a:r>
-            <a:r>
-              <a:rPr lang="es-ES" sz="1400" i="1" dirty="0"/>
-              <a:t>(2016), “Deep </a:t>
-            </a:r>
-            <a:r>
-              <a:rPr lang="es-ES" sz="1400" i="1" dirty="0" err="1"/>
-              <a:t>Learning</a:t>
-            </a:r>
-            <a:r>
-              <a:rPr lang="es-ES" sz="1400" i="1" dirty="0"/>
-              <a:t> </a:t>
-            </a:r>
-            <a:r>
-              <a:rPr lang="es-ES" sz="1400" i="1" dirty="0" err="1"/>
-              <a:t>for</a:t>
-            </a:r>
-            <a:r>
-              <a:rPr lang="es-ES" sz="1400" i="1" dirty="0"/>
-              <a:t> Music”</a:t>
-            </a:r>
-          </a:p>
-          <a:p>
-            <a:r>
-              <a:rPr lang="es-ES" sz="1400" i="1" dirty="0"/>
-              <a:t>[10] </a:t>
-            </a:r>
-            <a:r>
-              <a:rPr lang="en-US" sz="1400" dirty="0"/>
-              <a:t>J. Pons, O. Nieto, M. </a:t>
-            </a:r>
-            <a:r>
-              <a:rPr lang="en-US" sz="1400" dirty="0" err="1"/>
-              <a:t>Prockup</a:t>
-            </a:r>
-            <a:r>
-              <a:rPr lang="en-US" sz="1400" dirty="0"/>
-              <a:t>, E. M. Schmidt, A. F. Ehmann, X. Serra, </a:t>
-            </a:r>
-            <a:r>
-              <a:rPr lang="es-ES" sz="1400" i="1" dirty="0"/>
-              <a:t>(2017), “</a:t>
-            </a:r>
-            <a:r>
-              <a:rPr lang="en-US" sz="1400" dirty="0"/>
-              <a:t>End-to-end learning for music audio tagging at scale</a:t>
-            </a:r>
-            <a:r>
-              <a:rPr lang="es-ES" sz="1400" i="1" dirty="0"/>
-              <a:t>”</a:t>
-            </a:r>
-          </a:p>
-          <a:p>
-            <a:r>
-              <a:rPr lang="es-ES" sz="1400" i="1" dirty="0"/>
-              <a:t>[11] </a:t>
-            </a:r>
-            <a:r>
-              <a:rPr lang="en-US" sz="1400" dirty="0"/>
-              <a:t>J. </a:t>
-            </a:r>
-            <a:r>
-              <a:rPr lang="en-US" sz="1400" dirty="0" err="1"/>
-              <a:t>Briot</a:t>
-            </a:r>
-            <a:r>
-              <a:rPr lang="en-US" sz="1400" dirty="0"/>
-              <a:t>, G. </a:t>
-            </a:r>
-            <a:r>
-              <a:rPr lang="en-US" sz="1400" dirty="0" err="1"/>
-              <a:t>Hadjeres</a:t>
-            </a:r>
-            <a:r>
-              <a:rPr lang="en-US" sz="1400" dirty="0"/>
-              <a:t>, and F. </a:t>
-            </a:r>
-            <a:r>
-              <a:rPr lang="en-US" sz="1400" dirty="0" err="1"/>
-              <a:t>Pachet</a:t>
-            </a:r>
-            <a:r>
-              <a:rPr lang="en-US" sz="1400" dirty="0"/>
-              <a:t>, </a:t>
-            </a:r>
-            <a:r>
-              <a:rPr lang="es-ES" sz="1400" i="1" dirty="0"/>
-              <a:t>(2017), “</a:t>
-            </a:r>
-            <a:r>
-              <a:rPr lang="en-US" sz="1400" dirty="0"/>
-              <a:t>Deep learning techniques for music generation - A survey</a:t>
-            </a:r>
-            <a:r>
-              <a:rPr lang="es-ES" sz="1400" i="1" dirty="0"/>
-              <a:t>”</a:t>
-            </a:r>
-          </a:p>
-          <a:p>
-            <a:r>
-              <a:rPr lang="en-US" sz="1400" i="1" dirty="0"/>
-              <a:t>[12] Colin </a:t>
-            </a:r>
-            <a:r>
-              <a:rPr lang="en-US" sz="1400" i="1" dirty="0" err="1"/>
-              <a:t>Raffel</a:t>
-            </a:r>
-            <a:r>
-              <a:rPr lang="en-US" sz="1400" i="1" dirty="0"/>
-              <a:t> (2016). "Learning-Based Methods for Comparing Sequences, with Applications to Audio-to-MIDI Alignment and Matching". PhD Thesis.</a:t>
-            </a:r>
-            <a:endParaRPr lang="es-ES" sz="1400" i="1" dirty="0"/>
-          </a:p>
-          <a:p>
-            <a:endParaRPr lang="es-MX" i="1" dirty="0"/>
-          </a:p>
-          <a:p>
-            <a:endParaRPr lang="es-ES_tradnl" dirty="0">
-              <a:solidFill>
-                <a:schemeClr val="tx1">
-                  <a:lumMod val="65000"/>
-                  <a:lumOff val="35000"/>
-                </a:schemeClr>
-              </a:solidFill>
-              <a:latin typeface="Arial"/>
-              <a:cs typeface="Arial"/>
             </a:endParaRPr>
           </a:p>
         </p:txBody>
@@ -6691,7 +6203,7 @@
     </p:spTree>
     <p:extLst>
       <p:ext uri="{BB962C8B-B14F-4D97-AF65-F5344CB8AC3E}">
-        <p14:creationId xmlns:p14="http://schemas.microsoft.com/office/powerpoint/2010/main" val="209157691"/>
+        <p14:creationId xmlns:p14="http://schemas.microsoft.com/office/powerpoint/2010/main" val="42473229"/>
       </p:ext>
     </p:extLst>
   </p:cSld>
@@ -6718,6 +6230,85 @@
           <a:chExt cx="0" cy="0"/>
         </a:xfrm>
       </p:grpSpPr>
+      <p:sp>
+        <p:nvSpPr>
+          <p:cNvPr id="3" name="Content Placeholder 2">
+            <a:extLst>
+              <a:ext uri="{FF2B5EF4-FFF2-40B4-BE49-F238E27FC236}">
+                <a16:creationId xmlns="" xmlns:a16="http://schemas.microsoft.com/office/drawing/2014/main" id="{A31C01AB-94B2-4A10-BE15-E270120C89C2}"/>
+              </a:ext>
+            </a:extLst>
+          </p:cNvPr>
+          <p:cNvSpPr>
+            <a:spLocks noGrp="1"/>
+          </p:cNvSpPr>
+          <p:nvPr>
+            <p:ph idx="1"/>
+          </p:nvPr>
+        </p:nvSpPr>
+        <p:spPr>
+          <a:xfrm>
+            <a:off x="2667000" y="2667000"/>
+            <a:ext cx="3810000" cy="1828800"/>
+          </a:xfrm>
+        </p:spPr>
+        <p:txBody>
+          <a:bodyPr/>
+          <a:lstStyle/>
+          <a:p>
+            <a:pPr marL="0" indent="0">
+              <a:buNone/>
+            </a:pPr>
+            <a:r>
+              <a:rPr lang="es-MX" sz="9600" dirty="0">
+                <a:solidFill>
+                  <a:schemeClr val="accent6">
+                    <a:lumMod val="75000"/>
+                  </a:schemeClr>
+                </a:solidFill>
+              </a:rPr>
+              <a:t>Demo</a:t>
+            </a:r>
+            <a:endParaRPr lang="en-US" sz="9600" dirty="0">
+              <a:solidFill>
+                <a:schemeClr val="accent6">
+                  <a:lumMod val="75000"/>
+                </a:schemeClr>
+              </a:solidFill>
+            </a:endParaRPr>
+          </a:p>
+        </p:txBody>
+      </p:sp>
+    </p:spTree>
+    <p:extLst>
+      <p:ext uri="{BB962C8B-B14F-4D97-AF65-F5344CB8AC3E}">
+        <p14:creationId xmlns:p14="http://schemas.microsoft.com/office/powerpoint/2010/main" val="1341716479"/>
+      </p:ext>
+    </p:extLst>
+  </p:cSld>
+  <p:clrMapOvr>
+    <a:masterClrMapping/>
+  </p:clrMapOvr>
+</p:sld>
+</file>
+
+<file path=ppt/slides/slide28.xml><?xml version="1.0" encoding="utf-8"?>
+<p:sld xmlns:a="http://schemas.openxmlformats.org/drawingml/2006/main" xmlns:r="http://schemas.openxmlformats.org/officeDocument/2006/relationships" xmlns:p="http://schemas.openxmlformats.org/presentationml/2006/main">
+  <p:cSld>
+    <p:spTree>
+      <p:nvGrpSpPr>
+        <p:cNvPr id="1" name=""/>
+        <p:cNvGrpSpPr/>
+        <p:nvPr/>
+      </p:nvGrpSpPr>
+      <p:grpSpPr>
+        <a:xfrm>
+          <a:off x="0" y="0"/>
+          <a:ext cx="0" cy="0"/>
+          <a:chOff x="0" y="0"/>
+          <a:chExt cx="0" cy="0"/>
+        </a:xfrm>
+      </p:grpSpPr>
       <p:pic>
         <p:nvPicPr>
           <p:cNvPr id="3" name="Imagen 2" descr="Imagen PPT UAG NEW-03.jpg"/>
@@ -6829,15 +6420,7 @@
             <a:pPr lvl="0"/>
             <a:r>
               <a:rPr lang="es-MX" sz="2000" dirty="0"/>
-              <a:t>Creación de un programa que use algoritmos de Deep </a:t>
-            </a:r>
-            <a:r>
-              <a:rPr lang="es-MX" sz="2000" dirty="0" err="1"/>
-              <a:t>Learning</a:t>
-            </a:r>
-            <a:r>
-              <a:rPr lang="es-MX" sz="2000" dirty="0"/>
-              <a:t> para servir de apoyo en una composición musical.</a:t>
+              <a:t>Creación de un programa que use algoritmos de Deep Learning para servir de apoyo en una composición musical.</a:t>
             </a:r>
           </a:p>
         </p:txBody>
@@ -6937,7 +6520,7 @@
           <p:cNvPr id="2" name="Title 1">
             <a:extLst>
               <a:ext uri="{FF2B5EF4-FFF2-40B4-BE49-F238E27FC236}">
-                <a16:creationId xmlns:a16="http://schemas.microsoft.com/office/drawing/2014/main" id="{D77D6738-AB01-43C0-9F3C-DD0CC379904D}"/>
+                <a16:creationId xmlns="" xmlns:a16="http://schemas.microsoft.com/office/drawing/2014/main" id="{D77D6738-AB01-43C0-9F3C-DD0CC379904D}"/>
               </a:ext>
             </a:extLst>
           </p:cNvPr>
@@ -6966,6 +6549,18 @@
               </a:rPr>
               <a:t>Objetivos específicos</a:t>
             </a:r>
+            <a:r>
+              <a:rPr lang="es-ES_tradnl" b="1" dirty="0">
+                <a:solidFill>
+                  <a:schemeClr val="accent6">
+                    <a:lumMod val="75000"/>
+                  </a:schemeClr>
+                </a:solidFill>
+                <a:latin typeface="Arial"/>
+                <a:cs typeface="Arial"/>
+              </a:rPr>
+              <a:t/>
+            </a:r>
             <a:br>
               <a:rPr lang="es-ES_tradnl" b="1" dirty="0">
                 <a:solidFill>
@@ -6986,7 +6581,7 @@
           <p:cNvPr id="3" name="Content Placeholder 2">
             <a:extLst>
               <a:ext uri="{FF2B5EF4-FFF2-40B4-BE49-F238E27FC236}">
-                <a16:creationId xmlns:a16="http://schemas.microsoft.com/office/drawing/2014/main" id="{37D17579-C18D-41E0-BFB6-A1FA4F500CEB}"/>
+                <a16:creationId xmlns="" xmlns:a16="http://schemas.microsoft.com/office/drawing/2014/main" id="{37D17579-C18D-41E0-BFB6-A1FA4F500CEB}"/>
               </a:ext>
             </a:extLst>
           </p:cNvPr>
@@ -7008,15 +6603,7 @@
             </a:pPr>
             <a:r>
               <a:rPr lang="es-ES" sz="2400" dirty="0"/>
-              <a:t>Implementar una red neuronal de Deep </a:t>
-            </a:r>
-            <a:r>
-              <a:rPr lang="es-ES" sz="2400" dirty="0" err="1"/>
-              <a:t>Learning</a:t>
-            </a:r>
-            <a:r>
-              <a:rPr lang="es-ES" sz="2400" dirty="0"/>
-              <a:t> que sea capaz de crear melodías y armonías musicales en guitarra.</a:t>
+              <a:t>Implementar una red neuronal de Deep Learning que sea capaz de crear melodías y armonías musicales en guitarra.</a:t>
             </a:r>
           </a:p>
           <a:p>
@@ -7026,15 +6613,7 @@
             </a:pPr>
             <a:r>
               <a:rPr lang="es-ES" sz="2400" dirty="0"/>
-              <a:t>Implementar una red neuronal de Deep </a:t>
-            </a:r>
-            <a:r>
-              <a:rPr lang="es-ES" sz="2400" dirty="0" err="1"/>
-              <a:t>Learning</a:t>
-            </a:r>
-            <a:r>
-              <a:rPr lang="es-ES" sz="2400" dirty="0"/>
-              <a:t> que sea capaz de crear melodías musicales en bajo eléctrico.</a:t>
+              <a:t>Implementar una red neuronal de Deep Learning que sea capaz de crear melodías musicales en bajo eléctrico.</a:t>
             </a:r>
           </a:p>
           <a:p>
@@ -7361,7 +6940,7 @@
         <p:spPr>
           <a:xfrm>
             <a:off x="457200" y="1371600"/>
-            <a:ext cx="7467600" cy="4247317"/>
+            <a:ext cx="7467600" cy="3416320"/>
           </a:xfrm>
           <a:prstGeom prst="rect">
             <a:avLst/>
@@ -7378,169 +6957,7 @@
               <a:rPr lang="es-ES" b="1" dirty="0">
                 <a:latin typeface="+mj-lt"/>
               </a:rPr>
-              <a:t>2009, “</a:t>
-            </a:r>
-            <a:r>
-              <a:rPr lang="es-ES" b="1" dirty="0" err="1">
-                <a:latin typeface="+mj-lt"/>
-              </a:rPr>
-              <a:t>Unsupervised</a:t>
-            </a:r>
-            <a:r>
-              <a:rPr lang="es-ES" b="1" dirty="0">
-                <a:latin typeface="+mj-lt"/>
-              </a:rPr>
-              <a:t> </a:t>
-            </a:r>
-            <a:r>
-              <a:rPr lang="es-ES" b="1" dirty="0" err="1">
-                <a:latin typeface="+mj-lt"/>
-              </a:rPr>
-              <a:t>feature</a:t>
-            </a:r>
-            <a:r>
-              <a:rPr lang="es-ES" b="1" dirty="0">
-                <a:latin typeface="+mj-lt"/>
-              </a:rPr>
-              <a:t> </a:t>
-            </a:r>
-            <a:r>
-              <a:rPr lang="es-ES" b="1" dirty="0" err="1">
-                <a:latin typeface="+mj-lt"/>
-              </a:rPr>
-              <a:t>learning</a:t>
-            </a:r>
-            <a:r>
-              <a:rPr lang="es-ES" b="1" dirty="0">
-                <a:latin typeface="+mj-lt"/>
-              </a:rPr>
-              <a:t> </a:t>
-            </a:r>
-            <a:r>
-              <a:rPr lang="es-ES" b="1" dirty="0" err="1">
-                <a:latin typeface="+mj-lt"/>
-              </a:rPr>
-              <a:t>for</a:t>
-            </a:r>
-            <a:r>
-              <a:rPr lang="es-ES" b="1" dirty="0">
-                <a:latin typeface="+mj-lt"/>
-              </a:rPr>
-              <a:t> audio </a:t>
-            </a:r>
-            <a:r>
-              <a:rPr lang="es-ES" b="1" dirty="0" err="1">
-                <a:latin typeface="+mj-lt"/>
-              </a:rPr>
-              <a:t>classification</a:t>
-            </a:r>
-            <a:r>
-              <a:rPr lang="es-ES" b="1" dirty="0">
-                <a:latin typeface="+mj-lt"/>
-              </a:rPr>
-              <a:t> </a:t>
-            </a:r>
-            <a:r>
-              <a:rPr lang="es-ES" b="1" dirty="0" err="1">
-                <a:latin typeface="+mj-lt"/>
-              </a:rPr>
-              <a:t>using</a:t>
-            </a:r>
-            <a:r>
-              <a:rPr lang="es-ES" b="1" dirty="0">
-                <a:latin typeface="+mj-lt"/>
-              </a:rPr>
-              <a:t> </a:t>
-            </a:r>
-            <a:r>
-              <a:rPr lang="es-ES" b="1" dirty="0" err="1">
-                <a:latin typeface="+mj-lt"/>
-              </a:rPr>
-              <a:t>convolutional</a:t>
-            </a:r>
-            <a:r>
-              <a:rPr lang="es-ES" b="1" dirty="0">
-                <a:latin typeface="+mj-lt"/>
-              </a:rPr>
-              <a:t> </a:t>
-            </a:r>
-            <a:r>
-              <a:rPr lang="es-ES" b="1" dirty="0" err="1">
-                <a:latin typeface="+mj-lt"/>
-              </a:rPr>
-              <a:t>deep</a:t>
-            </a:r>
-            <a:r>
-              <a:rPr lang="es-ES" b="1" dirty="0">
-                <a:latin typeface="+mj-lt"/>
-              </a:rPr>
-              <a:t> </a:t>
-            </a:r>
-            <a:r>
-              <a:rPr lang="es-ES" b="1" dirty="0" err="1">
-                <a:latin typeface="+mj-lt"/>
-              </a:rPr>
-              <a:t>belief</a:t>
-            </a:r>
-            <a:r>
-              <a:rPr lang="es-ES" b="1" dirty="0">
-                <a:latin typeface="+mj-lt"/>
-              </a:rPr>
-              <a:t> </a:t>
-            </a:r>
-            <a:r>
-              <a:rPr lang="es-ES" b="1" dirty="0" err="1">
-                <a:latin typeface="+mj-lt"/>
-              </a:rPr>
-              <a:t>networks</a:t>
-            </a:r>
-            <a:r>
-              <a:rPr lang="es-ES" b="1" dirty="0">
-                <a:latin typeface="+mj-lt"/>
-              </a:rPr>
-              <a:t>”, Autores: </a:t>
-            </a:r>
-            <a:r>
-              <a:rPr lang="es-ES" b="1" dirty="0" err="1">
-                <a:latin typeface="+mj-lt"/>
-              </a:rPr>
-              <a:t>Honglak</a:t>
-            </a:r>
-            <a:r>
-              <a:rPr lang="es-ES" b="1" dirty="0">
-                <a:latin typeface="+mj-lt"/>
-              </a:rPr>
-              <a:t> Lee, Yan </a:t>
-            </a:r>
-            <a:r>
-              <a:rPr lang="es-ES" b="1" dirty="0" err="1">
-                <a:latin typeface="+mj-lt"/>
-              </a:rPr>
-              <a:t>Largman</a:t>
-            </a:r>
-            <a:r>
-              <a:rPr lang="es-ES" b="1" dirty="0">
-                <a:latin typeface="+mj-lt"/>
-              </a:rPr>
-              <a:t>, Peter </a:t>
-            </a:r>
-            <a:r>
-              <a:rPr lang="es-ES" b="1" dirty="0" err="1">
-                <a:latin typeface="+mj-lt"/>
-              </a:rPr>
-              <a:t>Pham</a:t>
-            </a:r>
-            <a:r>
-              <a:rPr lang="es-ES" b="1" dirty="0">
-                <a:latin typeface="+mj-lt"/>
-              </a:rPr>
-              <a:t>, Andrew Y. </a:t>
-            </a:r>
-            <a:r>
-              <a:rPr lang="es-ES" b="1" dirty="0" err="1">
-                <a:latin typeface="+mj-lt"/>
-              </a:rPr>
-              <a:t>Ng</a:t>
+              <a:t>2009, “Unsupervised feature learning for audio classification using convolutional deep belief networks”, Autores: Honglak Lee, Yan Largman, Peter Pham, Andrew Y. Ng</a:t>
             </a:r>
             <a:endParaRPr lang="es-MX" b="1" dirty="0">
               <a:latin typeface="+mj-lt"/>
@@ -7569,31 +6986,11 @@
               <a:rPr lang="en-US" b="1" dirty="0">
                 <a:latin typeface="+mj-lt"/>
               </a:rPr>
-              <a:t>Feature Learning and Deep Architectures: New Directions for Music Informatics”, </a:t>
-            </a:r>
-            <a:r>
-              <a:rPr lang="en-US" b="1" dirty="0" err="1">
-                <a:latin typeface="+mj-lt"/>
-              </a:rPr>
-              <a:t>Autores</a:t>
-            </a:r>
-            <a:r>
-              <a:rPr lang="en-US" b="1" dirty="0">
-                <a:latin typeface="+mj-lt"/>
-              </a:rPr>
-              <a:t>: </a:t>
+              <a:t>Feature Learning and Deep Architectures: New Directions for Music Informatics”, Autores: </a:t>
             </a:r>
             <a:r>
               <a:rPr lang="en-US" b="1" dirty="0"/>
-              <a:t>E. J. Humphrey, J. P. Bello, and Y. </a:t>
-            </a:r>
-            <a:r>
-              <a:rPr lang="en-US" b="1" dirty="0" err="1"/>
-              <a:t>Lecun</a:t>
-            </a:r>
-            <a:r>
-              <a:rPr lang="en-US" b="1" dirty="0"/>
-              <a:t>.</a:t>
+              <a:t>E. J. Humphrey, J. P. Bello, and Y. Lecun.</a:t>
             </a:r>
             <a:endParaRPr lang="en-US" b="1" dirty="0">
               <a:latin typeface="+mj-lt"/>
@@ -7616,43 +7013,7 @@
               <a:rPr lang="es-ES" b="1" dirty="0">
                 <a:latin typeface="+mj-lt"/>
               </a:rPr>
-              <a:t>2016, “Deep </a:t>
-            </a:r>
-            <a:r>
-              <a:rPr lang="es-ES" b="1" dirty="0" err="1">
-                <a:latin typeface="+mj-lt"/>
-              </a:rPr>
-              <a:t>Learning</a:t>
-            </a:r>
-            <a:r>
-              <a:rPr lang="es-ES" b="1" dirty="0">
-                <a:latin typeface="+mj-lt"/>
-              </a:rPr>
-              <a:t> </a:t>
-            </a:r>
-            <a:r>
-              <a:rPr lang="es-ES" b="1" dirty="0" err="1">
-                <a:latin typeface="+mj-lt"/>
-              </a:rPr>
-              <a:t>for</a:t>
-            </a:r>
-            <a:r>
-              <a:rPr lang="es-ES" b="1" dirty="0">
-                <a:latin typeface="+mj-lt"/>
-              </a:rPr>
-              <a:t> Music”, Autores: Allen Huang y </a:t>
-            </a:r>
-            <a:r>
-              <a:rPr lang="es-ES" b="1" dirty="0" err="1">
-                <a:latin typeface="+mj-lt"/>
-              </a:rPr>
-              <a:t>Raymon</a:t>
-            </a:r>
-            <a:r>
-              <a:rPr lang="es-ES" b="1" dirty="0">
-                <a:latin typeface="+mj-lt"/>
-              </a:rPr>
-              <a:t> Wu</a:t>
+              <a:t>2016, “Deep Learning for Music”, Autores: Allen Huang y Raymon Wu</a:t>
             </a:r>
           </a:p>
           <a:p>
@@ -7662,86 +7023,18 @@
           </a:p>
           <a:p>
             <a:r>
-              <a:rPr lang="en-US" b="1" dirty="0">
-                <a:cs typeface="Arial"/>
-              </a:rPr>
-              <a:t>2017, “End-to-end learning for music audio tagging at scale”, </a:t>
-            </a:r>
-            <a:r>
-              <a:rPr lang="en-US" b="1" dirty="0" err="1">
-                <a:cs typeface="Arial"/>
-              </a:rPr>
-              <a:t>Autores</a:t>
-            </a:r>
-            <a:r>
-              <a:rPr lang="en-US" b="1" dirty="0">
-                <a:cs typeface="Arial"/>
-              </a:rPr>
-              <a:t>: </a:t>
+              <a:rPr lang="en-US" b="1" dirty="0" smtClean="0"/>
+              <a:t>2017</a:t>
             </a:r>
             <a:r>
               <a:rPr lang="en-US" b="1" dirty="0"/>
-              <a:t>J. Pons, O. Nieto, M. </a:t>
-            </a:r>
-            <a:r>
-              <a:rPr lang="en-US" b="1" dirty="0" err="1"/>
-              <a:t>Prockup</a:t>
-            </a:r>
+              <a:t>, “Deep Learning Techniques for Music Generation - A</a:t>
+            </a:r>
+          </a:p>
+          <a:p>
             <a:r>
               <a:rPr lang="en-US" b="1" dirty="0"/>
-              <a:t>, E. M. Schmidt, A. F. Ehmann, X. Serra,</a:t>
-            </a:r>
-            <a:endParaRPr lang="en-US" b="1" dirty="0">
-              <a:cs typeface="Arial"/>
-            </a:endParaRPr>
-          </a:p>
-          <a:p>
-            <a:endParaRPr lang="es-ES" b="1" dirty="0">
-              <a:latin typeface="+mj-lt"/>
-            </a:endParaRPr>
-          </a:p>
-          <a:p>
-            <a:r>
-              <a:rPr lang="en-US" b="1" dirty="0"/>
-              <a:t>2017, “Deep Learning Techniques for Music Generation - A</a:t>
-            </a:r>
-          </a:p>
-          <a:p>
-            <a:r>
-              <a:rPr lang="en-US" b="1" dirty="0"/>
-              <a:t>Survey”, </a:t>
-            </a:r>
-            <a:r>
-              <a:rPr lang="en-US" b="1" dirty="0" err="1"/>
-              <a:t>Autores</a:t>
-            </a:r>
-            <a:r>
-              <a:rPr lang="en-US" b="1" dirty="0"/>
-              <a:t>: J. </a:t>
-            </a:r>
-            <a:r>
-              <a:rPr lang="en-US" b="1" dirty="0" err="1"/>
-              <a:t>Briot</a:t>
-            </a:r>
-            <a:r>
-              <a:rPr lang="en-US" b="1" dirty="0"/>
-              <a:t>, G. </a:t>
-            </a:r>
-            <a:r>
-              <a:rPr lang="en-US" b="1" dirty="0" err="1"/>
-              <a:t>Hadjeres</a:t>
-            </a:r>
-            <a:r>
-              <a:rPr lang="en-US" b="1" dirty="0"/>
-              <a:t>, F. </a:t>
-            </a:r>
-            <a:r>
-              <a:rPr lang="en-US" b="1" dirty="0" err="1"/>
-              <a:t>Pachet</a:t>
-            </a:r>
-            <a:r>
-              <a:rPr lang="en-US" b="1" dirty="0"/>
-              <a:t>.</a:t>
+              <a:t>Survey”, Autores: J. Briot, G. Hadjeres, F. Pachet.</a:t>
             </a:r>
             <a:endParaRPr lang="es-MX" b="1" dirty="0">
               <a:latin typeface="+mj-lt"/>
@@ -7796,7 +7089,7 @@
           <p:cNvPr id="2" name="Title 1">
             <a:extLst>
               <a:ext uri="{FF2B5EF4-FFF2-40B4-BE49-F238E27FC236}">
-                <a16:creationId xmlns:a16="http://schemas.microsoft.com/office/drawing/2014/main" id="{B693A2DD-1537-4020-A8EE-BFE90EA850FC}"/>
+                <a16:creationId xmlns="" xmlns:a16="http://schemas.microsoft.com/office/drawing/2014/main" id="{B693A2DD-1537-4020-A8EE-BFE90EA850FC}"/>
               </a:ext>
             </a:extLst>
           </p:cNvPr>
@@ -7825,6 +7118,18 @@
               </a:rPr>
               <a:t>Justificación</a:t>
             </a:r>
+            <a:r>
+              <a:rPr lang="es-ES_tradnl" b="1" dirty="0">
+                <a:solidFill>
+                  <a:schemeClr val="accent6">
+                    <a:lumMod val="75000"/>
+                  </a:schemeClr>
+                </a:solidFill>
+                <a:latin typeface="Arial"/>
+                <a:cs typeface="Arial"/>
+              </a:rPr>
+              <a:t/>
+            </a:r>
             <a:br>
               <a:rPr lang="es-ES_tradnl" b="1" dirty="0">
                 <a:solidFill>
@@ -7845,7 +7150,7 @@
           <p:cNvPr id="3" name="Content Placeholder 2">
             <a:extLst>
               <a:ext uri="{FF2B5EF4-FFF2-40B4-BE49-F238E27FC236}">
-                <a16:creationId xmlns:a16="http://schemas.microsoft.com/office/drawing/2014/main" id="{22578587-B870-405A-A2EE-3ECFCEEC2125}"/>
+                <a16:creationId xmlns="" xmlns:a16="http://schemas.microsoft.com/office/drawing/2014/main" id="{22578587-B870-405A-A2EE-3ECFCEEC2125}"/>
               </a:ext>
             </a:extLst>
           </p:cNvPr>
@@ -8002,7 +7307,7 @@
           <p:cNvPr id="5" name="CuadroTexto 3">
             <a:extLst>
               <a:ext uri="{FF2B5EF4-FFF2-40B4-BE49-F238E27FC236}">
-                <a16:creationId xmlns:a16="http://schemas.microsoft.com/office/drawing/2014/main" id="{2C6F1E49-54A6-4552-AC09-D263F8B76677}"/>
+                <a16:creationId xmlns="" xmlns:a16="http://schemas.microsoft.com/office/drawing/2014/main" id="{2C6F1E49-54A6-4552-AC09-D263F8B76677}"/>
               </a:ext>
             </a:extLst>
           </p:cNvPr>
@@ -8057,7 +7362,7 @@
           <p:cNvPr id="6" name="Picture 5">
             <a:extLst>
               <a:ext uri="{FF2B5EF4-FFF2-40B4-BE49-F238E27FC236}">
-                <a16:creationId xmlns:a16="http://schemas.microsoft.com/office/drawing/2014/main" id="{2E5E8650-A6C8-4C99-A9EA-6F76B252EA99}"/>
+                <a16:creationId xmlns="" xmlns:a16="http://schemas.microsoft.com/office/drawing/2014/main" id="{2E5E8650-A6C8-4C99-A9EA-6F76B252EA99}"/>
               </a:ext>
             </a:extLst>
           </p:cNvPr>
@@ -8087,7 +7392,7 @@
           <p:cNvPr id="9" name="Picture 8">
             <a:extLst>
               <a:ext uri="{FF2B5EF4-FFF2-40B4-BE49-F238E27FC236}">
-                <a16:creationId xmlns:a16="http://schemas.microsoft.com/office/drawing/2014/main" id="{B1CCF33A-76CE-46F8-A76E-6924378E42F0}"/>
+                <a16:creationId xmlns="" xmlns:a16="http://schemas.microsoft.com/office/drawing/2014/main" id="{B1CCF33A-76CE-46F8-A76E-6924378E42F0}"/>
               </a:ext>
             </a:extLst>
           </p:cNvPr>
@@ -8233,7 +7538,7 @@
           <p:cNvPr id="8" name="CuadroTexto 3">
             <a:extLst>
               <a:ext uri="{FF2B5EF4-FFF2-40B4-BE49-F238E27FC236}">
-                <a16:creationId xmlns:a16="http://schemas.microsoft.com/office/drawing/2014/main" id="{6A815BD4-32B8-4B38-8DD8-4ED6BA322AD4}"/>
+                <a16:creationId xmlns="" xmlns:a16="http://schemas.microsoft.com/office/drawing/2014/main" id="{6A815BD4-32B8-4B38-8DD8-4ED6BA322AD4}"/>
               </a:ext>
             </a:extLst>
           </p:cNvPr>
@@ -8257,7 +7562,7 @@
           <a:lstStyle/>
           <a:p>
             <a:r>
-              <a:rPr lang="es-ES_tradnl" sz="2000" b="1" dirty="0" err="1">
+              <a:rPr lang="es-ES_tradnl" sz="2000" b="1" dirty="0">
                 <a:solidFill>
                   <a:schemeClr val="accent2">
                     <a:lumMod val="75000"/>
@@ -8268,15 +7573,6 @@
               </a:rPr>
               <a:t>RMSProp</a:t>
             </a:r>
-            <a:endParaRPr lang="es-ES_tradnl" sz="2000" b="1" dirty="0">
-              <a:solidFill>
-                <a:schemeClr val="accent2">
-                  <a:lumMod val="75000"/>
-                </a:schemeClr>
-              </a:solidFill>
-              <a:latin typeface="Arial"/>
-              <a:cs typeface="Arial"/>
-            </a:endParaRPr>
           </a:p>
           <a:p>
             <a:endParaRPr lang="es-ES_tradnl" dirty="0">
@@ -8297,7 +7593,7 @@
           <p:cNvPr id="10" name="CuadroTexto 3">
             <a:extLst>
               <a:ext uri="{FF2B5EF4-FFF2-40B4-BE49-F238E27FC236}">
-                <a16:creationId xmlns:a16="http://schemas.microsoft.com/office/drawing/2014/main" id="{9DE8D0B2-94BA-4573-B8CC-2773142A78C8}"/>
+                <a16:creationId xmlns="" xmlns:a16="http://schemas.microsoft.com/office/drawing/2014/main" id="{9DE8D0B2-94BA-4573-B8CC-2773142A78C8}"/>
               </a:ext>
             </a:extLst>
           </p:cNvPr>
@@ -8339,7 +7635,7 @@
           <p:cNvPr id="11" name="CuadroTexto 3">
             <a:extLst>
               <a:ext uri="{FF2B5EF4-FFF2-40B4-BE49-F238E27FC236}">
-                <a16:creationId xmlns:a16="http://schemas.microsoft.com/office/drawing/2014/main" id="{A772EEA1-1444-4242-B83A-DF0EBD5217E4}"/>
+                <a16:creationId xmlns="" xmlns:a16="http://schemas.microsoft.com/office/drawing/2014/main" id="{A772EEA1-1444-4242-B83A-DF0EBD5217E4}"/>
               </a:ext>
             </a:extLst>
           </p:cNvPr>
@@ -8363,7 +7659,7 @@
           <a:lstStyle/>
           <a:p>
             <a:r>
-              <a:rPr lang="es-ES_tradnl" sz="2000" b="1" dirty="0" err="1">
+              <a:rPr lang="es-ES_tradnl" sz="2000" b="1" dirty="0">
                 <a:solidFill>
                   <a:schemeClr val="accent2">
                     <a:lumMod val="75000"/>
@@ -8374,15 +7670,6 @@
               </a:rPr>
               <a:t>Nadam</a:t>
             </a:r>
-            <a:endParaRPr lang="es-ES_tradnl" sz="2000" b="1" dirty="0">
-              <a:solidFill>
-                <a:schemeClr val="accent2">
-                  <a:lumMod val="75000"/>
-                </a:schemeClr>
-              </a:solidFill>
-              <a:latin typeface="Arial"/>
-              <a:cs typeface="Arial"/>
-            </a:endParaRPr>
           </a:p>
           <a:p>
             <a:endParaRPr lang="es-ES_tradnl" dirty="0">
@@ -8403,7 +7690,7 @@
           <p:cNvPr id="13" name="CuadroTexto 3">
             <a:extLst>
               <a:ext uri="{FF2B5EF4-FFF2-40B4-BE49-F238E27FC236}">
-                <a16:creationId xmlns:a16="http://schemas.microsoft.com/office/drawing/2014/main" id="{5A10D506-3E69-4C32-AAED-BA7626D73AD8}"/>
+                <a16:creationId xmlns="" xmlns:a16="http://schemas.microsoft.com/office/drawing/2014/main" id="{5A10D506-3E69-4C32-AAED-BA7626D73AD8}"/>
               </a:ext>
             </a:extLst>
           </p:cNvPr>
@@ -8431,49 +7718,7 @@
                 <a:latin typeface="Arial"/>
                 <a:cs typeface="Arial"/>
               </a:rPr>
-              <a:t>Es una combinación de </a:t>
-            </a:r>
-            <a:r>
-              <a:rPr lang="es-ES" dirty="0" err="1">
-                <a:latin typeface="Arial"/>
-                <a:cs typeface="Arial"/>
-              </a:rPr>
-              <a:t>RMSProp</a:t>
-            </a:r>
-            <a:r>
-              <a:rPr lang="es-ES" dirty="0">
-                <a:latin typeface="Arial"/>
-                <a:cs typeface="Arial"/>
-              </a:rPr>
-              <a:t>, </a:t>
-            </a:r>
-            <a:r>
-              <a:rPr lang="es-ES" dirty="0" err="1">
-                <a:latin typeface="Arial"/>
-                <a:cs typeface="Arial"/>
-              </a:rPr>
-              <a:t>Momentum</a:t>
-            </a:r>
-            <a:r>
-              <a:rPr lang="es-ES" dirty="0">
-                <a:latin typeface="Arial"/>
-                <a:cs typeface="Arial"/>
-              </a:rPr>
-              <a:t> y </a:t>
-            </a:r>
-            <a:r>
-              <a:rPr lang="es-ES" dirty="0" err="1">
-                <a:latin typeface="Arial"/>
-                <a:cs typeface="Arial"/>
-              </a:rPr>
-              <a:t>Nesterov</a:t>
-            </a:r>
-            <a:r>
-              <a:rPr lang="es-ES" dirty="0">
-                <a:latin typeface="Arial"/>
-                <a:cs typeface="Arial"/>
-              </a:rPr>
-              <a:t> el cual posee una estimación del momento adaptativo</a:t>
+              <a:t>Es una combinación de RMSProp, Momentum y Nesterov el cual posee una estimación del momento adaptativo</a:t>
             </a:r>
             <a:endParaRPr lang="es-ES_tradnl" dirty="0">
               <a:latin typeface="Arial"/>
@@ -8487,7 +7732,7 @@
           <p:cNvPr id="2" name="Picture 1">
             <a:extLst>
               <a:ext uri="{FF2B5EF4-FFF2-40B4-BE49-F238E27FC236}">
-                <a16:creationId xmlns:a16="http://schemas.microsoft.com/office/drawing/2014/main" id="{C6E1E554-AA31-4FD4-B051-46D49F2F9A97}"/>
+                <a16:creationId xmlns="" xmlns:a16="http://schemas.microsoft.com/office/drawing/2014/main" id="{C6E1E554-AA31-4FD4-B051-46D49F2F9A97}"/>
               </a:ext>
             </a:extLst>
           </p:cNvPr>
@@ -8517,7 +7762,7 @@
           <p:cNvPr id="5" name="Picture 4">
             <a:extLst>
               <a:ext uri="{FF2B5EF4-FFF2-40B4-BE49-F238E27FC236}">
-                <a16:creationId xmlns:a16="http://schemas.microsoft.com/office/drawing/2014/main" id="{59871A4D-F5F0-4D38-8A04-C087726AFC3F}"/>
+                <a16:creationId xmlns="" xmlns:a16="http://schemas.microsoft.com/office/drawing/2014/main" id="{59871A4D-F5F0-4D38-8A04-C087726AFC3F}"/>
               </a:ext>
             </a:extLst>
           </p:cNvPr>
